--- a/1-Overview-Tools-Acquisition/netcore-workshop-overview-tools.pptx
+++ b/1-Overview-Tools-Acquisition/netcore-workshop-overview-tools.pptx
@@ -7,10 +7,10 @@
     <p:sldMasterId id="2147484589" r:id="rId6"/>
   </p:sldMasterIdLst>
   <p:notesMasterIdLst>
-    <p:notesMasterId r:id="rId47"/>
+    <p:notesMasterId r:id="rId46"/>
   </p:notesMasterIdLst>
   <p:handoutMasterIdLst>
-    <p:handoutMasterId r:id="rId48"/>
+    <p:handoutMasterId r:id="rId47"/>
   </p:handoutMasterIdLst>
   <p:sldIdLst>
     <p:sldId id="1393" r:id="rId7"/>
@@ -20,39 +20,38 @@
     <p:sldId id="1497" r:id="rId11"/>
     <p:sldId id="1638" r:id="rId12"/>
     <p:sldId id="1639" r:id="rId13"/>
-    <p:sldId id="1640" r:id="rId14"/>
-    <p:sldId id="1641" r:id="rId15"/>
-    <p:sldId id="1642" r:id="rId16"/>
-    <p:sldId id="1659" r:id="rId17"/>
-    <p:sldId id="1624" r:id="rId18"/>
-    <p:sldId id="1647" r:id="rId19"/>
-    <p:sldId id="1648" r:id="rId20"/>
-    <p:sldId id="1579" r:id="rId21"/>
-    <p:sldId id="1578" r:id="rId22"/>
-    <p:sldId id="1591" r:id="rId23"/>
-    <p:sldId id="1582" r:id="rId24"/>
-    <p:sldId id="1581" r:id="rId25"/>
-    <p:sldId id="1643" r:id="rId26"/>
-    <p:sldId id="1644" r:id="rId27"/>
-    <p:sldId id="1523" r:id="rId28"/>
-    <p:sldId id="1514" r:id="rId29"/>
-    <p:sldId id="1576" r:id="rId30"/>
-    <p:sldId id="1589" r:id="rId31"/>
-    <p:sldId id="1662" r:id="rId32"/>
-    <p:sldId id="1663" r:id="rId33"/>
-    <p:sldId id="1664" r:id="rId34"/>
-    <p:sldId id="1665" r:id="rId35"/>
-    <p:sldId id="1666" r:id="rId36"/>
-    <p:sldId id="1660" r:id="rId37"/>
-    <p:sldId id="1661" r:id="rId38"/>
-    <p:sldId id="1658" r:id="rId39"/>
-    <p:sldId id="1652" r:id="rId40"/>
-    <p:sldId id="1653" r:id="rId41"/>
-    <p:sldId id="1654" r:id="rId42"/>
-    <p:sldId id="1655" r:id="rId43"/>
-    <p:sldId id="1656" r:id="rId44"/>
-    <p:sldId id="1657" r:id="rId45"/>
-    <p:sldId id="1507" r:id="rId46"/>
+    <p:sldId id="1641" r:id="rId14"/>
+    <p:sldId id="1642" r:id="rId15"/>
+    <p:sldId id="1659" r:id="rId16"/>
+    <p:sldId id="1624" r:id="rId17"/>
+    <p:sldId id="1647" r:id="rId18"/>
+    <p:sldId id="1648" r:id="rId19"/>
+    <p:sldId id="1579" r:id="rId20"/>
+    <p:sldId id="1578" r:id="rId21"/>
+    <p:sldId id="1591" r:id="rId22"/>
+    <p:sldId id="1582" r:id="rId23"/>
+    <p:sldId id="1581" r:id="rId24"/>
+    <p:sldId id="1643" r:id="rId25"/>
+    <p:sldId id="1644" r:id="rId26"/>
+    <p:sldId id="1523" r:id="rId27"/>
+    <p:sldId id="1514" r:id="rId28"/>
+    <p:sldId id="1576" r:id="rId29"/>
+    <p:sldId id="1589" r:id="rId30"/>
+    <p:sldId id="1662" r:id="rId31"/>
+    <p:sldId id="1663" r:id="rId32"/>
+    <p:sldId id="1664" r:id="rId33"/>
+    <p:sldId id="1665" r:id="rId34"/>
+    <p:sldId id="1666" r:id="rId35"/>
+    <p:sldId id="1660" r:id="rId36"/>
+    <p:sldId id="1661" r:id="rId37"/>
+    <p:sldId id="1658" r:id="rId38"/>
+    <p:sldId id="1652" r:id="rId39"/>
+    <p:sldId id="1653" r:id="rId40"/>
+    <p:sldId id="1654" r:id="rId41"/>
+    <p:sldId id="1655" r:id="rId42"/>
+    <p:sldId id="1656" r:id="rId43"/>
+    <p:sldId id="1657" r:id="rId44"/>
+    <p:sldId id="1507" r:id="rId45"/>
   </p:sldIdLst>
   <p:sldSz cx="12436475" cy="6994525"/>
   <p:notesSz cx="6858000" cy="9144000"/>
@@ -163,7 +162,6 @@
             <p14:sldId id="1497"/>
             <p14:sldId id="1638"/>
             <p14:sldId id="1639"/>
-            <p14:sldId id="1640"/>
             <p14:sldId id="1641"/>
             <p14:sldId id="1642"/>
             <p14:sldId id="1659"/>
@@ -327,7 +325,7 @@
               <a:rPr lang="en-US" smtClean="0">
                 <a:latin typeface="Segoe UI" pitchFamily="34" charset="0"/>
               </a:rPr>
-              <a:t>9/15/2017 11:17 AM</a:t>
+              <a:t>9/17/2017 3:38 AM</a:t>
             </a:fld>
             <a:endParaRPr lang="en-US" dirty="0">
               <a:latin typeface="Segoe UI" pitchFamily="34" charset="0"/>
@@ -608,7 +606,7 @@
           <a:p>
             <a:fld id="{38EEC551-8CDA-4EB6-89BB-2A86C9F091C8}" type="datetime8">
               <a:rPr lang="en-US" smtClean="0"/>
-              <a:t>9/15/2017 11:12 AM</a:t>
+              <a:t>9/17/2017 3:32 AM</a:t>
             </a:fld>
             <a:endParaRPr lang="en-US" dirty="0"/>
           </a:p>
@@ -1025,7 +1023,7 @@
           <a:p>
             <a:fld id="{38EEC551-8CDA-4EB6-89BB-2A86C9F091C8}" type="datetime8">
               <a:rPr lang="en-US" smtClean="0"/>
-              <a:t>9/15/2017 11:12 AM</a:t>
+              <a:t>9/17/2017 3:32 AM</a:t>
             </a:fld>
             <a:endParaRPr lang="en-US" dirty="0"/>
           </a:p>
@@ -1069,191 +1067,6 @@
 </file>
 
 <file path=ppt/notesSlides/notesSlide10.xml><?xml version="1.0" encoding="utf-8"?>
-<p:notes xmlns:a="http://schemas.openxmlformats.org/drawingml/2006/main" xmlns:r="http://schemas.openxmlformats.org/officeDocument/2006/relationships" xmlns:p="http://schemas.openxmlformats.org/presentationml/2006/main">
-  <p:cSld>
-    <p:spTree>
-      <p:nvGrpSpPr>
-        <p:cNvPr id="1" name=""/>
-        <p:cNvGrpSpPr/>
-        <p:nvPr/>
-      </p:nvGrpSpPr>
-      <p:grpSpPr>
-        <a:xfrm>
-          <a:off x="0" y="0"/>
-          <a:ext cx="0" cy="0"/>
-          <a:chOff x="0" y="0"/>
-          <a:chExt cx="0" cy="0"/>
-        </a:xfrm>
-      </p:grpSpPr>
-      <p:sp>
-        <p:nvSpPr>
-          <p:cNvPr id="2" name="Slide Image Placeholder 1"/>
-          <p:cNvSpPr>
-            <a:spLocks noGrp="1" noRot="1" noChangeAspect="1"/>
-          </p:cNvSpPr>
-          <p:nvPr>
-            <p:ph type="sldImg"/>
-          </p:nvPr>
-        </p:nvSpPr>
-        <p:spPr/>
-      </p:sp>
-      <p:sp>
-        <p:nvSpPr>
-          <p:cNvPr id="3" name="Notes Placeholder 2"/>
-          <p:cNvSpPr>
-            <a:spLocks noGrp="1"/>
-          </p:cNvSpPr>
-          <p:nvPr>
-            <p:ph type="body" idx="1"/>
-          </p:nvPr>
-        </p:nvSpPr>
-        <p:spPr/>
-        <p:txBody>
-          <a:bodyPr/>
-          <a:lstStyle/>
-          <a:p>
-            <a:endParaRPr lang="en-US"/>
-          </a:p>
-        </p:txBody>
-      </p:sp>
-      <p:sp>
-        <p:nvSpPr>
-          <p:cNvPr id="4" name="Header Placeholder 3"/>
-          <p:cNvSpPr>
-            <a:spLocks noGrp="1"/>
-          </p:cNvSpPr>
-          <p:nvPr>
-            <p:ph type="hdr" sz="quarter" idx="10"/>
-          </p:nvPr>
-        </p:nvSpPr>
-        <p:spPr/>
-        <p:txBody>
-          <a:bodyPr/>
-          <a:lstStyle/>
-          <a:p>
-            <a:r>
-              <a:rPr lang="en-US"/>
-              <a:t>Microsoft Ignite 2016</a:t>
-            </a:r>
-            <a:endParaRPr lang="en-US" dirty="0"/>
-          </a:p>
-        </p:txBody>
-      </p:sp>
-      <p:sp>
-        <p:nvSpPr>
-          <p:cNvPr id="5" name="Footer Placeholder 4"/>
-          <p:cNvSpPr>
-            <a:spLocks noGrp="1"/>
-          </p:cNvSpPr>
-          <p:nvPr>
-            <p:ph type="ftr" sz="quarter" idx="11"/>
-          </p:nvPr>
-        </p:nvSpPr>
-        <p:spPr/>
-        <p:txBody>
-          <a:bodyPr/>
-          <a:lstStyle/>
-          <a:p>
-            <a:pPr defTabSz="914099" eaLnBrk="0" hangingPunct="0"/>
-            <a:r>
-              <a:rPr lang="en-US" sz="400">
-                <a:gradFill>
-                  <a:gsLst>
-                    <a:gs pos="0">
-                      <a:prstClr val="black"/>
-                    </a:gs>
-                    <a:gs pos="100000">
-                      <a:prstClr val="black"/>
-                    </a:gs>
-                  </a:gsLst>
-                  <a:lin ang="5400000" scaled="0"/>
-                </a:gradFill>
-                <a:latin typeface="Segoe UI" pitchFamily="34" charset="0"/>
-                <a:ea typeface="Segoe UI" pitchFamily="34" charset="0"/>
-                <a:cs typeface="Segoe UI" pitchFamily="34" charset="0"/>
-              </a:rPr>
-              <a:t>© 2016 Microsoft Corporation. All rights reserved. MICROSOFT MAKES NO WARRANTIES, EXPRESS, IMPLIED OR STATUTORY, AS TO THE INFORMATION IN THIS PRESENTATION.</a:t>
-            </a:r>
-            <a:endParaRPr lang="en-US" sz="400" dirty="0">
-              <a:gradFill>
-                <a:gsLst>
-                  <a:gs pos="0">
-                    <a:prstClr val="black"/>
-                  </a:gs>
-                  <a:gs pos="100000">
-                    <a:prstClr val="black"/>
-                  </a:gs>
-                </a:gsLst>
-                <a:lin ang="5400000" scaled="0"/>
-              </a:gradFill>
-              <a:latin typeface="Segoe UI" pitchFamily="34" charset="0"/>
-              <a:ea typeface="Segoe UI" pitchFamily="34" charset="0"/>
-              <a:cs typeface="Segoe UI" pitchFamily="34" charset="0"/>
-            </a:endParaRPr>
-          </a:p>
-        </p:txBody>
-      </p:sp>
-      <p:sp>
-        <p:nvSpPr>
-          <p:cNvPr id="6" name="Date Placeholder 5"/>
-          <p:cNvSpPr>
-            <a:spLocks noGrp="1"/>
-          </p:cNvSpPr>
-          <p:nvPr>
-            <p:ph type="dt" idx="12"/>
-          </p:nvPr>
-        </p:nvSpPr>
-        <p:spPr/>
-        <p:txBody>
-          <a:bodyPr/>
-          <a:lstStyle/>
-          <a:p>
-            <a:fld id="{38EEC551-8CDA-4EB6-89BB-2A86C9F091C8}" type="datetime8">
-              <a:rPr lang="en-US" smtClean="0"/>
-              <a:t>9/15/2017 11:12 AM</a:t>
-            </a:fld>
-            <a:endParaRPr lang="en-US" dirty="0"/>
-          </a:p>
-        </p:txBody>
-      </p:sp>
-      <p:sp>
-        <p:nvSpPr>
-          <p:cNvPr id="7" name="Slide Number Placeholder 6"/>
-          <p:cNvSpPr>
-            <a:spLocks noGrp="1"/>
-          </p:cNvSpPr>
-          <p:nvPr>
-            <p:ph type="sldNum" sz="quarter" idx="13"/>
-          </p:nvPr>
-        </p:nvSpPr>
-        <p:spPr/>
-        <p:txBody>
-          <a:bodyPr/>
-          <a:lstStyle/>
-          <a:p>
-            <a:fld id="{B4008EB6-D09E-4580-8CD6-DDB14511944F}" type="slidenum">
-              <a:rPr lang="en-US" smtClean="0"/>
-              <a:pPr/>
-              <a:t>10</a:t>
-            </a:fld>
-            <a:endParaRPr lang="en-US" dirty="0"/>
-          </a:p>
-        </p:txBody>
-      </p:sp>
-    </p:spTree>
-    <p:extLst>
-      <p:ext uri="{BB962C8B-B14F-4D97-AF65-F5344CB8AC3E}">
-        <p14:creationId xmlns:p14="http://schemas.microsoft.com/office/powerpoint/2010/main" val="4227761323"/>
-      </p:ext>
-    </p:extLst>
-  </p:cSld>
-  <p:clrMapOvr>
-    <a:masterClrMapping/>
-  </p:clrMapOvr>
-</p:notes>
-</file>
-
-<file path=ppt/notesSlides/notesSlide11.xml><?xml version="1.0" encoding="utf-8"?>
 <p:notes xmlns:a="http://schemas.openxmlformats.org/drawingml/2006/main" xmlns:r="http://schemas.openxmlformats.org/officeDocument/2006/relationships" xmlns:p="http://schemas.openxmlformats.org/presentationml/2006/main">
   <p:cSld>
     <p:spTree>
@@ -1365,7 +1178,7 @@
                 <a:tabLst/>
                 <a:defRPr/>
               </a:pPr>
-              <a:t>11</a:t>
+              <a:t>10</a:t>
             </a:fld>
             <a:endParaRPr kumimoji="0" lang="en-GB" sz="1200" b="0" i="0" u="none" strike="noStrike" kern="1200" cap="none" spc="0" normalizeH="0" baseline="0" noProof="0">
               <a:ln>
@@ -1388,6 +1201,171 @@
     <p:extLst>
       <p:ext uri="{BB962C8B-B14F-4D97-AF65-F5344CB8AC3E}">
         <p14:creationId xmlns:p14="http://schemas.microsoft.com/office/powerpoint/2010/main" val="935845447"/>
+      </p:ext>
+    </p:extLst>
+  </p:cSld>
+  <p:clrMapOvr>
+    <a:masterClrMapping/>
+  </p:clrMapOvr>
+</p:notes>
+</file>
+
+<file path=ppt/notesSlides/notesSlide11.xml><?xml version="1.0" encoding="utf-8"?>
+<p:notes xmlns:a="http://schemas.openxmlformats.org/drawingml/2006/main" xmlns:r="http://schemas.openxmlformats.org/officeDocument/2006/relationships" xmlns:p="http://schemas.openxmlformats.org/presentationml/2006/main">
+  <p:cSld>
+    <p:spTree>
+      <p:nvGrpSpPr>
+        <p:cNvPr id="1" name=""/>
+        <p:cNvGrpSpPr/>
+        <p:nvPr/>
+      </p:nvGrpSpPr>
+      <p:grpSpPr>
+        <a:xfrm>
+          <a:off x="0" y="0"/>
+          <a:ext cx="0" cy="0"/>
+          <a:chOff x="0" y="0"/>
+          <a:chExt cx="0" cy="0"/>
+        </a:xfrm>
+      </p:grpSpPr>
+      <p:sp>
+        <p:nvSpPr>
+          <p:cNvPr id="2" name="Slide Image Placeholder 1"/>
+          <p:cNvSpPr>
+            <a:spLocks noGrp="1" noRot="1" noChangeAspect="1"/>
+          </p:cNvSpPr>
+          <p:nvPr>
+            <p:ph type="sldImg"/>
+          </p:nvPr>
+        </p:nvSpPr>
+        <p:spPr/>
+      </p:sp>
+      <p:sp>
+        <p:nvSpPr>
+          <p:cNvPr id="3" name="Notes Placeholder 2"/>
+          <p:cNvSpPr>
+            <a:spLocks noGrp="1"/>
+          </p:cNvSpPr>
+          <p:nvPr>
+            <p:ph type="body" idx="1"/>
+          </p:nvPr>
+        </p:nvSpPr>
+        <p:spPr/>
+        <p:txBody>
+          <a:bodyPr/>
+          <a:lstStyle/>
+          <a:p>
+            <a:endParaRPr lang="en-US" dirty="0"/>
+          </a:p>
+        </p:txBody>
+      </p:sp>
+      <p:sp>
+        <p:nvSpPr>
+          <p:cNvPr id="4" name="Header Placeholder 3"/>
+          <p:cNvSpPr>
+            <a:spLocks noGrp="1"/>
+          </p:cNvSpPr>
+          <p:nvPr>
+            <p:ph type="hdr" sz="quarter" idx="10"/>
+          </p:nvPr>
+        </p:nvSpPr>
+        <p:spPr/>
+        <p:txBody>
+          <a:bodyPr/>
+          <a:lstStyle/>
+          <a:p>
+            <a:endParaRPr lang="en-US" dirty="0"/>
+          </a:p>
+        </p:txBody>
+      </p:sp>
+      <p:sp>
+        <p:nvSpPr>
+          <p:cNvPr id="5" name="Footer Placeholder 4"/>
+          <p:cNvSpPr>
+            <a:spLocks noGrp="1"/>
+          </p:cNvSpPr>
+          <p:nvPr>
+            <p:ph type="ftr" sz="quarter" idx="11"/>
+          </p:nvPr>
+        </p:nvSpPr>
+        <p:spPr/>
+        <p:txBody>
+          <a:bodyPr/>
+          <a:lstStyle/>
+          <a:p>
+            <a:pPr defTabSz="914099" eaLnBrk="0" hangingPunct="0"/>
+            <a:r>
+              <a:rPr lang="en-US" sz="400" dirty="0">
+                <a:gradFill>
+                  <a:gsLst>
+                    <a:gs pos="0">
+                      <a:prstClr val="black"/>
+                    </a:gs>
+                    <a:gs pos="100000">
+                      <a:prstClr val="black"/>
+                    </a:gs>
+                  </a:gsLst>
+                  <a:lin ang="5400000" scaled="0"/>
+                </a:gradFill>
+                <a:latin typeface="Segoe UI" pitchFamily="34" charset="0"/>
+                <a:ea typeface="Segoe UI" pitchFamily="34" charset="0"/>
+                <a:cs typeface="Segoe UI" pitchFamily="34" charset="0"/>
+              </a:rPr>
+              <a:t>© 2014 Microsoft Corporation. All rights reserved. MICROSOFT MAKES NO WARRANTIES, EXPRESS, IMPLIED OR STATUTORY, AS TO THE INFORMATION IN THIS PRESENTATION.</a:t>
+            </a:r>
+          </a:p>
+        </p:txBody>
+      </p:sp>
+      <p:sp>
+        <p:nvSpPr>
+          <p:cNvPr id="6" name="Date Placeholder 5"/>
+          <p:cNvSpPr>
+            <a:spLocks noGrp="1"/>
+          </p:cNvSpPr>
+          <p:nvPr>
+            <p:ph type="dt" idx="12"/>
+          </p:nvPr>
+        </p:nvSpPr>
+        <p:spPr/>
+        <p:txBody>
+          <a:bodyPr/>
+          <a:lstStyle/>
+          <a:p>
+            <a:fld id="{7D10C09F-FCA1-48C8-B40D-42E1045D109E}" type="datetime8">
+              <a:rPr lang="en-US" smtClean="0"/>
+              <a:t>9/17/2017 3:32 AM</a:t>
+            </a:fld>
+            <a:endParaRPr lang="en-US" dirty="0"/>
+          </a:p>
+        </p:txBody>
+      </p:sp>
+      <p:sp>
+        <p:nvSpPr>
+          <p:cNvPr id="7" name="Slide Number Placeholder 6"/>
+          <p:cNvSpPr>
+            <a:spLocks noGrp="1"/>
+          </p:cNvSpPr>
+          <p:nvPr>
+            <p:ph type="sldNum" sz="quarter" idx="13"/>
+          </p:nvPr>
+        </p:nvSpPr>
+        <p:spPr/>
+        <p:txBody>
+          <a:bodyPr/>
+          <a:lstStyle/>
+          <a:p>
+            <a:fld id="{B4008EB6-D09E-4580-8CD6-DDB14511944F}" type="slidenum">
+              <a:rPr lang="en-US" smtClean="0"/>
+              <a:pPr/>
+              <a:t>11</a:t>
+            </a:fld>
+            <a:endParaRPr lang="en-US" dirty="0"/>
+          </a:p>
+        </p:txBody>
+      </p:sp>
+    </p:spTree>
+    <p:extLst>
+      <p:ext uri="{BB962C8B-B14F-4D97-AF65-F5344CB8AC3E}">
+        <p14:creationId xmlns:p14="http://schemas.microsoft.com/office/powerpoint/2010/main" val="1682909839"/>
       </p:ext>
     </p:extLst>
   </p:cSld>
@@ -1441,7 +1419,7 @@
           <a:bodyPr/>
           <a:lstStyle/>
           <a:p>
-            <a:endParaRPr lang="en-US" dirty="0"/>
+            <a:endParaRPr lang="en-US"/>
           </a:p>
         </p:txBody>
       </p:sp>
@@ -1460,6 +1438,10 @@
           <a:bodyPr/>
           <a:lstStyle/>
           <a:p>
+            <a:r>
+              <a:rPr lang="en-US"/>
+              <a:t>Microsoft Ignite 2016</a:t>
+            </a:r>
             <a:endParaRPr lang="en-US" dirty="0"/>
           </a:p>
         </p:txBody>
@@ -1481,7 +1463,7 @@
           <a:p>
             <a:pPr defTabSz="914099" eaLnBrk="0" hangingPunct="0"/>
             <a:r>
-              <a:rPr lang="en-US" sz="400" dirty="0">
+              <a:rPr lang="en-US" sz="400">
                 <a:gradFill>
                   <a:gsLst>
                     <a:gs pos="0">
@@ -1497,8 +1479,24 @@
                 <a:ea typeface="Segoe UI" pitchFamily="34" charset="0"/>
                 <a:cs typeface="Segoe UI" pitchFamily="34" charset="0"/>
               </a:rPr>
-              <a:t>© 2014 Microsoft Corporation. All rights reserved. MICROSOFT MAKES NO WARRANTIES, EXPRESS, IMPLIED OR STATUTORY, AS TO THE INFORMATION IN THIS PRESENTATION.</a:t>
-            </a:r>
+              <a:t>© 2016 Microsoft Corporation. All rights reserved. MICROSOFT MAKES NO WARRANTIES, EXPRESS, IMPLIED OR STATUTORY, AS TO THE INFORMATION IN THIS PRESENTATION.</a:t>
+            </a:r>
+            <a:endParaRPr lang="en-US" sz="400" dirty="0">
+              <a:gradFill>
+                <a:gsLst>
+                  <a:gs pos="0">
+                    <a:prstClr val="black"/>
+                  </a:gs>
+                  <a:gs pos="100000">
+                    <a:prstClr val="black"/>
+                  </a:gs>
+                </a:gsLst>
+                <a:lin ang="5400000" scaled="0"/>
+              </a:gradFill>
+              <a:latin typeface="Segoe UI" pitchFamily="34" charset="0"/>
+              <a:ea typeface="Segoe UI" pitchFamily="34" charset="0"/>
+              <a:cs typeface="Segoe UI" pitchFamily="34" charset="0"/>
+            </a:endParaRPr>
           </a:p>
         </p:txBody>
       </p:sp>
@@ -1517,9 +1515,9 @@
           <a:bodyPr/>
           <a:lstStyle/>
           <a:p>
-            <a:fld id="{7D10C09F-FCA1-48C8-B40D-42E1045D109E}" type="datetime8">
+            <a:fld id="{38EEC551-8CDA-4EB6-89BB-2A86C9F091C8}" type="datetime8">
               <a:rPr lang="en-US" smtClean="0"/>
-              <a:t>9/15/2017 11:12 AM</a:t>
+              <a:t>9/17/2017 3:32 AM</a:t>
             </a:fld>
             <a:endParaRPr lang="en-US" dirty="0"/>
           </a:p>
@@ -1552,7 +1550,7 @@
     </p:spTree>
     <p:extLst>
       <p:ext uri="{BB962C8B-B14F-4D97-AF65-F5344CB8AC3E}">
-        <p14:creationId xmlns:p14="http://schemas.microsoft.com/office/powerpoint/2010/main" val="1682909839"/>
+        <p14:creationId xmlns:p14="http://schemas.microsoft.com/office/powerpoint/2010/main" val="512141249"/>
       </p:ext>
     </p:extLst>
   </p:cSld>
@@ -1606,7 +1604,10 @@
           <a:bodyPr/>
           <a:lstStyle/>
           <a:p>
-            <a:endParaRPr lang="en-US"/>
+            <a:r>
+              <a:rPr lang="en-US" dirty="0"/>
+              <a:t>TODO: SCD shows runtime inside of the app, FDD shows runtime layered under the app</a:t>
+            </a:r>
           </a:p>
         </p:txBody>
       </p:sp>
@@ -1704,7 +1705,7 @@
           <a:p>
             <a:fld id="{38EEC551-8CDA-4EB6-89BB-2A86C9F091C8}" type="datetime8">
               <a:rPr lang="en-US" smtClean="0"/>
-              <a:t>9/15/2017 11:12 AM</a:t>
+              <a:t>9/17/2017 3:32 AM</a:t>
             </a:fld>
             <a:endParaRPr lang="en-US" dirty="0"/>
           </a:p>
@@ -1737,7 +1738,7 @@
     </p:spTree>
     <p:extLst>
       <p:ext uri="{BB962C8B-B14F-4D97-AF65-F5344CB8AC3E}">
-        <p14:creationId xmlns:p14="http://schemas.microsoft.com/office/powerpoint/2010/main" val="512141249"/>
+        <p14:creationId xmlns:p14="http://schemas.microsoft.com/office/powerpoint/2010/main" val="1611234455"/>
       </p:ext>
     </p:extLst>
   </p:cSld>
@@ -1793,7 +1794,7 @@
           <a:p>
             <a:r>
               <a:rPr lang="en-US" dirty="0"/>
-              <a:t>TODO: SCD shows runtime inside of the app, FDD shows runtime layered under the app</a:t>
+              <a:t>TODO: Show web browser, console</a:t>
             </a:r>
           </a:p>
         </p:txBody>
@@ -1892,7 +1893,7 @@
           <a:p>
             <a:fld id="{38EEC551-8CDA-4EB6-89BB-2A86C9F091C8}" type="datetime8">
               <a:rPr lang="en-US" smtClean="0"/>
-              <a:t>9/15/2017 11:12 AM</a:t>
+              <a:t>9/17/2017 3:32 AM</a:t>
             </a:fld>
             <a:endParaRPr lang="en-US" dirty="0"/>
           </a:p>
@@ -1925,7 +1926,7 @@
     </p:spTree>
     <p:extLst>
       <p:ext uri="{BB962C8B-B14F-4D97-AF65-F5344CB8AC3E}">
-        <p14:creationId xmlns:p14="http://schemas.microsoft.com/office/powerpoint/2010/main" val="1611234455"/>
+        <p14:creationId xmlns:p14="http://schemas.microsoft.com/office/powerpoint/2010/main" val="525823067"/>
       </p:ext>
     </p:extLst>
   </p:cSld>
@@ -1979,10 +1980,7 @@
           <a:bodyPr/>
           <a:lstStyle/>
           <a:p>
-            <a:r>
-              <a:rPr lang="en-US" dirty="0"/>
-              <a:t>TODO: Show web browser, console</a:t>
-            </a:r>
+            <a:endParaRPr lang="en-US"/>
           </a:p>
         </p:txBody>
       </p:sp>
@@ -2080,7 +2078,7 @@
           <a:p>
             <a:fld id="{38EEC551-8CDA-4EB6-89BB-2A86C9F091C8}" type="datetime8">
               <a:rPr lang="en-US" smtClean="0"/>
-              <a:t>9/15/2017 11:12 AM</a:t>
+              <a:t>9/17/2017 3:32 AM</a:t>
             </a:fld>
             <a:endParaRPr lang="en-US" dirty="0"/>
           </a:p>
@@ -2105,191 +2103,6 @@
               <a:rPr lang="en-US" smtClean="0"/>
               <a:pPr/>
               <a:t>15</a:t>
-            </a:fld>
-            <a:endParaRPr lang="en-US" dirty="0"/>
-          </a:p>
-        </p:txBody>
-      </p:sp>
-    </p:spTree>
-    <p:extLst>
-      <p:ext uri="{BB962C8B-B14F-4D97-AF65-F5344CB8AC3E}">
-        <p14:creationId xmlns:p14="http://schemas.microsoft.com/office/powerpoint/2010/main" val="525823067"/>
-      </p:ext>
-    </p:extLst>
-  </p:cSld>
-  <p:clrMapOvr>
-    <a:masterClrMapping/>
-  </p:clrMapOvr>
-</p:notes>
-</file>
-
-<file path=ppt/notesSlides/notesSlide16.xml><?xml version="1.0" encoding="utf-8"?>
-<p:notes xmlns:a="http://schemas.openxmlformats.org/drawingml/2006/main" xmlns:r="http://schemas.openxmlformats.org/officeDocument/2006/relationships" xmlns:p="http://schemas.openxmlformats.org/presentationml/2006/main">
-  <p:cSld>
-    <p:spTree>
-      <p:nvGrpSpPr>
-        <p:cNvPr id="1" name=""/>
-        <p:cNvGrpSpPr/>
-        <p:nvPr/>
-      </p:nvGrpSpPr>
-      <p:grpSpPr>
-        <a:xfrm>
-          <a:off x="0" y="0"/>
-          <a:ext cx="0" cy="0"/>
-          <a:chOff x="0" y="0"/>
-          <a:chExt cx="0" cy="0"/>
-        </a:xfrm>
-      </p:grpSpPr>
-      <p:sp>
-        <p:nvSpPr>
-          <p:cNvPr id="2" name="Slide Image Placeholder 1"/>
-          <p:cNvSpPr>
-            <a:spLocks noGrp="1" noRot="1" noChangeAspect="1"/>
-          </p:cNvSpPr>
-          <p:nvPr>
-            <p:ph type="sldImg"/>
-          </p:nvPr>
-        </p:nvSpPr>
-        <p:spPr/>
-      </p:sp>
-      <p:sp>
-        <p:nvSpPr>
-          <p:cNvPr id="3" name="Notes Placeholder 2"/>
-          <p:cNvSpPr>
-            <a:spLocks noGrp="1"/>
-          </p:cNvSpPr>
-          <p:nvPr>
-            <p:ph type="body" idx="1"/>
-          </p:nvPr>
-        </p:nvSpPr>
-        <p:spPr/>
-        <p:txBody>
-          <a:bodyPr/>
-          <a:lstStyle/>
-          <a:p>
-            <a:endParaRPr lang="en-US"/>
-          </a:p>
-        </p:txBody>
-      </p:sp>
-      <p:sp>
-        <p:nvSpPr>
-          <p:cNvPr id="4" name="Header Placeholder 3"/>
-          <p:cNvSpPr>
-            <a:spLocks noGrp="1"/>
-          </p:cNvSpPr>
-          <p:nvPr>
-            <p:ph type="hdr" sz="quarter" idx="10"/>
-          </p:nvPr>
-        </p:nvSpPr>
-        <p:spPr/>
-        <p:txBody>
-          <a:bodyPr/>
-          <a:lstStyle/>
-          <a:p>
-            <a:r>
-              <a:rPr lang="en-US"/>
-              <a:t>Microsoft Ignite 2016</a:t>
-            </a:r>
-            <a:endParaRPr lang="en-US" dirty="0"/>
-          </a:p>
-        </p:txBody>
-      </p:sp>
-      <p:sp>
-        <p:nvSpPr>
-          <p:cNvPr id="5" name="Footer Placeholder 4"/>
-          <p:cNvSpPr>
-            <a:spLocks noGrp="1"/>
-          </p:cNvSpPr>
-          <p:nvPr>
-            <p:ph type="ftr" sz="quarter" idx="11"/>
-          </p:nvPr>
-        </p:nvSpPr>
-        <p:spPr/>
-        <p:txBody>
-          <a:bodyPr/>
-          <a:lstStyle/>
-          <a:p>
-            <a:pPr defTabSz="914099" eaLnBrk="0" hangingPunct="0"/>
-            <a:r>
-              <a:rPr lang="en-US" sz="400">
-                <a:gradFill>
-                  <a:gsLst>
-                    <a:gs pos="0">
-                      <a:prstClr val="black"/>
-                    </a:gs>
-                    <a:gs pos="100000">
-                      <a:prstClr val="black"/>
-                    </a:gs>
-                  </a:gsLst>
-                  <a:lin ang="5400000" scaled="0"/>
-                </a:gradFill>
-                <a:latin typeface="Segoe UI" pitchFamily="34" charset="0"/>
-                <a:ea typeface="Segoe UI" pitchFamily="34" charset="0"/>
-                <a:cs typeface="Segoe UI" pitchFamily="34" charset="0"/>
-              </a:rPr>
-              <a:t>© 2016 Microsoft Corporation. All rights reserved. MICROSOFT MAKES NO WARRANTIES, EXPRESS, IMPLIED OR STATUTORY, AS TO THE INFORMATION IN THIS PRESENTATION.</a:t>
-            </a:r>
-            <a:endParaRPr lang="en-US" sz="400" dirty="0">
-              <a:gradFill>
-                <a:gsLst>
-                  <a:gs pos="0">
-                    <a:prstClr val="black"/>
-                  </a:gs>
-                  <a:gs pos="100000">
-                    <a:prstClr val="black"/>
-                  </a:gs>
-                </a:gsLst>
-                <a:lin ang="5400000" scaled="0"/>
-              </a:gradFill>
-              <a:latin typeface="Segoe UI" pitchFamily="34" charset="0"/>
-              <a:ea typeface="Segoe UI" pitchFamily="34" charset="0"/>
-              <a:cs typeface="Segoe UI" pitchFamily="34" charset="0"/>
-            </a:endParaRPr>
-          </a:p>
-        </p:txBody>
-      </p:sp>
-      <p:sp>
-        <p:nvSpPr>
-          <p:cNvPr id="6" name="Date Placeholder 5"/>
-          <p:cNvSpPr>
-            <a:spLocks noGrp="1"/>
-          </p:cNvSpPr>
-          <p:nvPr>
-            <p:ph type="dt" idx="12"/>
-          </p:nvPr>
-        </p:nvSpPr>
-        <p:spPr/>
-        <p:txBody>
-          <a:bodyPr/>
-          <a:lstStyle/>
-          <a:p>
-            <a:fld id="{38EEC551-8CDA-4EB6-89BB-2A86C9F091C8}" type="datetime8">
-              <a:rPr lang="en-US" smtClean="0"/>
-              <a:t>9/15/2017 11:12 AM</a:t>
-            </a:fld>
-            <a:endParaRPr lang="en-US" dirty="0"/>
-          </a:p>
-        </p:txBody>
-      </p:sp>
-      <p:sp>
-        <p:nvSpPr>
-          <p:cNvPr id="7" name="Slide Number Placeholder 6"/>
-          <p:cNvSpPr>
-            <a:spLocks noGrp="1"/>
-          </p:cNvSpPr>
-          <p:nvPr>
-            <p:ph type="sldNum" sz="quarter" idx="13"/>
-          </p:nvPr>
-        </p:nvSpPr>
-        <p:spPr/>
-        <p:txBody>
-          <a:bodyPr/>
-          <a:lstStyle/>
-          <a:p>
-            <a:fld id="{B4008EB6-D09E-4580-8CD6-DDB14511944F}" type="slidenum">
-              <a:rPr lang="en-US" smtClean="0"/>
-              <a:pPr/>
-              <a:t>16</a:t>
             </a:fld>
             <a:endParaRPr lang="en-US" dirty="0"/>
           </a:p>
@@ -2308,7 +2121,7 @@
 </p:notes>
 </file>
 
-<file path=ppt/notesSlides/notesSlide17.xml><?xml version="1.0" encoding="utf-8"?>
+<file path=ppt/notesSlides/notesSlide16.xml><?xml version="1.0" encoding="utf-8"?>
 <p:notes xmlns:a="http://schemas.openxmlformats.org/drawingml/2006/main" xmlns:r="http://schemas.openxmlformats.org/officeDocument/2006/relationships" xmlns:p="http://schemas.openxmlformats.org/presentationml/2006/main">
   <p:cSld>
     <p:spTree>
@@ -2529,7 +2342,7 @@
                 <a:tabLst/>
                 <a:defRPr/>
               </a:pPr>
-              <a:t>9/15/2017 11:12 AM</a:t>
+              <a:t>9/17/2017 3:32 AM</a:t>
             </a:fld>
             <a:endParaRPr kumimoji="0" lang="en-US" sz="1200" b="0" i="0" u="none" strike="noStrike" kern="1200" cap="none" spc="0" normalizeH="0" baseline="0" noProof="0" dirty="0">
               <a:ln>
@@ -2612,7 +2425,7 @@
                 <a:tabLst/>
                 <a:defRPr/>
               </a:pPr>
-              <a:t>17</a:t>
+              <a:t>16</a:t>
             </a:fld>
             <a:endParaRPr kumimoji="0" lang="en-US" sz="1200" b="0" i="0" u="none" strike="noStrike" kern="1200" cap="none" spc="0" normalizeH="0" baseline="0" noProof="0" dirty="0">
               <a:ln>
@@ -2635,6 +2448,191 @@
     <p:extLst>
       <p:ext uri="{BB962C8B-B14F-4D97-AF65-F5344CB8AC3E}">
         <p14:creationId xmlns:p14="http://schemas.microsoft.com/office/powerpoint/2010/main" val="4118162"/>
+      </p:ext>
+    </p:extLst>
+  </p:cSld>
+  <p:clrMapOvr>
+    <a:masterClrMapping/>
+  </p:clrMapOvr>
+</p:notes>
+</file>
+
+<file path=ppt/notesSlides/notesSlide17.xml><?xml version="1.0" encoding="utf-8"?>
+<p:notes xmlns:a="http://schemas.openxmlformats.org/drawingml/2006/main" xmlns:r="http://schemas.openxmlformats.org/officeDocument/2006/relationships" xmlns:p="http://schemas.openxmlformats.org/presentationml/2006/main">
+  <p:cSld>
+    <p:spTree>
+      <p:nvGrpSpPr>
+        <p:cNvPr id="1" name=""/>
+        <p:cNvGrpSpPr/>
+        <p:nvPr/>
+      </p:nvGrpSpPr>
+      <p:grpSpPr>
+        <a:xfrm>
+          <a:off x="0" y="0"/>
+          <a:ext cx="0" cy="0"/>
+          <a:chOff x="0" y="0"/>
+          <a:chExt cx="0" cy="0"/>
+        </a:xfrm>
+      </p:grpSpPr>
+      <p:sp>
+        <p:nvSpPr>
+          <p:cNvPr id="2" name="Slide Image Placeholder 1"/>
+          <p:cNvSpPr>
+            <a:spLocks noGrp="1" noRot="1" noChangeAspect="1"/>
+          </p:cNvSpPr>
+          <p:nvPr>
+            <p:ph type="sldImg"/>
+          </p:nvPr>
+        </p:nvSpPr>
+        <p:spPr/>
+      </p:sp>
+      <p:sp>
+        <p:nvSpPr>
+          <p:cNvPr id="3" name="Notes Placeholder 2"/>
+          <p:cNvSpPr>
+            <a:spLocks noGrp="1"/>
+          </p:cNvSpPr>
+          <p:nvPr>
+            <p:ph type="body" idx="1"/>
+          </p:nvPr>
+        </p:nvSpPr>
+        <p:spPr/>
+        <p:txBody>
+          <a:bodyPr/>
+          <a:lstStyle/>
+          <a:p>
+            <a:endParaRPr lang="en-US"/>
+          </a:p>
+        </p:txBody>
+      </p:sp>
+      <p:sp>
+        <p:nvSpPr>
+          <p:cNvPr id="4" name="Header Placeholder 3"/>
+          <p:cNvSpPr>
+            <a:spLocks noGrp="1"/>
+          </p:cNvSpPr>
+          <p:nvPr>
+            <p:ph type="hdr" sz="quarter" idx="10"/>
+          </p:nvPr>
+        </p:nvSpPr>
+        <p:spPr/>
+        <p:txBody>
+          <a:bodyPr/>
+          <a:lstStyle/>
+          <a:p>
+            <a:r>
+              <a:rPr lang="en-US"/>
+              <a:t>Microsoft Ignite 2016</a:t>
+            </a:r>
+            <a:endParaRPr lang="en-US" dirty="0"/>
+          </a:p>
+        </p:txBody>
+      </p:sp>
+      <p:sp>
+        <p:nvSpPr>
+          <p:cNvPr id="5" name="Footer Placeholder 4"/>
+          <p:cNvSpPr>
+            <a:spLocks noGrp="1"/>
+          </p:cNvSpPr>
+          <p:nvPr>
+            <p:ph type="ftr" sz="quarter" idx="11"/>
+          </p:nvPr>
+        </p:nvSpPr>
+        <p:spPr/>
+        <p:txBody>
+          <a:bodyPr/>
+          <a:lstStyle/>
+          <a:p>
+            <a:pPr defTabSz="914099" eaLnBrk="0" hangingPunct="0"/>
+            <a:r>
+              <a:rPr lang="en-US" sz="400">
+                <a:gradFill>
+                  <a:gsLst>
+                    <a:gs pos="0">
+                      <a:prstClr val="black"/>
+                    </a:gs>
+                    <a:gs pos="100000">
+                      <a:prstClr val="black"/>
+                    </a:gs>
+                  </a:gsLst>
+                  <a:lin ang="5400000" scaled="0"/>
+                </a:gradFill>
+                <a:latin typeface="Segoe UI" pitchFamily="34" charset="0"/>
+                <a:ea typeface="Segoe UI" pitchFamily="34" charset="0"/>
+                <a:cs typeface="Segoe UI" pitchFamily="34" charset="0"/>
+              </a:rPr>
+              <a:t>© 2016 Microsoft Corporation. All rights reserved. MICROSOFT MAKES NO WARRANTIES, EXPRESS, IMPLIED OR STATUTORY, AS TO THE INFORMATION IN THIS PRESENTATION.</a:t>
+            </a:r>
+            <a:endParaRPr lang="en-US" sz="400" dirty="0">
+              <a:gradFill>
+                <a:gsLst>
+                  <a:gs pos="0">
+                    <a:prstClr val="black"/>
+                  </a:gs>
+                  <a:gs pos="100000">
+                    <a:prstClr val="black"/>
+                  </a:gs>
+                </a:gsLst>
+                <a:lin ang="5400000" scaled="0"/>
+              </a:gradFill>
+              <a:latin typeface="Segoe UI" pitchFamily="34" charset="0"/>
+              <a:ea typeface="Segoe UI" pitchFamily="34" charset="0"/>
+              <a:cs typeface="Segoe UI" pitchFamily="34" charset="0"/>
+            </a:endParaRPr>
+          </a:p>
+        </p:txBody>
+      </p:sp>
+      <p:sp>
+        <p:nvSpPr>
+          <p:cNvPr id="6" name="Date Placeholder 5"/>
+          <p:cNvSpPr>
+            <a:spLocks noGrp="1"/>
+          </p:cNvSpPr>
+          <p:nvPr>
+            <p:ph type="dt" idx="12"/>
+          </p:nvPr>
+        </p:nvSpPr>
+        <p:spPr/>
+        <p:txBody>
+          <a:bodyPr/>
+          <a:lstStyle/>
+          <a:p>
+            <a:fld id="{38EEC551-8CDA-4EB6-89BB-2A86C9F091C8}" type="datetime8">
+              <a:rPr lang="en-US" smtClean="0"/>
+              <a:t>9/17/2017 3:32 AM</a:t>
+            </a:fld>
+            <a:endParaRPr lang="en-US" dirty="0"/>
+          </a:p>
+        </p:txBody>
+      </p:sp>
+      <p:sp>
+        <p:nvSpPr>
+          <p:cNvPr id="7" name="Slide Number Placeholder 6"/>
+          <p:cNvSpPr>
+            <a:spLocks noGrp="1"/>
+          </p:cNvSpPr>
+          <p:nvPr>
+            <p:ph type="sldNum" sz="quarter" idx="13"/>
+          </p:nvPr>
+        </p:nvSpPr>
+        <p:spPr/>
+        <p:txBody>
+          <a:bodyPr/>
+          <a:lstStyle/>
+          <a:p>
+            <a:fld id="{B4008EB6-D09E-4580-8CD6-DDB14511944F}" type="slidenum">
+              <a:rPr lang="en-US" smtClean="0"/>
+              <a:pPr/>
+              <a:t>17</a:t>
+            </a:fld>
+            <a:endParaRPr lang="en-US" dirty="0"/>
+          </a:p>
+        </p:txBody>
+      </p:sp>
+    </p:spTree>
+    <p:extLst>
+      <p:ext uri="{BB962C8B-B14F-4D97-AF65-F5344CB8AC3E}">
+        <p14:creationId xmlns:p14="http://schemas.microsoft.com/office/powerpoint/2010/main" val="509916466"/>
       </p:ext>
     </p:extLst>
   </p:cSld>
@@ -2786,7 +2784,7 @@
           <a:p>
             <a:fld id="{38EEC551-8CDA-4EB6-89BB-2A86C9F091C8}" type="datetime8">
               <a:rPr lang="en-US" smtClean="0"/>
-              <a:t>9/15/2017 11:12 AM</a:t>
+              <a:t>9/17/2017 3:32 AM</a:t>
             </a:fld>
             <a:endParaRPr lang="en-US" dirty="0"/>
           </a:p>
@@ -2819,7 +2817,7 @@
     </p:spTree>
     <p:extLst>
       <p:ext uri="{BB962C8B-B14F-4D97-AF65-F5344CB8AC3E}">
-        <p14:creationId xmlns:p14="http://schemas.microsoft.com/office/powerpoint/2010/main" val="509916466"/>
+        <p14:creationId xmlns:p14="http://schemas.microsoft.com/office/powerpoint/2010/main" val="500061400"/>
       </p:ext>
     </p:extLst>
   </p:cSld>
@@ -2873,18 +2871,18 @@
           <a:bodyPr/>
           <a:lstStyle/>
           <a:p>
-            <a:endParaRPr lang="en-US"/>
+            <a:endParaRPr lang="en-US" dirty="0"/>
           </a:p>
         </p:txBody>
       </p:sp>
       <p:sp>
         <p:nvSpPr>
-          <p:cNvPr id="4" name="Header Placeholder 3"/>
+          <p:cNvPr id="4" name="Slide Number Placeholder 3"/>
           <p:cNvSpPr>
             <a:spLocks noGrp="1"/>
           </p:cNvSpPr>
           <p:nvPr>
-            <p:ph type="hdr" sz="quarter" idx="10"/>
+            <p:ph type="sldNum" sz="quarter" idx="10"/>
           </p:nvPr>
         </p:nvSpPr>
         <p:spPr/>
@@ -2892,119 +2890,18 @@
           <a:bodyPr/>
           <a:lstStyle/>
           <a:p>
-            <a:r>
-              <a:rPr lang="en-US"/>
-              <a:t>Microsoft Ignite 2016</a:t>
-            </a:r>
-            <a:endParaRPr lang="en-US" dirty="0"/>
-          </a:p>
-        </p:txBody>
-      </p:sp>
-      <p:sp>
-        <p:nvSpPr>
-          <p:cNvPr id="5" name="Footer Placeholder 4"/>
-          <p:cNvSpPr>
-            <a:spLocks noGrp="1"/>
-          </p:cNvSpPr>
-          <p:nvPr>
-            <p:ph type="ftr" sz="quarter" idx="11"/>
-          </p:nvPr>
-        </p:nvSpPr>
-        <p:spPr/>
-        <p:txBody>
-          <a:bodyPr/>
-          <a:lstStyle/>
-          <a:p>
-            <a:pPr defTabSz="914099" eaLnBrk="0" hangingPunct="0"/>
-            <a:r>
-              <a:rPr lang="en-US" sz="400">
-                <a:gradFill>
-                  <a:gsLst>
-                    <a:gs pos="0">
-                      <a:prstClr val="black"/>
-                    </a:gs>
-                    <a:gs pos="100000">
-                      <a:prstClr val="black"/>
-                    </a:gs>
-                  </a:gsLst>
-                  <a:lin ang="5400000" scaled="0"/>
-                </a:gradFill>
-                <a:latin typeface="Segoe UI" pitchFamily="34" charset="0"/>
-                <a:ea typeface="Segoe UI" pitchFamily="34" charset="0"/>
-                <a:cs typeface="Segoe UI" pitchFamily="34" charset="0"/>
-              </a:rPr>
-              <a:t>© 2016 Microsoft Corporation. All rights reserved. MICROSOFT MAKES NO WARRANTIES, EXPRESS, IMPLIED OR STATUTORY, AS TO THE INFORMATION IN THIS PRESENTATION.</a:t>
-            </a:r>
-            <a:endParaRPr lang="en-US" sz="400" dirty="0">
-              <a:gradFill>
-                <a:gsLst>
-                  <a:gs pos="0">
-                    <a:prstClr val="black"/>
-                  </a:gs>
-                  <a:gs pos="100000">
-                    <a:prstClr val="black"/>
-                  </a:gs>
-                </a:gsLst>
-                <a:lin ang="5400000" scaled="0"/>
-              </a:gradFill>
-              <a:latin typeface="Segoe UI" pitchFamily="34" charset="0"/>
-              <a:ea typeface="Segoe UI" pitchFamily="34" charset="0"/>
-              <a:cs typeface="Segoe UI" pitchFamily="34" charset="0"/>
-            </a:endParaRPr>
-          </a:p>
-        </p:txBody>
-      </p:sp>
-      <p:sp>
-        <p:nvSpPr>
-          <p:cNvPr id="6" name="Date Placeholder 5"/>
-          <p:cNvSpPr>
-            <a:spLocks noGrp="1"/>
-          </p:cNvSpPr>
-          <p:nvPr>
-            <p:ph type="dt" idx="12"/>
-          </p:nvPr>
-        </p:nvSpPr>
-        <p:spPr/>
-        <p:txBody>
-          <a:bodyPr/>
-          <a:lstStyle/>
-          <a:p>
-            <a:fld id="{38EEC551-8CDA-4EB6-89BB-2A86C9F091C8}" type="datetime8">
+            <a:fld id="{3E10E155-47BD-4989-A4F2-012608A02D69}" type="slidenum">
               <a:rPr lang="en-US" smtClean="0"/>
-              <a:t>9/15/2017 11:12 AM</a:t>
-            </a:fld>
-            <a:endParaRPr lang="en-US" dirty="0"/>
-          </a:p>
-        </p:txBody>
-      </p:sp>
-      <p:sp>
-        <p:nvSpPr>
-          <p:cNvPr id="7" name="Slide Number Placeholder 6"/>
-          <p:cNvSpPr>
-            <a:spLocks noGrp="1"/>
-          </p:cNvSpPr>
-          <p:nvPr>
-            <p:ph type="sldNum" sz="quarter" idx="13"/>
-          </p:nvPr>
-        </p:nvSpPr>
-        <p:spPr/>
-        <p:txBody>
-          <a:bodyPr/>
-          <a:lstStyle/>
-          <a:p>
-            <a:fld id="{B4008EB6-D09E-4580-8CD6-DDB14511944F}" type="slidenum">
-              <a:rPr lang="en-US" smtClean="0"/>
-              <a:pPr/>
               <a:t>19</a:t>
             </a:fld>
-            <a:endParaRPr lang="en-US" dirty="0"/>
+            <a:endParaRPr lang="en-US"/>
           </a:p>
         </p:txBody>
       </p:sp>
     </p:spTree>
     <p:extLst>
       <p:ext uri="{BB962C8B-B14F-4D97-AF65-F5344CB8AC3E}">
-        <p14:creationId xmlns:p14="http://schemas.microsoft.com/office/powerpoint/2010/main" val="500061400"/>
+        <p14:creationId xmlns:p14="http://schemas.microsoft.com/office/powerpoint/2010/main" val="720051901"/>
       </p:ext>
     </p:extLst>
   </p:cSld>
@@ -3136,7 +3033,7 @@
           <a:p>
             <a:fld id="{7D10C09F-FCA1-48C8-B40D-42E1045D109E}" type="datetime8">
               <a:rPr lang="en-US" smtClean="0"/>
-              <a:t>9/15/2017 11:12 AM</a:t>
+              <a:t>9/17/2017 3:32 AM</a:t>
             </a:fld>
             <a:endParaRPr lang="en-US" dirty="0"/>
           </a:p>
@@ -3223,7 +3120,10 @@
           <a:bodyPr/>
           <a:lstStyle/>
           <a:p>
-            <a:endParaRPr lang="en-US" dirty="0"/>
+            <a:r>
+              <a:rPr lang="en-US" dirty="0"/>
+              <a:t>F# and VB are coming for Core</a:t>
+            </a:r>
           </a:p>
         </p:txBody>
       </p:sp>
@@ -3253,7 +3153,7 @@
     </p:spTree>
     <p:extLst>
       <p:ext uri="{BB962C8B-B14F-4D97-AF65-F5344CB8AC3E}">
-        <p14:creationId xmlns:p14="http://schemas.microsoft.com/office/powerpoint/2010/main" val="720051901"/>
+        <p14:creationId xmlns:p14="http://schemas.microsoft.com/office/powerpoint/2010/main" val="871496351"/>
       </p:ext>
     </p:extLst>
   </p:cSld>
@@ -3307,21 +3207,18 @@
           <a:bodyPr/>
           <a:lstStyle/>
           <a:p>
-            <a:r>
-              <a:rPr lang="en-US" dirty="0"/>
-              <a:t>F# and VB are coming for Core</a:t>
-            </a:r>
+            <a:endParaRPr lang="en-US" dirty="0"/>
           </a:p>
         </p:txBody>
       </p:sp>
       <p:sp>
         <p:nvSpPr>
-          <p:cNvPr id="4" name="Slide Number Placeholder 3"/>
+          <p:cNvPr id="4" name="Header Placeholder 3"/>
           <p:cNvSpPr>
             <a:spLocks noGrp="1"/>
           </p:cNvSpPr>
           <p:nvPr>
-            <p:ph type="sldNum" sz="quarter" idx="10"/>
+            <p:ph type="hdr" sz="quarter" idx="10"/>
           </p:nvPr>
         </p:nvSpPr>
         <p:spPr/>
@@ -3329,18 +3226,99 @@
           <a:bodyPr/>
           <a:lstStyle/>
           <a:p>
-            <a:fld id="{3E10E155-47BD-4989-A4F2-012608A02D69}" type="slidenum">
+            <a:endParaRPr lang="en-US" dirty="0"/>
+          </a:p>
+        </p:txBody>
+      </p:sp>
+      <p:sp>
+        <p:nvSpPr>
+          <p:cNvPr id="5" name="Footer Placeholder 4"/>
+          <p:cNvSpPr>
+            <a:spLocks noGrp="1"/>
+          </p:cNvSpPr>
+          <p:nvPr>
+            <p:ph type="ftr" sz="quarter" idx="11"/>
+          </p:nvPr>
+        </p:nvSpPr>
+        <p:spPr/>
+        <p:txBody>
+          <a:bodyPr/>
+          <a:lstStyle/>
+          <a:p>
+            <a:pPr defTabSz="914099" eaLnBrk="0" hangingPunct="0"/>
+            <a:r>
+              <a:rPr lang="en-US" sz="400" dirty="0">
+                <a:gradFill>
+                  <a:gsLst>
+                    <a:gs pos="0">
+                      <a:prstClr val="black"/>
+                    </a:gs>
+                    <a:gs pos="100000">
+                      <a:prstClr val="black"/>
+                    </a:gs>
+                  </a:gsLst>
+                  <a:lin ang="5400000" scaled="0"/>
+                </a:gradFill>
+                <a:latin typeface="Segoe UI" pitchFamily="34" charset="0"/>
+                <a:ea typeface="Segoe UI" pitchFamily="34" charset="0"/>
+                <a:cs typeface="Segoe UI" pitchFamily="34" charset="0"/>
+              </a:rPr>
+              <a:t>© 2014 Microsoft Corporation. All rights reserved. MICROSOFT MAKES NO WARRANTIES, EXPRESS, IMPLIED OR STATUTORY, AS TO THE INFORMATION IN THIS PRESENTATION.</a:t>
+            </a:r>
+          </a:p>
+        </p:txBody>
+      </p:sp>
+      <p:sp>
+        <p:nvSpPr>
+          <p:cNvPr id="6" name="Date Placeholder 5"/>
+          <p:cNvSpPr>
+            <a:spLocks noGrp="1"/>
+          </p:cNvSpPr>
+          <p:nvPr>
+            <p:ph type="dt" idx="12"/>
+          </p:nvPr>
+        </p:nvSpPr>
+        <p:spPr/>
+        <p:txBody>
+          <a:bodyPr/>
+          <a:lstStyle/>
+          <a:p>
+            <a:fld id="{7D10C09F-FCA1-48C8-B40D-42E1045D109E}" type="datetime8">
               <a:rPr lang="en-US" smtClean="0"/>
+              <a:t>9/17/2017 3:32 AM</a:t>
+            </a:fld>
+            <a:endParaRPr lang="en-US" dirty="0"/>
+          </a:p>
+        </p:txBody>
+      </p:sp>
+      <p:sp>
+        <p:nvSpPr>
+          <p:cNvPr id="7" name="Slide Number Placeholder 6"/>
+          <p:cNvSpPr>
+            <a:spLocks noGrp="1"/>
+          </p:cNvSpPr>
+          <p:nvPr>
+            <p:ph type="sldNum" sz="quarter" idx="13"/>
+          </p:nvPr>
+        </p:nvSpPr>
+        <p:spPr/>
+        <p:txBody>
+          <a:bodyPr/>
+          <a:lstStyle/>
+          <a:p>
+            <a:fld id="{B4008EB6-D09E-4580-8CD6-DDB14511944F}" type="slidenum">
+              <a:rPr lang="en-US" smtClean="0"/>
+              <a:pPr/>
               <a:t>21</a:t>
             </a:fld>
-            <a:endParaRPr lang="en-US"/>
+            <a:endParaRPr lang="en-US" dirty="0"/>
           </a:p>
         </p:txBody>
       </p:sp>
     </p:spTree>
     <p:extLst>
       <p:ext uri="{BB962C8B-B14F-4D97-AF65-F5344CB8AC3E}">
-        <p14:creationId xmlns:p14="http://schemas.microsoft.com/office/powerpoint/2010/main" val="871496351"/>
+        <p14:creationId xmlns:p14="http://schemas.microsoft.com/office/powerpoint/2010/main" val="124769470"/>
       </p:ext>
     </p:extLst>
   </p:cSld>
@@ -3400,12 +3378,12 @@
       </p:sp>
       <p:sp>
         <p:nvSpPr>
-          <p:cNvPr id="4" name="Header Placeholder 3"/>
+          <p:cNvPr id="6" name="Slide Number Placeholder 5"/>
           <p:cNvSpPr>
             <a:spLocks noGrp="1"/>
           </p:cNvSpPr>
           <p:nvPr>
-            <p:ph type="hdr" sz="quarter" idx="10"/>
+            <p:ph type="sldNum" sz="quarter" idx="12"/>
           </p:nvPr>
         </p:nvSpPr>
         <p:spPr/>
@@ -3413,18 +3391,46 @@
           <a:bodyPr/>
           <a:lstStyle/>
           <a:p>
+            <a:fld id="{B4008EB6-D09E-4580-8CD6-DDB14511944F}" type="slidenum">
+              <a:rPr lang="en-US" smtClean="0"/>
+              <a:pPr/>
+              <a:t>22</a:t>
+            </a:fld>
             <a:endParaRPr lang="en-US" dirty="0"/>
           </a:p>
         </p:txBody>
       </p:sp>
       <p:sp>
         <p:nvSpPr>
-          <p:cNvPr id="5" name="Footer Placeholder 4"/>
+          <p:cNvPr id="10" name="Date Placeholder 9"/>
           <p:cNvSpPr>
             <a:spLocks noGrp="1"/>
           </p:cNvSpPr>
           <p:nvPr>
-            <p:ph type="ftr" sz="quarter" idx="11"/>
+            <p:ph type="dt" idx="13"/>
+          </p:nvPr>
+        </p:nvSpPr>
+        <p:spPr/>
+        <p:txBody>
+          <a:bodyPr/>
+          <a:lstStyle/>
+          <a:p>
+            <a:fld id="{6108602D-D426-4C00-B215-BFA18C076426}" type="datetime8">
+              <a:rPr lang="en-US" smtClean="0"/>
+              <a:t>9/17/2017 3:32 AM</a:t>
+            </a:fld>
+            <a:endParaRPr lang="en-US" dirty="0"/>
+          </a:p>
+        </p:txBody>
+      </p:sp>
+      <p:sp>
+        <p:nvSpPr>
+          <p:cNvPr id="4" name="Footer Placeholder 3"/>
+          <p:cNvSpPr>
+            <a:spLocks noGrp="1"/>
+          </p:cNvSpPr>
+          <p:nvPr>
+            <p:ph type="ftr" sz="quarter" idx="14"/>
           </p:nvPr>
         </p:nvSpPr>
         <p:spPr/>
@@ -3457,12 +3463,12 @@
       </p:sp>
       <p:sp>
         <p:nvSpPr>
-          <p:cNvPr id="6" name="Date Placeholder 5"/>
+          <p:cNvPr id="5" name="Header Placeholder 4"/>
           <p:cNvSpPr>
             <a:spLocks noGrp="1"/>
           </p:cNvSpPr>
           <p:nvPr>
-            <p:ph type="dt" idx="12"/>
+            <p:ph type="hdr" sz="quarter" idx="15"/>
           </p:nvPr>
         </p:nvSpPr>
         <p:spPr/>
@@ -3470,34 +3476,6 @@
           <a:bodyPr/>
           <a:lstStyle/>
           <a:p>
-            <a:fld id="{7D10C09F-FCA1-48C8-B40D-42E1045D109E}" type="datetime8">
-              <a:rPr lang="en-US" smtClean="0"/>
-              <a:t>9/15/2017 11:12 AM</a:t>
-            </a:fld>
-            <a:endParaRPr lang="en-US" dirty="0"/>
-          </a:p>
-        </p:txBody>
-      </p:sp>
-      <p:sp>
-        <p:nvSpPr>
-          <p:cNvPr id="7" name="Slide Number Placeholder 6"/>
-          <p:cNvSpPr>
-            <a:spLocks noGrp="1"/>
-          </p:cNvSpPr>
-          <p:nvPr>
-            <p:ph type="sldNum" sz="quarter" idx="13"/>
-          </p:nvPr>
-        </p:nvSpPr>
-        <p:spPr/>
-        <p:txBody>
-          <a:bodyPr/>
-          <a:lstStyle/>
-          <a:p>
-            <a:fld id="{B4008EB6-D09E-4580-8CD6-DDB14511944F}" type="slidenum">
-              <a:rPr lang="en-US" smtClean="0"/>
-              <a:pPr/>
-              <a:t>22</a:t>
-            </a:fld>
             <a:endParaRPr lang="en-US" dirty="0"/>
           </a:p>
         </p:txBody>
@@ -3505,7 +3483,7 @@
     </p:spTree>
     <p:extLst>
       <p:ext uri="{BB962C8B-B14F-4D97-AF65-F5344CB8AC3E}">
-        <p14:creationId xmlns:p14="http://schemas.microsoft.com/office/powerpoint/2010/main" val="124769470"/>
+        <p14:creationId xmlns:p14="http://schemas.microsoft.com/office/powerpoint/2010/main" val="1215211582"/>
       </p:ext>
     </p:extLst>
   </p:cSld>
@@ -3559,7 +3537,55 @@
           <a:bodyPr/>
           <a:lstStyle/>
           <a:p>
+            <a:r>
+              <a:rPr lang="en-US" dirty="0"/>
+              <a:t>Point out the following:</a:t>
+            </a:r>
+          </a:p>
+          <a:p>
             <a:endParaRPr lang="en-US" dirty="0"/>
+          </a:p>
+          <a:p>
+            <a:pPr marL="171450" indent="-171450">
+              <a:buFontTx/>
+              <a:buChar char="-"/>
+            </a:pPr>
+            <a:r>
+              <a:rPr lang="en-US" baseline="0" dirty="0" err="1"/>
+              <a:t>Microsoft.NET.SDK</a:t>
+            </a:r>
+            <a:r>
+              <a:rPr lang="en-US" baseline="0" dirty="0"/>
+              <a:t> pulls in a set of default settings, such as including *.</a:t>
+            </a:r>
+            <a:r>
+              <a:rPr lang="en-US" baseline="0" dirty="0" err="1"/>
+              <a:t>cs</a:t>
+            </a:r>
+            <a:r>
+              <a:rPr lang="en-US" baseline="0" dirty="0"/>
+              <a:t> files in the project, and appropriate reference assemblies</a:t>
+            </a:r>
+          </a:p>
+          <a:p>
+            <a:pPr marL="171450" indent="-171450">
+              <a:buFontTx/>
+              <a:buChar char="-"/>
+            </a:pPr>
+            <a:r>
+              <a:rPr lang="en-US" baseline="0" dirty="0"/>
+              <a:t>Exe produces an EXE build. Libraries are the default</a:t>
+            </a:r>
+          </a:p>
+          <a:p>
+            <a:pPr marL="171450" indent="-171450">
+              <a:buFontTx/>
+              <a:buChar char="-"/>
+            </a:pPr>
+            <a:r>
+              <a:rPr lang="en-US" baseline="0" dirty="0"/>
+              <a:t>netcoreapp2.0 is the target framework, so defines the set of reference assemblies you get</a:t>
+            </a:r>
           </a:p>
         </p:txBody>
       </p:sp>
@@ -3604,7 +3630,7 @@
           <a:p>
             <a:fld id="{6108602D-D426-4C00-B215-BFA18C076426}" type="datetime8">
               <a:rPr lang="en-US" smtClean="0"/>
-              <a:t>9/15/2017 11:12 AM</a:t>
+              <a:t>9/17/2017 3:32 AM</a:t>
             </a:fld>
             <a:endParaRPr lang="en-US" dirty="0"/>
           </a:p>
@@ -3670,7 +3696,7 @@
     </p:spTree>
     <p:extLst>
       <p:ext uri="{BB962C8B-B14F-4D97-AF65-F5344CB8AC3E}">
-        <p14:creationId xmlns:p14="http://schemas.microsoft.com/office/powerpoint/2010/main" val="1215211582"/>
+        <p14:creationId xmlns:p14="http://schemas.microsoft.com/office/powerpoint/2010/main" val="991063576"/>
       </p:ext>
     </p:extLst>
   </p:cSld>
@@ -3739,19 +3765,19 @@
             </a:pPr>
             <a:r>
               <a:rPr lang="en-US" baseline="0" dirty="0" err="1"/>
-              <a:t>Microsoft.NET.SDK</a:t>
+              <a:t>Microsoft.NET.SDK.Web</a:t>
             </a:r>
             <a:r>
               <a:rPr lang="en-US" baseline="0" dirty="0"/>
-              <a:t> pulls in a set of default settings, such as including *.</a:t>
+              <a:t> pulls in a set of default settings, including referencing </a:t>
             </a:r>
             <a:r>
               <a:rPr lang="en-US" baseline="0" dirty="0" err="1"/>
-              <a:t>cs</a:t>
+              <a:t>Microsoft.Net.SDK</a:t>
             </a:r>
             <a:r>
               <a:rPr lang="en-US" baseline="0" dirty="0"/>
-              <a:t> files in the project, and appropriate reference assemblies</a:t>
+              <a:t> under the hood</a:t>
             </a:r>
           </a:p>
           <a:p>
@@ -3761,7 +3787,23 @@
             </a:pPr>
             <a:r>
               <a:rPr lang="en-US" baseline="0" dirty="0"/>
-              <a:t>Exe produces an EXE build. Libraries are the default</a:t>
+              <a:t>Demonstrates </a:t>
+            </a:r>
+            <a:r>
+              <a:rPr lang="en-US" baseline="0" dirty="0" err="1"/>
+              <a:t>PackageReference</a:t>
+            </a:r>
+            <a:r>
+              <a:rPr lang="en-US" baseline="0" dirty="0"/>
+              <a:t> syntax, the new way to reference </a:t>
+            </a:r>
+            <a:r>
+              <a:rPr lang="en-US" baseline="0" dirty="0" err="1"/>
+              <a:t>NuGet</a:t>
+            </a:r>
+            <a:r>
+              <a:rPr lang="en-US" baseline="0" dirty="0"/>
+              <a:t> packages. ASP.NET remains in NuGet.</a:t>
             </a:r>
           </a:p>
           <a:p>
@@ -3771,8 +3813,21 @@
             </a:pPr>
             <a:r>
               <a:rPr lang="en-US" baseline="0" dirty="0"/>
-              <a:t>netcoreapp2.0 is the target framework, so defines the set of reference assemblies you get</a:t>
-            </a:r>
+              <a:t>Uses new </a:t>
+            </a:r>
+            <a:r>
+              <a:rPr lang="en-US" baseline="0" dirty="0" err="1"/>
+              <a:t>AspNetCore.All</a:t>
+            </a:r>
+            <a:r>
+              <a:rPr lang="en-US" baseline="0" dirty="0"/>
+              <a:t> </a:t>
+            </a:r>
+            <a:r>
+              <a:rPr lang="en-US" baseline="0" dirty="0" err="1"/>
+              <a:t>metapackage</a:t>
+            </a:r>
+            <a:endParaRPr lang="en-US" baseline="0" dirty="0"/>
           </a:p>
         </p:txBody>
       </p:sp>
@@ -3817,7 +3872,7 @@
           <a:p>
             <a:fld id="{6108602D-D426-4C00-B215-BFA18C076426}" type="datetime8">
               <a:rPr lang="en-US" smtClean="0"/>
-              <a:t>9/15/2017 11:12 AM</a:t>
+              <a:t>9/17/2017 3:32 AM</a:t>
             </a:fld>
             <a:endParaRPr lang="en-US" dirty="0"/>
           </a:p>
@@ -3883,7 +3938,7 @@
     </p:spTree>
     <p:extLst>
       <p:ext uri="{BB962C8B-B14F-4D97-AF65-F5344CB8AC3E}">
-        <p14:creationId xmlns:p14="http://schemas.microsoft.com/office/powerpoint/2010/main" val="991063576"/>
+        <p14:creationId xmlns:p14="http://schemas.microsoft.com/office/powerpoint/2010/main" val="728680544"/>
       </p:ext>
     </p:extLst>
   </p:cSld>
@@ -3937,95 +3992,18 @@
           <a:bodyPr/>
           <a:lstStyle/>
           <a:p>
-            <a:r>
-              <a:rPr lang="en-US" dirty="0"/>
-              <a:t>Point out the following:</a:t>
-            </a:r>
-          </a:p>
-          <a:p>
             <a:endParaRPr lang="en-US" dirty="0"/>
           </a:p>
-          <a:p>
-            <a:pPr marL="171450" indent="-171450">
-              <a:buFontTx/>
-              <a:buChar char="-"/>
-            </a:pPr>
-            <a:r>
-              <a:rPr lang="en-US" baseline="0" dirty="0" err="1"/>
-              <a:t>Microsoft.NET.SDK.Web</a:t>
-            </a:r>
-            <a:r>
-              <a:rPr lang="en-US" baseline="0" dirty="0"/>
-              <a:t> pulls in a set of default settings, including referencing </a:t>
-            </a:r>
-            <a:r>
-              <a:rPr lang="en-US" baseline="0" dirty="0" err="1"/>
-              <a:t>Microsoft.Net.SDK</a:t>
-            </a:r>
-            <a:r>
-              <a:rPr lang="en-US" baseline="0" dirty="0"/>
-              <a:t> under the hood</a:t>
-            </a:r>
-          </a:p>
-          <a:p>
-            <a:pPr marL="171450" indent="-171450">
-              <a:buFontTx/>
-              <a:buChar char="-"/>
-            </a:pPr>
-            <a:r>
-              <a:rPr lang="en-US" baseline="0" dirty="0"/>
-              <a:t>Demonstrates </a:t>
-            </a:r>
-            <a:r>
-              <a:rPr lang="en-US" baseline="0" dirty="0" err="1"/>
-              <a:t>PackageReference</a:t>
-            </a:r>
-            <a:r>
-              <a:rPr lang="en-US" baseline="0" dirty="0"/>
-              <a:t> syntax, the new way to reference </a:t>
-            </a:r>
-            <a:r>
-              <a:rPr lang="en-US" baseline="0" dirty="0" err="1"/>
-              <a:t>NuGet</a:t>
-            </a:r>
-            <a:r>
-              <a:rPr lang="en-US" baseline="0" dirty="0"/>
-              <a:t> packages. ASP.NET remains in NuGet.</a:t>
-            </a:r>
-          </a:p>
-          <a:p>
-            <a:pPr marL="171450" indent="-171450">
-              <a:buFontTx/>
-              <a:buChar char="-"/>
-            </a:pPr>
-            <a:r>
-              <a:rPr lang="en-US" baseline="0" dirty="0"/>
-              <a:t>Uses new </a:t>
-            </a:r>
-            <a:r>
-              <a:rPr lang="en-US" baseline="0" dirty="0" err="1"/>
-              <a:t>AspNetCore.All</a:t>
-            </a:r>
-            <a:r>
-              <a:rPr lang="en-US" baseline="0" dirty="0"/>
-              <a:t> </a:t>
-            </a:r>
-            <a:r>
-              <a:rPr lang="en-US" baseline="0" dirty="0" err="1"/>
-              <a:t>metapackage</a:t>
-            </a:r>
-            <a:endParaRPr lang="en-US" baseline="0" dirty="0"/>
-          </a:p>
         </p:txBody>
       </p:sp>
       <p:sp>
         <p:nvSpPr>
-          <p:cNvPr id="6" name="Slide Number Placeholder 5"/>
+          <p:cNvPr id="4" name="Header Placeholder 3"/>
           <p:cNvSpPr>
             <a:spLocks noGrp="1"/>
           </p:cNvSpPr>
           <p:nvPr>
-            <p:ph type="sldNum" sz="quarter" idx="12"/>
+            <p:ph type="hdr" sz="quarter" idx="10"/>
           </p:nvPr>
         </p:nvSpPr>
         <p:spPr/>
@@ -4033,46 +4011,18 @@
           <a:bodyPr/>
           <a:lstStyle/>
           <a:p>
-            <a:fld id="{B4008EB6-D09E-4580-8CD6-DDB14511944F}" type="slidenum">
-              <a:rPr lang="en-US" smtClean="0"/>
-              <a:pPr/>
-              <a:t>25</a:t>
-            </a:fld>
             <a:endParaRPr lang="en-US" dirty="0"/>
           </a:p>
         </p:txBody>
       </p:sp>
       <p:sp>
         <p:nvSpPr>
-          <p:cNvPr id="10" name="Date Placeholder 9"/>
+          <p:cNvPr id="5" name="Footer Placeholder 4"/>
           <p:cNvSpPr>
             <a:spLocks noGrp="1"/>
           </p:cNvSpPr>
           <p:nvPr>
-            <p:ph type="dt" idx="13"/>
-          </p:nvPr>
-        </p:nvSpPr>
-        <p:spPr/>
-        <p:txBody>
-          <a:bodyPr/>
-          <a:lstStyle/>
-          <a:p>
-            <a:fld id="{6108602D-D426-4C00-B215-BFA18C076426}" type="datetime8">
-              <a:rPr lang="en-US" smtClean="0"/>
-              <a:t>9/15/2017 11:12 AM</a:t>
-            </a:fld>
-            <a:endParaRPr lang="en-US" dirty="0"/>
-          </a:p>
-        </p:txBody>
-      </p:sp>
-      <p:sp>
-        <p:nvSpPr>
-          <p:cNvPr id="4" name="Footer Placeholder 3"/>
-          <p:cNvSpPr>
-            <a:spLocks noGrp="1"/>
-          </p:cNvSpPr>
-          <p:nvPr>
-            <p:ph type="ftr" sz="quarter" idx="14"/>
+            <p:ph type="ftr" sz="quarter" idx="11"/>
           </p:nvPr>
         </p:nvSpPr>
         <p:spPr/>
@@ -4105,12 +4055,12 @@
       </p:sp>
       <p:sp>
         <p:nvSpPr>
-          <p:cNvPr id="5" name="Header Placeholder 4"/>
+          <p:cNvPr id="6" name="Date Placeholder 5"/>
           <p:cNvSpPr>
             <a:spLocks noGrp="1"/>
           </p:cNvSpPr>
           <p:nvPr>
-            <p:ph type="hdr" sz="quarter" idx="15"/>
+            <p:ph type="dt" idx="12"/>
           </p:nvPr>
         </p:nvSpPr>
         <p:spPr/>
@@ -4118,6 +4068,34 @@
           <a:bodyPr/>
           <a:lstStyle/>
           <a:p>
+            <a:fld id="{7D10C09F-FCA1-48C8-B40D-42E1045D109E}" type="datetime8">
+              <a:rPr lang="en-US" smtClean="0"/>
+              <a:t>9/17/2017 3:32 AM</a:t>
+            </a:fld>
+            <a:endParaRPr lang="en-US" dirty="0"/>
+          </a:p>
+        </p:txBody>
+      </p:sp>
+      <p:sp>
+        <p:nvSpPr>
+          <p:cNvPr id="7" name="Slide Number Placeholder 6"/>
+          <p:cNvSpPr>
+            <a:spLocks noGrp="1"/>
+          </p:cNvSpPr>
+          <p:nvPr>
+            <p:ph type="sldNum" sz="quarter" idx="13"/>
+          </p:nvPr>
+        </p:nvSpPr>
+        <p:spPr/>
+        <p:txBody>
+          <a:bodyPr/>
+          <a:lstStyle/>
+          <a:p>
+            <a:fld id="{B4008EB6-D09E-4580-8CD6-DDB14511944F}" type="slidenum">
+              <a:rPr lang="en-US" smtClean="0"/>
+              <a:pPr/>
+              <a:t>25</a:t>
+            </a:fld>
             <a:endParaRPr lang="en-US" dirty="0"/>
           </a:p>
         </p:txBody>
@@ -4125,7 +4103,7 @@
     </p:spTree>
     <p:extLst>
       <p:ext uri="{BB962C8B-B14F-4D97-AF65-F5344CB8AC3E}">
-        <p14:creationId xmlns:p14="http://schemas.microsoft.com/office/powerpoint/2010/main" val="728680544"/>
+        <p14:creationId xmlns:p14="http://schemas.microsoft.com/office/powerpoint/2010/main" val="3130439405"/>
       </p:ext>
     </p:extLst>
   </p:cSld>
@@ -4179,7 +4157,7 @@
           <a:bodyPr/>
           <a:lstStyle/>
           <a:p>
-            <a:endParaRPr lang="en-US" dirty="0"/>
+            <a:endParaRPr lang="en-US"/>
           </a:p>
         </p:txBody>
       </p:sp>
@@ -4198,6 +4176,10 @@
           <a:bodyPr/>
           <a:lstStyle/>
           <a:p>
+            <a:r>
+              <a:rPr lang="en-US"/>
+              <a:t>Microsoft Ignite 2016</a:t>
+            </a:r>
             <a:endParaRPr lang="en-US" dirty="0"/>
           </a:p>
         </p:txBody>
@@ -4219,7 +4201,7 @@
           <a:p>
             <a:pPr defTabSz="914099" eaLnBrk="0" hangingPunct="0"/>
             <a:r>
-              <a:rPr lang="en-US" sz="400" dirty="0">
+              <a:rPr lang="en-US" sz="400">
                 <a:gradFill>
                   <a:gsLst>
                     <a:gs pos="0">
@@ -4235,8 +4217,24 @@
                 <a:ea typeface="Segoe UI" pitchFamily="34" charset="0"/>
                 <a:cs typeface="Segoe UI" pitchFamily="34" charset="0"/>
               </a:rPr>
-              <a:t>© 2014 Microsoft Corporation. All rights reserved. MICROSOFT MAKES NO WARRANTIES, EXPRESS, IMPLIED OR STATUTORY, AS TO THE INFORMATION IN THIS PRESENTATION.</a:t>
-            </a:r>
+              <a:t>© 2016 Microsoft Corporation. All rights reserved. MICROSOFT MAKES NO WARRANTIES, EXPRESS, IMPLIED OR STATUTORY, AS TO THE INFORMATION IN THIS PRESENTATION.</a:t>
+            </a:r>
+            <a:endParaRPr lang="en-US" sz="400" dirty="0">
+              <a:gradFill>
+                <a:gsLst>
+                  <a:gs pos="0">
+                    <a:prstClr val="black"/>
+                  </a:gs>
+                  <a:gs pos="100000">
+                    <a:prstClr val="black"/>
+                  </a:gs>
+                </a:gsLst>
+                <a:lin ang="5400000" scaled="0"/>
+              </a:gradFill>
+              <a:latin typeface="Segoe UI" pitchFamily="34" charset="0"/>
+              <a:ea typeface="Segoe UI" pitchFamily="34" charset="0"/>
+              <a:cs typeface="Segoe UI" pitchFamily="34" charset="0"/>
+            </a:endParaRPr>
           </a:p>
         </p:txBody>
       </p:sp>
@@ -4255,9 +4253,9 @@
           <a:bodyPr/>
           <a:lstStyle/>
           <a:p>
-            <a:fld id="{7D10C09F-FCA1-48C8-B40D-42E1045D109E}" type="datetime8">
+            <a:fld id="{38EEC551-8CDA-4EB6-89BB-2A86C9F091C8}" type="datetime8">
               <a:rPr lang="en-US" smtClean="0"/>
-              <a:t>9/15/2017 11:12 AM</a:t>
+              <a:t>9/17/2017 3:32 AM</a:t>
             </a:fld>
             <a:endParaRPr lang="en-US" dirty="0"/>
           </a:p>
@@ -4290,7 +4288,7 @@
     </p:spTree>
     <p:extLst>
       <p:ext uri="{BB962C8B-B14F-4D97-AF65-F5344CB8AC3E}">
-        <p14:creationId xmlns:p14="http://schemas.microsoft.com/office/powerpoint/2010/main" val="3130439405"/>
+        <p14:creationId xmlns:p14="http://schemas.microsoft.com/office/powerpoint/2010/main" val="150182567"/>
       </p:ext>
     </p:extLst>
   </p:cSld>
@@ -4344,7 +4342,57 @@
           <a:bodyPr/>
           <a:lstStyle/>
           <a:p>
-            <a:endParaRPr lang="en-US"/>
+            <a:r>
+              <a:rPr lang="en-US" sz="3200" dirty="0"/>
+              <a:t>We are applying several principles when it comes to designing the CLI:</a:t>
+            </a:r>
+          </a:p>
+          <a:p>
+            <a:pPr lvl="1"/>
+            <a:endParaRPr lang="en-US" sz="2800" dirty="0"/>
+          </a:p>
+          <a:p>
+            <a:pPr lvl="1"/>
+            <a:r>
+              <a:rPr lang="en-US" dirty="0" err="1"/>
+              <a:t>NuGet</a:t>
+            </a:r>
+            <a:r>
+              <a:rPr lang="en-US" dirty="0"/>
+              <a:t> (and $PATH-based) extensibility </a:t>
+            </a:r>
+          </a:p>
+          <a:p>
+            <a:pPr lvl="1"/>
+            <a:r>
+              <a:rPr lang="en-US" dirty="0"/>
+              <a:t>Every command is a verb (“compile”, “run”, “restore” etc.) </a:t>
+            </a:r>
+          </a:p>
+          <a:p>
+            <a:pPr lvl="1"/>
+            <a:r>
+              <a:rPr lang="en-US" dirty="0"/>
+              <a:t>The driver knows enough to run the command(s) and no more</a:t>
+            </a:r>
+          </a:p>
+          <a:p>
+            <a:pPr lvl="1"/>
+            <a:r>
+              <a:rPr lang="en-US" dirty="0"/>
+              <a:t>All core commands are consumable by humans </a:t>
+            </a:r>
+            <a:r>
+              <a:rPr lang="en-US" b="1" dirty="0"/>
+              <a:t>and</a:t>
+            </a:r>
+            <a:r>
+              <a:rPr lang="en-US" dirty="0"/>
+              <a:t> machines </a:t>
+            </a:r>
+          </a:p>
+          <a:p>
+            <a:endParaRPr lang="en-US" dirty="0"/>
           </a:p>
         </p:txBody>
       </p:sp>
@@ -4365,7 +4413,7 @@
           <a:p>
             <a:r>
               <a:rPr lang="en-US"/>
-              <a:t>Microsoft Ignite 2016</a:t>
+              <a:t>TechReady 23</a:t>
             </a:r>
             <a:endParaRPr lang="en-US" dirty="0"/>
           </a:p>
@@ -4442,7 +4490,7 @@
           <a:p>
             <a:fld id="{38EEC551-8CDA-4EB6-89BB-2A86C9F091C8}" type="datetime8">
               <a:rPr lang="en-US" smtClean="0"/>
-              <a:t>9/15/2017 11:12 AM</a:t>
+              <a:t>9/17/2017 3:32 AM</a:t>
             </a:fld>
             <a:endParaRPr lang="en-US" dirty="0"/>
           </a:p>
@@ -4475,7 +4523,7 @@
     </p:spTree>
     <p:extLst>
       <p:ext uri="{BB962C8B-B14F-4D97-AF65-F5344CB8AC3E}">
-        <p14:creationId xmlns:p14="http://schemas.microsoft.com/office/powerpoint/2010/main" val="150182567"/>
+        <p14:creationId xmlns:p14="http://schemas.microsoft.com/office/powerpoint/2010/main" val="3924227676"/>
       </p:ext>
     </p:extLst>
   </p:cSld>
@@ -4529,57 +4577,7 @@
           <a:bodyPr/>
           <a:lstStyle/>
           <a:p>
-            <a:r>
-              <a:rPr lang="en-US" sz="3200" dirty="0"/>
-              <a:t>We are applying several principles when it comes to designing the CLI:</a:t>
-            </a:r>
-          </a:p>
-          <a:p>
-            <a:pPr lvl="1"/>
-            <a:endParaRPr lang="en-US" sz="2800" dirty="0"/>
-          </a:p>
-          <a:p>
-            <a:pPr lvl="1"/>
-            <a:r>
-              <a:rPr lang="en-US" dirty="0" err="1"/>
-              <a:t>NuGet</a:t>
-            </a:r>
-            <a:r>
-              <a:rPr lang="en-US" dirty="0"/>
-              <a:t> (and $PATH-based) extensibility </a:t>
-            </a:r>
-          </a:p>
-          <a:p>
-            <a:pPr lvl="1"/>
-            <a:r>
-              <a:rPr lang="en-US" dirty="0"/>
-              <a:t>Every command is a verb (“compile”, “run”, “restore” etc.) </a:t>
-            </a:r>
-          </a:p>
-          <a:p>
-            <a:pPr lvl="1"/>
-            <a:r>
-              <a:rPr lang="en-US" dirty="0"/>
-              <a:t>The driver knows enough to run the command(s) and no more</a:t>
-            </a:r>
-          </a:p>
-          <a:p>
-            <a:pPr lvl="1"/>
-            <a:r>
-              <a:rPr lang="en-US" dirty="0"/>
-              <a:t>All core commands are consumable by humans </a:t>
-            </a:r>
-            <a:r>
-              <a:rPr lang="en-US" b="1" dirty="0"/>
-              <a:t>and</a:t>
-            </a:r>
-            <a:r>
-              <a:rPr lang="en-US" dirty="0"/>
-              <a:t> machines </a:t>
-            </a:r>
-          </a:p>
-          <a:p>
-            <a:endParaRPr lang="en-US" dirty="0"/>
+            <a:endParaRPr lang="en-US"/>
           </a:p>
         </p:txBody>
       </p:sp>
@@ -4600,7 +4598,7 @@
           <a:p>
             <a:r>
               <a:rPr lang="en-US"/>
-              <a:t>TechReady 23</a:t>
+              <a:t>Microsoft Ignite 2016</a:t>
             </a:r>
             <a:endParaRPr lang="en-US" dirty="0"/>
           </a:p>
@@ -4677,7 +4675,7 @@
           <a:p>
             <a:fld id="{38EEC551-8CDA-4EB6-89BB-2A86C9F091C8}" type="datetime8">
               <a:rPr lang="en-US" smtClean="0"/>
-              <a:t>9/15/2017 11:12 AM</a:t>
+              <a:t>9/17/2017 3:32 AM</a:t>
             </a:fld>
             <a:endParaRPr lang="en-US" dirty="0"/>
           </a:p>
@@ -4710,7 +4708,7 @@
     </p:spTree>
     <p:extLst>
       <p:ext uri="{BB962C8B-B14F-4D97-AF65-F5344CB8AC3E}">
-        <p14:creationId xmlns:p14="http://schemas.microsoft.com/office/powerpoint/2010/main" val="3924227676"/>
+        <p14:creationId xmlns:p14="http://schemas.microsoft.com/office/powerpoint/2010/main" val="2871785487"/>
       </p:ext>
     </p:extLst>
   </p:cSld>
@@ -4764,41 +4762,18 @@
           <a:bodyPr/>
           <a:lstStyle/>
           <a:p>
-            <a:endParaRPr lang="en-US"/>
+            <a:endParaRPr lang="en-US" baseline="0" dirty="0"/>
           </a:p>
         </p:txBody>
       </p:sp>
       <p:sp>
         <p:nvSpPr>
-          <p:cNvPr id="4" name="Header Placeholder 3"/>
+          <p:cNvPr id="4" name="Footer Placeholder 3"/>
           <p:cNvSpPr>
             <a:spLocks noGrp="1"/>
           </p:cNvSpPr>
           <p:nvPr>
-            <p:ph type="hdr" sz="quarter" idx="10"/>
-          </p:nvPr>
-        </p:nvSpPr>
-        <p:spPr/>
-        <p:txBody>
-          <a:bodyPr/>
-          <a:lstStyle/>
-          <a:p>
-            <a:r>
-              <a:rPr lang="en-US"/>
-              <a:t>Microsoft Ignite 2016</a:t>
-            </a:r>
-            <a:endParaRPr lang="en-US" dirty="0"/>
-          </a:p>
-        </p:txBody>
-      </p:sp>
-      <p:sp>
-        <p:nvSpPr>
-          <p:cNvPr id="5" name="Footer Placeholder 4"/>
-          <p:cNvSpPr>
-            <a:spLocks noGrp="1"/>
-          </p:cNvSpPr>
-          <p:nvPr>
-            <p:ph type="ftr" sz="quarter" idx="11"/>
+            <p:ph type="ftr" sz="quarter" idx="10"/>
           </p:nvPr>
         </p:nvSpPr>
         <p:spPr/>
@@ -4824,7 +4799,7 @@
                 <a:ea typeface="Segoe UI" pitchFamily="34" charset="0"/>
                 <a:cs typeface="Segoe UI" pitchFamily="34" charset="0"/>
               </a:rPr>
-              <a:t>© 2016 Microsoft Corporation. All rights reserved. MICROSOFT MAKES NO WARRANTIES, EXPRESS, IMPLIED OR STATUTORY, AS TO THE INFORMATION IN THIS PRESENTATION.</a:t>
+              <a:t>© 2015 Microsoft Corporation. All rights reserved. Microsoft, Windows, and other product names are or may be registered trademarks and/or trademarks in the U.S. and/or other countries. The information herein is for informational purposes only and represents the current view of Microsoft Corporation as of the date of this presentation.  Because Microsoft must respond to changing market conditions, it should not be interpreted to be a commitment on the part of Microsoft, and Microsoft cannot guarantee the accuracy of any information provided after the date of this presentation.  MICROSOFT MAKES NO WARRANTIES, EXPRESS, IMPLIED OR STATUTORY, AS TO THE INFORMATION IN THIS PRESENTATION.</a:t>
             </a:r>
             <a:endParaRPr lang="en-US" sz="400" dirty="0">
               <a:gradFill>
@@ -4847,12 +4822,12 @@
       </p:sp>
       <p:sp>
         <p:nvSpPr>
-          <p:cNvPr id="6" name="Date Placeholder 5"/>
+          <p:cNvPr id="5" name="Date Placeholder 4"/>
           <p:cNvSpPr>
             <a:spLocks noGrp="1"/>
           </p:cNvSpPr>
           <p:nvPr>
-            <p:ph type="dt" idx="12"/>
+            <p:ph type="dt" idx="11"/>
           </p:nvPr>
         </p:nvSpPr>
         <p:spPr/>
@@ -4860,9 +4835,9 @@
           <a:bodyPr/>
           <a:lstStyle/>
           <a:p>
-            <a:fld id="{38EEC551-8CDA-4EB6-89BB-2A86C9F091C8}" type="datetime8">
+            <a:fld id="{E74353ED-ACB2-44BF-A903-985B0AF962B7}" type="datetime1">
               <a:rPr lang="en-US" smtClean="0"/>
-              <a:t>9/15/2017 11:12 AM</a:t>
+              <a:t>9/17/2017</a:t>
             </a:fld>
             <a:endParaRPr lang="en-US" dirty="0"/>
           </a:p>
@@ -4870,12 +4845,12 @@
       </p:sp>
       <p:sp>
         <p:nvSpPr>
-          <p:cNvPr id="7" name="Slide Number Placeholder 6"/>
+          <p:cNvPr id="6" name="Slide Number Placeholder 5"/>
           <p:cNvSpPr>
             <a:spLocks noGrp="1"/>
           </p:cNvSpPr>
           <p:nvPr>
-            <p:ph type="sldNum" sz="quarter" idx="13"/>
+            <p:ph type="sldNum" sz="quarter" idx="12"/>
           </p:nvPr>
         </p:nvSpPr>
         <p:spPr/>
@@ -4895,7 +4870,7 @@
     </p:spTree>
     <p:extLst>
       <p:ext uri="{BB962C8B-B14F-4D97-AF65-F5344CB8AC3E}">
-        <p14:creationId xmlns:p14="http://schemas.microsoft.com/office/powerpoint/2010/main" val="2871785487"/>
+        <p14:creationId xmlns:p14="http://schemas.microsoft.com/office/powerpoint/2010/main" val="4064758588"/>
       </p:ext>
     </p:extLst>
   </p:cSld>
@@ -5126,7 +5101,7 @@
                 <a:tabLst/>
                 <a:defRPr/>
               </a:pPr>
-              <a:t>9/15/2017 11:12 AM</a:t>
+              <a:t>9/17/2017 3:32 AM</a:t>
             </a:fld>
             <a:endParaRPr kumimoji="0" lang="en-US" sz="1200" b="0" i="0" u="none" strike="noStrike" kern="1200" cap="none" spc="0" normalizeH="0" baseline="0" noProof="0" dirty="0">
               <a:ln>
@@ -5285,7 +5260,54 @@
           <a:bodyPr/>
           <a:lstStyle/>
           <a:p>
-            <a:endParaRPr lang="en-US" baseline="0" dirty="0"/>
+            <a:endParaRPr lang="en-US" dirty="0"/>
+          </a:p>
+        </p:txBody>
+      </p:sp>
+      <p:sp>
+        <p:nvSpPr>
+          <p:cNvPr id="6" name="Slide Number Placeholder 5"/>
+          <p:cNvSpPr>
+            <a:spLocks noGrp="1"/>
+          </p:cNvSpPr>
+          <p:nvPr>
+            <p:ph type="sldNum" sz="quarter" idx="12"/>
+          </p:nvPr>
+        </p:nvSpPr>
+        <p:spPr/>
+        <p:txBody>
+          <a:bodyPr/>
+          <a:lstStyle/>
+          <a:p>
+            <a:fld id="{B4008EB6-D09E-4580-8CD6-DDB14511944F}" type="slidenum">
+              <a:rPr lang="en-US" smtClean="0"/>
+              <a:pPr/>
+              <a:t>30</a:t>
+            </a:fld>
+            <a:endParaRPr lang="en-US" dirty="0"/>
+          </a:p>
+        </p:txBody>
+      </p:sp>
+      <p:sp>
+        <p:nvSpPr>
+          <p:cNvPr id="10" name="Date Placeholder 9"/>
+          <p:cNvSpPr>
+            <a:spLocks noGrp="1"/>
+          </p:cNvSpPr>
+          <p:nvPr>
+            <p:ph type="dt" idx="13"/>
+          </p:nvPr>
+        </p:nvSpPr>
+        <p:spPr/>
+        <p:txBody>
+          <a:bodyPr/>
+          <a:lstStyle/>
+          <a:p>
+            <a:fld id="{6108602D-D426-4C00-B215-BFA18C076426}" type="datetime8">
+              <a:rPr lang="en-US" smtClean="0"/>
+              <a:t>9/17/2017 3:32 AM</a:t>
+            </a:fld>
+            <a:endParaRPr lang="en-US" dirty="0"/>
           </a:p>
         </p:txBody>
       </p:sp>
@@ -5296,7 +5318,7 @@
             <a:spLocks noGrp="1"/>
           </p:cNvSpPr>
           <p:nvPr>
-            <p:ph type="ftr" sz="quarter" idx="10"/>
+            <p:ph type="ftr" sz="quarter" idx="14"/>
           </p:nvPr>
         </p:nvSpPr>
         <p:spPr/>
@@ -5306,7 +5328,7 @@
           <a:p>
             <a:pPr defTabSz="914099" eaLnBrk="0" hangingPunct="0"/>
             <a:r>
-              <a:rPr lang="en-US" sz="400">
+              <a:rPr lang="en-US" sz="400" dirty="0">
                 <a:gradFill>
                   <a:gsLst>
                     <a:gs pos="0">
@@ -5322,35 +5344,19 @@
                 <a:ea typeface="Segoe UI" pitchFamily="34" charset="0"/>
                 <a:cs typeface="Segoe UI" pitchFamily="34" charset="0"/>
               </a:rPr>
-              <a:t>© 2015 Microsoft Corporation. All rights reserved. Microsoft, Windows, and other product names are or may be registered trademarks and/or trademarks in the U.S. and/or other countries. The information herein is for informational purposes only and represents the current view of Microsoft Corporation as of the date of this presentation.  Because Microsoft must respond to changing market conditions, it should not be interpreted to be a commitment on the part of Microsoft, and Microsoft cannot guarantee the accuracy of any information provided after the date of this presentation.  MICROSOFT MAKES NO WARRANTIES, EXPRESS, IMPLIED OR STATUTORY, AS TO THE INFORMATION IN THIS PRESENTATION.</a:t>
-            </a:r>
-            <a:endParaRPr lang="en-US" sz="400" dirty="0">
-              <a:gradFill>
-                <a:gsLst>
-                  <a:gs pos="0">
-                    <a:prstClr val="black"/>
-                  </a:gs>
-                  <a:gs pos="100000">
-                    <a:prstClr val="black"/>
-                  </a:gs>
-                </a:gsLst>
-                <a:lin ang="5400000" scaled="0"/>
-              </a:gradFill>
-              <a:latin typeface="Segoe UI" pitchFamily="34" charset="0"/>
-              <a:ea typeface="Segoe UI" pitchFamily="34" charset="0"/>
-              <a:cs typeface="Segoe UI" pitchFamily="34" charset="0"/>
-            </a:endParaRPr>
+              <a:t>© 2014 Microsoft Corporation. All rights reserved. MICROSOFT MAKES NO WARRANTIES, EXPRESS, IMPLIED OR STATUTORY, AS TO THE INFORMATION IN THIS PRESENTATION.</a:t>
+            </a:r>
           </a:p>
         </p:txBody>
       </p:sp>
       <p:sp>
         <p:nvSpPr>
-          <p:cNvPr id="5" name="Date Placeholder 4"/>
+          <p:cNvPr id="5" name="Header Placeholder 4"/>
           <p:cNvSpPr>
             <a:spLocks noGrp="1"/>
           </p:cNvSpPr>
           <p:nvPr>
-            <p:ph type="dt" idx="11"/>
+            <p:ph type="hdr" sz="quarter" idx="15"/>
           </p:nvPr>
         </p:nvSpPr>
         <p:spPr/>
@@ -5358,34 +5364,6 @@
           <a:bodyPr/>
           <a:lstStyle/>
           <a:p>
-            <a:fld id="{E74353ED-ACB2-44BF-A903-985B0AF962B7}" type="datetime1">
-              <a:rPr lang="en-US" smtClean="0"/>
-              <a:t>9/15/2017</a:t>
-            </a:fld>
-            <a:endParaRPr lang="en-US" dirty="0"/>
-          </a:p>
-        </p:txBody>
-      </p:sp>
-      <p:sp>
-        <p:nvSpPr>
-          <p:cNvPr id="6" name="Slide Number Placeholder 5"/>
-          <p:cNvSpPr>
-            <a:spLocks noGrp="1"/>
-          </p:cNvSpPr>
-          <p:nvPr>
-            <p:ph type="sldNum" sz="quarter" idx="12"/>
-          </p:nvPr>
-        </p:nvSpPr>
-        <p:spPr/>
-        <p:txBody>
-          <a:bodyPr/>
-          <a:lstStyle/>
-          <a:p>
-            <a:fld id="{B4008EB6-D09E-4580-8CD6-DDB14511944F}" type="slidenum">
-              <a:rPr lang="en-US" smtClean="0"/>
-              <a:pPr/>
-              <a:t>30</a:t>
-            </a:fld>
             <a:endParaRPr lang="en-US" dirty="0"/>
           </a:p>
         </p:txBody>
@@ -5393,7 +5371,7 @@
     </p:spTree>
     <p:extLst>
       <p:ext uri="{BB962C8B-B14F-4D97-AF65-F5344CB8AC3E}">
-        <p14:creationId xmlns:p14="http://schemas.microsoft.com/office/powerpoint/2010/main" val="4064758588"/>
+        <p14:creationId xmlns:p14="http://schemas.microsoft.com/office/powerpoint/2010/main" val="4115984220"/>
       </p:ext>
     </p:extLst>
   </p:cSld>
@@ -5492,7 +5470,7 @@
           <a:p>
             <a:fld id="{6108602D-D426-4C00-B215-BFA18C076426}" type="datetime8">
               <a:rPr lang="en-US" smtClean="0"/>
-              <a:t>9/15/2017 11:12 AM</a:t>
+              <a:t>9/17/2017 3:32 AM</a:t>
             </a:fld>
             <a:endParaRPr lang="en-US" dirty="0"/>
           </a:p>
@@ -5558,7 +5536,7 @@
     </p:spTree>
     <p:extLst>
       <p:ext uri="{BB962C8B-B14F-4D97-AF65-F5344CB8AC3E}">
-        <p14:creationId xmlns:p14="http://schemas.microsoft.com/office/powerpoint/2010/main" val="4115984220"/>
+        <p14:creationId xmlns:p14="http://schemas.microsoft.com/office/powerpoint/2010/main" val="1127556924"/>
       </p:ext>
     </p:extLst>
   </p:cSld>
@@ -5569,171 +5547,6 @@
 </file>
 
 <file path=ppt/notesSlides/notesSlide32.xml><?xml version="1.0" encoding="utf-8"?>
-<p:notes xmlns:a="http://schemas.openxmlformats.org/drawingml/2006/main" xmlns:r="http://schemas.openxmlformats.org/officeDocument/2006/relationships" xmlns:p="http://schemas.openxmlformats.org/presentationml/2006/main">
-  <p:cSld>
-    <p:spTree>
-      <p:nvGrpSpPr>
-        <p:cNvPr id="1" name=""/>
-        <p:cNvGrpSpPr/>
-        <p:nvPr/>
-      </p:nvGrpSpPr>
-      <p:grpSpPr>
-        <a:xfrm>
-          <a:off x="0" y="0"/>
-          <a:ext cx="0" cy="0"/>
-          <a:chOff x="0" y="0"/>
-          <a:chExt cx="0" cy="0"/>
-        </a:xfrm>
-      </p:grpSpPr>
-      <p:sp>
-        <p:nvSpPr>
-          <p:cNvPr id="2" name="Slide Image Placeholder 1"/>
-          <p:cNvSpPr>
-            <a:spLocks noGrp="1" noRot="1" noChangeAspect="1"/>
-          </p:cNvSpPr>
-          <p:nvPr>
-            <p:ph type="sldImg"/>
-          </p:nvPr>
-        </p:nvSpPr>
-        <p:spPr/>
-      </p:sp>
-      <p:sp>
-        <p:nvSpPr>
-          <p:cNvPr id="3" name="Notes Placeholder 2"/>
-          <p:cNvSpPr>
-            <a:spLocks noGrp="1"/>
-          </p:cNvSpPr>
-          <p:nvPr>
-            <p:ph type="body" idx="1"/>
-          </p:nvPr>
-        </p:nvSpPr>
-        <p:spPr/>
-        <p:txBody>
-          <a:bodyPr/>
-          <a:lstStyle/>
-          <a:p>
-            <a:endParaRPr lang="en-US" dirty="0"/>
-          </a:p>
-        </p:txBody>
-      </p:sp>
-      <p:sp>
-        <p:nvSpPr>
-          <p:cNvPr id="6" name="Slide Number Placeholder 5"/>
-          <p:cNvSpPr>
-            <a:spLocks noGrp="1"/>
-          </p:cNvSpPr>
-          <p:nvPr>
-            <p:ph type="sldNum" sz="quarter" idx="12"/>
-          </p:nvPr>
-        </p:nvSpPr>
-        <p:spPr/>
-        <p:txBody>
-          <a:bodyPr/>
-          <a:lstStyle/>
-          <a:p>
-            <a:fld id="{B4008EB6-D09E-4580-8CD6-DDB14511944F}" type="slidenum">
-              <a:rPr lang="en-US" smtClean="0"/>
-              <a:pPr/>
-              <a:t>32</a:t>
-            </a:fld>
-            <a:endParaRPr lang="en-US" dirty="0"/>
-          </a:p>
-        </p:txBody>
-      </p:sp>
-      <p:sp>
-        <p:nvSpPr>
-          <p:cNvPr id="10" name="Date Placeholder 9"/>
-          <p:cNvSpPr>
-            <a:spLocks noGrp="1"/>
-          </p:cNvSpPr>
-          <p:nvPr>
-            <p:ph type="dt" idx="13"/>
-          </p:nvPr>
-        </p:nvSpPr>
-        <p:spPr/>
-        <p:txBody>
-          <a:bodyPr/>
-          <a:lstStyle/>
-          <a:p>
-            <a:fld id="{6108602D-D426-4C00-B215-BFA18C076426}" type="datetime8">
-              <a:rPr lang="en-US" smtClean="0"/>
-              <a:t>9/15/2017 11:12 AM</a:t>
-            </a:fld>
-            <a:endParaRPr lang="en-US" dirty="0"/>
-          </a:p>
-        </p:txBody>
-      </p:sp>
-      <p:sp>
-        <p:nvSpPr>
-          <p:cNvPr id="4" name="Footer Placeholder 3"/>
-          <p:cNvSpPr>
-            <a:spLocks noGrp="1"/>
-          </p:cNvSpPr>
-          <p:nvPr>
-            <p:ph type="ftr" sz="quarter" idx="14"/>
-          </p:nvPr>
-        </p:nvSpPr>
-        <p:spPr/>
-        <p:txBody>
-          <a:bodyPr/>
-          <a:lstStyle/>
-          <a:p>
-            <a:pPr defTabSz="914099" eaLnBrk="0" hangingPunct="0"/>
-            <a:r>
-              <a:rPr lang="en-US" sz="400" dirty="0">
-                <a:gradFill>
-                  <a:gsLst>
-                    <a:gs pos="0">
-                      <a:prstClr val="black"/>
-                    </a:gs>
-                    <a:gs pos="100000">
-                      <a:prstClr val="black"/>
-                    </a:gs>
-                  </a:gsLst>
-                  <a:lin ang="5400000" scaled="0"/>
-                </a:gradFill>
-                <a:latin typeface="Segoe UI" pitchFamily="34" charset="0"/>
-                <a:ea typeface="Segoe UI" pitchFamily="34" charset="0"/>
-                <a:cs typeface="Segoe UI" pitchFamily="34" charset="0"/>
-              </a:rPr>
-              <a:t>© 2014 Microsoft Corporation. All rights reserved. MICROSOFT MAKES NO WARRANTIES, EXPRESS, IMPLIED OR STATUTORY, AS TO THE INFORMATION IN THIS PRESENTATION.</a:t>
-            </a:r>
-          </a:p>
-        </p:txBody>
-      </p:sp>
-      <p:sp>
-        <p:nvSpPr>
-          <p:cNvPr id="5" name="Header Placeholder 4"/>
-          <p:cNvSpPr>
-            <a:spLocks noGrp="1"/>
-          </p:cNvSpPr>
-          <p:nvPr>
-            <p:ph type="hdr" sz="quarter" idx="15"/>
-          </p:nvPr>
-        </p:nvSpPr>
-        <p:spPr/>
-        <p:txBody>
-          <a:bodyPr/>
-          <a:lstStyle/>
-          <a:p>
-            <a:endParaRPr lang="en-US" dirty="0"/>
-          </a:p>
-        </p:txBody>
-      </p:sp>
-    </p:spTree>
-    <p:extLst>
-      <p:ext uri="{BB962C8B-B14F-4D97-AF65-F5344CB8AC3E}">
-        <p14:creationId xmlns:p14="http://schemas.microsoft.com/office/powerpoint/2010/main" val="1127556924"/>
-      </p:ext>
-    </p:extLst>
-  </p:cSld>
-  <p:clrMapOvr>
-    <a:masterClrMapping/>
-  </p:clrMapOvr>
-</p:notes>
-</file>
-
-<file path=ppt/notesSlides/notesSlide33.xml><?xml version="1.0" encoding="utf-8"?>
 <p:notes xmlns:a="http://schemas.openxmlformats.org/drawingml/2006/main" xmlns:r="http://schemas.openxmlformats.org/officeDocument/2006/relationships" xmlns:p="http://schemas.openxmlformats.org/presentationml/2006/main">
   <p:cSld>
     <p:spTree>
@@ -5993,7 +5806,7 @@
                 <a:tabLst/>
                 <a:defRPr/>
               </a:pPr>
-              <a:t>9/15/2017 11:12 AM</a:t>
+              <a:t>9/17/2017 3:32 AM</a:t>
             </a:fld>
             <a:endParaRPr kumimoji="0" lang="en-US" sz="1200" b="0" i="0" u="none" strike="noStrike" kern="1200" cap="none" spc="0" normalizeH="0" baseline="0" noProof="0" dirty="0">
               <a:ln>
@@ -6076,7 +5889,7 @@
                 <a:tabLst/>
                 <a:defRPr/>
               </a:pPr>
-              <a:t>33</a:t>
+              <a:t>32</a:t>
             </a:fld>
             <a:endParaRPr kumimoji="0" lang="en-US" sz="1200" b="0" i="0" u="none" strike="noStrike" kern="1200" cap="none" spc="0" normalizeH="0" baseline="0" noProof="0" dirty="0">
               <a:ln>
@@ -6099,6 +5912,171 @@
     <p:extLst>
       <p:ext uri="{BB962C8B-B14F-4D97-AF65-F5344CB8AC3E}">
         <p14:creationId xmlns:p14="http://schemas.microsoft.com/office/powerpoint/2010/main" val="415554769"/>
+      </p:ext>
+    </p:extLst>
+  </p:cSld>
+  <p:clrMapOvr>
+    <a:masterClrMapping/>
+  </p:clrMapOvr>
+</p:notes>
+</file>
+
+<file path=ppt/notesSlides/notesSlide33.xml><?xml version="1.0" encoding="utf-8"?>
+<p:notes xmlns:a="http://schemas.openxmlformats.org/drawingml/2006/main" xmlns:r="http://schemas.openxmlformats.org/officeDocument/2006/relationships" xmlns:p="http://schemas.openxmlformats.org/presentationml/2006/main">
+  <p:cSld>
+    <p:spTree>
+      <p:nvGrpSpPr>
+        <p:cNvPr id="1" name=""/>
+        <p:cNvGrpSpPr/>
+        <p:nvPr/>
+      </p:nvGrpSpPr>
+      <p:grpSpPr>
+        <a:xfrm>
+          <a:off x="0" y="0"/>
+          <a:ext cx="0" cy="0"/>
+          <a:chOff x="0" y="0"/>
+          <a:chExt cx="0" cy="0"/>
+        </a:xfrm>
+      </p:grpSpPr>
+      <p:sp>
+        <p:nvSpPr>
+          <p:cNvPr id="2" name="Slide Image Placeholder 1"/>
+          <p:cNvSpPr>
+            <a:spLocks noGrp="1" noRot="1" noChangeAspect="1"/>
+          </p:cNvSpPr>
+          <p:nvPr>
+            <p:ph type="sldImg"/>
+          </p:nvPr>
+        </p:nvSpPr>
+        <p:spPr/>
+      </p:sp>
+      <p:sp>
+        <p:nvSpPr>
+          <p:cNvPr id="3" name="Notes Placeholder 2"/>
+          <p:cNvSpPr>
+            <a:spLocks noGrp="1"/>
+          </p:cNvSpPr>
+          <p:nvPr>
+            <p:ph type="body" idx="1"/>
+          </p:nvPr>
+        </p:nvSpPr>
+        <p:spPr/>
+        <p:txBody>
+          <a:bodyPr/>
+          <a:lstStyle/>
+          <a:p>
+            <a:endParaRPr lang="en-US" dirty="0"/>
+          </a:p>
+        </p:txBody>
+      </p:sp>
+      <p:sp>
+        <p:nvSpPr>
+          <p:cNvPr id="4" name="Header Placeholder 3"/>
+          <p:cNvSpPr>
+            <a:spLocks noGrp="1"/>
+          </p:cNvSpPr>
+          <p:nvPr>
+            <p:ph type="hdr" sz="quarter" idx="10"/>
+          </p:nvPr>
+        </p:nvSpPr>
+        <p:spPr/>
+        <p:txBody>
+          <a:bodyPr/>
+          <a:lstStyle/>
+          <a:p>
+            <a:endParaRPr lang="en-US" dirty="0"/>
+          </a:p>
+        </p:txBody>
+      </p:sp>
+      <p:sp>
+        <p:nvSpPr>
+          <p:cNvPr id="5" name="Footer Placeholder 4"/>
+          <p:cNvSpPr>
+            <a:spLocks noGrp="1"/>
+          </p:cNvSpPr>
+          <p:nvPr>
+            <p:ph type="ftr" sz="quarter" idx="11"/>
+          </p:nvPr>
+        </p:nvSpPr>
+        <p:spPr/>
+        <p:txBody>
+          <a:bodyPr/>
+          <a:lstStyle/>
+          <a:p>
+            <a:pPr defTabSz="914099" eaLnBrk="0" hangingPunct="0"/>
+            <a:r>
+              <a:rPr lang="en-US" sz="400" dirty="0">
+                <a:gradFill>
+                  <a:gsLst>
+                    <a:gs pos="0">
+                      <a:prstClr val="black"/>
+                    </a:gs>
+                    <a:gs pos="100000">
+                      <a:prstClr val="black"/>
+                    </a:gs>
+                  </a:gsLst>
+                  <a:lin ang="5400000" scaled="0"/>
+                </a:gradFill>
+                <a:latin typeface="Segoe UI" pitchFamily="34" charset="0"/>
+                <a:ea typeface="Segoe UI" pitchFamily="34" charset="0"/>
+                <a:cs typeface="Segoe UI" pitchFamily="34" charset="0"/>
+              </a:rPr>
+              <a:t>© 2014 Microsoft Corporation. All rights reserved. MICROSOFT MAKES NO WARRANTIES, EXPRESS, IMPLIED OR STATUTORY, AS TO THE INFORMATION IN THIS PRESENTATION.</a:t>
+            </a:r>
+          </a:p>
+        </p:txBody>
+      </p:sp>
+      <p:sp>
+        <p:nvSpPr>
+          <p:cNvPr id="6" name="Date Placeholder 5"/>
+          <p:cNvSpPr>
+            <a:spLocks noGrp="1"/>
+          </p:cNvSpPr>
+          <p:nvPr>
+            <p:ph type="dt" idx="12"/>
+          </p:nvPr>
+        </p:nvSpPr>
+        <p:spPr/>
+        <p:txBody>
+          <a:bodyPr/>
+          <a:lstStyle/>
+          <a:p>
+            <a:fld id="{7D10C09F-FCA1-48C8-B40D-42E1045D109E}" type="datetime8">
+              <a:rPr lang="en-US" smtClean="0"/>
+              <a:t>9/17/2017 3:32 AM</a:t>
+            </a:fld>
+            <a:endParaRPr lang="en-US" dirty="0"/>
+          </a:p>
+        </p:txBody>
+      </p:sp>
+      <p:sp>
+        <p:nvSpPr>
+          <p:cNvPr id="7" name="Slide Number Placeholder 6"/>
+          <p:cNvSpPr>
+            <a:spLocks noGrp="1"/>
+          </p:cNvSpPr>
+          <p:nvPr>
+            <p:ph type="sldNum" sz="quarter" idx="13"/>
+          </p:nvPr>
+        </p:nvSpPr>
+        <p:spPr/>
+        <p:txBody>
+          <a:bodyPr/>
+          <a:lstStyle/>
+          <a:p>
+            <a:fld id="{B4008EB6-D09E-4580-8CD6-DDB14511944F}" type="slidenum">
+              <a:rPr lang="en-US" smtClean="0"/>
+              <a:pPr/>
+              <a:t>33</a:t>
+            </a:fld>
+            <a:endParaRPr lang="en-US" dirty="0"/>
+          </a:p>
+        </p:txBody>
+      </p:sp>
+    </p:spTree>
+    <p:extLst>
+      <p:ext uri="{BB962C8B-B14F-4D97-AF65-F5344CB8AC3E}">
+        <p14:creationId xmlns:p14="http://schemas.microsoft.com/office/powerpoint/2010/main" val="376795026"/>
       </p:ext>
     </p:extLst>
   </p:cSld>
@@ -6152,6 +6130,99 @@
           <a:bodyPr/>
           <a:lstStyle/>
           <a:p>
+            <a:r>
+              <a:rPr lang="en-US" sz="3200" kern="1200" dirty="0">
+                <a:solidFill>
+                  <a:schemeClr val="tx1"/>
+                </a:solidFill>
+                <a:latin typeface="Segoe UI Light" pitchFamily="34" charset="0"/>
+                <a:ea typeface="+mn-ea"/>
+                <a:cs typeface="+mn-cs"/>
+              </a:rPr>
+              <a:t>There are multiple types of deployment for .NET Core</a:t>
+            </a:r>
+            <a:endParaRPr lang="en-US" dirty="0"/>
+          </a:p>
+          <a:p>
+            <a:endParaRPr lang="en-US" dirty="0"/>
+          </a:p>
+          <a:p>
+            <a:r>
+              <a:rPr lang="en-US" sz="3200" b="1" kern="1200" dirty="0">
+                <a:solidFill>
+                  <a:schemeClr val="tx1"/>
+                </a:solidFill>
+                <a:latin typeface="Segoe UI Light" pitchFamily="34" charset="0"/>
+                <a:ea typeface="+mn-ea"/>
+                <a:cs typeface="+mn-cs"/>
+              </a:rPr>
+              <a:t>Framework-dependent deployment (FDD) </a:t>
+            </a:r>
+            <a:r>
+              <a:rPr lang="en-US" sz="3200" kern="1200" dirty="0">
+                <a:solidFill>
+                  <a:schemeClr val="tx1"/>
+                </a:solidFill>
+                <a:latin typeface="Segoe UI Light" pitchFamily="34" charset="0"/>
+                <a:ea typeface="+mn-ea"/>
+                <a:cs typeface="+mn-cs"/>
+              </a:rPr>
+              <a:t>- require shared component on target</a:t>
+            </a:r>
+            <a:endParaRPr lang="en-US" b="1" dirty="0"/>
+          </a:p>
+          <a:p>
+            <a:pPr lvl="1"/>
+            <a:r>
+              <a:rPr lang="en-US" sz="900" b="1" kern="1200" dirty="0">
+                <a:solidFill>
+                  <a:schemeClr val="tx1"/>
+                </a:solidFill>
+                <a:latin typeface="Segoe UI Light" pitchFamily="34" charset="0"/>
+                <a:ea typeface="+mn-ea"/>
+                <a:cs typeface="+mn-cs"/>
+              </a:rPr>
+              <a:t>FDD w/ native dependencies</a:t>
+            </a:r>
+            <a:r>
+              <a:rPr lang="en-US" sz="900" kern="1200" dirty="0">
+                <a:solidFill>
+                  <a:schemeClr val="tx1"/>
+                </a:solidFill>
+                <a:latin typeface="Segoe UI Light" pitchFamily="34" charset="0"/>
+                <a:ea typeface="+mn-ea"/>
+                <a:cs typeface="+mn-cs"/>
+              </a:rPr>
+              <a:t> - require shared component but has native dependencies </a:t>
+            </a:r>
+            <a:endParaRPr lang="en-US" sz="3600" b="1" dirty="0"/>
+          </a:p>
+          <a:p>
+            <a:r>
+              <a:rPr lang="en-US" sz="3200" b="1" kern="1200" dirty="0">
+                <a:solidFill>
+                  <a:schemeClr val="tx1"/>
+                </a:solidFill>
+                <a:latin typeface="Segoe UI Light" pitchFamily="34" charset="0"/>
+                <a:ea typeface="+mn-ea"/>
+                <a:cs typeface="+mn-cs"/>
+              </a:rPr>
+              <a:t>Self-contained deployment (SCD) </a:t>
+            </a:r>
+            <a:r>
+              <a:rPr lang="en-US" sz="3200" kern="1200" dirty="0">
+                <a:solidFill>
+                  <a:schemeClr val="tx1"/>
+                </a:solidFill>
+                <a:latin typeface="Segoe UI Light" pitchFamily="34" charset="0"/>
+                <a:ea typeface="+mn-ea"/>
+                <a:cs typeface="+mn-cs"/>
+              </a:rPr>
+              <a:t>- package all with them (what we currently have)</a:t>
+            </a:r>
+            <a:endParaRPr lang="en-US" dirty="0"/>
+          </a:p>
+          <a:p>
             <a:endParaRPr lang="en-US" dirty="0"/>
           </a:p>
         </p:txBody>
@@ -6171,6 +6242,10 @@
           <a:bodyPr/>
           <a:lstStyle/>
           <a:p>
+            <a:r>
+              <a:rPr lang="en-US"/>
+              <a:t>TechReady 23</a:t>
+            </a:r>
             <a:endParaRPr lang="en-US" dirty="0"/>
           </a:p>
         </p:txBody>
@@ -6192,7 +6267,7 @@
           <a:p>
             <a:pPr defTabSz="914099" eaLnBrk="0" hangingPunct="0"/>
             <a:r>
-              <a:rPr lang="en-US" sz="400" dirty="0">
+              <a:rPr lang="en-US" sz="400">
                 <a:gradFill>
                   <a:gsLst>
                     <a:gs pos="0">
@@ -6208,8 +6283,24 @@
                 <a:ea typeface="Segoe UI" pitchFamily="34" charset="0"/>
                 <a:cs typeface="Segoe UI" pitchFamily="34" charset="0"/>
               </a:rPr>
-              <a:t>© 2014 Microsoft Corporation. All rights reserved. MICROSOFT MAKES NO WARRANTIES, EXPRESS, IMPLIED OR STATUTORY, AS TO THE INFORMATION IN THIS PRESENTATION.</a:t>
-            </a:r>
+              <a:t>© 2016 Microsoft Corporation. All rights reserved. MICROSOFT MAKES NO WARRANTIES, EXPRESS, IMPLIED OR STATUTORY, AS TO THE INFORMATION IN THIS PRESENTATION.</a:t>
+            </a:r>
+            <a:endParaRPr lang="en-US" sz="400" dirty="0">
+              <a:gradFill>
+                <a:gsLst>
+                  <a:gs pos="0">
+                    <a:prstClr val="black"/>
+                  </a:gs>
+                  <a:gs pos="100000">
+                    <a:prstClr val="black"/>
+                  </a:gs>
+                </a:gsLst>
+                <a:lin ang="5400000" scaled="0"/>
+              </a:gradFill>
+              <a:latin typeface="Segoe UI" pitchFamily="34" charset="0"/>
+              <a:ea typeface="Segoe UI" pitchFamily="34" charset="0"/>
+              <a:cs typeface="Segoe UI" pitchFamily="34" charset="0"/>
+            </a:endParaRPr>
           </a:p>
         </p:txBody>
       </p:sp>
@@ -6228,9 +6319,9 @@
           <a:bodyPr/>
           <a:lstStyle/>
           <a:p>
-            <a:fld id="{7D10C09F-FCA1-48C8-B40D-42E1045D109E}" type="datetime8">
+            <a:fld id="{38EEC551-8CDA-4EB6-89BB-2A86C9F091C8}" type="datetime8">
               <a:rPr lang="en-US" smtClean="0"/>
-              <a:t>9/15/2017 11:12 AM</a:t>
+              <a:t>9/17/2017 3:32 AM</a:t>
             </a:fld>
             <a:endParaRPr lang="en-US" dirty="0"/>
           </a:p>
@@ -6263,7 +6354,7 @@
     </p:spTree>
     <p:extLst>
       <p:ext uri="{BB962C8B-B14F-4D97-AF65-F5344CB8AC3E}">
-        <p14:creationId xmlns:p14="http://schemas.microsoft.com/office/powerpoint/2010/main" val="376795026"/>
+        <p14:creationId xmlns:p14="http://schemas.microsoft.com/office/powerpoint/2010/main" val="651518226"/>
       </p:ext>
     </p:extLst>
   </p:cSld>
@@ -6508,7 +6599,7 @@
           <a:p>
             <a:fld id="{38EEC551-8CDA-4EB6-89BB-2A86C9F091C8}" type="datetime8">
               <a:rPr lang="en-US" smtClean="0"/>
-              <a:t>9/15/2017 11:12 AM</a:t>
+              <a:t>9/17/2017 3:32 AM</a:t>
             </a:fld>
             <a:endParaRPr lang="en-US" dirty="0"/>
           </a:p>
@@ -6541,7 +6632,7 @@
     </p:spTree>
     <p:extLst>
       <p:ext uri="{BB962C8B-B14F-4D97-AF65-F5344CB8AC3E}">
-        <p14:creationId xmlns:p14="http://schemas.microsoft.com/office/powerpoint/2010/main" val="651518226"/>
+        <p14:creationId xmlns:p14="http://schemas.microsoft.com/office/powerpoint/2010/main" val="822485172"/>
       </p:ext>
     </p:extLst>
   </p:cSld>
@@ -6786,7 +6877,7 @@
           <a:p>
             <a:fld id="{38EEC551-8CDA-4EB6-89BB-2A86C9F091C8}" type="datetime8">
               <a:rPr lang="en-US" smtClean="0"/>
-              <a:t>9/15/2017 11:12 AM</a:t>
+              <a:t>9/17/2017 3:32 AM</a:t>
             </a:fld>
             <a:endParaRPr lang="en-US" dirty="0"/>
           </a:p>
@@ -6819,7 +6910,7 @@
     </p:spTree>
     <p:extLst>
       <p:ext uri="{BB962C8B-B14F-4D97-AF65-F5344CB8AC3E}">
-        <p14:creationId xmlns:p14="http://schemas.microsoft.com/office/powerpoint/2010/main" val="822485172"/>
+        <p14:creationId xmlns:p14="http://schemas.microsoft.com/office/powerpoint/2010/main" val="655909468"/>
       </p:ext>
     </p:extLst>
   </p:cSld>
@@ -7064,7 +7155,7 @@
           <a:p>
             <a:fld id="{38EEC551-8CDA-4EB6-89BB-2A86C9F091C8}" type="datetime8">
               <a:rPr lang="en-US" smtClean="0"/>
-              <a:t>9/15/2017 11:12 AM</a:t>
+              <a:t>9/17/2017 3:32 AM</a:t>
             </a:fld>
             <a:endParaRPr lang="en-US" dirty="0"/>
           </a:p>
@@ -7097,7 +7188,7 @@
     </p:spTree>
     <p:extLst>
       <p:ext uri="{BB962C8B-B14F-4D97-AF65-F5344CB8AC3E}">
-        <p14:creationId xmlns:p14="http://schemas.microsoft.com/office/powerpoint/2010/main" val="655909468"/>
+        <p14:creationId xmlns:p14="http://schemas.microsoft.com/office/powerpoint/2010/main" val="1380576172"/>
       </p:ext>
     </p:extLst>
   </p:cSld>
@@ -7342,7 +7433,7 @@
           <a:p>
             <a:fld id="{38EEC551-8CDA-4EB6-89BB-2A86C9F091C8}" type="datetime8">
               <a:rPr lang="en-US" smtClean="0"/>
-              <a:t>9/15/2017 11:12 AM</a:t>
+              <a:t>9/17/2017 3:32 AM</a:t>
             </a:fld>
             <a:endParaRPr lang="en-US" dirty="0"/>
           </a:p>
@@ -7375,7 +7466,7 @@
     </p:spTree>
     <p:extLst>
       <p:ext uri="{BB962C8B-B14F-4D97-AF65-F5344CB8AC3E}">
-        <p14:creationId xmlns:p14="http://schemas.microsoft.com/office/powerpoint/2010/main" val="1380576172"/>
+        <p14:creationId xmlns:p14="http://schemas.microsoft.com/office/powerpoint/2010/main" val="60214236"/>
       </p:ext>
     </p:extLst>
   </p:cSld>
@@ -7429,100 +7520,7 @@
           <a:bodyPr/>
           <a:lstStyle/>
           <a:p>
-            <a:r>
-              <a:rPr lang="en-US" sz="3200" kern="1200" dirty="0">
-                <a:solidFill>
-                  <a:schemeClr val="tx1"/>
-                </a:solidFill>
-                <a:latin typeface="Segoe UI Light" pitchFamily="34" charset="0"/>
-                <a:ea typeface="+mn-ea"/>
-                <a:cs typeface="+mn-cs"/>
-              </a:rPr>
-              <a:t>There are multiple types of deployment for .NET Core</a:t>
-            </a:r>
-            <a:endParaRPr lang="en-US" dirty="0"/>
-          </a:p>
-          <a:p>
-            <a:endParaRPr lang="en-US" dirty="0"/>
-          </a:p>
-          <a:p>
-            <a:r>
-              <a:rPr lang="en-US" sz="3200" b="1" kern="1200" dirty="0">
-                <a:solidFill>
-                  <a:schemeClr val="tx1"/>
-                </a:solidFill>
-                <a:latin typeface="Segoe UI Light" pitchFamily="34" charset="0"/>
-                <a:ea typeface="+mn-ea"/>
-                <a:cs typeface="+mn-cs"/>
-              </a:rPr>
-              <a:t>Framework-dependent deployment (FDD) </a:t>
-            </a:r>
-            <a:r>
-              <a:rPr lang="en-US" sz="3200" kern="1200" dirty="0">
-                <a:solidFill>
-                  <a:schemeClr val="tx1"/>
-                </a:solidFill>
-                <a:latin typeface="Segoe UI Light" pitchFamily="34" charset="0"/>
-                <a:ea typeface="+mn-ea"/>
-                <a:cs typeface="+mn-cs"/>
-              </a:rPr>
-              <a:t>- require shared component on target</a:t>
-            </a:r>
-            <a:endParaRPr lang="en-US" b="1" dirty="0"/>
-          </a:p>
-          <a:p>
-            <a:pPr lvl="1"/>
-            <a:r>
-              <a:rPr lang="en-US" sz="900" b="1" kern="1200" dirty="0">
-                <a:solidFill>
-                  <a:schemeClr val="tx1"/>
-                </a:solidFill>
-                <a:latin typeface="Segoe UI Light" pitchFamily="34" charset="0"/>
-                <a:ea typeface="+mn-ea"/>
-                <a:cs typeface="+mn-cs"/>
-              </a:rPr>
-              <a:t>FDD w/ native dependencies</a:t>
-            </a:r>
-            <a:r>
-              <a:rPr lang="en-US" sz="900" kern="1200" dirty="0">
-                <a:solidFill>
-                  <a:schemeClr val="tx1"/>
-                </a:solidFill>
-                <a:latin typeface="Segoe UI Light" pitchFamily="34" charset="0"/>
-                <a:ea typeface="+mn-ea"/>
-                <a:cs typeface="+mn-cs"/>
-              </a:rPr>
-              <a:t> - require shared component but has native dependencies </a:t>
-            </a:r>
-            <a:endParaRPr lang="en-US" sz="3600" b="1" dirty="0"/>
-          </a:p>
-          <a:p>
-            <a:r>
-              <a:rPr lang="en-US" sz="3200" b="1" kern="1200" dirty="0">
-                <a:solidFill>
-                  <a:schemeClr val="tx1"/>
-                </a:solidFill>
-                <a:latin typeface="Segoe UI Light" pitchFamily="34" charset="0"/>
-                <a:ea typeface="+mn-ea"/>
-                <a:cs typeface="+mn-cs"/>
-              </a:rPr>
-              <a:t>Self-contained deployment (SCD) </a:t>
-            </a:r>
-            <a:r>
-              <a:rPr lang="en-US" sz="3200" kern="1200" dirty="0">
-                <a:solidFill>
-                  <a:schemeClr val="tx1"/>
-                </a:solidFill>
-                <a:latin typeface="Segoe UI Light" pitchFamily="34" charset="0"/>
-                <a:ea typeface="+mn-ea"/>
-                <a:cs typeface="+mn-cs"/>
-              </a:rPr>
-              <a:t>- package all with them (what we currently have)</a:t>
-            </a:r>
-            <a:endParaRPr lang="en-US" dirty="0"/>
-          </a:p>
-          <a:p>
-            <a:endParaRPr lang="en-US" dirty="0"/>
+            <a:endParaRPr lang="en-US"/>
           </a:p>
         </p:txBody>
       </p:sp>
@@ -7541,11 +7539,54 @@
           <a:bodyPr/>
           <a:lstStyle/>
           <a:p>
-            <a:r>
-              <a:rPr lang="en-US"/>
-              <a:t>TechReady 23</a:t>
-            </a:r>
-            <a:endParaRPr lang="en-US" dirty="0"/>
+            <a:pPr marL="0" marR="0" lvl="0" indent="0" algn="l" defTabSz="932742" rtl="0" eaLnBrk="1" fontAlgn="auto" latinLnBrk="0" hangingPunct="1">
+              <a:lnSpc>
+                <a:spcPct val="100000"/>
+              </a:lnSpc>
+              <a:spcBef>
+                <a:spcPts val="0"/>
+              </a:spcBef>
+              <a:spcAft>
+                <a:spcPts val="0"/>
+              </a:spcAft>
+              <a:buClrTx/>
+              <a:buSzTx/>
+              <a:buFontTx/>
+              <a:buNone/>
+              <a:tabLst/>
+              <a:defRPr/>
+            </a:pPr>
+            <a:r>
+              <a:rPr kumimoji="0" lang="en-US" sz="1200" b="0" i="0" u="none" strike="noStrike" kern="1200" cap="none" spc="0" normalizeH="0" baseline="0" noProof="0">
+                <a:ln>
+                  <a:noFill/>
+                </a:ln>
+                <a:solidFill>
+                  <a:prstClr val="black"/>
+                </a:solidFill>
+                <a:effectLst/>
+                <a:uLnTx/>
+                <a:uFillTx/>
+                <a:latin typeface="Segoe UI" pitchFamily="34" charset="0"/>
+                <a:ea typeface="+mn-ea"/>
+                <a:cs typeface="+mn-cs"/>
+              </a:rPr>
+              <a:t>Microsoft Ignite 2016</a:t>
+            </a:r>
+            <a:endParaRPr kumimoji="0" lang="en-US" sz="1200" b="0" i="0" u="none" strike="noStrike" kern="1200" cap="none" spc="0" normalizeH="0" baseline="0" noProof="0" dirty="0">
+              <a:ln>
+                <a:noFill/>
+              </a:ln>
+              <a:solidFill>
+                <a:prstClr val="black"/>
+              </a:solidFill>
+              <a:effectLst/>
+              <a:uLnTx/>
+              <a:uFillTx/>
+              <a:latin typeface="Segoe UI" pitchFamily="34" charset="0"/>
+              <a:ea typeface="+mn-ea"/>
+              <a:cs typeface="+mn-cs"/>
+            </a:endParaRPr>
           </a:p>
         </p:txBody>
       </p:sp>
@@ -7564,9 +7605,28 @@
           <a:bodyPr/>
           <a:lstStyle/>
           <a:p>
-            <a:pPr defTabSz="914099" eaLnBrk="0" hangingPunct="0"/>
-            <a:r>
-              <a:rPr lang="en-US" sz="400">
+            <a:pPr marL="571500" marR="0" lvl="0" indent="0" algn="l" defTabSz="914099" rtl="0" eaLnBrk="0" fontAlgn="auto" latinLnBrk="0" hangingPunct="0">
+              <a:lnSpc>
+                <a:spcPct val="100000"/>
+              </a:lnSpc>
+              <a:spcBef>
+                <a:spcPts val="0"/>
+              </a:spcBef>
+              <a:spcAft>
+                <a:spcPts val="0"/>
+              </a:spcAft>
+              <a:buClrTx/>
+              <a:buSzTx/>
+              <a:buFontTx/>
+              <a:buNone/>
+              <a:tabLst/>
+              <a:defRPr/>
+            </a:pPr>
+            <a:r>
+              <a:rPr kumimoji="0" lang="en-US" sz="400" b="0" i="0" u="none" strike="noStrike" kern="1200" cap="none" spc="0" normalizeH="0" baseline="0" noProof="0">
+                <a:ln>
+                  <a:noFill/>
+                </a:ln>
                 <a:gradFill>
                   <a:gsLst>
                     <a:gs pos="0">
@@ -7578,13 +7638,19 @@
                   </a:gsLst>
                   <a:lin ang="5400000" scaled="0"/>
                 </a:gradFill>
+                <a:effectLst/>
+                <a:uLnTx/>
+                <a:uFillTx/>
                 <a:latin typeface="Segoe UI" pitchFamily="34" charset="0"/>
                 <a:ea typeface="Segoe UI" pitchFamily="34" charset="0"/>
                 <a:cs typeface="Segoe UI" pitchFamily="34" charset="0"/>
               </a:rPr>
               <a:t>© 2016 Microsoft Corporation. All rights reserved. MICROSOFT MAKES NO WARRANTIES, EXPRESS, IMPLIED OR STATUTORY, AS TO THE INFORMATION IN THIS PRESENTATION.</a:t>
             </a:r>
-            <a:endParaRPr lang="en-US" sz="400" dirty="0">
+            <a:endParaRPr kumimoji="0" lang="en-US" sz="400" b="0" i="0" u="none" strike="noStrike" kern="1200" cap="none" spc="0" normalizeH="0" baseline="0" noProof="0" dirty="0">
+              <a:ln>
+                <a:noFill/>
+              </a:ln>
               <a:gradFill>
                 <a:gsLst>
                   <a:gs pos="0">
@@ -7596,6 +7662,9 @@
                 </a:gsLst>
                 <a:lin ang="5400000" scaled="0"/>
               </a:gradFill>
+              <a:effectLst/>
+              <a:uLnTx/>
+              <a:uFillTx/>
               <a:latin typeface="Segoe UI" pitchFamily="34" charset="0"/>
               <a:ea typeface="Segoe UI" pitchFamily="34" charset="0"/>
               <a:cs typeface="Segoe UI" pitchFamily="34" charset="0"/>
@@ -7618,11 +7687,71 @@
           <a:bodyPr/>
           <a:lstStyle/>
           <a:p>
+            <a:pPr marL="0" marR="0" lvl="0" indent="0" algn="r" defTabSz="932742" rtl="0" eaLnBrk="1" fontAlgn="auto" latinLnBrk="0" hangingPunct="1">
+              <a:lnSpc>
+                <a:spcPct val="100000"/>
+              </a:lnSpc>
+              <a:spcBef>
+                <a:spcPts val="0"/>
+              </a:spcBef>
+              <a:spcAft>
+                <a:spcPts val="0"/>
+              </a:spcAft>
+              <a:buClrTx/>
+              <a:buSzTx/>
+              <a:buFontTx/>
+              <a:buNone/>
+              <a:tabLst/>
+              <a:defRPr/>
+            </a:pPr>
             <a:fld id="{38EEC551-8CDA-4EB6-89BB-2A86C9F091C8}" type="datetime8">
-              <a:rPr lang="en-US" smtClean="0"/>
-              <a:t>9/15/2017 11:12 AM</a:t>
+              <a:rPr kumimoji="0" lang="en-US" sz="1200" b="0" i="0" u="none" strike="noStrike" kern="1200" cap="none" spc="0" normalizeH="0" baseline="0" noProof="0" smtClean="0">
+                <a:ln>
+                  <a:noFill/>
+                </a:ln>
+                <a:solidFill>
+                  <a:prstClr val="black"/>
+                </a:solidFill>
+                <a:effectLst/>
+                <a:uLnTx/>
+                <a:uFillTx/>
+                <a:latin typeface="Segoe UI" pitchFamily="34" charset="0"/>
+                <a:ea typeface="+mn-ea"/>
+                <a:cs typeface="+mn-cs"/>
+              </a:rPr>
+              <a:pPr marL="0" marR="0" lvl="0" indent="0" algn="r" defTabSz="932742" rtl="0" eaLnBrk="1" fontAlgn="auto" latinLnBrk="0" hangingPunct="1">
+                <a:lnSpc>
+                  <a:spcPct val="100000"/>
+                </a:lnSpc>
+                <a:spcBef>
+                  <a:spcPts val="0"/>
+                </a:spcBef>
+                <a:spcAft>
+                  <a:spcPts val="0"/>
+                </a:spcAft>
+                <a:buClrTx/>
+                <a:buSzTx/>
+                <a:buFontTx/>
+                <a:buNone/>
+                <a:tabLst/>
+                <a:defRPr/>
+              </a:pPr>
+              <a:t>9/17/2017 3:32 AM</a:t>
             </a:fld>
-            <a:endParaRPr lang="en-US" dirty="0"/>
+            <a:endParaRPr kumimoji="0" lang="en-US" sz="1200" b="0" i="0" u="none" strike="noStrike" kern="1200" cap="none" spc="0" normalizeH="0" baseline="0" noProof="0" dirty="0">
+              <a:ln>
+                <a:noFill/>
+              </a:ln>
+              <a:solidFill>
+                <a:prstClr val="black"/>
+              </a:solidFill>
+              <a:effectLst/>
+              <a:uLnTx/>
+              <a:uFillTx/>
+              <a:latin typeface="Segoe UI" pitchFamily="34" charset="0"/>
+              <a:ea typeface="+mn-ea"/>
+              <a:cs typeface="+mn-cs"/>
+            </a:endParaRPr>
           </a:p>
         </p:txBody>
       </p:sp>
@@ -7641,19 +7770,78 @@
           <a:bodyPr/>
           <a:lstStyle/>
           <a:p>
+            <a:pPr marL="0" marR="0" lvl="0" indent="0" algn="r" defTabSz="932742" rtl="0" eaLnBrk="1" fontAlgn="auto" latinLnBrk="0" hangingPunct="1">
+              <a:lnSpc>
+                <a:spcPct val="100000"/>
+              </a:lnSpc>
+              <a:spcBef>
+                <a:spcPts val="0"/>
+              </a:spcBef>
+              <a:spcAft>
+                <a:spcPts val="0"/>
+              </a:spcAft>
+              <a:buClrTx/>
+              <a:buSzTx/>
+              <a:buFontTx/>
+              <a:buNone/>
+              <a:tabLst/>
+              <a:defRPr/>
+            </a:pPr>
             <a:fld id="{B4008EB6-D09E-4580-8CD6-DDB14511944F}" type="slidenum">
-              <a:rPr lang="en-US" smtClean="0"/>
-              <a:pPr/>
+              <a:rPr kumimoji="0" lang="en-US" sz="1200" b="0" i="0" u="none" strike="noStrike" kern="1200" cap="none" spc="0" normalizeH="0" baseline="0" noProof="0" smtClean="0">
+                <a:ln>
+                  <a:noFill/>
+                </a:ln>
+                <a:solidFill>
+                  <a:prstClr val="black"/>
+                </a:solidFill>
+                <a:effectLst/>
+                <a:uLnTx/>
+                <a:uFillTx/>
+                <a:latin typeface="Segoe UI" pitchFamily="34" charset="0"/>
+                <a:ea typeface="+mn-ea"/>
+                <a:cs typeface="+mn-cs"/>
+              </a:rPr>
+              <a:pPr marL="0" marR="0" lvl="0" indent="0" algn="r" defTabSz="932742" rtl="0" eaLnBrk="1" fontAlgn="auto" latinLnBrk="0" hangingPunct="1">
+                <a:lnSpc>
+                  <a:spcPct val="100000"/>
+                </a:lnSpc>
+                <a:spcBef>
+                  <a:spcPts val="0"/>
+                </a:spcBef>
+                <a:spcAft>
+                  <a:spcPts val="0"/>
+                </a:spcAft>
+                <a:buClrTx/>
+                <a:buSzTx/>
+                <a:buFontTx/>
+                <a:buNone/>
+                <a:tabLst/>
+                <a:defRPr/>
+              </a:pPr>
               <a:t>39</a:t>
             </a:fld>
-            <a:endParaRPr lang="en-US" dirty="0"/>
+            <a:endParaRPr kumimoji="0" lang="en-US" sz="1200" b="0" i="0" u="none" strike="noStrike" kern="1200" cap="none" spc="0" normalizeH="0" baseline="0" noProof="0" dirty="0">
+              <a:ln>
+                <a:noFill/>
+              </a:ln>
+              <a:solidFill>
+                <a:prstClr val="black"/>
+              </a:solidFill>
+              <a:effectLst/>
+              <a:uLnTx/>
+              <a:uFillTx/>
+              <a:latin typeface="Segoe UI" pitchFamily="34" charset="0"/>
+              <a:ea typeface="+mn-ea"/>
+              <a:cs typeface="+mn-cs"/>
+            </a:endParaRPr>
           </a:p>
         </p:txBody>
       </p:sp>
     </p:spTree>
     <p:extLst>
       <p:ext uri="{BB962C8B-B14F-4D97-AF65-F5344CB8AC3E}">
-        <p14:creationId xmlns:p14="http://schemas.microsoft.com/office/powerpoint/2010/main" val="60214236"/>
+        <p14:creationId xmlns:p14="http://schemas.microsoft.com/office/powerpoint/2010/main" val="456011983"/>
       </p:ext>
     </p:extLst>
   </p:cSld>
@@ -7884,7 +8072,7 @@
                 <a:tabLst/>
                 <a:defRPr/>
               </a:pPr>
-              <a:t>9/15/2017 11:12 AM</a:t>
+              <a:t>9/17/2017 3:32 AM</a:t>
             </a:fld>
             <a:endParaRPr kumimoji="0" lang="en-US" sz="1200" b="0" i="0" u="none" strike="noStrike" kern="1200" cap="none" spc="0" normalizeH="0" baseline="0" noProof="0" dirty="0">
               <a:ln>
@@ -7999,381 +8187,6 @@
 </p:notes>
 </file>
 
-<file path=ppt/notesSlides/notesSlide40.xml><?xml version="1.0" encoding="utf-8"?>
-<p:notes xmlns:a="http://schemas.openxmlformats.org/drawingml/2006/main" xmlns:r="http://schemas.openxmlformats.org/officeDocument/2006/relationships" xmlns:p="http://schemas.openxmlformats.org/presentationml/2006/main">
-  <p:cSld>
-    <p:spTree>
-      <p:nvGrpSpPr>
-        <p:cNvPr id="1" name=""/>
-        <p:cNvGrpSpPr/>
-        <p:nvPr/>
-      </p:nvGrpSpPr>
-      <p:grpSpPr>
-        <a:xfrm>
-          <a:off x="0" y="0"/>
-          <a:ext cx="0" cy="0"/>
-          <a:chOff x="0" y="0"/>
-          <a:chExt cx="0" cy="0"/>
-        </a:xfrm>
-      </p:grpSpPr>
-      <p:sp>
-        <p:nvSpPr>
-          <p:cNvPr id="2" name="Slide Image Placeholder 1"/>
-          <p:cNvSpPr>
-            <a:spLocks noGrp="1" noRot="1" noChangeAspect="1"/>
-          </p:cNvSpPr>
-          <p:nvPr>
-            <p:ph type="sldImg"/>
-          </p:nvPr>
-        </p:nvSpPr>
-        <p:spPr/>
-      </p:sp>
-      <p:sp>
-        <p:nvSpPr>
-          <p:cNvPr id="3" name="Notes Placeholder 2"/>
-          <p:cNvSpPr>
-            <a:spLocks noGrp="1"/>
-          </p:cNvSpPr>
-          <p:nvPr>
-            <p:ph type="body" idx="1"/>
-          </p:nvPr>
-        </p:nvSpPr>
-        <p:spPr/>
-        <p:txBody>
-          <a:bodyPr/>
-          <a:lstStyle/>
-          <a:p>
-            <a:endParaRPr lang="en-US"/>
-          </a:p>
-        </p:txBody>
-      </p:sp>
-      <p:sp>
-        <p:nvSpPr>
-          <p:cNvPr id="4" name="Header Placeholder 3"/>
-          <p:cNvSpPr>
-            <a:spLocks noGrp="1"/>
-          </p:cNvSpPr>
-          <p:nvPr>
-            <p:ph type="hdr" sz="quarter" idx="10"/>
-          </p:nvPr>
-        </p:nvSpPr>
-        <p:spPr/>
-        <p:txBody>
-          <a:bodyPr/>
-          <a:lstStyle/>
-          <a:p>
-            <a:pPr marL="0" marR="0" lvl="0" indent="0" algn="l" defTabSz="932742" rtl="0" eaLnBrk="1" fontAlgn="auto" latinLnBrk="0" hangingPunct="1">
-              <a:lnSpc>
-                <a:spcPct val="100000"/>
-              </a:lnSpc>
-              <a:spcBef>
-                <a:spcPts val="0"/>
-              </a:spcBef>
-              <a:spcAft>
-                <a:spcPts val="0"/>
-              </a:spcAft>
-              <a:buClrTx/>
-              <a:buSzTx/>
-              <a:buFontTx/>
-              <a:buNone/>
-              <a:tabLst/>
-              <a:defRPr/>
-            </a:pPr>
-            <a:r>
-              <a:rPr kumimoji="0" lang="en-US" sz="1200" b="0" i="0" u="none" strike="noStrike" kern="1200" cap="none" spc="0" normalizeH="0" baseline="0" noProof="0">
-                <a:ln>
-                  <a:noFill/>
-                </a:ln>
-                <a:solidFill>
-                  <a:prstClr val="black"/>
-                </a:solidFill>
-                <a:effectLst/>
-                <a:uLnTx/>
-                <a:uFillTx/>
-                <a:latin typeface="Segoe UI" pitchFamily="34" charset="0"/>
-                <a:ea typeface="+mn-ea"/>
-                <a:cs typeface="+mn-cs"/>
-              </a:rPr>
-              <a:t>Microsoft Ignite 2016</a:t>
-            </a:r>
-            <a:endParaRPr kumimoji="0" lang="en-US" sz="1200" b="0" i="0" u="none" strike="noStrike" kern="1200" cap="none" spc="0" normalizeH="0" baseline="0" noProof="0" dirty="0">
-              <a:ln>
-                <a:noFill/>
-              </a:ln>
-              <a:solidFill>
-                <a:prstClr val="black"/>
-              </a:solidFill>
-              <a:effectLst/>
-              <a:uLnTx/>
-              <a:uFillTx/>
-              <a:latin typeface="Segoe UI" pitchFamily="34" charset="0"/>
-              <a:ea typeface="+mn-ea"/>
-              <a:cs typeface="+mn-cs"/>
-            </a:endParaRPr>
-          </a:p>
-        </p:txBody>
-      </p:sp>
-      <p:sp>
-        <p:nvSpPr>
-          <p:cNvPr id="5" name="Footer Placeholder 4"/>
-          <p:cNvSpPr>
-            <a:spLocks noGrp="1"/>
-          </p:cNvSpPr>
-          <p:nvPr>
-            <p:ph type="ftr" sz="quarter" idx="11"/>
-          </p:nvPr>
-        </p:nvSpPr>
-        <p:spPr/>
-        <p:txBody>
-          <a:bodyPr/>
-          <a:lstStyle/>
-          <a:p>
-            <a:pPr marL="571500" marR="0" lvl="0" indent="0" algn="l" defTabSz="914099" rtl="0" eaLnBrk="0" fontAlgn="auto" latinLnBrk="0" hangingPunct="0">
-              <a:lnSpc>
-                <a:spcPct val="100000"/>
-              </a:lnSpc>
-              <a:spcBef>
-                <a:spcPts val="0"/>
-              </a:spcBef>
-              <a:spcAft>
-                <a:spcPts val="0"/>
-              </a:spcAft>
-              <a:buClrTx/>
-              <a:buSzTx/>
-              <a:buFontTx/>
-              <a:buNone/>
-              <a:tabLst/>
-              <a:defRPr/>
-            </a:pPr>
-            <a:r>
-              <a:rPr kumimoji="0" lang="en-US" sz="400" b="0" i="0" u="none" strike="noStrike" kern="1200" cap="none" spc="0" normalizeH="0" baseline="0" noProof="0">
-                <a:ln>
-                  <a:noFill/>
-                </a:ln>
-                <a:gradFill>
-                  <a:gsLst>
-                    <a:gs pos="0">
-                      <a:prstClr val="black"/>
-                    </a:gs>
-                    <a:gs pos="100000">
-                      <a:prstClr val="black"/>
-                    </a:gs>
-                  </a:gsLst>
-                  <a:lin ang="5400000" scaled="0"/>
-                </a:gradFill>
-                <a:effectLst/>
-                <a:uLnTx/>
-                <a:uFillTx/>
-                <a:latin typeface="Segoe UI" pitchFamily="34" charset="0"/>
-                <a:ea typeface="Segoe UI" pitchFamily="34" charset="0"/>
-                <a:cs typeface="Segoe UI" pitchFamily="34" charset="0"/>
-              </a:rPr>
-              <a:t>© 2016 Microsoft Corporation. All rights reserved. MICROSOFT MAKES NO WARRANTIES, EXPRESS, IMPLIED OR STATUTORY, AS TO THE INFORMATION IN THIS PRESENTATION.</a:t>
-            </a:r>
-            <a:endParaRPr kumimoji="0" lang="en-US" sz="400" b="0" i="0" u="none" strike="noStrike" kern="1200" cap="none" spc="0" normalizeH="0" baseline="0" noProof="0" dirty="0">
-              <a:ln>
-                <a:noFill/>
-              </a:ln>
-              <a:gradFill>
-                <a:gsLst>
-                  <a:gs pos="0">
-                    <a:prstClr val="black"/>
-                  </a:gs>
-                  <a:gs pos="100000">
-                    <a:prstClr val="black"/>
-                  </a:gs>
-                </a:gsLst>
-                <a:lin ang="5400000" scaled="0"/>
-              </a:gradFill>
-              <a:effectLst/>
-              <a:uLnTx/>
-              <a:uFillTx/>
-              <a:latin typeface="Segoe UI" pitchFamily="34" charset="0"/>
-              <a:ea typeface="Segoe UI" pitchFamily="34" charset="0"/>
-              <a:cs typeface="Segoe UI" pitchFamily="34" charset="0"/>
-            </a:endParaRPr>
-          </a:p>
-        </p:txBody>
-      </p:sp>
-      <p:sp>
-        <p:nvSpPr>
-          <p:cNvPr id="6" name="Date Placeholder 5"/>
-          <p:cNvSpPr>
-            <a:spLocks noGrp="1"/>
-          </p:cNvSpPr>
-          <p:nvPr>
-            <p:ph type="dt" idx="12"/>
-          </p:nvPr>
-        </p:nvSpPr>
-        <p:spPr/>
-        <p:txBody>
-          <a:bodyPr/>
-          <a:lstStyle/>
-          <a:p>
-            <a:pPr marL="0" marR="0" lvl="0" indent="0" algn="r" defTabSz="932742" rtl="0" eaLnBrk="1" fontAlgn="auto" latinLnBrk="0" hangingPunct="1">
-              <a:lnSpc>
-                <a:spcPct val="100000"/>
-              </a:lnSpc>
-              <a:spcBef>
-                <a:spcPts val="0"/>
-              </a:spcBef>
-              <a:spcAft>
-                <a:spcPts val="0"/>
-              </a:spcAft>
-              <a:buClrTx/>
-              <a:buSzTx/>
-              <a:buFontTx/>
-              <a:buNone/>
-              <a:tabLst/>
-              <a:defRPr/>
-            </a:pPr>
-            <a:fld id="{38EEC551-8CDA-4EB6-89BB-2A86C9F091C8}" type="datetime8">
-              <a:rPr kumimoji="0" lang="en-US" sz="1200" b="0" i="0" u="none" strike="noStrike" kern="1200" cap="none" spc="0" normalizeH="0" baseline="0" noProof="0" smtClean="0">
-                <a:ln>
-                  <a:noFill/>
-                </a:ln>
-                <a:solidFill>
-                  <a:prstClr val="black"/>
-                </a:solidFill>
-                <a:effectLst/>
-                <a:uLnTx/>
-                <a:uFillTx/>
-                <a:latin typeface="Segoe UI" pitchFamily="34" charset="0"/>
-                <a:ea typeface="+mn-ea"/>
-                <a:cs typeface="+mn-cs"/>
-              </a:rPr>
-              <a:pPr marL="0" marR="0" lvl="0" indent="0" algn="r" defTabSz="932742" rtl="0" eaLnBrk="1" fontAlgn="auto" latinLnBrk="0" hangingPunct="1">
-                <a:lnSpc>
-                  <a:spcPct val="100000"/>
-                </a:lnSpc>
-                <a:spcBef>
-                  <a:spcPts val="0"/>
-                </a:spcBef>
-                <a:spcAft>
-                  <a:spcPts val="0"/>
-                </a:spcAft>
-                <a:buClrTx/>
-                <a:buSzTx/>
-                <a:buFontTx/>
-                <a:buNone/>
-                <a:tabLst/>
-                <a:defRPr/>
-              </a:pPr>
-              <a:t>9/15/2017 11:12 AM</a:t>
-            </a:fld>
-            <a:endParaRPr kumimoji="0" lang="en-US" sz="1200" b="0" i="0" u="none" strike="noStrike" kern="1200" cap="none" spc="0" normalizeH="0" baseline="0" noProof="0" dirty="0">
-              <a:ln>
-                <a:noFill/>
-              </a:ln>
-              <a:solidFill>
-                <a:prstClr val="black"/>
-              </a:solidFill>
-              <a:effectLst/>
-              <a:uLnTx/>
-              <a:uFillTx/>
-              <a:latin typeface="Segoe UI" pitchFamily="34" charset="0"/>
-              <a:ea typeface="+mn-ea"/>
-              <a:cs typeface="+mn-cs"/>
-            </a:endParaRPr>
-          </a:p>
-        </p:txBody>
-      </p:sp>
-      <p:sp>
-        <p:nvSpPr>
-          <p:cNvPr id="7" name="Slide Number Placeholder 6"/>
-          <p:cNvSpPr>
-            <a:spLocks noGrp="1"/>
-          </p:cNvSpPr>
-          <p:nvPr>
-            <p:ph type="sldNum" sz="quarter" idx="13"/>
-          </p:nvPr>
-        </p:nvSpPr>
-        <p:spPr/>
-        <p:txBody>
-          <a:bodyPr/>
-          <a:lstStyle/>
-          <a:p>
-            <a:pPr marL="0" marR="0" lvl="0" indent="0" algn="r" defTabSz="932742" rtl="0" eaLnBrk="1" fontAlgn="auto" latinLnBrk="0" hangingPunct="1">
-              <a:lnSpc>
-                <a:spcPct val="100000"/>
-              </a:lnSpc>
-              <a:spcBef>
-                <a:spcPts val="0"/>
-              </a:spcBef>
-              <a:spcAft>
-                <a:spcPts val="0"/>
-              </a:spcAft>
-              <a:buClrTx/>
-              <a:buSzTx/>
-              <a:buFontTx/>
-              <a:buNone/>
-              <a:tabLst/>
-              <a:defRPr/>
-            </a:pPr>
-            <a:fld id="{B4008EB6-D09E-4580-8CD6-DDB14511944F}" type="slidenum">
-              <a:rPr kumimoji="0" lang="en-US" sz="1200" b="0" i="0" u="none" strike="noStrike" kern="1200" cap="none" spc="0" normalizeH="0" baseline="0" noProof="0" smtClean="0">
-                <a:ln>
-                  <a:noFill/>
-                </a:ln>
-                <a:solidFill>
-                  <a:prstClr val="black"/>
-                </a:solidFill>
-                <a:effectLst/>
-                <a:uLnTx/>
-                <a:uFillTx/>
-                <a:latin typeface="Segoe UI" pitchFamily="34" charset="0"/>
-                <a:ea typeface="+mn-ea"/>
-                <a:cs typeface="+mn-cs"/>
-              </a:rPr>
-              <a:pPr marL="0" marR="0" lvl="0" indent="0" algn="r" defTabSz="932742" rtl="0" eaLnBrk="1" fontAlgn="auto" latinLnBrk="0" hangingPunct="1">
-                <a:lnSpc>
-                  <a:spcPct val="100000"/>
-                </a:lnSpc>
-                <a:spcBef>
-                  <a:spcPts val="0"/>
-                </a:spcBef>
-                <a:spcAft>
-                  <a:spcPts val="0"/>
-                </a:spcAft>
-                <a:buClrTx/>
-                <a:buSzTx/>
-                <a:buFontTx/>
-                <a:buNone/>
-                <a:tabLst/>
-                <a:defRPr/>
-              </a:pPr>
-              <a:t>40</a:t>
-            </a:fld>
-            <a:endParaRPr kumimoji="0" lang="en-US" sz="1200" b="0" i="0" u="none" strike="noStrike" kern="1200" cap="none" spc="0" normalizeH="0" baseline="0" noProof="0" dirty="0">
-              <a:ln>
-                <a:noFill/>
-              </a:ln>
-              <a:solidFill>
-                <a:prstClr val="black"/>
-              </a:solidFill>
-              <a:effectLst/>
-              <a:uLnTx/>
-              <a:uFillTx/>
-              <a:latin typeface="Segoe UI" pitchFamily="34" charset="0"/>
-              <a:ea typeface="+mn-ea"/>
-              <a:cs typeface="+mn-cs"/>
-            </a:endParaRPr>
-          </a:p>
-        </p:txBody>
-      </p:sp>
-    </p:spTree>
-    <p:extLst>
-      <p:ext uri="{BB962C8B-B14F-4D97-AF65-F5344CB8AC3E}">
-        <p14:creationId xmlns:p14="http://schemas.microsoft.com/office/powerpoint/2010/main" val="456011983"/>
-      </p:ext>
-    </p:extLst>
-  </p:cSld>
-  <p:clrMapOvr>
-    <a:masterClrMapping/>
-  </p:clrMapOvr>
-</p:notes>
-</file>
-
 <file path=ppt/notesSlides/notesSlide5.xml><?xml version="1.0" encoding="utf-8"?>
 <p:notes xmlns:a="http://schemas.openxmlformats.org/drawingml/2006/main" xmlns:r="http://schemas.openxmlformats.org/officeDocument/2006/relationships" xmlns:p="http://schemas.openxmlformats.org/presentationml/2006/main">
   <p:cSld>
@@ -8595,7 +8408,7 @@
                 <a:tabLst/>
                 <a:defRPr/>
               </a:pPr>
-              <a:t>9/15/2017 11:12 AM</a:t>
+              <a:t>9/17/2017 3:32 AM</a:t>
             </a:fld>
             <a:endParaRPr kumimoji="0" lang="en-US" sz="1200" b="0" i="0" u="none" strike="noStrike" kern="1200" cap="none" spc="0" normalizeH="0" baseline="0" noProof="0" dirty="0">
               <a:ln>
@@ -8852,7 +8665,7 @@
           <a:p>
             <a:fld id="{38EEC551-8CDA-4EB6-89BB-2A86C9F091C8}" type="datetime8">
               <a:rPr lang="en-US" smtClean="0"/>
-              <a:t>9/15/2017 11:12 AM</a:t>
+              <a:t>9/17/2017 3:32 AM</a:t>
             </a:fld>
             <a:endParaRPr lang="en-US" dirty="0"/>
           </a:p>
@@ -9037,7 +8850,7 @@
           <a:p>
             <a:fld id="{38EEC551-8CDA-4EB6-89BB-2A86C9F091C8}" type="datetime8">
               <a:rPr lang="en-US" smtClean="0"/>
-              <a:t>9/15/2017 11:12 AM</a:t>
+              <a:t>9/17/2017 3:32 AM</a:t>
             </a:fld>
             <a:endParaRPr lang="en-US" dirty="0"/>
           </a:p>
@@ -9124,7 +8937,7 @@
           <a:bodyPr/>
           <a:lstStyle/>
           <a:p>
-            <a:endParaRPr lang="en-US" dirty="0"/>
+            <a:endParaRPr lang="en-US"/>
           </a:p>
         </p:txBody>
       </p:sp>
@@ -9143,37 +8956,11 @@
           <a:bodyPr/>
           <a:lstStyle/>
           <a:p>
-            <a:pPr marL="0" marR="0" lvl="0" indent="0" algn="l" defTabSz="932742" rtl="0" eaLnBrk="1" fontAlgn="auto" latinLnBrk="0" hangingPunct="1">
-              <a:lnSpc>
-                <a:spcPct val="100000"/>
-              </a:lnSpc>
-              <a:spcBef>
-                <a:spcPts val="0"/>
-              </a:spcBef>
-              <a:spcAft>
-                <a:spcPts val="0"/>
-              </a:spcAft>
-              <a:buClrTx/>
-              <a:buSzTx/>
-              <a:buFontTx/>
-              <a:buNone/>
-              <a:tabLst/>
-              <a:defRPr/>
-            </a:pPr>
-            <a:endParaRPr kumimoji="0" lang="en-US" sz="1200" b="0" i="0" u="none" strike="noStrike" kern="1200" cap="none" spc="0" normalizeH="0" baseline="0" noProof="0" dirty="0">
-              <a:ln>
-                <a:noFill/>
-              </a:ln>
-              <a:solidFill>
-                <a:prstClr val="black"/>
-              </a:solidFill>
-              <a:effectLst/>
-              <a:uLnTx/>
-              <a:uFillTx/>
-              <a:latin typeface="Segoe UI" pitchFamily="34" charset="0"/>
-              <a:ea typeface="+mn-ea"/>
-              <a:cs typeface="+mn-cs"/>
-            </a:endParaRPr>
+            <a:r>
+              <a:rPr lang="en-US"/>
+              <a:t>Microsoft Ignite 2016</a:t>
+            </a:r>
+            <a:endParaRPr lang="en-US" dirty="0"/>
           </a:p>
         </p:txBody>
       </p:sp>
@@ -9192,28 +8979,9 @@
           <a:bodyPr/>
           <a:lstStyle/>
           <a:p>
-            <a:pPr marL="571500" marR="0" lvl="0" indent="0" algn="l" defTabSz="914099" rtl="0" eaLnBrk="0" fontAlgn="auto" latinLnBrk="0" hangingPunct="0">
-              <a:lnSpc>
-                <a:spcPct val="100000"/>
-              </a:lnSpc>
-              <a:spcBef>
-                <a:spcPts val="0"/>
-              </a:spcBef>
-              <a:spcAft>
-                <a:spcPts val="0"/>
-              </a:spcAft>
-              <a:buClrTx/>
-              <a:buSzTx/>
-              <a:buFontTx/>
-              <a:buNone/>
-              <a:tabLst/>
-              <a:defRPr/>
-            </a:pPr>
-            <a:r>
-              <a:rPr kumimoji="0" lang="en-US" sz="400" b="0" i="0" u="none" strike="noStrike" kern="1200" cap="none" spc="0" normalizeH="0" baseline="0" noProof="0" dirty="0">
-                <a:ln>
-                  <a:noFill/>
-                </a:ln>
+            <a:pPr defTabSz="914099" eaLnBrk="0" hangingPunct="0"/>
+            <a:r>
+              <a:rPr lang="en-US" sz="400">
                 <a:gradFill>
                   <a:gsLst>
                     <a:gs pos="0">
@@ -9225,15 +8993,28 @@
                   </a:gsLst>
                   <a:lin ang="5400000" scaled="0"/>
                 </a:gradFill>
-                <a:effectLst/>
-                <a:uLnTx/>
-                <a:uFillTx/>
                 <a:latin typeface="Segoe UI" pitchFamily="34" charset="0"/>
                 <a:ea typeface="Segoe UI" pitchFamily="34" charset="0"/>
                 <a:cs typeface="Segoe UI" pitchFamily="34" charset="0"/>
               </a:rPr>
-              <a:t>© 2014 Microsoft Corporation. All rights reserved. MICROSOFT MAKES NO WARRANTIES, EXPRESS, IMPLIED OR STATUTORY, AS TO THE INFORMATION IN THIS PRESENTATION.</a:t>
-            </a:r>
+              <a:t>© 2016 Microsoft Corporation. All rights reserved. MICROSOFT MAKES NO WARRANTIES, EXPRESS, IMPLIED OR STATUTORY, AS TO THE INFORMATION IN THIS PRESENTATION.</a:t>
+            </a:r>
+            <a:endParaRPr lang="en-US" sz="400" dirty="0">
+              <a:gradFill>
+                <a:gsLst>
+                  <a:gs pos="0">
+                    <a:prstClr val="black"/>
+                  </a:gs>
+                  <a:gs pos="100000">
+                    <a:prstClr val="black"/>
+                  </a:gs>
+                </a:gsLst>
+                <a:lin ang="5400000" scaled="0"/>
+              </a:gradFill>
+              <a:latin typeface="Segoe UI" pitchFamily="34" charset="0"/>
+              <a:ea typeface="Segoe UI" pitchFamily="34" charset="0"/>
+              <a:cs typeface="Segoe UI" pitchFamily="34" charset="0"/>
+            </a:endParaRPr>
           </a:p>
         </p:txBody>
       </p:sp>
@@ -9252,71 +9033,11 @@
           <a:bodyPr/>
           <a:lstStyle/>
           <a:p>
-            <a:pPr marL="0" marR="0" lvl="0" indent="0" algn="r" defTabSz="932742" rtl="0" eaLnBrk="1" fontAlgn="auto" latinLnBrk="0" hangingPunct="1">
-              <a:lnSpc>
-                <a:spcPct val="100000"/>
-              </a:lnSpc>
-              <a:spcBef>
-                <a:spcPts val="0"/>
-              </a:spcBef>
-              <a:spcAft>
-                <a:spcPts val="0"/>
-              </a:spcAft>
-              <a:buClrTx/>
-              <a:buSzTx/>
-              <a:buFontTx/>
-              <a:buNone/>
-              <a:tabLst/>
-              <a:defRPr/>
-            </a:pPr>
-            <a:fld id="{90EC29EE-A8AD-4CE0-9C0B-116E0D4D7533}" type="datetime8">
-              <a:rPr kumimoji="0" lang="en-US" sz="1200" b="0" i="0" u="none" strike="noStrike" kern="1200" cap="none" spc="0" normalizeH="0" baseline="0" noProof="0" smtClean="0">
-                <a:ln>
-                  <a:noFill/>
-                </a:ln>
-                <a:solidFill>
-                  <a:prstClr val="black"/>
-                </a:solidFill>
-                <a:effectLst/>
-                <a:uLnTx/>
-                <a:uFillTx/>
-                <a:latin typeface="Segoe UI" pitchFamily="34" charset="0"/>
-                <a:ea typeface="+mn-ea"/>
-                <a:cs typeface="+mn-cs"/>
-              </a:rPr>
-              <a:pPr marL="0" marR="0" lvl="0" indent="0" algn="r" defTabSz="932742" rtl="0" eaLnBrk="1" fontAlgn="auto" latinLnBrk="0" hangingPunct="1">
-                <a:lnSpc>
-                  <a:spcPct val="100000"/>
-                </a:lnSpc>
-                <a:spcBef>
-                  <a:spcPts val="0"/>
-                </a:spcBef>
-                <a:spcAft>
-                  <a:spcPts val="0"/>
-                </a:spcAft>
-                <a:buClrTx/>
-                <a:buSzTx/>
-                <a:buFontTx/>
-                <a:buNone/>
-                <a:tabLst/>
-                <a:defRPr/>
-              </a:pPr>
-              <a:t>9/15/2017 11:12 AM</a:t>
+            <a:fld id="{38EEC551-8CDA-4EB6-89BB-2A86C9F091C8}" type="datetime8">
+              <a:rPr lang="en-US" smtClean="0"/>
+              <a:t>9/17/2017 3:32 AM</a:t>
             </a:fld>
-            <a:endParaRPr kumimoji="0" lang="en-US" sz="1200" b="0" i="0" u="none" strike="noStrike" kern="1200" cap="none" spc="0" normalizeH="0" baseline="0" noProof="0" dirty="0">
-              <a:ln>
-                <a:noFill/>
-              </a:ln>
-              <a:solidFill>
-                <a:prstClr val="black"/>
-              </a:solidFill>
-              <a:effectLst/>
-              <a:uLnTx/>
-              <a:uFillTx/>
-              <a:latin typeface="Segoe UI" pitchFamily="34" charset="0"/>
-              <a:ea typeface="+mn-ea"/>
-              <a:cs typeface="+mn-cs"/>
-            </a:endParaRPr>
+            <a:endParaRPr lang="en-US" dirty="0"/>
           </a:p>
         </p:txBody>
       </p:sp>
@@ -9335,78 +9056,19 @@
           <a:bodyPr/>
           <a:lstStyle/>
           <a:p>
-            <a:pPr marL="0" marR="0" lvl="0" indent="0" algn="r" defTabSz="932742" rtl="0" eaLnBrk="1" fontAlgn="auto" latinLnBrk="0" hangingPunct="1">
-              <a:lnSpc>
-                <a:spcPct val="100000"/>
-              </a:lnSpc>
-              <a:spcBef>
-                <a:spcPts val="0"/>
-              </a:spcBef>
-              <a:spcAft>
-                <a:spcPts val="0"/>
-              </a:spcAft>
-              <a:buClrTx/>
-              <a:buSzTx/>
-              <a:buFontTx/>
-              <a:buNone/>
-              <a:tabLst/>
-              <a:defRPr/>
-            </a:pPr>
             <a:fld id="{B4008EB6-D09E-4580-8CD6-DDB14511944F}" type="slidenum">
-              <a:rPr kumimoji="0" lang="en-US" sz="1200" b="0" i="0" u="none" strike="noStrike" kern="1200" cap="none" spc="0" normalizeH="0" baseline="0" noProof="0" smtClean="0">
-                <a:ln>
-                  <a:noFill/>
-                </a:ln>
-                <a:solidFill>
-                  <a:prstClr val="black"/>
-                </a:solidFill>
-                <a:effectLst/>
-                <a:uLnTx/>
-                <a:uFillTx/>
-                <a:latin typeface="Segoe UI" pitchFamily="34" charset="0"/>
-                <a:ea typeface="+mn-ea"/>
-                <a:cs typeface="+mn-cs"/>
-              </a:rPr>
-              <a:pPr marL="0" marR="0" lvl="0" indent="0" algn="r" defTabSz="932742" rtl="0" eaLnBrk="1" fontAlgn="auto" latinLnBrk="0" hangingPunct="1">
-                <a:lnSpc>
-                  <a:spcPct val="100000"/>
-                </a:lnSpc>
-                <a:spcBef>
-                  <a:spcPts val="0"/>
-                </a:spcBef>
-                <a:spcAft>
-                  <a:spcPts val="0"/>
-                </a:spcAft>
-                <a:buClrTx/>
-                <a:buSzTx/>
-                <a:buFontTx/>
-                <a:buNone/>
-                <a:tabLst/>
-                <a:defRPr/>
-              </a:pPr>
+              <a:rPr lang="en-US" smtClean="0"/>
+              <a:pPr/>
               <a:t>8</a:t>
             </a:fld>
-            <a:endParaRPr kumimoji="0" lang="en-US" sz="1200" b="0" i="0" u="none" strike="noStrike" kern="1200" cap="none" spc="0" normalizeH="0" baseline="0" noProof="0" dirty="0">
-              <a:ln>
-                <a:noFill/>
-              </a:ln>
-              <a:solidFill>
-                <a:prstClr val="black"/>
-              </a:solidFill>
-              <a:effectLst/>
-              <a:uLnTx/>
-              <a:uFillTx/>
-              <a:latin typeface="Segoe UI" pitchFamily="34" charset="0"/>
-              <a:ea typeface="+mn-ea"/>
-              <a:cs typeface="+mn-cs"/>
-            </a:endParaRPr>
+            <a:endParaRPr lang="en-US" dirty="0"/>
           </a:p>
         </p:txBody>
       </p:sp>
     </p:spTree>
     <p:extLst>
       <p:ext uri="{BB962C8B-B14F-4D97-AF65-F5344CB8AC3E}">
-        <p14:creationId xmlns:p14="http://schemas.microsoft.com/office/powerpoint/2010/main" val="1363873448"/>
+        <p14:creationId xmlns:p14="http://schemas.microsoft.com/office/powerpoint/2010/main" val="3097979581"/>
       </p:ext>
     </p:extLst>
   </p:cSld>
@@ -9558,7 +9220,7 @@
           <a:p>
             <a:fld id="{38EEC551-8CDA-4EB6-89BB-2A86C9F091C8}" type="datetime8">
               <a:rPr lang="en-US" smtClean="0"/>
-              <a:t>9/15/2017 11:12 AM</a:t>
+              <a:t>9/17/2017 3:32 AM</a:t>
             </a:fld>
             <a:endParaRPr lang="en-US" dirty="0"/>
           </a:p>
@@ -9591,7 +9253,7 @@
     </p:spTree>
     <p:extLst>
       <p:ext uri="{BB962C8B-B14F-4D97-AF65-F5344CB8AC3E}">
-        <p14:creationId xmlns:p14="http://schemas.microsoft.com/office/powerpoint/2010/main" val="3097979581"/>
+        <p14:creationId xmlns:p14="http://schemas.microsoft.com/office/powerpoint/2010/main" val="4227761323"/>
       </p:ext>
     </p:extLst>
   </p:cSld>
@@ -26161,85 +25823,6 @@
       </p:grpSpPr>
       <p:pic>
         <p:nvPicPr>
-          <p:cNvPr id="6" name="Picture 5"/>
-          <p:cNvPicPr>
-            <a:picLocks noChangeAspect="1"/>
-          </p:cNvPicPr>
-          <p:nvPr/>
-        </p:nvPicPr>
-        <p:blipFill>
-          <a:blip r:embed="rId3"/>
-          <a:stretch>
-            <a:fillRect/>
-          </a:stretch>
-        </p:blipFill>
-        <p:spPr>
-          <a:xfrm>
-            <a:off x="98426" y="1337329"/>
-            <a:ext cx="12207520" cy="5471832"/>
-          </a:xfrm>
-          <a:prstGeom prst="rect">
-            <a:avLst/>
-          </a:prstGeom>
-        </p:spPr>
-      </p:pic>
-      <p:sp>
-        <p:nvSpPr>
-          <p:cNvPr id="7" name="Title 6"/>
-          <p:cNvSpPr>
-            <a:spLocks noGrp="1"/>
-          </p:cNvSpPr>
-          <p:nvPr>
-            <p:ph type="title"/>
-          </p:nvPr>
-        </p:nvSpPr>
-        <p:spPr/>
-        <p:txBody>
-          <a:bodyPr/>
-          <a:lstStyle/>
-          <a:p>
-            <a:r>
-              <a:rPr lang="en-US" dirty="0"/>
-              <a:t>.NET Open Source Contributions as of 2017</a:t>
-            </a:r>
-          </a:p>
-        </p:txBody>
-      </p:sp>
-    </p:spTree>
-    <p:extLst>
-      <p:ext uri="{BB962C8B-B14F-4D97-AF65-F5344CB8AC3E}">
-        <p14:creationId xmlns:p14="http://schemas.microsoft.com/office/powerpoint/2010/main" val="1411140840"/>
-      </p:ext>
-    </p:extLst>
-  </p:cSld>
-  <p:clrMapOvr>
-    <a:masterClrMapping/>
-  </p:clrMapOvr>
-  <p:transition>
-    <p:fade/>
-  </p:transition>
-</p:sld>
-</file>
-
-<file path=ppt/slides/slide11.xml><?xml version="1.0" encoding="utf-8"?>
-<p:sld xmlns:a="http://schemas.openxmlformats.org/drawingml/2006/main" xmlns:r="http://schemas.openxmlformats.org/officeDocument/2006/relationships" xmlns:p="http://schemas.openxmlformats.org/presentationml/2006/main">
-  <p:cSld>
-    <p:spTree>
-      <p:nvGrpSpPr>
-        <p:cNvPr id="1" name=""/>
-        <p:cNvGrpSpPr/>
-        <p:nvPr/>
-      </p:nvGrpSpPr>
-      <p:grpSpPr>
-        <a:xfrm>
-          <a:off x="0" y="0"/>
-          <a:ext cx="0" cy="0"/>
-          <a:chOff x="0" y="0"/>
-          <a:chExt cx="0" cy="0"/>
-        </a:xfrm>
-      </p:grpSpPr>
-      <p:pic>
-        <p:nvPicPr>
           <p:cNvPr id="21" name="Picture 20"/>
           <p:cNvPicPr>
             <a:picLocks noChangeAspect="1"/>
@@ -27180,7 +26763,7 @@
 </p:sld>
 </file>
 
-<file path=ppt/slides/slide12.xml><?xml version="1.0" encoding="utf-8"?>
+<file path=ppt/slides/slide11.xml><?xml version="1.0" encoding="utf-8"?>
 <p:sld xmlns:a="http://schemas.openxmlformats.org/drawingml/2006/main" xmlns:r="http://schemas.openxmlformats.org/officeDocument/2006/relationships" xmlns:p="http://schemas.openxmlformats.org/presentationml/2006/main">
   <p:cSld>
     <p:spTree>
@@ -27236,7 +26819,7 @@
 </p:sld>
 </file>
 
-<file path=ppt/slides/slide13.xml><?xml version="1.0" encoding="utf-8"?>
+<file path=ppt/slides/slide12.xml><?xml version="1.0" encoding="utf-8"?>
 <p:sld xmlns:a="http://schemas.openxmlformats.org/drawingml/2006/main" xmlns:r="http://schemas.openxmlformats.org/officeDocument/2006/relationships" xmlns:p="http://schemas.openxmlformats.org/presentationml/2006/main">
   <p:cSld>
     <p:spTree>
@@ -27445,7 +27028,7 @@
 </p:sld>
 </file>
 
-<file path=ppt/slides/slide14.xml><?xml version="1.0" encoding="utf-8"?>
+<file path=ppt/slides/slide13.xml><?xml version="1.0" encoding="utf-8"?>
 <p:sld xmlns:a="http://schemas.openxmlformats.org/drawingml/2006/main" xmlns:r="http://schemas.openxmlformats.org/officeDocument/2006/relationships" xmlns:p="http://schemas.openxmlformats.org/presentationml/2006/main">
   <p:cSld>
     <p:spTree>
@@ -27651,7 +27234,7 @@
 </p:sld>
 </file>
 
-<file path=ppt/slides/slide15.xml><?xml version="1.0" encoding="utf-8"?>
+<file path=ppt/slides/slide14.xml><?xml version="1.0" encoding="utf-8"?>
 <p:sld xmlns:a="http://schemas.openxmlformats.org/drawingml/2006/main" xmlns:r="http://schemas.openxmlformats.org/officeDocument/2006/relationships" xmlns:p="http://schemas.openxmlformats.org/presentationml/2006/main">
   <p:cSld>
     <p:spTree>
@@ -27857,7 +27440,7 @@
 </p:sld>
 </file>
 
-<file path=ppt/slides/slide16.xml><?xml version="1.0" encoding="utf-8"?>
+<file path=ppt/slides/slide15.xml><?xml version="1.0" encoding="utf-8"?>
 <p:sld xmlns:a="http://schemas.openxmlformats.org/drawingml/2006/main" xmlns:r="http://schemas.openxmlformats.org/officeDocument/2006/relationships" xmlns:p="http://schemas.openxmlformats.org/presentationml/2006/main">
   <p:cSld>
     <p:spTree>
@@ -28119,7 +27702,7 @@
 </p:sld>
 </file>
 
-<file path=ppt/slides/slide17.xml><?xml version="1.0" encoding="utf-8"?>
+<file path=ppt/slides/slide16.xml><?xml version="1.0" encoding="utf-8"?>
 <p:sld xmlns:a="http://schemas.openxmlformats.org/drawingml/2006/main" xmlns:r="http://schemas.openxmlformats.org/officeDocument/2006/relationships" xmlns:p="http://schemas.openxmlformats.org/presentationml/2006/main">
   <p:cSld>
     <p:spTree>
@@ -28171,7 +27754,7 @@
         <p:spPr>
           <a:xfrm>
             <a:off x="274639" y="1212849"/>
-            <a:ext cx="5486399" cy="3853363"/>
+            <a:ext cx="5486399" cy="3662541"/>
           </a:xfrm>
         </p:spPr>
         <p:txBody>
@@ -28186,22 +27769,45 @@
           <a:p>
             <a:pPr lvl="1"/>
             <a:r>
+              <a:rPr lang="en-US" b="1" dirty="0"/>
+              <a:t>Windows 7</a:t>
+            </a:r>
+            <a:r>
               <a:rPr lang="en-US" dirty="0"/>
-              <a:t>Windows 7+</a:t>
+              <a:t> SP1+, 8.1</a:t>
             </a:r>
           </a:p>
           <a:p>
             <a:pPr lvl="1"/>
             <a:r>
+              <a:rPr lang="en-US" b="1" dirty="0"/>
+              <a:t>Windows 10</a:t>
+            </a:r>
+            <a:r>
               <a:rPr lang="en-US" dirty="0"/>
-              <a:t>Server 2008 R2 SP1+</a:t>
+              <a:t> Client</a:t>
             </a:r>
           </a:p>
           <a:p>
             <a:pPr lvl="1"/>
             <a:r>
+              <a:rPr lang="en-US" b="1" dirty="0"/>
+              <a:t>Server 2008</a:t>
+            </a:r>
+            <a:r>
               <a:rPr lang="en-US" dirty="0"/>
-              <a:t>Server 2016 (incl. Nano)</a:t>
+              <a:t> R2 SP1+</a:t>
+            </a:r>
+          </a:p>
+          <a:p>
+            <a:pPr lvl="1"/>
+            <a:r>
+              <a:rPr lang="en-US" b="1" dirty="0"/>
+              <a:t>Server 2016 </a:t>
+            </a:r>
+            <a:r>
+              <a:rPr lang="en-US" dirty="0"/>
+              <a:t>(incl. Nano)</a:t>
             </a:r>
           </a:p>
           <a:p>
@@ -28214,19 +27820,24 @@
           <a:p>
             <a:pPr lvl="1"/>
             <a:r>
+              <a:rPr lang="en-US" b="1" dirty="0"/>
+              <a:t>Sierra</a:t>
+            </a:r>
+            <a:r>
               <a:rPr lang="en-US" dirty="0"/>
-              <a:t>Sierra (10.12)</a:t>
+              <a:t> (10.12)</a:t>
             </a:r>
           </a:p>
           <a:p>
             <a:pPr lvl="1"/>
             <a:r>
+              <a:rPr lang="en-US" b="1" dirty="0"/>
+              <a:t>High Sierra </a:t>
+            </a:r>
+            <a:r>
               <a:rPr lang="en-US" dirty="0"/>
-              <a:t>High Sierra (10.13)</a:t>
-            </a:r>
-          </a:p>
-          <a:p>
-            <a:endParaRPr lang="en-US" dirty="0"/>
+              <a:t>(10.13)</a:t>
+            </a:r>
           </a:p>
         </p:txBody>
       </p:sp>
@@ -28243,7 +27854,7 @@
         <p:spPr>
           <a:xfrm>
             <a:off x="6675439" y="1212849"/>
-            <a:ext cx="5486399" cy="4284250"/>
+            <a:ext cx="5486399" cy="4690515"/>
           </a:xfrm>
         </p:spPr>
         <p:txBody>
@@ -28258,64 +27869,139 @@
           <a:p>
             <a:pPr lvl="1"/>
             <a:r>
+              <a:rPr lang="en-US" b="1" dirty="0"/>
+              <a:t>RHEL </a:t>
+            </a:r>
+            <a:r>
               <a:rPr lang="en-US" dirty="0"/>
-              <a:t>RHEL</a:t>
+              <a:t>7</a:t>
             </a:r>
           </a:p>
           <a:p>
             <a:pPr lvl="1"/>
             <a:r>
+              <a:rPr lang="en-US" b="1" dirty="0"/>
+              <a:t>Fedora </a:t>
+            </a:r>
+            <a:r>
               <a:rPr lang="en-US" dirty="0"/>
-              <a:t>Fedora</a:t>
+              <a:t>25, 26</a:t>
             </a:r>
           </a:p>
           <a:p>
             <a:pPr lvl="1"/>
             <a:r>
+              <a:rPr lang="en-US" b="1" dirty="0"/>
+              <a:t>Centos </a:t>
+            </a:r>
+            <a:r>
               <a:rPr lang="en-US" dirty="0"/>
-              <a:t>Centos</a:t>
+              <a:t>7</a:t>
             </a:r>
           </a:p>
           <a:p>
             <a:pPr lvl="1"/>
             <a:r>
-              <a:rPr lang="en-US" dirty="0" err="1"/>
-              <a:t>Debian</a:t>
-            </a:r>
-            <a:endParaRPr lang="en-US" dirty="0"/>
+              <a:rPr lang="en-US" b="1" dirty="0"/>
+              <a:t>Debian </a:t>
+            </a:r>
+            <a:r>
+              <a:rPr lang="en-US" dirty="0"/>
+              <a:t>8.7+</a:t>
+            </a:r>
           </a:p>
           <a:p>
             <a:pPr lvl="1"/>
             <a:r>
+              <a:rPr lang="en-US" b="1" dirty="0"/>
+              <a:t>Ubuntu </a:t>
+            </a:r>
+            <a:r>
               <a:rPr lang="en-US" dirty="0"/>
-              <a:t>Ubuntu</a:t>
+              <a:t>14.04, 16.04, 17.04</a:t>
             </a:r>
           </a:p>
           <a:p>
             <a:pPr lvl="1"/>
             <a:r>
+              <a:rPr lang="en-US" b="1" dirty="0"/>
+              <a:t>Linux Mint </a:t>
+            </a:r>
+            <a:r>
               <a:rPr lang="en-US" dirty="0"/>
-              <a:t>Linux Mint</a:t>
+              <a:t>17, 18</a:t>
             </a:r>
           </a:p>
           <a:p>
             <a:pPr lvl="1"/>
             <a:r>
-              <a:rPr lang="en-US" dirty="0" err="1"/>
+              <a:rPr lang="en-US" b="1" dirty="0"/>
               <a:t>openSUSE</a:t>
             </a:r>
-            <a:endParaRPr lang="en-US" dirty="0"/>
+            <a:r>
+              <a:rPr lang="en-US" dirty="0"/>
+              <a:t> 42.2+</a:t>
+            </a:r>
           </a:p>
           <a:p>
             <a:pPr lvl="1"/>
             <a:r>
+              <a:rPr lang="en-US" b="1" dirty="0"/>
+              <a:t>Oracle Linux</a:t>
+            </a:r>
+            <a:r>
               <a:rPr lang="en-US" dirty="0"/>
-              <a:t>Oracle Linux</a:t>
+              <a:t> 7</a:t>
+            </a:r>
+          </a:p>
+          <a:p>
+            <a:pPr lvl="1"/>
+            <a:r>
+              <a:rPr lang="en-US" b="1" dirty="0"/>
+              <a:t>SUSE Enterprise Linux </a:t>
+            </a:r>
+            <a:r>
+              <a:rPr lang="en-US" dirty="0"/>
+              <a:t>12 SP2+</a:t>
             </a:r>
           </a:p>
           <a:p>
             <a:pPr lvl="1"/>
             <a:endParaRPr lang="en-US" dirty="0"/>
+          </a:p>
+        </p:txBody>
+      </p:sp>
+      <p:sp>
+        <p:nvSpPr>
+          <p:cNvPr id="2" name="Rectangle 1">
+            <a:extLst>
+              <a:ext uri="{FF2B5EF4-FFF2-40B4-BE49-F238E27FC236}">
+                <a16:creationId xmlns:a16="http://schemas.microsoft.com/office/drawing/2014/main" id="{7E874485-7476-437B-B95D-1B869F6E56E5}"/>
+              </a:ext>
+            </a:extLst>
+          </p:cNvPr>
+          <p:cNvSpPr/>
+          <p:nvPr/>
+        </p:nvSpPr>
+        <p:spPr>
+          <a:xfrm>
+            <a:off x="274639" y="6148993"/>
+            <a:ext cx="10315132" cy="369332"/>
+          </a:xfrm>
+          <a:prstGeom prst="rect">
+            <a:avLst/>
+          </a:prstGeom>
+        </p:spPr>
+        <p:txBody>
+          <a:bodyPr wrap="square">
+            <a:spAutoFit/>
+          </a:bodyPr>
+          <a:lstStyle/>
+          <a:p>
+            <a:r>
+              <a:rPr lang="en-US" dirty="0"/>
+              <a:t>https://github.com/dotnet/core/blob/master/release-notes/2.0/2.0-supported-os.md</a:t>
+            </a:r>
           </a:p>
         </p:txBody>
       </p:sp>
@@ -28344,7 +28030,7 @@
 </p:sld>
 </file>
 
-<file path=ppt/slides/slide18.xml><?xml version="1.0" encoding="utf-8"?>
+<file path=ppt/slides/slide17.xml><?xml version="1.0" encoding="utf-8"?>
 <p:sld xmlns:a="http://schemas.openxmlformats.org/drawingml/2006/main" xmlns:r="http://schemas.openxmlformats.org/officeDocument/2006/relationships" xmlns:p="http://schemas.openxmlformats.org/presentationml/2006/main">
   <p:cSld>
     <p:spTree>
@@ -28431,7 +28117,7 @@
 </p:sld>
 </file>
 
-<file path=ppt/slides/slide19.xml><?xml version="1.0" encoding="utf-8"?>
+<file path=ppt/slides/slide18.xml><?xml version="1.0" encoding="utf-8"?>
 <p:sld xmlns:a="http://schemas.openxmlformats.org/drawingml/2006/main" xmlns:r="http://schemas.openxmlformats.org/officeDocument/2006/relationships" xmlns:p="http://schemas.openxmlformats.org/presentationml/2006/main">
   <p:cSld>
     <p:spTree>
@@ -28450,28 +28136,28 @@
       </p:grpSpPr>
       <p:pic>
         <p:nvPicPr>
-          <p:cNvPr id="4" name="Picture 3"/>
+          <p:cNvPr id="5" name="Picture 4" descr="Screen Clipping">
+            <a:extLst>
+              <a:ext uri="{FF2B5EF4-FFF2-40B4-BE49-F238E27FC236}">
+                <a16:creationId xmlns:a16="http://schemas.microsoft.com/office/drawing/2014/main" id="{AD59BC58-BAC8-4138-95AA-D7C7965BAB3C}"/>
+              </a:ext>
+            </a:extLst>
+          </p:cNvPr>
           <p:cNvPicPr>
             <a:picLocks noChangeAspect="1"/>
           </p:cNvPicPr>
           <p:nvPr/>
         </p:nvPicPr>
         <p:blipFill>
-          <a:blip r:embed="rId3">
-            <a:extLst>
-              <a:ext uri="{28A0092B-C50C-407E-A947-70E740481C1C}">
-                <a14:useLocalDpi xmlns:a14="http://schemas.microsoft.com/office/drawing/2010/main"/>
-              </a:ext>
-            </a:extLst>
-          </a:blip>
+          <a:blip r:embed="rId3"/>
           <a:stretch>
             <a:fillRect/>
           </a:stretch>
         </p:blipFill>
         <p:spPr>
           <a:xfrm>
-            <a:off x="1727200" y="0"/>
-            <a:ext cx="8972086" cy="6994525"/>
+            <a:off x="914775" y="0"/>
+            <a:ext cx="10661641" cy="6994525"/>
           </a:xfrm>
           <a:prstGeom prst="rect">
             <a:avLst/>
@@ -28486,13 +28172,17 @@
         </p:nvSpPr>
         <p:spPr>
           <a:xfrm>
-            <a:off x="3109311" y="1759921"/>
-            <a:ext cx="7947086" cy="738664"/>
+            <a:off x="1737726" y="1211287"/>
+            <a:ext cx="8046632" cy="738664"/>
           </a:xfrm>
           <a:prstGeom prst="rect">
             <a:avLst/>
           </a:prstGeom>
-          <a:noFill/>
+          <a:solidFill>
+            <a:srgbClr val="E6E6E6">
+              <a:alpha val="45098"/>
+            </a:srgbClr>
+          </a:solidFill>
         </p:spPr>
         <p:txBody>
           <a:bodyPr wrap="square" lIns="182880" tIns="146304" rIns="182880" bIns="146304" rtlCol="0">
@@ -28511,7 +28201,7 @@
             <a:r>
               <a:rPr lang="en-US" sz="3200" b="1" dirty="0">
                 <a:solidFill>
-                  <a:srgbClr val="FF0000"/>
+                  <a:srgbClr val="505050"/>
                 </a:solidFill>
               </a:rPr>
               <a:t>https://</a:t>
@@ -28519,7 +28209,7 @@
             <a:r>
               <a:rPr lang="en-US" sz="3200" b="1" dirty="0" err="1">
                 <a:solidFill>
-                  <a:srgbClr val="FF0000"/>
+                  <a:srgbClr val="505050"/>
                 </a:solidFill>
               </a:rPr>
               <a:t>hub.docker.com</a:t>
@@ -28527,7 +28217,7 @@
             <a:r>
               <a:rPr lang="en-US" sz="3200" b="1" dirty="0">
                 <a:solidFill>
-                  <a:srgbClr val="FF0000"/>
+                  <a:srgbClr val="505050"/>
                 </a:solidFill>
               </a:rPr>
               <a:t>/r/</a:t>
@@ -28535,7 +28225,7 @@
             <a:r>
               <a:rPr lang="en-US" sz="3200" b="1" dirty="0" err="1">
                 <a:solidFill>
-                  <a:srgbClr val="FF0000"/>
+                  <a:srgbClr val="505050"/>
                 </a:solidFill>
               </a:rPr>
               <a:t>microsoft</a:t>
@@ -28543,7 +28233,7 @@
             <a:r>
               <a:rPr lang="en-US" sz="3200" b="1" dirty="0">
                 <a:solidFill>
-                  <a:srgbClr val="FF0000"/>
+                  <a:srgbClr val="505050"/>
                 </a:solidFill>
               </a:rPr>
               <a:t>/</a:t>
@@ -28551,7 +28241,7 @@
             <a:r>
               <a:rPr lang="en-US" sz="3200" b="1" dirty="0" err="1">
                 <a:solidFill>
-                  <a:srgbClr val="FF0000"/>
+                  <a:srgbClr val="505050"/>
                 </a:solidFill>
               </a:rPr>
               <a:t>dotnet</a:t>
@@ -28559,7 +28249,7 @@
             <a:r>
               <a:rPr lang="en-US" sz="3200" b="1" dirty="0">
                 <a:solidFill>
-                  <a:srgbClr val="FF0000"/>
+                  <a:srgbClr val="505050"/>
                 </a:solidFill>
               </a:rPr>
               <a:t>/</a:t>
@@ -28577,6 +28267,274 @@
   <p:clrMapOvr>
     <a:masterClrMapping/>
   </p:clrMapOvr>
+</p:sld>
+</file>
+
+<file path=ppt/slides/slide19.xml><?xml version="1.0" encoding="utf-8"?>
+<p:sld xmlns:a="http://schemas.openxmlformats.org/drawingml/2006/main" xmlns:r="http://schemas.openxmlformats.org/officeDocument/2006/relationships" xmlns:p="http://schemas.openxmlformats.org/presentationml/2006/main">
+  <p:cSld>
+    <p:spTree>
+      <p:nvGrpSpPr>
+        <p:cNvPr id="1" name=""/>
+        <p:cNvGrpSpPr/>
+        <p:nvPr/>
+      </p:nvGrpSpPr>
+      <p:grpSpPr>
+        <a:xfrm>
+          <a:off x="0" y="0"/>
+          <a:ext cx="0" cy="0"/>
+          <a:chOff x="0" y="0"/>
+          <a:chExt cx="0" cy="0"/>
+        </a:xfrm>
+      </p:grpSpPr>
+      <p:sp>
+        <p:nvSpPr>
+          <p:cNvPr id="64" name="TextBox 63"/>
+          <p:cNvSpPr txBox="1"/>
+          <p:nvPr/>
+        </p:nvSpPr>
+        <p:spPr>
+          <a:xfrm>
+            <a:off x="3383251" y="1211287"/>
+            <a:ext cx="804549" cy="4114755"/>
+          </a:xfrm>
+          <a:prstGeom prst="rect">
+            <a:avLst/>
+          </a:prstGeom>
+          <a:solidFill>
+            <a:srgbClr val="000000">
+              <a:alpha val="12941"/>
+            </a:srgbClr>
+          </a:solidFill>
+        </p:spPr>
+        <p:txBody>
+          <a:bodyPr wrap="square" lIns="373041" rIns="186521" rtlCol="0" anchor="ctr">
+            <a:noAutofit/>
+          </a:bodyPr>
+          <a:lstStyle/>
+          <a:p>
+            <a:pPr marL="349724" indent="-349724">
+              <a:buFont typeface="Arial" panose="020B0604020202020204" pitchFamily="34" charset="0"/>
+              <a:buChar char="•"/>
+            </a:pPr>
+            <a:endParaRPr lang="en-US" sz="2040" dirty="0">
+              <a:latin typeface="Segoe UI Light" panose="020B0502040204020203" pitchFamily="34" charset="0"/>
+              <a:cs typeface="Segoe UI Light" panose="020B0502040204020203" pitchFamily="34" charset="0"/>
+            </a:endParaRPr>
+          </a:p>
+        </p:txBody>
+      </p:sp>
+      <p:sp>
+        <p:nvSpPr>
+          <p:cNvPr id="14" name="TextBox 13"/>
+          <p:cNvSpPr txBox="1"/>
+          <p:nvPr/>
+        </p:nvSpPr>
+        <p:spPr>
+          <a:xfrm>
+            <a:off x="1097653" y="1211287"/>
+            <a:ext cx="3044676" cy="4114755"/>
+          </a:xfrm>
+          <a:prstGeom prst="homePlate">
+            <a:avLst>
+              <a:gd name="adj" fmla="val 20154"/>
+            </a:avLst>
+          </a:prstGeom>
+          <a:solidFill>
+            <a:srgbClr val="0078D7"/>
+          </a:solidFill>
+        </p:spPr>
+        <p:txBody>
+          <a:bodyPr wrap="square" rtlCol="0" anchor="ctr">
+            <a:noAutofit/>
+          </a:bodyPr>
+          <a:lstStyle/>
+          <a:p>
+            <a:pPr algn="ctr"/>
+            <a:r>
+              <a:rPr lang="en-US" sz="4000" dirty="0">
+                <a:solidFill>
+                  <a:schemeClr val="tx2"/>
+                </a:solidFill>
+                <a:latin typeface="Segoe UI Semibold" panose="020B0702040204020203" pitchFamily="34" charset="0"/>
+                <a:cs typeface="Segoe UI Semibold" panose="020B0702040204020203" pitchFamily="34" charset="0"/>
+              </a:rPr>
+              <a:t>Similarities</a:t>
+            </a:r>
+          </a:p>
+        </p:txBody>
+      </p:sp>
+      <p:sp>
+        <p:nvSpPr>
+          <p:cNvPr id="61" name="TextBox 60"/>
+          <p:cNvSpPr txBox="1"/>
+          <p:nvPr/>
+        </p:nvSpPr>
+        <p:spPr>
+          <a:xfrm>
+            <a:off x="32609" y="148956"/>
+            <a:ext cx="7358757" cy="860514"/>
+          </a:xfrm>
+          <a:prstGeom prst="rect">
+            <a:avLst/>
+          </a:prstGeom>
+          <a:noFill/>
+        </p:spPr>
+        <p:txBody>
+          <a:bodyPr wrap="none" lIns="182854" tIns="146283" rIns="182854" bIns="146283" rtlCol="0">
+            <a:spAutoFit/>
+          </a:bodyPr>
+          <a:lstStyle/>
+          <a:p>
+            <a:pPr>
+              <a:lnSpc>
+                <a:spcPct val="90000"/>
+              </a:lnSpc>
+            </a:pPr>
+            <a:r>
+              <a:rPr lang="en-US" sz="4080" dirty="0">
+                <a:gradFill>
+                  <a:gsLst>
+                    <a:gs pos="2917">
+                      <a:schemeClr val="tx1"/>
+                    </a:gs>
+                    <a:gs pos="30000">
+                      <a:schemeClr val="tx1"/>
+                    </a:gs>
+                  </a:gsLst>
+                  <a:lin ang="5400000" scaled="0"/>
+                </a:gradFill>
+                <a:latin typeface="Segoe UI Semibold" panose="020B0702040204020203" pitchFamily="34" charset="0"/>
+                <a:cs typeface="Segoe UI Semibold" panose="020B0702040204020203" pitchFamily="34" charset="0"/>
+              </a:rPr>
+              <a:t>.NET Core and .NET Framework</a:t>
+            </a:r>
+          </a:p>
+        </p:txBody>
+      </p:sp>
+      <p:sp>
+        <p:nvSpPr>
+          <p:cNvPr id="46" name="TextBox 45"/>
+          <p:cNvSpPr txBox="1"/>
+          <p:nvPr/>
+        </p:nvSpPr>
+        <p:spPr>
+          <a:xfrm>
+            <a:off x="4187799" y="1211287"/>
+            <a:ext cx="8248676" cy="4114755"/>
+          </a:xfrm>
+          <a:prstGeom prst="rect">
+            <a:avLst/>
+          </a:prstGeom>
+          <a:solidFill>
+            <a:srgbClr val="000000">
+              <a:alpha val="12941"/>
+            </a:srgbClr>
+          </a:solidFill>
+        </p:spPr>
+        <p:txBody>
+          <a:bodyPr wrap="square" lIns="373041" rIns="186521" rtlCol="0" anchor="ctr">
+            <a:noAutofit/>
+          </a:bodyPr>
+          <a:lstStyle/>
+          <a:p>
+            <a:pPr marL="349724" indent="-349724">
+              <a:buFont typeface="Arial" charset="0"/>
+              <a:buChar char="•"/>
+            </a:pPr>
+            <a:endParaRPr lang="en-US" sz="3200" dirty="0"/>
+          </a:p>
+          <a:p>
+            <a:pPr marL="349724" indent="-349724">
+              <a:buFont typeface="Arial" charset="0"/>
+              <a:buChar char="•"/>
+            </a:pPr>
+            <a:r>
+              <a:rPr lang="en-US" sz="3200" dirty="0"/>
+              <a:t>Support the latest C#, VB.NET, F#</a:t>
+            </a:r>
+          </a:p>
+          <a:p>
+            <a:pPr marL="349724" indent="-349724">
+              <a:buFont typeface="Arial" charset="0"/>
+              <a:buChar char="•"/>
+            </a:pPr>
+            <a:r>
+              <a:rPr lang="en-US" sz="3200" dirty="0"/>
+              <a:t>Implements .NET Standard API</a:t>
+            </a:r>
+          </a:p>
+          <a:p>
+            <a:pPr marL="349724" indent="-349724">
+              <a:buFont typeface="Arial" charset="0"/>
+              <a:buChar char="•"/>
+            </a:pPr>
+            <a:r>
+              <a:rPr lang="en-US" sz="3200" dirty="0"/>
+              <a:t>Supports ASP.NET Core and EF Core</a:t>
+            </a:r>
+          </a:p>
+          <a:p>
+            <a:pPr marL="349724" indent="-349724">
+              <a:buFont typeface="Arial" charset="0"/>
+              <a:buChar char="•"/>
+            </a:pPr>
+            <a:r>
+              <a:rPr lang="en-US" sz="3200" dirty="0"/>
+              <a:t>Best experience in Visual Studio </a:t>
+            </a:r>
+          </a:p>
+          <a:p>
+            <a:pPr marL="349724" indent="-349724">
+              <a:buFont typeface="Arial" charset="0"/>
+              <a:buChar char="•"/>
+            </a:pPr>
+            <a:r>
+              <a:rPr lang="en-US" sz="3200" dirty="0"/>
+              <a:t>Great experience in Visual Studio Code</a:t>
+            </a:r>
+          </a:p>
+          <a:p>
+            <a:pPr marL="349724" indent="-349724">
+              <a:buFont typeface="Arial" charset="0"/>
+              <a:buChar char="•"/>
+            </a:pPr>
+            <a:r>
+              <a:rPr lang="en-US" sz="3200" dirty="0"/>
+              <a:t>Can be used in/with Docker</a:t>
+            </a:r>
+          </a:p>
+          <a:p>
+            <a:pPr marL="349724" indent="-349724">
+              <a:buFont typeface="Arial" charset="0"/>
+              <a:buChar char="•"/>
+            </a:pPr>
+            <a:endParaRPr lang="en-US" sz="3200" dirty="0"/>
+          </a:p>
+        </p:txBody>
+      </p:sp>
+    </p:spTree>
+    <p:extLst>
+      <p:ext uri="{BB962C8B-B14F-4D97-AF65-F5344CB8AC3E}">
+        <p14:creationId xmlns:p14="http://schemas.microsoft.com/office/powerpoint/2010/main" val="1702748089"/>
+      </p:ext>
+    </p:extLst>
+  </p:cSld>
+  <p:clrMapOvr>
+    <a:masterClrMapping/>
+  </p:clrMapOvr>
+  <mc:AlternateContent xmlns:mc="http://schemas.openxmlformats.org/markup-compatibility/2006" xmlns:p14="http://schemas.microsoft.com/office/powerpoint/2010/main">
+    <mc:Choice Requires="p14">
+      <p:transition spd="med" p14:dur="700">
+        <p:fade/>
+      </p:transition>
+    </mc:Choice>
+    <mc:Fallback xmlns="">
+      <p:transition spd="med">
+        <p:fade/>
+      </p:transition>
+    </mc:Fallback>
+  </mc:AlternateContent>
 </p:sld>
 </file>
 
@@ -28717,15 +28675,22 @@
           <a:p>
             <a:pPr algn="ctr"/>
             <a:r>
-              <a:rPr lang="en-US" sz="4000" dirty="0">
+              <a:rPr lang="en-US" sz="3600" dirty="0">
                 <a:solidFill>
                   <a:schemeClr val="tx2"/>
                 </a:solidFill>
                 <a:latin typeface="Segoe UI Semibold" panose="020B0702040204020203" pitchFamily="34" charset="0"/>
                 <a:cs typeface="Segoe UI Semibold" panose="020B0702040204020203" pitchFamily="34" charset="0"/>
               </a:rPr>
-              <a:t>Similarities</a:t>
-            </a:r>
+              <a:t>Differences</a:t>
+            </a:r>
+            <a:endParaRPr lang="en-US" sz="4000" dirty="0">
+              <a:solidFill>
+                <a:schemeClr val="tx2"/>
+              </a:solidFill>
+              <a:latin typeface="Segoe UI Semibold" panose="020B0702040204020203" pitchFamily="34" charset="0"/>
+              <a:cs typeface="Segoe UI Semibold" panose="020B0702040204020203" pitchFamily="34" charset="0"/>
+            </a:endParaRPr>
           </a:p>
         </p:txBody>
       </p:sp>
@@ -28807,7 +28772,10 @@
               <a:buFont typeface="Arial" charset="0"/>
               <a:buChar char="•"/>
             </a:pPr>
-            <a:endParaRPr lang="en-US" sz="3200" dirty="0"/>
+            <a:r>
+              <a:rPr lang="en-US" sz="3200" dirty="0"/>
+              <a:t>.NET Framework comes with Windows</a:t>
+            </a:r>
           </a:p>
           <a:p>
             <a:pPr marL="349724" indent="-349724">
@@ -28816,7 +28784,7 @@
             </a:pPr>
             <a:r>
               <a:rPr lang="en-US" sz="3200" dirty="0"/>
-              <a:t>Support the latest C#, VB.NET, F#</a:t>
+              <a:t>.NET Core installs side-by-side</a:t>
             </a:r>
           </a:p>
           <a:p>
@@ -28826,7 +28794,7 @@
             </a:pPr>
             <a:r>
               <a:rPr lang="en-US" sz="3200" dirty="0"/>
-              <a:t>Implements .NET Standard API</a:t>
+              <a:t>.NET Core is cross-platform and OSS</a:t>
             </a:r>
           </a:p>
           <a:p>
@@ -28836,7 +28804,7 @@
             </a:pPr>
             <a:r>
               <a:rPr lang="en-US" sz="3200" dirty="0"/>
-              <a:t>Supports ASP.NET Core and EF Core</a:t>
+              <a:t>.NET Core works on Nano</a:t>
             </a:r>
           </a:p>
           <a:p>
@@ -28846,42 +28814,15 @@
             </a:pPr>
             <a:r>
               <a:rPr lang="en-US" sz="3200" dirty="0"/>
-              <a:t>Best experience in Visual Studio </a:t>
-            </a:r>
-          </a:p>
-          <a:p>
-            <a:pPr marL="349724" indent="-349724">
-              <a:buFont typeface="Arial" charset="0"/>
-              <a:buChar char="•"/>
-            </a:pPr>
-            <a:r>
-              <a:rPr lang="en-US" sz="3200" dirty="0"/>
-              <a:t>Great experience in Visual Studio Code</a:t>
-            </a:r>
-          </a:p>
-          <a:p>
-            <a:pPr marL="349724" indent="-349724">
-              <a:buFont typeface="Arial" charset="0"/>
-              <a:buChar char="•"/>
-            </a:pPr>
-            <a:r>
-              <a:rPr lang="en-US" sz="3200" dirty="0"/>
-              <a:t>Can be used in/with Docker</a:t>
-            </a:r>
-          </a:p>
-          <a:p>
-            <a:pPr marL="349724" indent="-349724">
-              <a:buFont typeface="Arial" charset="0"/>
-              <a:buChar char="•"/>
-            </a:pPr>
-            <a:endParaRPr lang="en-US" sz="3200" dirty="0"/>
+              <a:t>.NET Core has a strong CLI experience</a:t>
+            </a:r>
           </a:p>
         </p:txBody>
       </p:sp>
     </p:spTree>
     <p:extLst>
       <p:ext uri="{BB962C8B-B14F-4D97-AF65-F5344CB8AC3E}">
-        <p14:creationId xmlns:p14="http://schemas.microsoft.com/office/powerpoint/2010/main" val="1702748089"/>
+        <p14:creationId xmlns:p14="http://schemas.microsoft.com/office/powerpoint/2010/main" val="841949262"/>
       </p:ext>
     </p:extLst>
   </p:cSld>
@@ -28922,235 +28863,40 @@
       </p:grpSpPr>
       <p:sp>
         <p:nvSpPr>
-          <p:cNvPr id="64" name="TextBox 63"/>
-          <p:cNvSpPr txBox="1"/>
-          <p:nvPr/>
-        </p:nvSpPr>
-        <p:spPr>
-          <a:xfrm>
-            <a:off x="3383251" y="1211287"/>
-            <a:ext cx="804549" cy="4114755"/>
-          </a:xfrm>
-          <a:prstGeom prst="rect">
-            <a:avLst/>
-          </a:prstGeom>
-          <a:solidFill>
-            <a:srgbClr val="000000">
-              <a:alpha val="12941"/>
-            </a:srgbClr>
-          </a:solidFill>
-        </p:spPr>
+          <p:cNvPr id="2" name="Title 1"/>
+          <p:cNvSpPr>
+            <a:spLocks noGrp="1"/>
+          </p:cNvSpPr>
+          <p:nvPr>
+            <p:ph type="title"/>
+          </p:nvPr>
+        </p:nvSpPr>
+        <p:spPr/>
         <p:txBody>
-          <a:bodyPr wrap="square" lIns="373041" rIns="186521" rtlCol="0" anchor="ctr">
-            <a:noAutofit/>
-          </a:bodyPr>
+          <a:bodyPr/>
           <a:lstStyle/>
           <a:p>
-            <a:pPr marL="349724" indent="-349724">
-              <a:buFont typeface="Arial" panose="020B0604020202020204" pitchFamily="34" charset="0"/>
-              <a:buChar char="•"/>
-            </a:pPr>
-            <a:endParaRPr lang="en-US" sz="2040" dirty="0">
-              <a:latin typeface="Segoe UI Light" panose="020B0502040204020203" pitchFamily="34" charset="0"/>
-              <a:cs typeface="Segoe UI Light" panose="020B0502040204020203" pitchFamily="34" charset="0"/>
-            </a:endParaRPr>
-          </a:p>
-        </p:txBody>
-      </p:sp>
-      <p:sp>
-        <p:nvSpPr>
-          <p:cNvPr id="14" name="TextBox 13"/>
-          <p:cNvSpPr txBox="1"/>
-          <p:nvPr/>
-        </p:nvSpPr>
-        <p:spPr>
-          <a:xfrm>
-            <a:off x="1097653" y="1211287"/>
-            <a:ext cx="3044676" cy="4114755"/>
-          </a:xfrm>
-          <a:prstGeom prst="homePlate">
-            <a:avLst>
-              <a:gd name="adj" fmla="val 20154"/>
-            </a:avLst>
-          </a:prstGeom>
-          <a:solidFill>
-            <a:srgbClr val="0078D7"/>
-          </a:solidFill>
-        </p:spPr>
-        <p:txBody>
-          <a:bodyPr wrap="square" rtlCol="0" anchor="ctr">
-            <a:noAutofit/>
-          </a:bodyPr>
-          <a:lstStyle/>
-          <a:p>
-            <a:pPr algn="ctr"/>
-            <a:r>
-              <a:rPr lang="en-US" sz="3600" dirty="0">
-                <a:solidFill>
-                  <a:schemeClr val="tx2"/>
-                </a:solidFill>
-                <a:latin typeface="Segoe UI Semibold" panose="020B0702040204020203" pitchFamily="34" charset="0"/>
-                <a:cs typeface="Segoe UI Semibold" panose="020B0702040204020203" pitchFamily="34" charset="0"/>
-              </a:rPr>
-              <a:t>Differences</a:t>
-            </a:r>
-            <a:endParaRPr lang="en-US" sz="4000" dirty="0">
-              <a:solidFill>
-                <a:schemeClr val="tx2"/>
-              </a:solidFill>
-              <a:latin typeface="Segoe UI Semibold" panose="020B0702040204020203" pitchFamily="34" charset="0"/>
-              <a:cs typeface="Segoe UI Semibold" panose="020B0702040204020203" pitchFamily="34" charset="0"/>
-            </a:endParaRPr>
-          </a:p>
-        </p:txBody>
-      </p:sp>
-      <p:sp>
-        <p:nvSpPr>
-          <p:cNvPr id="61" name="TextBox 60"/>
-          <p:cNvSpPr txBox="1"/>
-          <p:nvPr/>
-        </p:nvSpPr>
-        <p:spPr>
-          <a:xfrm>
-            <a:off x="32609" y="148956"/>
-            <a:ext cx="7358757" cy="860514"/>
-          </a:xfrm>
-          <a:prstGeom prst="rect">
-            <a:avLst/>
-          </a:prstGeom>
-          <a:noFill/>
-        </p:spPr>
-        <p:txBody>
-          <a:bodyPr wrap="none" lIns="182854" tIns="146283" rIns="182854" bIns="146283" rtlCol="0">
-            <a:spAutoFit/>
-          </a:bodyPr>
-          <a:lstStyle/>
-          <a:p>
-            <a:pPr>
-              <a:lnSpc>
-                <a:spcPct val="90000"/>
-              </a:lnSpc>
-            </a:pPr>
-            <a:r>
-              <a:rPr lang="en-US" sz="4080" dirty="0">
-                <a:gradFill>
-                  <a:gsLst>
-                    <a:gs pos="2917">
-                      <a:schemeClr val="tx1"/>
-                    </a:gs>
-                    <a:gs pos="30000">
-                      <a:schemeClr val="tx1"/>
-                    </a:gs>
-                  </a:gsLst>
-                  <a:lin ang="5400000" scaled="0"/>
-                </a:gradFill>
-                <a:latin typeface="Segoe UI Semibold" panose="020B0702040204020203" pitchFamily="34" charset="0"/>
-                <a:cs typeface="Segoe UI Semibold" panose="020B0702040204020203" pitchFamily="34" charset="0"/>
-              </a:rPr>
-              <a:t>.NET Core and .NET Framework</a:t>
-            </a:r>
-          </a:p>
-        </p:txBody>
-      </p:sp>
-      <p:sp>
-        <p:nvSpPr>
-          <p:cNvPr id="46" name="TextBox 45"/>
-          <p:cNvSpPr txBox="1"/>
-          <p:nvPr/>
-        </p:nvSpPr>
-        <p:spPr>
-          <a:xfrm>
-            <a:off x="4187799" y="1211287"/>
-            <a:ext cx="8248676" cy="4114755"/>
-          </a:xfrm>
-          <a:prstGeom prst="rect">
-            <a:avLst/>
-          </a:prstGeom>
-          <a:solidFill>
-            <a:srgbClr val="000000">
-              <a:alpha val="12941"/>
-            </a:srgbClr>
-          </a:solidFill>
-        </p:spPr>
-        <p:txBody>
-          <a:bodyPr wrap="square" lIns="373041" rIns="186521" rtlCol="0" anchor="ctr">
-            <a:noAutofit/>
-          </a:bodyPr>
-          <a:lstStyle/>
-          <a:p>
-            <a:pPr marL="349724" indent="-349724">
-              <a:buFont typeface="Arial" charset="0"/>
-              <a:buChar char="•"/>
-            </a:pPr>
-            <a:r>
-              <a:rPr lang="en-US" sz="3200" dirty="0"/>
-              <a:t>.NET Framework comes with Windows</a:t>
-            </a:r>
-          </a:p>
-          <a:p>
-            <a:pPr marL="349724" indent="-349724">
-              <a:buFont typeface="Arial" charset="0"/>
-              <a:buChar char="•"/>
-            </a:pPr>
-            <a:r>
-              <a:rPr lang="en-US" sz="3200" dirty="0"/>
-              <a:t>.NET Core installs side-by-side</a:t>
-            </a:r>
-          </a:p>
-          <a:p>
-            <a:pPr marL="349724" indent="-349724">
-              <a:buFont typeface="Arial" charset="0"/>
-              <a:buChar char="•"/>
-            </a:pPr>
-            <a:r>
-              <a:rPr lang="en-US" sz="3200" dirty="0"/>
-              <a:t>.NET Core is cross-platform and OSS</a:t>
-            </a:r>
-          </a:p>
-          <a:p>
-            <a:pPr marL="349724" indent="-349724">
-              <a:buFont typeface="Arial" charset="0"/>
-              <a:buChar char="•"/>
-            </a:pPr>
-            <a:r>
-              <a:rPr lang="en-US" sz="3200" dirty="0"/>
-              <a:t>.NET Core works on Nano</a:t>
-            </a:r>
-          </a:p>
-          <a:p>
-            <a:pPr marL="349724" indent="-349724">
-              <a:buFont typeface="Arial" charset="0"/>
-              <a:buChar char="•"/>
-            </a:pPr>
-            <a:r>
-              <a:rPr lang="en-US" sz="3200" dirty="0"/>
-              <a:t>.NET Core has a strong CLI experience</a:t>
-            </a:r>
+            <a:r>
+              <a:rPr lang="en-US" dirty="0"/>
+              <a:t>.NET Core: Your First App</a:t>
+            </a:r>
+            <a:endParaRPr lang="en-US" sz="7200" dirty="0"/>
           </a:p>
         </p:txBody>
       </p:sp>
     </p:spTree>
     <p:extLst>
       <p:ext uri="{BB962C8B-B14F-4D97-AF65-F5344CB8AC3E}">
-        <p14:creationId xmlns:p14="http://schemas.microsoft.com/office/powerpoint/2010/main" val="841949262"/>
+        <p14:creationId xmlns:p14="http://schemas.microsoft.com/office/powerpoint/2010/main" val="2055366616"/>
       </p:ext>
     </p:extLst>
   </p:cSld>
   <p:clrMapOvr>
     <a:masterClrMapping/>
   </p:clrMapOvr>
-  <mc:AlternateContent xmlns:mc="http://schemas.openxmlformats.org/markup-compatibility/2006" xmlns:p14="http://schemas.microsoft.com/office/powerpoint/2010/main">
-    <mc:Choice Requires="p14">
-      <p:transition spd="med" p14:dur="700">
-        <p:fade/>
-      </p:transition>
-    </mc:Choice>
-    <mc:Fallback xmlns="">
-      <p:transition spd="med">
-        <p:fade/>
-      </p:transition>
-    </mc:Fallback>
-  </mc:AlternateContent>
+  <p:transition>
+    <p:fade/>
+  </p:transition>
 </p:sld>
 </file>
 
@@ -29173,7 +28919,7 @@
       </p:grpSpPr>
       <p:sp>
         <p:nvSpPr>
-          <p:cNvPr id="2" name="Title 1"/>
+          <p:cNvPr id="4" name="Title 3"/>
           <p:cNvSpPr>
             <a:spLocks noGrp="1"/>
           </p:cNvSpPr>
@@ -29188,16 +28934,103 @@
           <a:p>
             <a:r>
               <a:rPr lang="en-US" dirty="0"/>
-              <a:t>.NET Core: Your First App</a:t>
-            </a:r>
-            <a:endParaRPr lang="en-US" sz="7200" dirty="0"/>
+              <a:t>Sample Source Code</a:t>
+            </a:r>
+          </a:p>
+        </p:txBody>
+      </p:sp>
+      <p:sp>
+        <p:nvSpPr>
+          <p:cNvPr id="5" name="Text Placeholder 4"/>
+          <p:cNvSpPr>
+            <a:spLocks noGrp="1"/>
+          </p:cNvSpPr>
+          <p:nvPr>
+            <p:ph type="body" sz="quarter" idx="10"/>
+          </p:nvPr>
+        </p:nvSpPr>
+        <p:spPr>
+          <a:xfrm>
+            <a:off x="274638" y="1221157"/>
+            <a:ext cx="11887199" cy="5123326"/>
+          </a:xfrm>
+        </p:spPr>
+        <p:txBody>
+          <a:bodyPr/>
+          <a:lstStyle/>
+          <a:p>
+            <a:r>
+              <a:rPr lang="en-US" dirty="0"/>
+              <a:t>using System;</a:t>
+            </a:r>
+          </a:p>
+          <a:p>
+            <a:endParaRPr lang="en-US" dirty="0"/>
+          </a:p>
+          <a:p>
+            <a:r>
+              <a:rPr lang="en-US" dirty="0"/>
+              <a:t>class Program</a:t>
+            </a:r>
+          </a:p>
+          <a:p>
+            <a:r>
+              <a:rPr lang="en-US" dirty="0"/>
+              <a:t>{</a:t>
+            </a:r>
+          </a:p>
+          <a:p>
+            <a:r>
+              <a:rPr lang="en-US" dirty="0"/>
+              <a:t>    static void Main(string[] </a:t>
+            </a:r>
+            <a:r>
+              <a:rPr lang="en-US" dirty="0" err="1"/>
+              <a:t>args</a:t>
+            </a:r>
+            <a:r>
+              <a:rPr lang="en-US" dirty="0"/>
+              <a:t>)</a:t>
+            </a:r>
+          </a:p>
+          <a:p>
+            <a:r>
+              <a:rPr lang="mr-IN" dirty="0"/>
+              <a:t>    {</a:t>
+            </a:r>
+          </a:p>
+          <a:p>
+            <a:r>
+              <a:rPr lang="en-US" dirty="0"/>
+              <a:t>        </a:t>
+            </a:r>
+            <a:r>
+              <a:rPr lang="en-US" dirty="0" err="1"/>
+              <a:t>Console.WriteLine</a:t>
+            </a:r>
+            <a:r>
+              <a:rPr lang="en-US" dirty="0"/>
+              <a:t>("Hello World!");</a:t>
+            </a:r>
+          </a:p>
+          <a:p>
+            <a:r>
+              <a:rPr lang="mr-IN" dirty="0"/>
+              <a:t>    }</a:t>
+            </a:r>
+          </a:p>
+          <a:p>
+            <a:r>
+              <a:rPr lang="mr-IN" dirty="0"/>
+              <a:t>}</a:t>
+            </a:r>
           </a:p>
         </p:txBody>
       </p:sp>
     </p:spTree>
     <p:extLst>
       <p:ext uri="{BB962C8B-B14F-4D97-AF65-F5344CB8AC3E}">
-        <p14:creationId xmlns:p14="http://schemas.microsoft.com/office/powerpoint/2010/main" val="2055366616"/>
+        <p14:creationId xmlns:p14="http://schemas.microsoft.com/office/powerpoint/2010/main" val="1064806119"/>
       </p:ext>
     </p:extLst>
   </p:cSld>
@@ -29243,8 +29076,20 @@
           <a:lstStyle/>
           <a:p>
             <a:r>
+              <a:rPr lang="en-US" dirty="0" err="1"/>
+              <a:t>CSProj</a:t>
+            </a:r>
+            <a:r>
               <a:rPr lang="en-US" dirty="0"/>
-              <a:t>Sample Source Code</a:t>
+              <a:t> </a:t>
+            </a:r>
+            <a:r>
+              <a:rPr lang="mr-IN" dirty="0"/>
+              <a:t>–</a:t>
+            </a:r>
+            <a:r>
+              <a:rPr lang="en-US" dirty="0"/>
+              <a:t> default console template</a:t>
             </a:r>
           </a:p>
         </p:txBody>
@@ -29262,7 +29107,7 @@
         <p:spPr>
           <a:xfrm>
             <a:off x="274638" y="1221157"/>
-            <a:ext cx="11887199" cy="5123326"/>
+            <a:ext cx="12527207" cy="4450449"/>
           </a:xfrm>
         </p:spPr>
         <p:txBody>
@@ -29271,7 +29116,27 @@
           <a:p>
             <a:r>
               <a:rPr lang="en-US" dirty="0"/>
-              <a:t>using System;</a:t>
+              <a:t>&lt;Project </a:t>
+            </a:r>
+            <a:r>
+              <a:rPr lang="en-US" dirty="0" err="1"/>
+              <a:t>Sdk</a:t>
+            </a:r>
+            <a:r>
+              <a:rPr lang="en-US" dirty="0"/>
+              <a:t>="</a:t>
+            </a:r>
+            <a:r>
+              <a:rPr lang="en-US" dirty="0" err="1">
+                <a:solidFill>
+                  <a:srgbClr val="00B050"/>
+                </a:solidFill>
+              </a:rPr>
+              <a:t>Microsoft.NET.Sdk</a:t>
+            </a:r>
+            <a:r>
+              <a:rPr lang="en-US" dirty="0"/>
+              <a:t>"&gt;</a:t>
             </a:r>
           </a:p>
           <a:p>
@@ -29280,59 +29145,107 @@
           <a:p>
             <a:r>
               <a:rPr lang="en-US" dirty="0"/>
-              <a:t>class Program</a:t>
-            </a:r>
-          </a:p>
-          <a:p>
+              <a:t>  &lt;</a:t>
+            </a:r>
+            <a:r>
+              <a:rPr lang="en-US" dirty="0" err="1"/>
+              <a:t>PropertyGroup</a:t>
+            </a:r>
             <a:r>
               <a:rPr lang="en-US" dirty="0"/>
-              <a:t>{</a:t>
+              <a:t>&gt;</a:t>
             </a:r>
           </a:p>
           <a:p>
             <a:r>
               <a:rPr lang="en-US" dirty="0"/>
-              <a:t>    static void Main(string[] </a:t>
+              <a:t>    &lt;</a:t>
             </a:r>
             <a:r>
               <a:rPr lang="en-US" dirty="0" err="1"/>
-              <a:t>args</a:t>
+              <a:t>OutputType</a:t>
             </a:r>
             <a:r>
               <a:rPr lang="en-US" dirty="0"/>
-              <a:t>)</a:t>
-            </a:r>
-          </a:p>
-          <a:p>
-            <a:r>
-              <a:rPr lang="mr-IN" dirty="0"/>
-              <a:t>    {</a:t>
-            </a:r>
-          </a:p>
-          <a:p>
+              <a:t>&gt;</a:t>
+            </a:r>
+            <a:r>
+              <a:rPr lang="en-US" dirty="0">
+                <a:solidFill>
+                  <a:srgbClr val="00B050"/>
+                </a:solidFill>
+              </a:rPr>
+              <a:t>Exe</a:t>
+            </a:r>
             <a:r>
               <a:rPr lang="en-US" dirty="0"/>
-              <a:t>        </a:t>
+              <a:t>&lt;/</a:t>
             </a:r>
             <a:r>
               <a:rPr lang="en-US" dirty="0" err="1"/>
-              <a:t>Console.WriteLine</a:t>
+              <a:t>OutputType</a:t>
             </a:r>
             <a:r>
               <a:rPr lang="en-US" dirty="0"/>
-              <a:t>("Hello World!");</a:t>
-            </a:r>
-          </a:p>
-          <a:p>
-            <a:r>
-              <a:rPr lang="mr-IN" dirty="0"/>
-              <a:t>    }</a:t>
-            </a:r>
-          </a:p>
-          <a:p>
-            <a:r>
-              <a:rPr lang="mr-IN" dirty="0"/>
-              <a:t>}</a:t>
+              <a:t>&gt;</a:t>
+            </a:r>
+          </a:p>
+          <a:p>
+            <a:r>
+              <a:rPr lang="en-US" dirty="0"/>
+              <a:t>    &lt;</a:t>
+            </a:r>
+            <a:r>
+              <a:rPr lang="en-US" dirty="0" err="1"/>
+              <a:t>TargetFramework</a:t>
+            </a:r>
+            <a:r>
+              <a:rPr lang="en-US" dirty="0"/>
+              <a:t>&gt;</a:t>
+            </a:r>
+            <a:r>
+              <a:rPr lang="en-US" dirty="0">
+                <a:solidFill>
+                  <a:srgbClr val="00B050"/>
+                </a:solidFill>
+              </a:rPr>
+              <a:t>netcoreapp2.0</a:t>
+            </a:r>
+            <a:r>
+              <a:rPr lang="en-US" dirty="0"/>
+              <a:t>&lt;/</a:t>
+            </a:r>
+            <a:r>
+              <a:rPr lang="en-US" dirty="0" err="1"/>
+              <a:t>TargetFramework</a:t>
+            </a:r>
+            <a:r>
+              <a:rPr lang="en-US" dirty="0"/>
+              <a:t>&gt;</a:t>
+            </a:r>
+          </a:p>
+          <a:p>
+            <a:r>
+              <a:rPr lang="en-US" dirty="0"/>
+              <a:t>  &lt;/</a:t>
+            </a:r>
+            <a:r>
+              <a:rPr lang="en-US" dirty="0" err="1"/>
+              <a:t>PropertyGroup</a:t>
+            </a:r>
+            <a:r>
+              <a:rPr lang="en-US" dirty="0"/>
+              <a:t>&gt;</a:t>
+            </a:r>
+            <a:br>
+              <a:rPr lang="en-US" dirty="0"/>
+            </a:br>
+            <a:endParaRPr lang="en-US" dirty="0"/>
+          </a:p>
+          <a:p>
+            <a:r>
+              <a:rPr lang="en-US" dirty="0"/>
+              <a:t>&lt;/Project&gt;</a:t>
             </a:r>
           </a:p>
         </p:txBody>
@@ -29340,7 +29253,7 @@
     </p:spTree>
     <p:extLst>
       <p:ext uri="{BB962C8B-B14F-4D97-AF65-F5344CB8AC3E}">
-        <p14:creationId xmlns:p14="http://schemas.microsoft.com/office/powerpoint/2010/main" val="1064806119"/>
+        <p14:creationId xmlns:p14="http://schemas.microsoft.com/office/powerpoint/2010/main" val="537392322"/>
       </p:ext>
     </p:extLst>
   </p:cSld>
@@ -29399,7 +29312,7 @@
             </a:r>
             <a:r>
               <a:rPr lang="en-US" dirty="0"/>
-              <a:t> default console template</a:t>
+              <a:t> default Web template</a:t>
             </a:r>
           </a:p>
         </p:txBody>
@@ -29417,7 +29330,7 @@
         <p:spPr>
           <a:xfrm>
             <a:off x="274638" y="1221157"/>
-            <a:ext cx="12527207" cy="4450449"/>
+            <a:ext cx="12527207" cy="5769272"/>
           </a:xfrm>
         </p:spPr>
         <p:txBody>
@@ -29425,96 +29338,59 @@
           <a:lstStyle/>
           <a:p>
             <a:r>
-              <a:rPr lang="en-US" dirty="0"/>
+              <a:rPr lang="en-US" sz="2800" dirty="0"/>
               <a:t>&lt;Project </a:t>
             </a:r>
             <a:r>
-              <a:rPr lang="en-US" dirty="0" err="1"/>
+              <a:rPr lang="en-US" sz="2800" dirty="0" err="1"/>
               <a:t>Sdk</a:t>
             </a:r>
             <a:r>
-              <a:rPr lang="en-US" dirty="0"/>
+              <a:rPr lang="en-US" sz="2800" dirty="0"/>
               <a:t>="</a:t>
             </a:r>
             <a:r>
-              <a:rPr lang="en-US" dirty="0" err="1">
+              <a:rPr lang="en-US" sz="2800" dirty="0" err="1">
                 <a:solidFill>
                   <a:srgbClr val="00B050"/>
                 </a:solidFill>
               </a:rPr>
-              <a:t>Microsoft.NET.Sdk</a:t>
-            </a:r>
-            <a:r>
-              <a:rPr lang="en-US" dirty="0"/>
+              <a:t>Microsoft.NET.Sdk.Web</a:t>
+            </a:r>
+            <a:r>
+              <a:rPr lang="en-US" sz="2800" dirty="0"/>
               <a:t>"&gt;</a:t>
             </a:r>
           </a:p>
           <a:p>
-            <a:endParaRPr lang="en-US" dirty="0"/>
-          </a:p>
-          <a:p>
-            <a:r>
-              <a:rPr lang="en-US" dirty="0"/>
-              <a:t>  &lt;</a:t>
-            </a:r>
-            <a:r>
-              <a:rPr lang="en-US" dirty="0" err="1"/>
+            <a:r>
+              <a:rPr lang="en-US" sz="2800" dirty="0"/>
+              <a:t>  &lt;</a:t>
+            </a:r>
+            <a:r>
+              <a:rPr lang="en-US" sz="2800" dirty="0" err="1"/>
               <a:t>PropertyGroup</a:t>
             </a:r>
             <a:r>
-              <a:rPr lang="en-US" dirty="0"/>
+              <a:rPr lang="en-US" sz="2800" dirty="0"/>
               <a:t>&gt;</a:t>
             </a:r>
           </a:p>
           <a:p>
             <a:r>
-              <a:rPr lang="en-US" dirty="0"/>
-              <a:t>    &lt;</a:t>
-            </a:r>
-            <a:r>
-              <a:rPr lang="en-US" dirty="0" err="1"/>
-              <a:t>OutputType</a:t>
-            </a:r>
-            <a:r>
-              <a:rPr lang="en-US" dirty="0"/>
+              <a:rPr lang="en-US" sz="2800" dirty="0"/>
+              <a:t>    &lt;</a:t>
+            </a:r>
+            <a:r>
+              <a:rPr lang="en-US" sz="2800" dirty="0" err="1"/>
+              <a:t>TargetFramework</a:t>
+            </a:r>
+            <a:r>
+              <a:rPr lang="en-US" sz="2800" dirty="0"/>
               <a:t>&gt;</a:t>
             </a:r>
             <a:r>
-              <a:rPr lang="en-US" dirty="0">
-                <a:solidFill>
-                  <a:srgbClr val="00B050"/>
-                </a:solidFill>
-              </a:rPr>
-              <a:t>Exe</a:t>
-            </a:r>
-            <a:r>
-              <a:rPr lang="en-US" dirty="0"/>
-              <a:t>&lt;/</a:t>
-            </a:r>
-            <a:r>
-              <a:rPr lang="en-US" dirty="0" err="1"/>
-              <a:t>OutputType</a:t>
-            </a:r>
-            <a:r>
-              <a:rPr lang="en-US" dirty="0"/>
-              <a:t>&gt;</a:t>
-            </a:r>
-          </a:p>
-          <a:p>
-            <a:r>
-              <a:rPr lang="en-US" dirty="0"/>
-              <a:t>    &lt;</a:t>
-            </a:r>
-            <a:r>
-              <a:rPr lang="en-US" dirty="0" err="1"/>
-              <a:t>TargetFramework</a:t>
-            </a:r>
-            <a:r>
-              <a:rPr lang="en-US" dirty="0"/>
-              <a:t>&gt;</a:t>
-            </a:r>
-            <a:r>
-              <a:rPr lang="en-US" dirty="0">
+              <a:rPr lang="en-US" sz="2800" dirty="0">
                 <a:solidFill>
                   <a:srgbClr val="00B050"/>
                 </a:solidFill>
@@ -29522,39 +29398,131 @@
               <a:t>netcoreapp2.0</a:t>
             </a:r>
             <a:r>
-              <a:rPr lang="en-US" dirty="0"/>
+              <a:rPr lang="en-US" sz="2800" dirty="0"/>
               <a:t>&lt;/</a:t>
             </a:r>
             <a:r>
-              <a:rPr lang="en-US" dirty="0" err="1"/>
+              <a:rPr lang="en-US" sz="2800" dirty="0" err="1"/>
               <a:t>TargetFramework</a:t>
             </a:r>
             <a:r>
-              <a:rPr lang="en-US" dirty="0"/>
+              <a:rPr lang="en-US" sz="2800" dirty="0"/>
               <a:t>&gt;</a:t>
             </a:r>
           </a:p>
           <a:p>
             <a:r>
-              <a:rPr lang="en-US" dirty="0"/>
-              <a:t>  &lt;/</a:t>
-            </a:r>
-            <a:r>
-              <a:rPr lang="en-US" dirty="0" err="1"/>
+              <a:rPr lang="en-US" sz="2800" dirty="0"/>
+              <a:t>  &lt;/</a:t>
+            </a:r>
+            <a:r>
+              <a:rPr lang="en-US" sz="2800" dirty="0" err="1"/>
               <a:t>PropertyGroup</a:t>
             </a:r>
             <a:r>
-              <a:rPr lang="en-US" dirty="0"/>
+              <a:rPr lang="en-US" sz="2800" dirty="0"/>
               <a:t>&gt;</a:t>
             </a:r>
-            <a:br>
-              <a:rPr lang="en-US" dirty="0"/>
-            </a:br>
-            <a:endParaRPr lang="en-US" dirty="0"/>
-          </a:p>
-          <a:p>
-            <a:r>
-              <a:rPr lang="en-US" dirty="0"/>
+          </a:p>
+          <a:p>
+            <a:r>
+              <a:rPr lang="en-US" sz="2800" dirty="0"/>
+              <a:t>  &lt;</a:t>
+            </a:r>
+            <a:r>
+              <a:rPr lang="en-US" sz="2800" dirty="0" err="1"/>
+              <a:t>ItemGroup</a:t>
+            </a:r>
+            <a:r>
+              <a:rPr lang="en-US" sz="2800" dirty="0"/>
+              <a:t>&gt;</a:t>
+            </a:r>
+          </a:p>
+          <a:p>
+            <a:r>
+              <a:rPr lang="en-US" sz="2800" dirty="0"/>
+              <a:t>    &lt;Folder Include="</a:t>
+            </a:r>
+            <a:r>
+              <a:rPr lang="en-US" sz="2800" dirty="0" err="1"/>
+              <a:t>wwwroot</a:t>
+            </a:r>
+            <a:r>
+              <a:rPr lang="en-US" sz="2800" dirty="0"/>
+              <a:t>\" /&gt;</a:t>
+            </a:r>
+          </a:p>
+          <a:p>
+            <a:r>
+              <a:rPr lang="en-US" sz="2800" dirty="0"/>
+              <a:t>  &lt;/</a:t>
+            </a:r>
+            <a:r>
+              <a:rPr lang="en-US" sz="2800" dirty="0" err="1"/>
+              <a:t>ItemGroup</a:t>
+            </a:r>
+            <a:r>
+              <a:rPr lang="en-US" sz="2800" dirty="0"/>
+              <a:t>&gt;</a:t>
+            </a:r>
+          </a:p>
+          <a:p>
+            <a:r>
+              <a:rPr lang="en-US" sz="2800" dirty="0"/>
+              <a:t>  &lt;</a:t>
+            </a:r>
+            <a:r>
+              <a:rPr lang="en-US" sz="2800" dirty="0" err="1"/>
+              <a:t>ItemGroup</a:t>
+            </a:r>
+            <a:r>
+              <a:rPr lang="en-US" sz="2800" dirty="0"/>
+              <a:t>&gt;</a:t>
+            </a:r>
+          </a:p>
+          <a:p>
+            <a:r>
+              <a:rPr lang="en-US" sz="2800" dirty="0"/>
+              <a:t>    &lt;</a:t>
+            </a:r>
+            <a:r>
+              <a:rPr lang="en-US" sz="2800" dirty="0" err="1"/>
+              <a:t>PackageReference</a:t>
+            </a:r>
+            <a:r>
+              <a:rPr lang="en-US" sz="2800" dirty="0"/>
+              <a:t> Include="</a:t>
+            </a:r>
+            <a:r>
+              <a:rPr lang="en-US" sz="2800" dirty="0" err="1">
+                <a:solidFill>
+                  <a:srgbClr val="00B050"/>
+                </a:solidFill>
+              </a:rPr>
+              <a:t>Microsoft.AspNetCore.All</a:t>
+            </a:r>
+            <a:r>
+              <a:rPr lang="en-US" sz="2800" dirty="0"/>
+              <a:t>" 	Version="2.0.0" /&gt;</a:t>
+            </a:r>
+          </a:p>
+          <a:p>
+            <a:r>
+              <a:rPr lang="en-US" sz="2800" dirty="0"/>
+              <a:t>  &lt;/</a:t>
+            </a:r>
+            <a:r>
+              <a:rPr lang="en-US" sz="2800" dirty="0" err="1"/>
+              <a:t>ItemGroup</a:t>
+            </a:r>
+            <a:r>
+              <a:rPr lang="en-US" sz="2800" dirty="0"/>
+              <a:t>&gt;</a:t>
+            </a:r>
+          </a:p>
+          <a:p>
+            <a:r>
+              <a:rPr lang="en-US" sz="2800" dirty="0"/>
               <a:t>&lt;/Project&gt;</a:t>
             </a:r>
           </a:p>
@@ -29563,7 +29531,7 @@
     </p:spTree>
     <p:extLst>
       <p:ext uri="{BB962C8B-B14F-4D97-AF65-F5344CB8AC3E}">
-        <p14:creationId xmlns:p14="http://schemas.microsoft.com/office/powerpoint/2010/main" val="537392322"/>
+        <p14:creationId xmlns:p14="http://schemas.microsoft.com/office/powerpoint/2010/main" val="393968035"/>
       </p:ext>
     </p:extLst>
   </p:cSld>
@@ -29595,284 +29563,6 @@
       </p:grpSpPr>
       <p:sp>
         <p:nvSpPr>
-          <p:cNvPr id="4" name="Title 3"/>
-          <p:cNvSpPr>
-            <a:spLocks noGrp="1"/>
-          </p:cNvSpPr>
-          <p:nvPr>
-            <p:ph type="title"/>
-          </p:nvPr>
-        </p:nvSpPr>
-        <p:spPr/>
-        <p:txBody>
-          <a:bodyPr/>
-          <a:lstStyle/>
-          <a:p>
-            <a:r>
-              <a:rPr lang="en-US" dirty="0" err="1"/>
-              <a:t>CSProj</a:t>
-            </a:r>
-            <a:r>
-              <a:rPr lang="en-US" dirty="0"/>
-              <a:t> </a:t>
-            </a:r>
-            <a:r>
-              <a:rPr lang="mr-IN" dirty="0"/>
-              <a:t>–</a:t>
-            </a:r>
-            <a:r>
-              <a:rPr lang="en-US" dirty="0"/>
-              <a:t> default Web template</a:t>
-            </a:r>
-          </a:p>
-        </p:txBody>
-      </p:sp>
-      <p:sp>
-        <p:nvSpPr>
-          <p:cNvPr id="5" name="Text Placeholder 4"/>
-          <p:cNvSpPr>
-            <a:spLocks noGrp="1"/>
-          </p:cNvSpPr>
-          <p:nvPr>
-            <p:ph type="body" sz="quarter" idx="10"/>
-          </p:nvPr>
-        </p:nvSpPr>
-        <p:spPr>
-          <a:xfrm>
-            <a:off x="274638" y="1221157"/>
-            <a:ext cx="12527207" cy="5769272"/>
-          </a:xfrm>
-        </p:spPr>
-        <p:txBody>
-          <a:bodyPr/>
-          <a:lstStyle/>
-          <a:p>
-            <a:r>
-              <a:rPr lang="en-US" sz="2800" dirty="0"/>
-              <a:t>&lt;Project </a:t>
-            </a:r>
-            <a:r>
-              <a:rPr lang="en-US" sz="2800" dirty="0" err="1"/>
-              <a:t>Sdk</a:t>
-            </a:r>
-            <a:r>
-              <a:rPr lang="en-US" sz="2800" dirty="0"/>
-              <a:t>="</a:t>
-            </a:r>
-            <a:r>
-              <a:rPr lang="en-US" sz="2800" dirty="0" err="1">
-                <a:solidFill>
-                  <a:srgbClr val="00B050"/>
-                </a:solidFill>
-              </a:rPr>
-              <a:t>Microsoft.NET.Sdk.Web</a:t>
-            </a:r>
-            <a:r>
-              <a:rPr lang="en-US" sz="2800" dirty="0"/>
-              <a:t>"&gt;</a:t>
-            </a:r>
-          </a:p>
-          <a:p>
-            <a:r>
-              <a:rPr lang="en-US" sz="2800" dirty="0"/>
-              <a:t>  &lt;</a:t>
-            </a:r>
-            <a:r>
-              <a:rPr lang="en-US" sz="2800" dirty="0" err="1"/>
-              <a:t>PropertyGroup</a:t>
-            </a:r>
-            <a:r>
-              <a:rPr lang="en-US" sz="2800" dirty="0"/>
-              <a:t>&gt;</a:t>
-            </a:r>
-          </a:p>
-          <a:p>
-            <a:r>
-              <a:rPr lang="en-US" sz="2800" dirty="0"/>
-              <a:t>    &lt;</a:t>
-            </a:r>
-            <a:r>
-              <a:rPr lang="en-US" sz="2800" dirty="0" err="1"/>
-              <a:t>TargetFramework</a:t>
-            </a:r>
-            <a:r>
-              <a:rPr lang="en-US" sz="2800" dirty="0"/>
-              <a:t>&gt;</a:t>
-            </a:r>
-            <a:r>
-              <a:rPr lang="en-US" sz="2800" dirty="0">
-                <a:solidFill>
-                  <a:srgbClr val="00B050"/>
-                </a:solidFill>
-              </a:rPr>
-              <a:t>netcoreapp2.0</a:t>
-            </a:r>
-            <a:r>
-              <a:rPr lang="en-US" sz="2800" dirty="0"/>
-              <a:t>&lt;/</a:t>
-            </a:r>
-            <a:r>
-              <a:rPr lang="en-US" sz="2800" dirty="0" err="1"/>
-              <a:t>TargetFramework</a:t>
-            </a:r>
-            <a:r>
-              <a:rPr lang="en-US" sz="2800" dirty="0"/>
-              <a:t>&gt;</a:t>
-            </a:r>
-          </a:p>
-          <a:p>
-            <a:r>
-              <a:rPr lang="en-US" sz="2800" dirty="0"/>
-              <a:t>  &lt;/</a:t>
-            </a:r>
-            <a:r>
-              <a:rPr lang="en-US" sz="2800" dirty="0" err="1"/>
-              <a:t>PropertyGroup</a:t>
-            </a:r>
-            <a:r>
-              <a:rPr lang="en-US" sz="2800" dirty="0"/>
-              <a:t>&gt;</a:t>
-            </a:r>
-          </a:p>
-          <a:p>
-            <a:r>
-              <a:rPr lang="en-US" sz="2800" dirty="0"/>
-              <a:t>  &lt;</a:t>
-            </a:r>
-            <a:r>
-              <a:rPr lang="en-US" sz="2800" dirty="0" err="1"/>
-              <a:t>ItemGroup</a:t>
-            </a:r>
-            <a:r>
-              <a:rPr lang="en-US" sz="2800" dirty="0"/>
-              <a:t>&gt;</a:t>
-            </a:r>
-          </a:p>
-          <a:p>
-            <a:r>
-              <a:rPr lang="en-US" sz="2800" dirty="0"/>
-              <a:t>    &lt;Folder Include="</a:t>
-            </a:r>
-            <a:r>
-              <a:rPr lang="en-US" sz="2800" dirty="0" err="1"/>
-              <a:t>wwwroot</a:t>
-            </a:r>
-            <a:r>
-              <a:rPr lang="en-US" sz="2800" dirty="0"/>
-              <a:t>\" /&gt;</a:t>
-            </a:r>
-          </a:p>
-          <a:p>
-            <a:r>
-              <a:rPr lang="en-US" sz="2800" dirty="0"/>
-              <a:t>  &lt;/</a:t>
-            </a:r>
-            <a:r>
-              <a:rPr lang="en-US" sz="2800" dirty="0" err="1"/>
-              <a:t>ItemGroup</a:t>
-            </a:r>
-            <a:r>
-              <a:rPr lang="en-US" sz="2800" dirty="0"/>
-              <a:t>&gt;</a:t>
-            </a:r>
-          </a:p>
-          <a:p>
-            <a:r>
-              <a:rPr lang="en-US" sz="2800" dirty="0"/>
-              <a:t>  &lt;</a:t>
-            </a:r>
-            <a:r>
-              <a:rPr lang="en-US" sz="2800" dirty="0" err="1"/>
-              <a:t>ItemGroup</a:t>
-            </a:r>
-            <a:r>
-              <a:rPr lang="en-US" sz="2800" dirty="0"/>
-              <a:t>&gt;</a:t>
-            </a:r>
-          </a:p>
-          <a:p>
-            <a:r>
-              <a:rPr lang="en-US" sz="2800" dirty="0"/>
-              <a:t>    &lt;</a:t>
-            </a:r>
-            <a:r>
-              <a:rPr lang="en-US" sz="2800" dirty="0" err="1"/>
-              <a:t>PackageReference</a:t>
-            </a:r>
-            <a:r>
-              <a:rPr lang="en-US" sz="2800" dirty="0"/>
-              <a:t> Include="</a:t>
-            </a:r>
-            <a:r>
-              <a:rPr lang="en-US" sz="2800" dirty="0" err="1">
-                <a:solidFill>
-                  <a:srgbClr val="00B050"/>
-                </a:solidFill>
-              </a:rPr>
-              <a:t>Microsoft.AspNetCore.All</a:t>
-            </a:r>
-            <a:r>
-              <a:rPr lang="en-US" sz="2800" dirty="0"/>
-              <a:t>" 	Version="2.0.0" /&gt;</a:t>
-            </a:r>
-          </a:p>
-          <a:p>
-            <a:r>
-              <a:rPr lang="en-US" sz="2800" dirty="0"/>
-              <a:t>  &lt;/</a:t>
-            </a:r>
-            <a:r>
-              <a:rPr lang="en-US" sz="2800" dirty="0" err="1"/>
-              <a:t>ItemGroup</a:t>
-            </a:r>
-            <a:r>
-              <a:rPr lang="en-US" sz="2800" dirty="0"/>
-              <a:t>&gt;</a:t>
-            </a:r>
-          </a:p>
-          <a:p>
-            <a:r>
-              <a:rPr lang="en-US" sz="2800" dirty="0"/>
-              <a:t>&lt;/Project&gt;</a:t>
-            </a:r>
-          </a:p>
-        </p:txBody>
-      </p:sp>
-    </p:spTree>
-    <p:extLst>
-      <p:ext uri="{BB962C8B-B14F-4D97-AF65-F5344CB8AC3E}">
-        <p14:creationId xmlns:p14="http://schemas.microsoft.com/office/powerpoint/2010/main" val="393968035"/>
-      </p:ext>
-    </p:extLst>
-  </p:cSld>
-  <p:clrMapOvr>
-    <a:masterClrMapping/>
-  </p:clrMapOvr>
-  <p:transition>
-    <p:fade/>
-  </p:transition>
-</p:sld>
-</file>
-
-<file path=ppt/slides/slide26.xml><?xml version="1.0" encoding="utf-8"?>
-<p:sld xmlns:a="http://schemas.openxmlformats.org/drawingml/2006/main" xmlns:r="http://schemas.openxmlformats.org/officeDocument/2006/relationships" xmlns:p="http://schemas.openxmlformats.org/presentationml/2006/main">
-  <p:cSld>
-    <p:spTree>
-      <p:nvGrpSpPr>
-        <p:cNvPr id="1" name=""/>
-        <p:cNvGrpSpPr/>
-        <p:nvPr/>
-      </p:nvGrpSpPr>
-      <p:grpSpPr>
-        <a:xfrm>
-          <a:off x="0" y="0"/>
-          <a:ext cx="0" cy="0"/>
-          <a:chOff x="0" y="0"/>
-          <a:chExt cx="0" cy="0"/>
-        </a:xfrm>
-      </p:grpSpPr>
-      <p:sp>
-        <p:nvSpPr>
           <p:cNvPr id="2" name="Title 1"/>
           <p:cNvSpPr>
             <a:spLocks noGrp="1"/>
@@ -29910,7 +29600,7 @@
 </p:sld>
 </file>
 
-<file path=ppt/slides/slide27.xml><?xml version="1.0" encoding="utf-8"?>
+<file path=ppt/slides/slide26.xml><?xml version="1.0" encoding="utf-8"?>
 <p:sld xmlns:a="http://schemas.openxmlformats.org/drawingml/2006/main" xmlns:r="http://schemas.openxmlformats.org/officeDocument/2006/relationships" xmlns:p="http://schemas.openxmlformats.org/presentationml/2006/main">
   <p:cSld>
     <p:spTree>
@@ -30413,7 +30103,7 @@
 </p:sld>
 </file>
 
-<file path=ppt/slides/slide28.xml><?xml version="1.0" encoding="utf-8"?>
+<file path=ppt/slides/slide27.xml><?xml version="1.0" encoding="utf-8"?>
 <p:sld xmlns:a="http://schemas.openxmlformats.org/drawingml/2006/main" xmlns:r="http://schemas.openxmlformats.org/officeDocument/2006/relationships" xmlns:p="http://schemas.openxmlformats.org/presentationml/2006/main">
   <p:cSld>
     <p:spTree>
@@ -30882,7 +30572,7 @@
 </p:sld>
 </file>
 
-<file path=ppt/slides/slide29.xml><?xml version="1.0" encoding="utf-8"?>
+<file path=ppt/slides/slide28.xml><?xml version="1.0" encoding="utf-8"?>
 <p:sld xmlns:a="http://schemas.openxmlformats.org/drawingml/2006/main" xmlns:r="http://schemas.openxmlformats.org/officeDocument/2006/relationships" xmlns:p="http://schemas.openxmlformats.org/presentationml/2006/main">
   <p:cSld>
     <p:spTree>
@@ -31848,6 +31538,167 @@
 </p:sld>
 </file>
 
+<file path=ppt/slides/slide29.xml><?xml version="1.0" encoding="utf-8"?>
+<p:sld xmlns:a="http://schemas.openxmlformats.org/drawingml/2006/main" xmlns:r="http://schemas.openxmlformats.org/officeDocument/2006/relationships" xmlns:p="http://schemas.openxmlformats.org/presentationml/2006/main">
+  <p:cSld>
+    <p:spTree>
+      <p:nvGrpSpPr>
+        <p:cNvPr id="1" name=""/>
+        <p:cNvGrpSpPr/>
+        <p:nvPr/>
+      </p:nvGrpSpPr>
+      <p:grpSpPr>
+        <a:xfrm>
+          <a:off x="0" y="0"/>
+          <a:ext cx="0" cy="0"/>
+          <a:chOff x="0" y="0"/>
+          <a:chExt cx="0" cy="0"/>
+        </a:xfrm>
+      </p:grpSpPr>
+      <p:sp>
+        <p:nvSpPr>
+          <p:cNvPr id="2" name="Title 1"/>
+          <p:cNvSpPr>
+            <a:spLocks noGrp="1"/>
+          </p:cNvSpPr>
+          <p:nvPr>
+            <p:ph type="title"/>
+          </p:nvPr>
+        </p:nvSpPr>
+        <p:spPr/>
+        <p:txBody>
+          <a:bodyPr/>
+          <a:lstStyle/>
+          <a:p>
+            <a:r>
+              <a:rPr lang="en-US" dirty="0"/>
+              <a:t>CLI commands: architecture explained</a:t>
+            </a:r>
+          </a:p>
+        </p:txBody>
+      </p:sp>
+      <p:sp>
+        <p:nvSpPr>
+          <p:cNvPr id="3" name="Content Placeholder 2"/>
+          <p:cNvSpPr>
+            <a:spLocks noGrp="1"/>
+          </p:cNvSpPr>
+          <p:nvPr>
+            <p:ph type="body" sz="quarter" idx="10"/>
+          </p:nvPr>
+        </p:nvSpPr>
+        <p:spPr>
+          <a:xfrm>
+            <a:off x="855768" y="1861968"/>
+            <a:ext cx="10724938" cy="4437962"/>
+          </a:xfrm>
+          <a:prstGeom prst="rect">
+            <a:avLst/>
+          </a:prstGeom>
+        </p:spPr>
+        <p:txBody>
+          <a:bodyPr>
+            <a:normAutofit fontScale="92500"/>
+          </a:bodyPr>
+          <a:lstStyle/>
+          <a:p>
+            <a:r>
+              <a:rPr lang="en-US" b="1" dirty="0"/>
+              <a:t>Driver</a:t>
+            </a:r>
+            <a:r>
+              <a:rPr lang="en-US" dirty="0"/>
+              <a:t>, dotnet, is invoked first, followed by a </a:t>
+            </a:r>
+            <a:r>
+              <a:rPr lang="en-US" b="1" dirty="0"/>
+              <a:t>verb</a:t>
+            </a:r>
+          </a:p>
+          <a:p>
+            <a:endParaRPr lang="en-US" dirty="0"/>
+          </a:p>
+          <a:p>
+            <a:r>
+              <a:rPr lang="en-US" dirty="0"/>
+              <a:t>The verb is a </a:t>
+            </a:r>
+            <a:r>
+              <a:rPr lang="en-US" b="1" dirty="0"/>
+              <a:t>command</a:t>
+            </a:r>
+            <a:r>
+              <a:rPr lang="en-US" dirty="0"/>
+              <a:t> that is implemented as:</a:t>
+            </a:r>
+          </a:p>
+          <a:p>
+            <a:pPr lvl="1"/>
+            <a:r>
+              <a:rPr lang="en-US" dirty="0"/>
+              <a:t>A </a:t>
+            </a:r>
+            <a:r>
+              <a:rPr lang="en-US" dirty="0" err="1"/>
+              <a:t>NuGet</a:t>
+            </a:r>
+            <a:r>
+              <a:rPr lang="en-US" dirty="0"/>
+              <a:t> package</a:t>
+            </a:r>
+          </a:p>
+          <a:p>
+            <a:pPr lvl="1"/>
+            <a:r>
+              <a:rPr lang="en-US" dirty="0"/>
+              <a:t>A binary in the $PATH</a:t>
+            </a:r>
+          </a:p>
+          <a:p>
+            <a:endParaRPr lang="en-US" dirty="0"/>
+          </a:p>
+          <a:p>
+            <a:r>
+              <a:rPr lang="en-US" dirty="0"/>
+              <a:t>Driver invokes the command passing the </a:t>
+            </a:r>
+            <a:r>
+              <a:rPr lang="en-US" b="1" dirty="0"/>
+              <a:t>arguments</a:t>
+            </a:r>
+            <a:r>
+              <a:rPr lang="en-US" dirty="0"/>
+              <a:t> to it</a:t>
+            </a:r>
+          </a:p>
+          <a:p>
+            <a:pPr lvl="1"/>
+            <a:r>
+              <a:rPr lang="en-US" dirty="0"/>
+              <a:t>The command is responsible for the arguments</a:t>
+            </a:r>
+          </a:p>
+          <a:p>
+            <a:endParaRPr lang="en-US" dirty="0"/>
+          </a:p>
+        </p:txBody>
+      </p:sp>
+    </p:spTree>
+    <p:extLst>
+      <p:ext uri="{BB962C8B-B14F-4D97-AF65-F5344CB8AC3E}">
+        <p14:creationId xmlns:p14="http://schemas.microsoft.com/office/powerpoint/2010/main" val="2311857456"/>
+      </p:ext>
+    </p:extLst>
+  </p:cSld>
+  <p:clrMapOvr>
+    <a:masterClrMapping/>
+  </p:clrMapOvr>
+  <p:transition>
+    <p:fade/>
+  </p:transition>
+</p:sld>
+</file>
+
 <file path=ppt/slides/slide3.xml><?xml version="1.0" encoding="utf-8"?>
 <p:sld xmlns:a="http://schemas.openxmlformats.org/drawingml/2006/main" xmlns:r="http://schemas.openxmlformats.org/officeDocument/2006/relationships" xmlns:p="http://schemas.openxmlformats.org/presentationml/2006/main">
   <p:cSld>
@@ -33416,167 +33267,6 @@
 </file>
 
 <file path=ppt/slides/slide30.xml><?xml version="1.0" encoding="utf-8"?>
-<p:sld xmlns:a="http://schemas.openxmlformats.org/drawingml/2006/main" xmlns:r="http://schemas.openxmlformats.org/officeDocument/2006/relationships" xmlns:p="http://schemas.openxmlformats.org/presentationml/2006/main">
-  <p:cSld>
-    <p:spTree>
-      <p:nvGrpSpPr>
-        <p:cNvPr id="1" name=""/>
-        <p:cNvGrpSpPr/>
-        <p:nvPr/>
-      </p:nvGrpSpPr>
-      <p:grpSpPr>
-        <a:xfrm>
-          <a:off x="0" y="0"/>
-          <a:ext cx="0" cy="0"/>
-          <a:chOff x="0" y="0"/>
-          <a:chExt cx="0" cy="0"/>
-        </a:xfrm>
-      </p:grpSpPr>
-      <p:sp>
-        <p:nvSpPr>
-          <p:cNvPr id="2" name="Title 1"/>
-          <p:cNvSpPr>
-            <a:spLocks noGrp="1"/>
-          </p:cNvSpPr>
-          <p:nvPr>
-            <p:ph type="title"/>
-          </p:nvPr>
-        </p:nvSpPr>
-        <p:spPr/>
-        <p:txBody>
-          <a:bodyPr/>
-          <a:lstStyle/>
-          <a:p>
-            <a:r>
-              <a:rPr lang="en-US" dirty="0"/>
-              <a:t>CLI commands: architecture explained</a:t>
-            </a:r>
-          </a:p>
-        </p:txBody>
-      </p:sp>
-      <p:sp>
-        <p:nvSpPr>
-          <p:cNvPr id="3" name="Content Placeholder 2"/>
-          <p:cNvSpPr>
-            <a:spLocks noGrp="1"/>
-          </p:cNvSpPr>
-          <p:nvPr>
-            <p:ph type="body" sz="quarter" idx="10"/>
-          </p:nvPr>
-        </p:nvSpPr>
-        <p:spPr>
-          <a:xfrm>
-            <a:off x="855768" y="1861968"/>
-            <a:ext cx="10724938" cy="4437962"/>
-          </a:xfrm>
-          <a:prstGeom prst="rect">
-            <a:avLst/>
-          </a:prstGeom>
-        </p:spPr>
-        <p:txBody>
-          <a:bodyPr>
-            <a:normAutofit fontScale="92500"/>
-          </a:bodyPr>
-          <a:lstStyle/>
-          <a:p>
-            <a:r>
-              <a:rPr lang="en-US" b="1" dirty="0"/>
-              <a:t>Driver</a:t>
-            </a:r>
-            <a:r>
-              <a:rPr lang="en-US" dirty="0"/>
-              <a:t>, dotnet, is invoked first, followed by a </a:t>
-            </a:r>
-            <a:r>
-              <a:rPr lang="en-US" b="1" dirty="0"/>
-              <a:t>verb</a:t>
-            </a:r>
-          </a:p>
-          <a:p>
-            <a:endParaRPr lang="en-US" dirty="0"/>
-          </a:p>
-          <a:p>
-            <a:r>
-              <a:rPr lang="en-US" dirty="0"/>
-              <a:t>The verb is a </a:t>
-            </a:r>
-            <a:r>
-              <a:rPr lang="en-US" b="1" dirty="0"/>
-              <a:t>command</a:t>
-            </a:r>
-            <a:r>
-              <a:rPr lang="en-US" dirty="0"/>
-              <a:t> that is implemented as:</a:t>
-            </a:r>
-          </a:p>
-          <a:p>
-            <a:pPr lvl="1"/>
-            <a:r>
-              <a:rPr lang="en-US" dirty="0"/>
-              <a:t>A </a:t>
-            </a:r>
-            <a:r>
-              <a:rPr lang="en-US" dirty="0" err="1"/>
-              <a:t>NuGet</a:t>
-            </a:r>
-            <a:r>
-              <a:rPr lang="en-US" dirty="0"/>
-              <a:t> package</a:t>
-            </a:r>
-          </a:p>
-          <a:p>
-            <a:pPr lvl="1"/>
-            <a:r>
-              <a:rPr lang="en-US" dirty="0"/>
-              <a:t>A binary in the $PATH</a:t>
-            </a:r>
-          </a:p>
-          <a:p>
-            <a:endParaRPr lang="en-US" dirty="0"/>
-          </a:p>
-          <a:p>
-            <a:r>
-              <a:rPr lang="en-US" dirty="0"/>
-              <a:t>Driver invokes the command passing the </a:t>
-            </a:r>
-            <a:r>
-              <a:rPr lang="en-US" b="1" dirty="0"/>
-              <a:t>arguments</a:t>
-            </a:r>
-            <a:r>
-              <a:rPr lang="en-US" dirty="0"/>
-              <a:t> to it</a:t>
-            </a:r>
-          </a:p>
-          <a:p>
-            <a:pPr lvl="1"/>
-            <a:r>
-              <a:rPr lang="en-US" dirty="0"/>
-              <a:t>The command is responsible for the arguments</a:t>
-            </a:r>
-          </a:p>
-          <a:p>
-            <a:endParaRPr lang="en-US" dirty="0"/>
-          </a:p>
-        </p:txBody>
-      </p:sp>
-    </p:spTree>
-    <p:extLst>
-      <p:ext uri="{BB962C8B-B14F-4D97-AF65-F5344CB8AC3E}">
-        <p14:creationId xmlns:p14="http://schemas.microsoft.com/office/powerpoint/2010/main" val="2311857456"/>
-      </p:ext>
-    </p:extLst>
-  </p:cSld>
-  <p:clrMapOvr>
-    <a:masterClrMapping/>
-  </p:clrMapOvr>
-  <p:transition>
-    <p:fade/>
-  </p:transition>
-</p:sld>
-</file>
-
-<file path=ppt/slides/slide31.xml><?xml version="1.0" encoding="utf-8"?>
 <p:sld xmlns:a="http://schemas.openxmlformats.org/drawingml/2006/main" xmlns:r="http://schemas.openxmlformats.org/officeDocument/2006/relationships" xmlns:p="http://schemas.openxmlformats.org/presentationml/2006/main">
   <p:cSld>
     <p:spTree>
@@ -34190,7 +33880,7 @@
 </p:sld>
 </file>
 
-<file path=ppt/slides/slide32.xml><?xml version="1.0" encoding="utf-8"?>
+<file path=ppt/slides/slide31.xml><?xml version="1.0" encoding="utf-8"?>
 <p:sld xmlns:a="http://schemas.openxmlformats.org/drawingml/2006/main" xmlns:r="http://schemas.openxmlformats.org/officeDocument/2006/relationships" xmlns:p="http://schemas.openxmlformats.org/presentationml/2006/main">
   <p:cSld>
     <p:spTree>
@@ -34764,7 +34454,7 @@
 </p:sld>
 </file>
 
-<file path=ppt/slides/slide33.xml><?xml version="1.0" encoding="utf-8"?>
+<file path=ppt/slides/slide32.xml><?xml version="1.0" encoding="utf-8"?>
 <p:sld xmlns:a="http://schemas.openxmlformats.org/drawingml/2006/main" xmlns:r="http://schemas.openxmlformats.org/officeDocument/2006/relationships" xmlns:p="http://schemas.openxmlformats.org/presentationml/2006/main">
   <p:cSld>
     <p:spTree>
@@ -34851,6 +34541,62 @@
 </p:sld>
 </file>
 
+<file path=ppt/slides/slide33.xml><?xml version="1.0" encoding="utf-8"?>
+<p:sld xmlns:a="http://schemas.openxmlformats.org/drawingml/2006/main" xmlns:r="http://schemas.openxmlformats.org/officeDocument/2006/relationships" xmlns:p="http://schemas.openxmlformats.org/presentationml/2006/main">
+  <p:cSld>
+    <p:spTree>
+      <p:nvGrpSpPr>
+        <p:cNvPr id="1" name=""/>
+        <p:cNvGrpSpPr/>
+        <p:nvPr/>
+      </p:nvGrpSpPr>
+      <p:grpSpPr>
+        <a:xfrm>
+          <a:off x="0" y="0"/>
+          <a:ext cx="0" cy="0"/>
+          <a:chOff x="0" y="0"/>
+          <a:chExt cx="0" cy="0"/>
+        </a:xfrm>
+      </p:grpSpPr>
+      <p:sp>
+        <p:nvSpPr>
+          <p:cNvPr id="2" name="Title 1"/>
+          <p:cNvSpPr>
+            <a:spLocks noGrp="1"/>
+          </p:cNvSpPr>
+          <p:nvPr>
+            <p:ph type="title"/>
+          </p:nvPr>
+        </p:nvSpPr>
+        <p:spPr/>
+        <p:txBody>
+          <a:bodyPr/>
+          <a:lstStyle/>
+          <a:p>
+            <a:r>
+              <a:rPr lang="en-US" dirty="0"/>
+              <a:t>.NET Core Deployment</a:t>
+            </a:r>
+            <a:endParaRPr lang="en-US" sz="7200" dirty="0"/>
+          </a:p>
+        </p:txBody>
+      </p:sp>
+    </p:spTree>
+    <p:extLst>
+      <p:ext uri="{BB962C8B-B14F-4D97-AF65-F5344CB8AC3E}">
+        <p14:creationId xmlns:p14="http://schemas.microsoft.com/office/powerpoint/2010/main" val="774711141"/>
+      </p:ext>
+    </p:extLst>
+  </p:cSld>
+  <p:clrMapOvr>
+    <a:masterClrMapping/>
+  </p:clrMapOvr>
+  <p:transition>
+    <p:fade/>
+  </p:transition>
+</p:sld>
+</file>
+
 <file path=ppt/slides/slide34.xml><?xml version="1.0" encoding="utf-8"?>
 <p:sld xmlns:a="http://schemas.openxmlformats.org/drawingml/2006/main" xmlns:r="http://schemas.openxmlformats.org/officeDocument/2006/relationships" xmlns:p="http://schemas.openxmlformats.org/presentationml/2006/main">
   <p:cSld>
@@ -34885,16 +34631,89 @@
           <a:p>
             <a:r>
               <a:rPr lang="en-US" dirty="0"/>
-              <a:t>.NET Core Deployment</a:t>
-            </a:r>
-            <a:endParaRPr lang="en-US" sz="7200" dirty="0"/>
+              <a:t>For Development</a:t>
+            </a:r>
+          </a:p>
+        </p:txBody>
+      </p:sp>
+      <p:sp>
+        <p:nvSpPr>
+          <p:cNvPr id="3" name="Content Placeholder 2"/>
+          <p:cNvSpPr>
+            <a:spLocks noGrp="1"/>
+          </p:cNvSpPr>
+          <p:nvPr>
+            <p:ph type="body" sz="quarter" idx="10"/>
+          </p:nvPr>
+        </p:nvSpPr>
+        <p:spPr>
+          <a:xfrm>
+            <a:off x="655637" y="1439862"/>
+            <a:ext cx="10258637" cy="3853363"/>
+          </a:xfrm>
+          <a:prstGeom prst="rect">
+            <a:avLst/>
+          </a:prstGeom>
+        </p:spPr>
+        <p:txBody>
+          <a:bodyPr/>
+          <a:lstStyle/>
+          <a:p>
+            <a:r>
+              <a:rPr lang="en-US" dirty="0">
+                <a:latin typeface="+mn-lt"/>
+              </a:rPr>
+              <a:t>Install the .NET Core SDK. Includes:</a:t>
+            </a:r>
+          </a:p>
+          <a:p>
+            <a:pPr lvl="1"/>
+            <a:r>
+              <a:rPr lang="en-US" dirty="0"/>
+              <a:t>.NET Core Tools</a:t>
+            </a:r>
+          </a:p>
+          <a:p>
+            <a:pPr lvl="1"/>
+            <a:r>
+              <a:rPr lang="en-US" dirty="0"/>
+              <a:t>.NET Core Runtime(s)</a:t>
+            </a:r>
+          </a:p>
+          <a:p>
+            <a:pPr lvl="1"/>
+            <a:endParaRPr lang="en-US" dirty="0"/>
+          </a:p>
+          <a:p>
+            <a:r>
+              <a:rPr lang="en-US" dirty="0"/>
+              <a:t>Typically installed globally, via native installer</a:t>
+            </a:r>
+          </a:p>
+          <a:p>
+            <a:pPr lvl="1"/>
+            <a:r>
+              <a:rPr lang="en-US" dirty="0"/>
+              <a:t>Can also download and copy as a zip to a private location</a:t>
+            </a:r>
+          </a:p>
+          <a:p>
+            <a:pPr lvl="1"/>
+            <a:r>
+              <a:rPr lang="en-US" dirty="0"/>
+              <a:t>Type “which dotnet” or “where dotnet” to locate dotnet in your path.</a:t>
+            </a:r>
+          </a:p>
+          <a:p>
+            <a:pPr lvl="1"/>
+            <a:endParaRPr lang="en-US" dirty="0"/>
           </a:p>
         </p:txBody>
       </p:sp>
     </p:spTree>
     <p:extLst>
       <p:ext uri="{BB962C8B-B14F-4D97-AF65-F5344CB8AC3E}">
-        <p14:creationId xmlns:p14="http://schemas.microsoft.com/office/powerpoint/2010/main" val="774711141"/>
+        <p14:creationId xmlns:p14="http://schemas.microsoft.com/office/powerpoint/2010/main" val="2012210626"/>
       </p:ext>
     </p:extLst>
   </p:cSld>
@@ -34941,7 +34760,15 @@
           <a:p>
             <a:r>
               <a:rPr lang="en-US" dirty="0"/>
-              <a:t>For Development</a:t>
+              <a:t>For Apps </a:t>
+            </a:r>
+            <a:r>
+              <a:rPr lang="mr-IN" dirty="0"/>
+              <a:t>–</a:t>
+            </a:r>
+            <a:r>
+              <a:rPr lang="en-US" dirty="0"/>
+              <a:t> two options</a:t>
             </a:r>
           </a:p>
         </p:txBody>
@@ -34958,8 +34785,8 @@
         </p:nvSpPr>
         <p:spPr>
           <a:xfrm>
-            <a:off x="655637" y="1439862"/>
-            <a:ext cx="10258637" cy="3853363"/>
+            <a:off x="823336" y="1028409"/>
+            <a:ext cx="11508566" cy="6032421"/>
           </a:xfrm>
           <a:prstGeom prst="rect">
             <a:avLst/>
@@ -34970,60 +34797,117 @@
           <a:lstStyle/>
           <a:p>
             <a:r>
-              <a:rPr lang="en-US" dirty="0">
-                <a:latin typeface="+mn-lt"/>
-              </a:rPr>
-              <a:t>Install the .NET Core SDK. Includes:</a:t>
+              <a:rPr lang="en-US" dirty="0"/>
+              <a:t>Framework Dependent Deployment (the default)</a:t>
             </a:r>
           </a:p>
           <a:p>
             <a:pPr lvl="1"/>
             <a:r>
               <a:rPr lang="en-US" dirty="0"/>
-              <a:t>.NET Core Tools</a:t>
+              <a:t>Called “framework-dependent app deployment”.</a:t>
             </a:r>
           </a:p>
           <a:p>
             <a:pPr lvl="1"/>
             <a:r>
               <a:rPr lang="en-US" dirty="0"/>
-              <a:t>.NET Core Runtime(s)</a:t>
+              <a:t>All apps share the same .NET Core runtime.</a:t>
             </a:r>
           </a:p>
           <a:p>
             <a:pPr lvl="1"/>
+            <a:r>
+              <a:rPr lang="en-US" dirty="0"/>
+              <a:t>Apps can be OS and chip independent.</a:t>
+            </a:r>
+          </a:p>
+          <a:p>
+            <a:pPr lvl="1"/>
+            <a:r>
+              <a:rPr lang="en-US" dirty="0"/>
+              <a:t>Great for controlled environments (memory usage and servicing).</a:t>
+            </a:r>
+          </a:p>
+          <a:p>
+            <a:pPr lvl="1"/>
+            <a:r>
+              <a:rPr lang="en-US" dirty="0"/>
+              <a:t>Launched with .NET Core host: “</a:t>
+            </a:r>
+            <a:r>
+              <a:rPr lang="en-US" dirty="0" err="1"/>
+              <a:t>dotnet</a:t>
+            </a:r>
+            <a:r>
+              <a:rPr lang="en-US" dirty="0"/>
+              <a:t> path/to/</a:t>
+            </a:r>
+            <a:r>
+              <a:rPr lang="en-US" dirty="0" err="1"/>
+              <a:t>myapp.dll</a:t>
+            </a:r>
+            <a:r>
+              <a:rPr lang="en-US" dirty="0"/>
+              <a:t>”</a:t>
+            </a:r>
+          </a:p>
+          <a:p>
+            <a:r>
+              <a:rPr lang="en-US" b="1" dirty="0"/>
+              <a:t>Self-contained Deployment</a:t>
+            </a:r>
             <a:endParaRPr lang="en-US" dirty="0"/>
           </a:p>
           <a:p>
+            <a:pPr lvl="1"/>
+            <a:r>
+              <a:rPr lang="en-US" b="1" dirty="0"/>
+              <a:t>Called “self-contained app deployment” </a:t>
+            </a:r>
+          </a:p>
+          <a:p>
+            <a:pPr lvl="1"/>
+            <a:r>
+              <a:rPr lang="en-US" b="1" dirty="0"/>
+              <a:t>Each app has its own private .NET Core runtime; uses more space.</a:t>
+            </a:r>
+          </a:p>
+          <a:p>
+            <a:pPr lvl="1"/>
             <a:r>
               <a:rPr lang="en-US" dirty="0"/>
-              <a:t>Typically installed globally, via native installer</a:t>
+              <a:t>Apps are OS and chip dependent/specific.</a:t>
             </a:r>
           </a:p>
           <a:p>
             <a:pPr lvl="1"/>
             <a:r>
               <a:rPr lang="en-US" dirty="0"/>
-              <a:t>Can also download and copy as a zip to a private location</a:t>
+              <a:t>Great for uncontrolled environments.</a:t>
             </a:r>
           </a:p>
           <a:p>
             <a:pPr lvl="1"/>
             <a:r>
               <a:rPr lang="en-US" dirty="0"/>
-              <a:t>Type “which dotnet” or “where dotnet” to locate dotnet in your path.</a:t>
-            </a:r>
-          </a:p>
-          <a:p>
-            <a:pPr lvl="1"/>
-            <a:endParaRPr lang="en-US" dirty="0"/>
+              <a:t>Launched as an executable: “</a:t>
+            </a:r>
+            <a:r>
+              <a:rPr lang="en-US" dirty="0" err="1"/>
+              <a:t>myapp</a:t>
+            </a:r>
+            <a:r>
+              <a:rPr lang="en-US" dirty="0"/>
+              <a:t>”</a:t>
+            </a:r>
           </a:p>
         </p:txBody>
       </p:sp>
     </p:spTree>
     <p:extLst>
       <p:ext uri="{BB962C8B-B14F-4D97-AF65-F5344CB8AC3E}">
-        <p14:creationId xmlns:p14="http://schemas.microsoft.com/office/powerpoint/2010/main" val="2012210626"/>
+        <p14:creationId xmlns:p14="http://schemas.microsoft.com/office/powerpoint/2010/main" val="47708329"/>
       </p:ext>
     </p:extLst>
   </p:cSld>
@@ -35070,15 +34954,7 @@
           <a:p>
             <a:r>
               <a:rPr lang="en-US" dirty="0"/>
-              <a:t>For Apps </a:t>
-            </a:r>
-            <a:r>
-              <a:rPr lang="mr-IN" dirty="0"/>
-              <a:t>–</a:t>
-            </a:r>
-            <a:r>
-              <a:rPr lang="en-US" dirty="0"/>
-              <a:t> two options</a:t>
+              <a:t>Servicing Updates</a:t>
             </a:r>
           </a:p>
         </p:txBody>
@@ -35095,8 +34971,8 @@
         </p:nvSpPr>
         <p:spPr>
           <a:xfrm>
-            <a:off x="823336" y="1028409"/>
-            <a:ext cx="11508566" cy="6032421"/>
+            <a:off x="655637" y="1439862"/>
+            <a:ext cx="10258637" cy="4136517"/>
           </a:xfrm>
           <a:prstGeom prst="rect">
             <a:avLst/>
@@ -35108,108 +34984,39 @@
           <a:p>
             <a:r>
               <a:rPr lang="en-US" dirty="0"/>
-              <a:t>Framework Dependent Deployment (the default)</a:t>
+              <a:t>.NET Core updates are installed centrally</a:t>
+            </a:r>
+          </a:p>
+          <a:p>
+            <a:r>
+              <a:rPr lang="en-US" dirty="0"/>
+              <a:t>Updates are shipped at least 1/quarter</a:t>
+            </a:r>
+          </a:p>
+          <a:p>
+            <a:r>
+              <a:rPr lang="en-US" dirty="0"/>
+              <a:t>Framework-dependent apps roll-forward to latest patch</a:t>
             </a:r>
           </a:p>
           <a:p>
             <a:pPr lvl="1"/>
             <a:r>
               <a:rPr lang="en-US" dirty="0"/>
-              <a:t>Called “framework-dependent app deployment”.</a:t>
+              <a:t>Example: Apps built for 1.0.0 roll forward to 1.0.4 patch version</a:t>
             </a:r>
           </a:p>
           <a:p>
             <a:pPr lvl="1"/>
             <a:r>
               <a:rPr lang="en-US" dirty="0"/>
-              <a:t>All apps share the same .NET Core runtime.</a:t>
-            </a:r>
-          </a:p>
-          <a:p>
-            <a:pPr lvl="1"/>
+              <a:t>Example: Apps built for 1.0.0 do not roll forward to 1.1.x or 2.0.x versions</a:t>
+            </a:r>
+          </a:p>
+          <a:p>
             <a:r>
               <a:rPr lang="en-US" dirty="0"/>
-              <a:t>Apps can be OS and chip independent.</a:t>
-            </a:r>
-          </a:p>
-          <a:p>
-            <a:pPr lvl="1"/>
-            <a:r>
-              <a:rPr lang="en-US" dirty="0"/>
-              <a:t>Great for controlled environments (memory usage and servicing).</a:t>
-            </a:r>
-          </a:p>
-          <a:p>
-            <a:pPr lvl="1"/>
-            <a:r>
-              <a:rPr lang="en-US" dirty="0"/>
-              <a:t>Launched with .NET Core host: “</a:t>
-            </a:r>
-            <a:r>
-              <a:rPr lang="en-US" dirty="0" err="1"/>
-              <a:t>dotnet</a:t>
-            </a:r>
-            <a:r>
-              <a:rPr lang="en-US" dirty="0"/>
-              <a:t> path/to/</a:t>
-            </a:r>
-            <a:r>
-              <a:rPr lang="en-US" dirty="0" err="1"/>
-              <a:t>myapp.dll</a:t>
-            </a:r>
-            <a:r>
-              <a:rPr lang="en-US" dirty="0"/>
-              <a:t>”</a:t>
-            </a:r>
-          </a:p>
-          <a:p>
-            <a:r>
-              <a:rPr lang="en-US" b="1" dirty="0"/>
-              <a:t>Self-contained Deployment</a:t>
-            </a:r>
-            <a:endParaRPr lang="en-US" dirty="0"/>
-          </a:p>
-          <a:p>
-            <a:pPr lvl="1"/>
-            <a:r>
-              <a:rPr lang="en-US" b="1" dirty="0"/>
-              <a:t>Called “self-contained app deployment” </a:t>
-            </a:r>
-          </a:p>
-          <a:p>
-            <a:pPr lvl="1"/>
-            <a:r>
-              <a:rPr lang="en-US" b="1" dirty="0"/>
-              <a:t>Each app has its own private .NET Core runtime; uses more space.</a:t>
-            </a:r>
-          </a:p>
-          <a:p>
-            <a:pPr lvl="1"/>
-            <a:r>
-              <a:rPr lang="en-US" dirty="0"/>
-              <a:t>Apps are OS and chip dependent/specific.</a:t>
-            </a:r>
-          </a:p>
-          <a:p>
-            <a:pPr lvl="1"/>
-            <a:r>
-              <a:rPr lang="en-US" dirty="0"/>
-              <a:t>Great for uncontrolled environments.</a:t>
-            </a:r>
-          </a:p>
-          <a:p>
-            <a:pPr lvl="1"/>
-            <a:r>
-              <a:rPr lang="en-US" dirty="0"/>
-              <a:t>Launched as an executable: “</a:t>
-            </a:r>
-            <a:r>
-              <a:rPr lang="en-US" dirty="0" err="1"/>
-              <a:t>myapp</a:t>
-            </a:r>
-            <a:r>
-              <a:rPr lang="en-US" dirty="0"/>
-              <a:t>”</a:t>
+              <a:t>Self-contained apps must be re-published</a:t>
             </a:r>
           </a:p>
         </p:txBody>
@@ -35217,7 +35024,7 @@
     </p:spTree>
     <p:extLst>
       <p:ext uri="{BB962C8B-B14F-4D97-AF65-F5344CB8AC3E}">
-        <p14:creationId xmlns:p14="http://schemas.microsoft.com/office/powerpoint/2010/main" val="47708329"/>
+        <p14:creationId xmlns:p14="http://schemas.microsoft.com/office/powerpoint/2010/main" val="156050065"/>
       </p:ext>
     </p:extLst>
   </p:cSld>
@@ -35264,8 +35071,12 @@
           <a:p>
             <a:r>
               <a:rPr lang="en-US" dirty="0"/>
-              <a:t>Servicing Updates</a:t>
-            </a:r>
+              <a:t>Deployment Examples</a:t>
+            </a:r>
+            <a:br>
+              <a:rPr lang="en-US" dirty="0"/>
+            </a:br>
+            <a:endParaRPr lang="en-US" dirty="0"/>
           </a:p>
         </p:txBody>
       </p:sp>
@@ -35282,7 +35093,7 @@
         <p:spPr>
           <a:xfrm>
             <a:off x="655637" y="1439862"/>
-            <a:ext cx="10258637" cy="4136517"/>
+            <a:ext cx="11508566" cy="3754874"/>
           </a:xfrm>
           <a:prstGeom prst="rect">
             <a:avLst/>
@@ -35293,40 +35104,79 @@
           <a:lstStyle/>
           <a:p>
             <a:r>
-              <a:rPr lang="en-US" dirty="0"/>
-              <a:t>.NET Core updates are installed centrally</a:t>
-            </a:r>
-          </a:p>
-          <a:p>
-            <a:r>
-              <a:rPr lang="en-US" dirty="0"/>
-              <a:t>Updates are shipped at least 1/quarter</a:t>
-            </a:r>
-          </a:p>
-          <a:p>
-            <a:r>
-              <a:rPr lang="en-US" dirty="0"/>
-              <a:t>Framework-dependent apps roll-forward to latest patch</a:t>
-            </a:r>
-          </a:p>
-          <a:p>
-            <a:pPr lvl="1"/>
-            <a:r>
-              <a:rPr lang="en-US" dirty="0"/>
-              <a:t>Example: Apps built for 1.0.0 roll forward to 1.0.4 patch version</a:t>
-            </a:r>
-          </a:p>
-          <a:p>
-            <a:pPr lvl="1"/>
-            <a:r>
-              <a:rPr lang="en-US" dirty="0"/>
-              <a:t>Example: Apps built for 1.0.0 do not roll forward to 1.1.x or 2.0.x versions</a:t>
-            </a:r>
-          </a:p>
-          <a:p>
-            <a:r>
-              <a:rPr lang="en-US" dirty="0"/>
-              <a:t>Self-contained apps must be re-published</a:t>
+              <a:rPr lang="en-US" dirty="0">
+                <a:latin typeface="+mn-lt"/>
+              </a:rPr>
+              <a:t>Check out </a:t>
+            </a:r>
+            <a:r>
+              <a:rPr lang="en-US" b="1" dirty="0">
+                <a:solidFill>
+                  <a:srgbClr val="FF0000"/>
+                </a:solidFill>
+                <a:latin typeface="+mn-lt"/>
+              </a:rPr>
+              <a:t>dotnet/dotnet-</a:t>
+            </a:r>
+            <a:r>
+              <a:rPr lang="en-US" b="1" dirty="0" err="1">
+                <a:solidFill>
+                  <a:srgbClr val="FF0000"/>
+                </a:solidFill>
+                <a:latin typeface="+mn-lt"/>
+              </a:rPr>
+              <a:t>docker</a:t>
+            </a:r>
+            <a:r>
+              <a:rPr lang="en-US" b="1" dirty="0">
+                <a:solidFill>
+                  <a:srgbClr val="FF0000"/>
+                </a:solidFill>
+                <a:latin typeface="+mn-lt"/>
+              </a:rPr>
+              <a:t>-samples</a:t>
+            </a:r>
+            <a:r>
+              <a:rPr lang="en-US" dirty="0">
+                <a:latin typeface="+mn-lt"/>
+              </a:rPr>
+              <a:t> for working deployment examples.</a:t>
+            </a:r>
+          </a:p>
+          <a:p>
+            <a:r>
+              <a:rPr lang="en-US" dirty="0">
+                <a:latin typeface="+mn-lt"/>
+              </a:rPr>
+              <a:t>Has both Docker and non-Docker instructions.</a:t>
+            </a:r>
+          </a:p>
+          <a:p>
+            <a:endParaRPr lang="en-US" dirty="0">
+              <a:latin typeface="+mn-lt"/>
+            </a:endParaRPr>
+          </a:p>
+          <a:p>
+            <a:pPr marL="0" indent="0">
+              <a:buNone/>
+            </a:pPr>
+            <a:endParaRPr lang="en-US" sz="4000" b="1" dirty="0">
+              <a:solidFill>
+                <a:srgbClr val="FF0000"/>
+              </a:solidFill>
+            </a:endParaRPr>
+          </a:p>
+          <a:p>
+            <a:pPr marL="0" indent="0">
+              <a:buNone/>
+            </a:pPr>
+            <a:r>
+              <a:rPr lang="en-US" sz="4000" b="1" dirty="0">
+                <a:solidFill>
+                  <a:srgbClr val="FF0000"/>
+                </a:solidFill>
+              </a:rPr>
+              <a:t>https://github.com/dotnet/dotnet-docker-samples</a:t>
             </a:r>
           </a:p>
         </p:txBody>
@@ -35334,7 +35184,7 @@
     </p:spTree>
     <p:extLst>
       <p:ext uri="{BB962C8B-B14F-4D97-AF65-F5344CB8AC3E}">
-        <p14:creationId xmlns:p14="http://schemas.microsoft.com/office/powerpoint/2010/main" val="156050065"/>
+        <p14:creationId xmlns:p14="http://schemas.microsoft.com/office/powerpoint/2010/main" val="836868625"/>
       </p:ext>
     </p:extLst>
   </p:cSld>
@@ -35381,12 +35231,8 @@
           <a:p>
             <a:r>
               <a:rPr lang="en-US" dirty="0"/>
-              <a:t>Deployment Examples</a:t>
-            </a:r>
-            <a:br>
-              <a:rPr lang="en-US" dirty="0"/>
-            </a:br>
-            <a:endParaRPr lang="en-US" dirty="0"/>
+              <a:t>Self-contained deployment</a:t>
+            </a:r>
           </a:p>
         </p:txBody>
       </p:sp>
@@ -35403,7 +35249,7 @@
         <p:spPr>
           <a:xfrm>
             <a:off x="655637" y="1439862"/>
-            <a:ext cx="11508566" cy="3754874"/>
+            <a:ext cx="10258637" cy="5773888"/>
           </a:xfrm>
           <a:prstGeom prst="rect">
             <a:avLst/>
@@ -35414,87 +35260,133 @@
           <a:lstStyle/>
           <a:p>
             <a:r>
+              <a:rPr lang="en-US" dirty="0"/>
+              <a:t>Project file must contain one or more runtime IDs, for the targeted architectures</a:t>
+            </a:r>
+          </a:p>
+          <a:p>
+            <a:pPr lvl="1"/>
+            <a:r>
+              <a:rPr lang="en-US" dirty="0"/>
+              <a:t>&lt;</a:t>
+            </a:r>
+            <a:r>
+              <a:rPr lang="en-US" dirty="0" err="1"/>
+              <a:t>RuntimeIdentifiers</a:t>
+            </a:r>
+            <a:r>
+              <a:rPr lang="en-US" dirty="0"/>
+              <a:t>&gt;</a:t>
+            </a:r>
+            <a:r>
+              <a:rPr lang="mr-IN" dirty="0"/>
+              <a:t>win7-x64</a:t>
+            </a:r>
+            <a:r>
+              <a:rPr lang="en-US" dirty="0"/>
+              <a:t>; debian.8-x64&lt;/</a:t>
+            </a:r>
+            <a:r>
+              <a:rPr lang="en-US" dirty="0" err="1"/>
+              <a:t>RuntimeIdentifiers</a:t>
+            </a:r>
+            <a:r>
+              <a:rPr lang="en-US" dirty="0"/>
+              <a:t>&gt;</a:t>
+            </a:r>
+          </a:p>
+          <a:p>
+            <a:r>
+              <a:rPr lang="en-US" dirty="0"/>
+              <a:t>Publish in terms of an architecture</a:t>
+            </a:r>
+          </a:p>
+          <a:p>
+            <a:pPr lvl="1"/>
+            <a:r>
+              <a:rPr lang="en-US" dirty="0"/>
+              <a:t>dotnet publish -c release -r </a:t>
+            </a:r>
+            <a:r>
+              <a:rPr lang="mr-IN" dirty="0"/>
+              <a:t>win7-x64</a:t>
+            </a:r>
+            <a:endParaRPr lang="en-US" dirty="0"/>
+          </a:p>
+          <a:p>
+            <a:pPr lvl="1"/>
+            <a:endParaRPr lang="en-US" dirty="0"/>
+          </a:p>
+          <a:p>
+            <a:pPr marL="101600" indent="0">
+              <a:buNone/>
+            </a:pPr>
+            <a:r>
               <a:rPr lang="en-US" dirty="0">
-                <a:latin typeface="+mn-lt"/>
-              </a:rPr>
-              <a:t>Check out </a:t>
-            </a:r>
-            <a:r>
-              <a:rPr lang="en-US" b="1" dirty="0">
                 <a:solidFill>
                   <a:srgbClr val="FF0000"/>
                 </a:solidFill>
-                <a:latin typeface="+mn-lt"/>
               </a:rPr>
-              <a:t>dotnet/dotnet-</a:t>
-            </a:r>
-            <a:r>
-              <a:rPr lang="en-US" b="1" dirty="0" err="1">
+              <a:t>https://</a:t>
+            </a:r>
+            <a:r>
+              <a:rPr lang="en-US" dirty="0" err="1">
                 <a:solidFill>
                   <a:srgbClr val="FF0000"/>
                 </a:solidFill>
-                <a:latin typeface="+mn-lt"/>
               </a:rPr>
-              <a:t>docker</a:t>
-            </a:r>
-            <a:r>
-              <a:rPr lang="en-US" b="1" dirty="0">
+              <a:t>github.com</a:t>
+            </a:r>
+            <a:r>
+              <a:rPr lang="en-US" dirty="0">
                 <a:solidFill>
                   <a:srgbClr val="FF0000"/>
                 </a:solidFill>
-                <a:latin typeface="+mn-lt"/>
               </a:rPr>
-              <a:t>-samples</a:t>
+              <a:t>/dotnet/dotnet-</a:t>
+            </a:r>
+            <a:r>
+              <a:rPr lang="en-US" dirty="0" err="1">
+                <a:solidFill>
+                  <a:srgbClr val="FF0000"/>
+                </a:solidFill>
+              </a:rPr>
+              <a:t>docker</a:t>
             </a:r>
             <a:r>
               <a:rPr lang="en-US" dirty="0">
-                <a:latin typeface="+mn-lt"/>
+                <a:solidFill>
+                  <a:srgbClr val="FF0000"/>
+                </a:solidFill>
               </a:rPr>
-              <a:t> for working deployment examples.</a:t>
-            </a:r>
-          </a:p>
-          <a:p>
-            <a:r>
-              <a:rPr lang="en-US" dirty="0">
-                <a:latin typeface="+mn-lt"/>
+              <a:t>-samples/tree/master/</a:t>
+            </a:r>
+            <a:r>
+              <a:rPr lang="en-US" dirty="0" err="1">
+                <a:solidFill>
+                  <a:srgbClr val="FF0000"/>
+                </a:solidFill>
               </a:rPr>
-              <a:t>Has both Docker and non-Docker instructions.</a:t>
-            </a:r>
-          </a:p>
-          <a:p>
+              <a:t>dotnetapp-selfcontained</a:t>
+            </a:r>
             <a:endParaRPr lang="en-US" dirty="0">
-              <a:latin typeface="+mn-lt"/>
-            </a:endParaRPr>
-          </a:p>
-          <a:p>
-            <a:pPr marL="0" indent="0">
-              <a:buNone/>
-            </a:pPr>
-            <a:endParaRPr lang="en-US" sz="4000" b="1" dirty="0">
               <a:solidFill>
                 <a:srgbClr val="FF0000"/>
               </a:solidFill>
             </a:endParaRPr>
           </a:p>
           <a:p>
-            <a:pPr marL="0" indent="0">
-              <a:buNone/>
-            </a:pPr>
-            <a:r>
-              <a:rPr lang="en-US" sz="4000" b="1" dirty="0">
-                <a:solidFill>
-                  <a:srgbClr val="FF0000"/>
-                </a:solidFill>
-              </a:rPr>
-              <a:t>https://github.com/dotnet/dotnet-docker-samples</a:t>
-            </a:r>
+            <a:endParaRPr lang="en-US" dirty="0"/>
+          </a:p>
+          <a:p>
+            <a:endParaRPr lang="en-US" dirty="0"/>
           </a:p>
         </p:txBody>
       </p:sp>
     </p:spTree>
     <p:extLst>
       <p:ext uri="{BB962C8B-B14F-4D97-AF65-F5344CB8AC3E}">
-        <p14:creationId xmlns:p14="http://schemas.microsoft.com/office/powerpoint/2010/main" val="836868625"/>
+        <p14:creationId xmlns:p14="http://schemas.microsoft.com/office/powerpoint/2010/main" val="1930400616"/>
       </p:ext>
     </p:extLst>
   </p:cSld>
@@ -35526,7 +35418,7 @@
       </p:grpSpPr>
       <p:sp>
         <p:nvSpPr>
-          <p:cNvPr id="2" name="Title 1"/>
+          <p:cNvPr id="3" name="Title 2"/>
           <p:cNvSpPr>
             <a:spLocks noGrp="1"/>
           </p:cNvSpPr>
@@ -35541,171 +35433,55 @@
           <a:p>
             <a:r>
               <a:rPr lang="en-US" dirty="0"/>
-              <a:t>Self-contained deployment</a:t>
+              <a:t>Demo</a:t>
             </a:r>
           </a:p>
         </p:txBody>
       </p:sp>
       <p:sp>
         <p:nvSpPr>
-          <p:cNvPr id="3" name="Content Placeholder 2"/>
+          <p:cNvPr id="4" name="Text Placeholder 3"/>
           <p:cNvSpPr>
             <a:spLocks noGrp="1"/>
           </p:cNvSpPr>
           <p:nvPr>
-            <p:ph type="body" sz="quarter" idx="10"/>
+            <p:ph type="body" sz="quarter" idx="12"/>
           </p:nvPr>
         </p:nvSpPr>
-        <p:spPr>
-          <a:xfrm>
-            <a:off x="655637" y="1439862"/>
-            <a:ext cx="10258637" cy="5773888"/>
-          </a:xfrm>
-          <a:prstGeom prst="rect">
-            <a:avLst/>
-          </a:prstGeom>
-        </p:spPr>
+        <p:spPr/>
         <p:txBody>
           <a:bodyPr/>
           <a:lstStyle/>
           <a:p>
             <a:r>
               <a:rPr lang="en-US" dirty="0"/>
-              <a:t>Project file must contain one or more runtime IDs, for the targeted architectures</a:t>
-            </a:r>
-          </a:p>
-          <a:p>
-            <a:pPr lvl="1"/>
-            <a:r>
-              <a:rPr lang="en-US" dirty="0"/>
-              <a:t>&lt;</a:t>
-            </a:r>
-            <a:r>
-              <a:rPr lang="en-US" dirty="0" err="1"/>
-              <a:t>RuntimeIdentifiers</a:t>
-            </a:r>
-            <a:r>
-              <a:rPr lang="en-US" dirty="0"/>
-              <a:t>&gt;</a:t>
-            </a:r>
-            <a:r>
-              <a:rPr lang="mr-IN" dirty="0"/>
-              <a:t>win7-x64</a:t>
-            </a:r>
-            <a:r>
-              <a:rPr lang="en-US" dirty="0"/>
-              <a:t>; debian.8-x64&lt;/</a:t>
-            </a:r>
-            <a:r>
-              <a:rPr lang="en-US" dirty="0" err="1"/>
-              <a:t>RuntimeIdentifiers</a:t>
-            </a:r>
-            <a:r>
-              <a:rPr lang="en-US" dirty="0"/>
-              <a:t>&gt;</a:t>
-            </a:r>
-          </a:p>
-          <a:p>
-            <a:r>
-              <a:rPr lang="en-US" dirty="0"/>
-              <a:t>Publish in terms of an architecture</a:t>
-            </a:r>
-          </a:p>
-          <a:p>
-            <a:pPr lvl="1"/>
-            <a:r>
-              <a:rPr lang="en-US" dirty="0"/>
-              <a:t>dotnet publish -c release -r </a:t>
-            </a:r>
-            <a:r>
-              <a:rPr lang="mr-IN" dirty="0"/>
-              <a:t>win7-x64</a:t>
-            </a:r>
-            <a:endParaRPr lang="en-US" dirty="0"/>
-          </a:p>
-          <a:p>
-            <a:pPr lvl="1"/>
-            <a:endParaRPr lang="en-US" dirty="0"/>
-          </a:p>
-          <a:p>
-            <a:pPr marL="101600" indent="0">
-              <a:buNone/>
-            </a:pPr>
-            <a:r>
-              <a:rPr lang="en-US" dirty="0">
-                <a:solidFill>
-                  <a:srgbClr val="FF0000"/>
-                </a:solidFill>
-              </a:rPr>
-              <a:t>https://</a:t>
-            </a:r>
-            <a:r>
-              <a:rPr lang="en-US" dirty="0" err="1">
-                <a:solidFill>
-                  <a:srgbClr val="FF0000"/>
-                </a:solidFill>
-              </a:rPr>
-              <a:t>github.com</a:t>
-            </a:r>
-            <a:r>
-              <a:rPr lang="en-US" dirty="0">
-                <a:solidFill>
-                  <a:srgbClr val="FF0000"/>
-                </a:solidFill>
-              </a:rPr>
-              <a:t>/dotnet/dotnet-</a:t>
-            </a:r>
-            <a:r>
-              <a:rPr lang="en-US" dirty="0" err="1">
-                <a:solidFill>
-                  <a:srgbClr val="FF0000"/>
-                </a:solidFill>
-              </a:rPr>
-              <a:t>docker</a:t>
-            </a:r>
-            <a:r>
-              <a:rPr lang="en-US" dirty="0">
-                <a:solidFill>
-                  <a:srgbClr val="FF0000"/>
-                </a:solidFill>
-              </a:rPr>
-              <a:t>-samples/tree/master/</a:t>
-            </a:r>
-            <a:r>
-              <a:rPr lang="en-US" dirty="0" err="1">
-                <a:solidFill>
-                  <a:srgbClr val="FF0000"/>
-                </a:solidFill>
-              </a:rPr>
-              <a:t>dotnetapp-selfcontained</a:t>
-            </a:r>
-            <a:endParaRPr lang="en-US" dirty="0">
-              <a:solidFill>
-                <a:srgbClr val="FF0000"/>
-              </a:solidFill>
-            </a:endParaRPr>
-          </a:p>
-          <a:p>
-            <a:endParaRPr lang="en-US" dirty="0"/>
-          </a:p>
-          <a:p>
-            <a:endParaRPr lang="en-US" dirty="0"/>
+              <a:t>Deploying Standalone apps with Docker</a:t>
+            </a:r>
           </a:p>
         </p:txBody>
       </p:sp>
     </p:spTree>
     <p:extLst>
       <p:ext uri="{BB962C8B-B14F-4D97-AF65-F5344CB8AC3E}">
-        <p14:creationId xmlns:p14="http://schemas.microsoft.com/office/powerpoint/2010/main" val="1930400616"/>
+        <p14:creationId xmlns:p14="http://schemas.microsoft.com/office/powerpoint/2010/main" val="1884553598"/>
       </p:ext>
     </p:extLst>
   </p:cSld>
   <p:clrMapOvr>
     <a:masterClrMapping/>
   </p:clrMapOvr>
-  <p:transition>
-    <p:fade/>
-  </p:transition>
+  <mc:AlternateContent xmlns:mc="http://schemas.openxmlformats.org/markup-compatibility/2006" xmlns:p14="http://schemas.microsoft.com/office/powerpoint/2010/main">
+    <mc:Choice Requires="p14">
+      <p:transition spd="slow" p14:dur="3400">
+        <p14:reveal/>
+      </p:transition>
+    </mc:Choice>
+    <mc:Fallback xmlns="">
+      <p:transition spd="slow">
+        <p:fade/>
+      </p:transition>
+    </mc:Fallback>
+  </mc:AlternateContent>
 </p:sld>
 </file>
 
@@ -37535,92 +37311,6 @@
 </p:sld>
 </file>
 
-<file path=ppt/slides/slide40.xml><?xml version="1.0" encoding="utf-8"?>
-<p:sld xmlns:a="http://schemas.openxmlformats.org/drawingml/2006/main" xmlns:r="http://schemas.openxmlformats.org/officeDocument/2006/relationships" xmlns:p="http://schemas.openxmlformats.org/presentationml/2006/main">
-  <p:cSld>
-    <p:spTree>
-      <p:nvGrpSpPr>
-        <p:cNvPr id="1" name=""/>
-        <p:cNvGrpSpPr/>
-        <p:nvPr/>
-      </p:nvGrpSpPr>
-      <p:grpSpPr>
-        <a:xfrm>
-          <a:off x="0" y="0"/>
-          <a:ext cx="0" cy="0"/>
-          <a:chOff x="0" y="0"/>
-          <a:chExt cx="0" cy="0"/>
-        </a:xfrm>
-      </p:grpSpPr>
-      <p:sp>
-        <p:nvSpPr>
-          <p:cNvPr id="3" name="Title 2"/>
-          <p:cNvSpPr>
-            <a:spLocks noGrp="1"/>
-          </p:cNvSpPr>
-          <p:nvPr>
-            <p:ph type="title"/>
-          </p:nvPr>
-        </p:nvSpPr>
-        <p:spPr/>
-        <p:txBody>
-          <a:bodyPr/>
-          <a:lstStyle/>
-          <a:p>
-            <a:r>
-              <a:rPr lang="en-US" dirty="0"/>
-              <a:t>Demo</a:t>
-            </a:r>
-          </a:p>
-        </p:txBody>
-      </p:sp>
-      <p:sp>
-        <p:nvSpPr>
-          <p:cNvPr id="4" name="Text Placeholder 3"/>
-          <p:cNvSpPr>
-            <a:spLocks noGrp="1"/>
-          </p:cNvSpPr>
-          <p:nvPr>
-            <p:ph type="body" sz="quarter" idx="12"/>
-          </p:nvPr>
-        </p:nvSpPr>
-        <p:spPr/>
-        <p:txBody>
-          <a:bodyPr/>
-          <a:lstStyle/>
-          <a:p>
-            <a:r>
-              <a:rPr lang="en-US" dirty="0"/>
-              <a:t>Deploying Standalone apps with Docker</a:t>
-            </a:r>
-          </a:p>
-        </p:txBody>
-      </p:sp>
-    </p:spTree>
-    <p:extLst>
-      <p:ext uri="{BB962C8B-B14F-4D97-AF65-F5344CB8AC3E}">
-        <p14:creationId xmlns:p14="http://schemas.microsoft.com/office/powerpoint/2010/main" val="1884553598"/>
-      </p:ext>
-    </p:extLst>
-  </p:cSld>
-  <p:clrMapOvr>
-    <a:masterClrMapping/>
-  </p:clrMapOvr>
-  <mc:AlternateContent xmlns:mc="http://schemas.openxmlformats.org/markup-compatibility/2006" xmlns:p14="http://schemas.microsoft.com/office/powerpoint/2010/main">
-    <mc:Choice Requires="p14">
-      <p:transition spd="slow" p14:dur="3400">
-        <p14:reveal/>
-      </p:transition>
-    </mc:Choice>
-    <mc:Fallback xmlns="">
-      <p:transition spd="slow">
-        <p:fade/>
-      </p:transition>
-    </mc:Fallback>
-  </mc:AlternateContent>
-</p:sld>
-</file>
-
 <file path=ppt/slides/slide5.xml><?xml version="1.0" encoding="utf-8"?>
 <p:sld xmlns:a="http://schemas.openxmlformats.org/drawingml/2006/main" xmlns:r="http://schemas.openxmlformats.org/officeDocument/2006/relationships" xmlns:p="http://schemas.openxmlformats.org/presentationml/2006/main">
   <p:cSld>
@@ -38786,36 +38476,6 @@
           <a:chExt cx="0" cy="0"/>
         </a:xfrm>
       </p:grpSpPr>
-      <p:pic>
-        <p:nvPicPr>
-          <p:cNvPr id="4" name="Picture 3"/>
-          <p:cNvPicPr>
-            <a:picLocks noChangeAspect="1"/>
-          </p:cNvPicPr>
-          <p:nvPr/>
-        </p:nvPicPr>
-        <p:blipFill>
-          <a:blip r:embed="rId3">
-            <a:extLst>
-              <a:ext uri="{28A0092B-C50C-407E-A947-70E740481C1C}">
-                <a14:useLocalDpi xmlns:a14="http://schemas.microsoft.com/office/drawing/2010/main"/>
-              </a:ext>
-            </a:extLst>
-          </a:blip>
-          <a:stretch>
-            <a:fillRect/>
-          </a:stretch>
-        </p:blipFill>
-        <p:spPr>
-          <a:xfrm>
-            <a:off x="1911388" y="1132638"/>
-            <a:ext cx="8538793" cy="5701593"/>
-          </a:xfrm>
-          <a:prstGeom prst="rect">
-            <a:avLst/>
-          </a:prstGeom>
-        </p:spPr>
-      </p:pic>
       <p:sp>
         <p:nvSpPr>
           <p:cNvPr id="3" name="Rectangle 2"/>
@@ -38844,7 +38504,7 @@
             </a:r>
             <a:r>
               <a:rPr lang="en-US" sz="2400" dirty="0"/>
-              <a:t> Framework Benchmarks – Round 13 </a:t>
+              <a:t> Framework Benchmarks – Round 14 </a:t>
             </a:r>
             <a:r>
               <a:rPr lang="mr-IN" sz="2400" dirty="0"/>
@@ -38877,6 +38537,36 @@
           </a:p>
         </p:txBody>
       </p:sp>
+      <p:pic>
+        <p:nvPicPr>
+          <p:cNvPr id="6" name="Picture 5" descr="A screenshot of a computer&#10;&#10;Description generated with high confidence">
+            <a:extLst>
+              <a:ext uri="{FF2B5EF4-FFF2-40B4-BE49-F238E27FC236}">
+                <a16:creationId xmlns:a16="http://schemas.microsoft.com/office/drawing/2014/main" id="{E7B77187-D59D-4960-A700-014EC29E45DD}"/>
+              </a:ext>
+            </a:extLst>
+          </p:cNvPr>
+          <p:cNvPicPr>
+            <a:picLocks noChangeAspect="1"/>
+          </p:cNvPicPr>
+          <p:nvPr/>
+        </p:nvPicPr>
+        <p:blipFill>
+          <a:blip r:embed="rId3"/>
+          <a:stretch>
+            <a:fillRect/>
+          </a:stretch>
+        </p:blipFill>
+        <p:spPr>
+          <a:xfrm>
+            <a:off x="0" y="1394165"/>
+            <a:ext cx="12436475" cy="4866060"/>
+          </a:xfrm>
+          <a:prstGeom prst="rect">
+            <a:avLst/>
+          </a:prstGeom>
+        </p:spPr>
+      </p:pic>
     </p:spTree>
     <p:extLst>
       <p:ext uri="{BB962C8B-B14F-4D97-AF65-F5344CB8AC3E}">
@@ -38910,59 +38600,33 @@
           <a:chExt cx="0" cy="0"/>
         </a:xfrm>
       </p:grpSpPr>
-      <p:pic>
-        <p:nvPicPr>
-          <p:cNvPr id="7" name="Picture 6"/>
-          <p:cNvPicPr>
-            <a:picLocks noChangeAspect="1"/>
-          </p:cNvPicPr>
-          <p:nvPr/>
-        </p:nvPicPr>
-        <p:blipFill>
-          <a:blip r:embed="rId3"/>
-          <a:stretch>
-            <a:fillRect/>
-          </a:stretch>
-        </p:blipFill>
+      <p:sp>
+        <p:nvSpPr>
+          <p:cNvPr id="2" name="Title 1"/>
+          <p:cNvSpPr>
+            <a:spLocks noGrp="1"/>
+          </p:cNvSpPr>
+          <p:nvPr>
+            <p:ph type="title"/>
+          </p:nvPr>
+        </p:nvSpPr>
         <p:spPr>
           <a:xfrm>
-            <a:off x="1799264" y="1135397"/>
-            <a:ext cx="8895088" cy="5599906"/>
+            <a:off x="274638" y="2125662"/>
+            <a:ext cx="11887200" cy="3176254"/>
           </a:xfrm>
-          <a:prstGeom prst="rect">
-            <a:avLst/>
-          </a:prstGeom>
-        </p:spPr>
-      </p:pic>
-      <p:sp>
-        <p:nvSpPr>
-          <p:cNvPr id="4" name="Rectangle 3"/>
-          <p:cNvSpPr/>
-          <p:nvPr/>
-        </p:nvSpPr>
-        <p:spPr>
-          <a:xfrm>
-            <a:off x="1754885" y="297352"/>
-            <a:ext cx="8851802" cy="470856"/>
-          </a:xfrm>
-          <a:prstGeom prst="rect">
-            <a:avLst/>
-          </a:prstGeom>
         </p:spPr>
         <p:txBody>
-          <a:bodyPr wrap="square">
-            <a:spAutoFit/>
-          </a:bodyPr>
+          <a:bodyPr/>
           <a:lstStyle/>
           <a:p>
-            <a:pPr algn="ctr"/>
-            <a:r>
-              <a:rPr lang="en-US" sz="2400" dirty="0" err="1"/>
-              <a:t>TechEmpower</a:t>
-            </a:r>
-            <a:r>
-              <a:rPr lang="en-US" sz="2400" dirty="0"/>
-              <a:t> Framework Benchmarks (in our lab)</a:t>
+            <a:r>
+              <a:rPr lang="en-US" dirty="0">
+                <a:solidFill>
+                  <a:schemeClr val="tx1"/>
+                </a:solidFill>
+              </a:rPr>
+              <a:t>50% of .NET Core contributions are from the community</a:t>
             </a:r>
           </a:p>
         </p:txBody>
@@ -38970,25 +38634,16 @@
     </p:spTree>
     <p:extLst>
       <p:ext uri="{BB962C8B-B14F-4D97-AF65-F5344CB8AC3E}">
-        <p14:creationId xmlns:p14="http://schemas.microsoft.com/office/powerpoint/2010/main" val="813996234"/>
+        <p14:creationId xmlns:p14="http://schemas.microsoft.com/office/powerpoint/2010/main" val="380592458"/>
       </p:ext>
     </p:extLst>
   </p:cSld>
   <p:clrMapOvr>
     <a:masterClrMapping/>
   </p:clrMapOvr>
-  <mc:AlternateContent xmlns:mc="http://schemas.openxmlformats.org/markup-compatibility/2006" xmlns:p14="http://schemas.microsoft.com/office/powerpoint/2010/main">
-    <mc:Choice Requires="p14">
-      <p:transition spd="med" p14:dur="700">
-        <p:fade/>
-      </p:transition>
-    </mc:Choice>
-    <mc:Fallback xmlns="">
-      <p:transition spd="med">
-        <p:fade/>
-      </p:transition>
-    </mc:Fallback>
-  </mc:AlternateContent>
+  <p:transition>
+    <p:fade/>
+  </p:transition>
 </p:sld>
 </file>
 
@@ -39009,9 +38664,33 @@
           <a:chExt cx="0" cy="0"/>
         </a:xfrm>
       </p:grpSpPr>
-      <p:sp>
-        <p:nvSpPr>
-          <p:cNvPr id="2" name="Title 1"/>
+      <p:pic>
+        <p:nvPicPr>
+          <p:cNvPr id="6" name="Picture 5"/>
+          <p:cNvPicPr>
+            <a:picLocks noChangeAspect="1"/>
+          </p:cNvPicPr>
+          <p:nvPr/>
+        </p:nvPicPr>
+        <p:blipFill>
+          <a:blip r:embed="rId3"/>
+          <a:stretch>
+            <a:fillRect/>
+          </a:stretch>
+        </p:blipFill>
+        <p:spPr>
+          <a:xfrm>
+            <a:off x="98426" y="1337329"/>
+            <a:ext cx="12207520" cy="5471832"/>
+          </a:xfrm>
+          <a:prstGeom prst="rect">
+            <a:avLst/>
+          </a:prstGeom>
+        </p:spPr>
+      </p:pic>
+      <p:sp>
+        <p:nvSpPr>
+          <p:cNvPr id="7" name="Title 6"/>
           <p:cNvSpPr>
             <a:spLocks noGrp="1"/>
           </p:cNvSpPr>
@@ -39019,23 +38698,14 @@
             <p:ph type="title"/>
           </p:nvPr>
         </p:nvSpPr>
-        <p:spPr>
-          <a:xfrm>
-            <a:off x="274638" y="2125662"/>
-            <a:ext cx="11887200" cy="3176254"/>
-          </a:xfrm>
-        </p:spPr>
+        <p:spPr/>
         <p:txBody>
           <a:bodyPr/>
           <a:lstStyle/>
           <a:p>
             <a:r>
-              <a:rPr lang="en-US" dirty="0">
-                <a:solidFill>
-                  <a:schemeClr val="tx1"/>
-                </a:solidFill>
-              </a:rPr>
-              <a:t>50% of .NET Core contributions are from the community</a:t>
+              <a:rPr lang="en-US" dirty="0"/>
+              <a:t>.NET Open Source Contributions as of 2017</a:t>
             </a:r>
           </a:p>
         </p:txBody>
@@ -39043,7 +38713,7 @@
     </p:spTree>
     <p:extLst>
       <p:ext uri="{BB962C8B-B14F-4D97-AF65-F5344CB8AC3E}">
-        <p14:creationId xmlns:p14="http://schemas.microsoft.com/office/powerpoint/2010/main" val="380592458"/>
+        <p14:creationId xmlns:p14="http://schemas.microsoft.com/office/powerpoint/2010/main" val="1411140840"/>
       </p:ext>
     </p:extLst>
   </p:cSld>
@@ -40529,9 +40199,12 @@
 </file>
 
 <file path=customXml/item1.xml><?xml version="1.0" encoding="utf-8"?>
-<p:properties xmlns:p="http://schemas.microsoft.com/office/2006/metadata/properties" xmlns:xsi="http://www.w3.org/2001/XMLSchema-instance" xmlns:pc="http://schemas.microsoft.com/office/infopath/2007/PartnerControls">
-  <documentManagement/>
-</p:properties>
+<?mso-contentType ?>
+<FormTemplates xmlns="http://schemas.microsoft.com/sharepoint/v3/contenttype/forms">
+  <Display>DocumentLibraryForm</Display>
+  <Edit>DocumentLibraryForm</Edit>
+  <New>DocumentLibraryForm</New>
+</FormTemplates>
 </file>
 
 <file path=customXml/item2.xml><?xml version="1.0" encoding="utf-8"?>
@@ -40697,26 +40370,15 @@
 </file>
 
 <file path=customXml/item3.xml><?xml version="1.0" encoding="utf-8"?>
-<?mso-contentType ?>
-<FormTemplates xmlns="http://schemas.microsoft.com/sharepoint/v3/contenttype/forms">
-  <Display>DocumentLibraryForm</Display>
-  <Edit>DocumentLibraryForm</Edit>
-  <New>DocumentLibraryForm</New>
-</FormTemplates>
+<p:properties xmlns:p="http://schemas.microsoft.com/office/2006/metadata/properties" xmlns:xsi="http://www.w3.org/2001/XMLSchema-instance" xmlns:pc="http://schemas.microsoft.com/office/infopath/2007/PartnerControls">
+  <documentManagement/>
+</p:properties>
 </file>
 
 <file path=customXml/itemProps1.xml><?xml version="1.0" encoding="utf-8"?>
-<ds:datastoreItem xmlns:ds="http://schemas.openxmlformats.org/officeDocument/2006/customXml" ds:itemID="{F990F116-B58F-4255-B05B-DA3808E0E5C6}">
+<ds:datastoreItem xmlns:ds="http://schemas.openxmlformats.org/officeDocument/2006/customXml" ds:itemID="{758FDAC0-319D-4A54-8D8E-1D42CB1F8004}">
   <ds:schemaRefs>
-    <ds:schemaRef ds:uri="http://schemas.microsoft.com/office/2006/metadata/properties"/>
-    <ds:schemaRef ds:uri="29eeffc7-3a1a-4f16-995c-1b7b58342919"/>
-    <ds:schemaRef ds:uri="http://purl.org/dc/terms/"/>
-    <ds:schemaRef ds:uri="http://schemas.openxmlformats.org/package/2006/metadata/core-properties"/>
-    <ds:schemaRef ds:uri="http://purl.org/dc/dcmitype/"/>
-    <ds:schemaRef ds:uri="http://schemas.microsoft.com/office/infopath/2007/PartnerControls"/>
-    <ds:schemaRef ds:uri="http://schemas.microsoft.com/office/2006/documentManagement/types"/>
-    <ds:schemaRef ds:uri="http://purl.org/dc/elements/1.1/"/>
-    <ds:schemaRef ds:uri="http://www.w3.org/XML/1998/namespace"/>
+    <ds:schemaRef ds:uri="http://schemas.microsoft.com/sharepoint/v3/contenttype/forms"/>
   </ds:schemaRefs>
 </ds:datastoreItem>
 </file>
@@ -40740,9 +40402,17 @@
 </file>
 
 <file path=customXml/itemProps3.xml><?xml version="1.0" encoding="utf-8"?>
-<ds:datastoreItem xmlns:ds="http://schemas.openxmlformats.org/officeDocument/2006/customXml" ds:itemID="{758FDAC0-319D-4A54-8D8E-1D42CB1F8004}">
+<ds:datastoreItem xmlns:ds="http://schemas.openxmlformats.org/officeDocument/2006/customXml" ds:itemID="{F990F116-B58F-4255-B05B-DA3808E0E5C6}">
   <ds:schemaRefs>
-    <ds:schemaRef ds:uri="http://schemas.microsoft.com/sharepoint/v3/contenttype/forms"/>
+    <ds:schemaRef ds:uri="http://schemas.microsoft.com/office/2006/metadata/properties"/>
+    <ds:schemaRef ds:uri="29eeffc7-3a1a-4f16-995c-1b7b58342919"/>
+    <ds:schemaRef ds:uri="http://purl.org/dc/terms/"/>
+    <ds:schemaRef ds:uri="http://schemas.openxmlformats.org/package/2006/metadata/core-properties"/>
+    <ds:schemaRef ds:uri="http://purl.org/dc/dcmitype/"/>
+    <ds:schemaRef ds:uri="http://schemas.microsoft.com/office/infopath/2007/PartnerControls"/>
+    <ds:schemaRef ds:uri="http://schemas.microsoft.com/office/2006/documentManagement/types"/>
+    <ds:schemaRef ds:uri="http://purl.org/dc/elements/1.1/"/>
+    <ds:schemaRef ds:uri="http://www.w3.org/XML/1998/namespace"/>
   </ds:schemaRefs>
 </ds:datastoreItem>
 </file>
--- a/1-Overview-Tools-Acquisition/netcore-workshop-overview-tools.pptx
+++ b/1-Overview-Tools-Acquisition/netcore-workshop-overview-tools.pptx
@@ -7,10 +7,10 @@
     <p:sldMasterId id="2147484589" r:id="rId6"/>
   </p:sldMasterIdLst>
   <p:notesMasterIdLst>
-    <p:notesMasterId r:id="rId47"/>
+    <p:notesMasterId r:id="rId46"/>
   </p:notesMasterIdLst>
   <p:handoutMasterIdLst>
-    <p:handoutMasterId r:id="rId48"/>
+    <p:handoutMasterId r:id="rId47"/>
   </p:handoutMasterIdLst>
   <p:sldIdLst>
     <p:sldId id="1393" r:id="rId7"/>
@@ -27,32 +27,31 @@
     <p:sldId id="1647" r:id="rId18"/>
     <p:sldId id="1648" r:id="rId19"/>
     <p:sldId id="1579" r:id="rId20"/>
-    <p:sldId id="1578" r:id="rId21"/>
-    <p:sldId id="1667" r:id="rId22"/>
-    <p:sldId id="1591" r:id="rId23"/>
-    <p:sldId id="1582" r:id="rId24"/>
-    <p:sldId id="1581" r:id="rId25"/>
-    <p:sldId id="1643" r:id="rId26"/>
-    <p:sldId id="1644" r:id="rId27"/>
-    <p:sldId id="1523" r:id="rId28"/>
-    <p:sldId id="1514" r:id="rId29"/>
-    <p:sldId id="1576" r:id="rId30"/>
-    <p:sldId id="1589" r:id="rId31"/>
-    <p:sldId id="1662" r:id="rId32"/>
-    <p:sldId id="1663" r:id="rId33"/>
-    <p:sldId id="1664" r:id="rId34"/>
-    <p:sldId id="1665" r:id="rId35"/>
-    <p:sldId id="1666" r:id="rId36"/>
-    <p:sldId id="1660" r:id="rId37"/>
-    <p:sldId id="1661" r:id="rId38"/>
-    <p:sldId id="1658" r:id="rId39"/>
-    <p:sldId id="1652" r:id="rId40"/>
-    <p:sldId id="1653" r:id="rId41"/>
-    <p:sldId id="1654" r:id="rId42"/>
-    <p:sldId id="1655" r:id="rId43"/>
-    <p:sldId id="1656" r:id="rId44"/>
-    <p:sldId id="1657" r:id="rId45"/>
-    <p:sldId id="1507" r:id="rId46"/>
+    <p:sldId id="1667" r:id="rId21"/>
+    <p:sldId id="1591" r:id="rId22"/>
+    <p:sldId id="1582" r:id="rId23"/>
+    <p:sldId id="1581" r:id="rId24"/>
+    <p:sldId id="1643" r:id="rId25"/>
+    <p:sldId id="1644" r:id="rId26"/>
+    <p:sldId id="1523" r:id="rId27"/>
+    <p:sldId id="1514" r:id="rId28"/>
+    <p:sldId id="1576" r:id="rId29"/>
+    <p:sldId id="1589" r:id="rId30"/>
+    <p:sldId id="1662" r:id="rId31"/>
+    <p:sldId id="1663" r:id="rId32"/>
+    <p:sldId id="1664" r:id="rId33"/>
+    <p:sldId id="1665" r:id="rId34"/>
+    <p:sldId id="1666" r:id="rId35"/>
+    <p:sldId id="1660" r:id="rId36"/>
+    <p:sldId id="1661" r:id="rId37"/>
+    <p:sldId id="1658" r:id="rId38"/>
+    <p:sldId id="1652" r:id="rId39"/>
+    <p:sldId id="1653" r:id="rId40"/>
+    <p:sldId id="1654" r:id="rId41"/>
+    <p:sldId id="1655" r:id="rId42"/>
+    <p:sldId id="1656" r:id="rId43"/>
+    <p:sldId id="1657" r:id="rId44"/>
+    <p:sldId id="1507" r:id="rId45"/>
   </p:sldIdLst>
   <p:sldSz cx="12436475" cy="6994525"/>
   <p:notesSz cx="6858000" cy="9144000"/>
@@ -170,7 +169,6 @@
             <p14:sldId id="1647"/>
             <p14:sldId id="1648"/>
             <p14:sldId id="1579"/>
-            <p14:sldId id="1578"/>
             <p14:sldId id="1667"/>
             <p14:sldId id="1591"/>
             <p14:sldId id="1582"/>
@@ -327,7 +325,7 @@
               <a:rPr lang="en-US" smtClean="0">
                 <a:latin typeface="Segoe UI" pitchFamily="34" charset="0"/>
               </a:rPr>
-              <a:t>9/17/2017 12:47 PM</a:t>
+              <a:t>9/23/2017 8:31 AM</a:t>
             </a:fld>
             <a:endParaRPr lang="en-US" dirty="0">
               <a:latin typeface="Segoe UI" pitchFamily="34" charset="0"/>
@@ -608,7 +606,7 @@
           <a:p>
             <a:fld id="{38EEC551-8CDA-4EB6-89BB-2A86C9F091C8}" type="datetime8">
               <a:rPr lang="en-US" smtClean="0"/>
-              <a:t>9/17/2017 12:47 PM</a:t>
+              <a:t>9/23/2017 8:18 AM</a:t>
             </a:fld>
             <a:endParaRPr lang="en-US" dirty="0"/>
           </a:p>
@@ -1025,7 +1023,7 @@
           <a:p>
             <a:fld id="{38EEC551-8CDA-4EB6-89BB-2A86C9F091C8}" type="datetime8">
               <a:rPr lang="en-US" smtClean="0"/>
-              <a:t>9/17/2017 12:47 PM</a:t>
+              <a:t>9/23/2017 8:18 AM</a:t>
             </a:fld>
             <a:endParaRPr lang="en-US" dirty="0"/>
           </a:p>
@@ -1334,7 +1332,7 @@
           <a:p>
             <a:fld id="{7D10C09F-FCA1-48C8-B40D-42E1045D109E}" type="datetime8">
               <a:rPr lang="en-US" smtClean="0"/>
-              <a:t>9/17/2017 12:47 PM</a:t>
+              <a:t>9/23/2017 8:18 AM</a:t>
             </a:fld>
             <a:endParaRPr lang="en-US" dirty="0"/>
           </a:p>
@@ -1519,7 +1517,7 @@
           <a:p>
             <a:fld id="{38EEC551-8CDA-4EB6-89BB-2A86C9F091C8}" type="datetime8">
               <a:rPr lang="en-US" smtClean="0"/>
-              <a:t>9/17/2017 12:47 PM</a:t>
+              <a:t>9/23/2017 8:18 AM</a:t>
             </a:fld>
             <a:endParaRPr lang="en-US" dirty="0"/>
           </a:p>
@@ -1704,7 +1702,7 @@
           <a:p>
             <a:fld id="{38EEC551-8CDA-4EB6-89BB-2A86C9F091C8}" type="datetime8">
               <a:rPr lang="en-US" smtClean="0"/>
-              <a:t>9/17/2017 12:54 PM</a:t>
+              <a:t>9/23/2017 8:18 AM</a:t>
             </a:fld>
             <a:endParaRPr lang="en-US" dirty="0"/>
           </a:p>
@@ -1892,7 +1890,7 @@
           <a:p>
             <a:fld id="{38EEC551-8CDA-4EB6-89BB-2A86C9F091C8}" type="datetime8">
               <a:rPr lang="en-US" smtClean="0"/>
-              <a:t>9/17/2017 12:47 PM</a:t>
+              <a:t>9/23/2017 8:18 AM</a:t>
             </a:fld>
             <a:endParaRPr lang="en-US" dirty="0"/>
           </a:p>
@@ -2001,7 +1999,7 @@
                   <a:lin ang="5400000" scaled="0"/>
                 </a:gradFill>
               </a:rPr>
-              <a:t>TODO:</a:t>
+              <a:t>If you’re on Windows, we recommend Visual Studio</a:t>
             </a:r>
           </a:p>
           <a:p>
@@ -2027,33 +2025,7 @@
                   <a:lin ang="5400000" scaled="0"/>
                 </a:gradFill>
               </a:rPr>
-              <a:t>If you’re on Windows, use Visual Studio</a:t>
-            </a:r>
-          </a:p>
-          <a:p>
-            <a:pPr>
-              <a:lnSpc>
-                <a:spcPct val="90000"/>
-              </a:lnSpc>
-              <a:spcAft>
-                <a:spcPts val="600"/>
-              </a:spcAft>
-            </a:pPr>
-            <a:r>
-              <a:rPr lang="en-US" sz="900" dirty="0">
-                <a:gradFill>
-                  <a:gsLst>
-                    <a:gs pos="2917">
-                      <a:schemeClr val="tx1"/>
-                    </a:gs>
-                    <a:gs pos="30000">
-                      <a:schemeClr val="tx1"/>
-                    </a:gs>
-                  </a:gsLst>
-                  <a:lin ang="5400000" scaled="0"/>
-                </a:gradFill>
-              </a:rPr>
-              <a:t>If you’re on Mac, use Visual Studio for Mac</a:t>
+              <a:t>If you’re on Mac, we recommend Visual Studio for Mac</a:t>
             </a:r>
           </a:p>
           <a:p>
@@ -2128,33 +2100,7 @@
                   <a:lin ang="5400000" scaled="0"/>
                 </a:gradFill>
               </a:rPr>
-              <a:t>If you want to use another text editor, all you need is the .NET Core SDK which </a:t>
-            </a:r>
-          </a:p>
-          <a:p>
-            <a:pPr>
-              <a:lnSpc>
-                <a:spcPct val="90000"/>
-              </a:lnSpc>
-              <a:spcAft>
-                <a:spcPts val="600"/>
-              </a:spcAft>
-            </a:pPr>
-            <a:r>
-              <a:rPr lang="en-US" sz="900" dirty="0">
-                <a:gradFill>
-                  <a:gsLst>
-                    <a:gs pos="2917">
-                      <a:schemeClr val="tx1"/>
-                    </a:gs>
-                    <a:gs pos="30000">
-                      <a:schemeClr val="tx1"/>
-                    </a:gs>
-                  </a:gsLst>
-                  <a:lin ang="5400000" scaled="0"/>
-                </a:gradFill>
-              </a:rPr>
-              <a:t>includes a CLI</a:t>
+              <a:t>If you want to use another text editor, all you need is the .NET Core SDK which includes a CLI</a:t>
             </a:r>
           </a:p>
           <a:p>
@@ -2256,7 +2202,7 @@
           <a:p>
             <a:fld id="{38EEC551-8CDA-4EB6-89BB-2A86C9F091C8}" type="datetime8">
               <a:rPr lang="en-US" smtClean="0"/>
-              <a:t>9/17/2017 8:25 PM</a:t>
+              <a:t>9/23/2017 8:18 AM</a:t>
             </a:fld>
             <a:endParaRPr lang="en-US" dirty="0"/>
           </a:p>
@@ -2289,7 +2235,7 @@
     </p:spTree>
     <p:extLst>
       <p:ext uri="{BB962C8B-B14F-4D97-AF65-F5344CB8AC3E}">
-        <p14:creationId xmlns:p14="http://schemas.microsoft.com/office/powerpoint/2010/main" val="124232664"/>
+        <p14:creationId xmlns:p14="http://schemas.microsoft.com/office/powerpoint/2010/main" val="3987269941"/>
       </p:ext>
     </p:extLst>
   </p:cSld>
@@ -2343,133 +2289,6 @@
           <a:bodyPr/>
           <a:lstStyle/>
           <a:p>
-            <a:pPr>
-              <a:lnSpc>
-                <a:spcPct val="90000"/>
-              </a:lnSpc>
-              <a:spcAft>
-                <a:spcPts val="600"/>
-              </a:spcAft>
-            </a:pPr>
-            <a:r>
-              <a:rPr lang="en-US" sz="900" dirty="0">
-                <a:gradFill>
-                  <a:gsLst>
-                    <a:gs pos="2917">
-                      <a:schemeClr val="tx1"/>
-                    </a:gs>
-                    <a:gs pos="30000">
-                      <a:schemeClr val="tx1"/>
-                    </a:gs>
-                  </a:gsLst>
-                  <a:lin ang="5400000" scaled="0"/>
-                </a:gradFill>
-              </a:rPr>
-              <a:t>If you’re on Windows, we recommend Visual Studio</a:t>
-            </a:r>
-          </a:p>
-          <a:p>
-            <a:pPr>
-              <a:lnSpc>
-                <a:spcPct val="90000"/>
-              </a:lnSpc>
-              <a:spcAft>
-                <a:spcPts val="600"/>
-              </a:spcAft>
-            </a:pPr>
-            <a:r>
-              <a:rPr lang="en-US" sz="900" dirty="0">
-                <a:gradFill>
-                  <a:gsLst>
-                    <a:gs pos="2917">
-                      <a:schemeClr val="tx1"/>
-                    </a:gs>
-                    <a:gs pos="30000">
-                      <a:schemeClr val="tx1"/>
-                    </a:gs>
-                  </a:gsLst>
-                  <a:lin ang="5400000" scaled="0"/>
-                </a:gradFill>
-              </a:rPr>
-              <a:t>If you’re on Mac, we recommend Visual Studio for Mac</a:t>
-            </a:r>
-          </a:p>
-          <a:p>
-            <a:pPr>
-              <a:lnSpc>
-                <a:spcPct val="90000"/>
-              </a:lnSpc>
-              <a:spcAft>
-                <a:spcPts val="600"/>
-              </a:spcAft>
-            </a:pPr>
-            <a:r>
-              <a:rPr lang="en-US" sz="900" dirty="0">
-                <a:gradFill>
-                  <a:gsLst>
-                    <a:gs pos="2917">
-                      <a:schemeClr val="tx1"/>
-                    </a:gs>
-                    <a:gs pos="30000">
-                      <a:schemeClr val="tx1"/>
-                    </a:gs>
-                  </a:gsLst>
-                  <a:lin ang="5400000" scaled="0"/>
-                </a:gradFill>
-              </a:rPr>
-              <a:t>If you prefer a lightweight editor, we recommend Visual Studio Code</a:t>
-            </a:r>
-          </a:p>
-          <a:p>
-            <a:pPr>
-              <a:lnSpc>
-                <a:spcPct val="90000"/>
-              </a:lnSpc>
-              <a:spcAft>
-                <a:spcPts val="600"/>
-              </a:spcAft>
-            </a:pPr>
-            <a:endParaRPr lang="en-US" sz="900" dirty="0">
-              <a:gradFill>
-                <a:gsLst>
-                  <a:gs pos="2917">
-                    <a:schemeClr val="tx1"/>
-                  </a:gs>
-                  <a:gs pos="30000">
-                    <a:schemeClr val="tx1"/>
-                  </a:gs>
-                </a:gsLst>
-                <a:lin ang="5400000" scaled="0"/>
-              </a:gradFill>
-            </a:endParaRPr>
-          </a:p>
-          <a:p>
-            <a:pPr>
-              <a:lnSpc>
-                <a:spcPct val="90000"/>
-              </a:lnSpc>
-              <a:spcAft>
-                <a:spcPts val="600"/>
-              </a:spcAft>
-            </a:pPr>
-            <a:r>
-              <a:rPr lang="en-US" sz="900" dirty="0">
-                <a:gradFill>
-                  <a:gsLst>
-                    <a:gs pos="2917">
-                      <a:schemeClr val="tx1"/>
-                    </a:gs>
-                    <a:gs pos="30000">
-                      <a:schemeClr val="tx1"/>
-                    </a:gs>
-                  </a:gsLst>
-                  <a:lin ang="5400000" scaled="0"/>
-                </a:gradFill>
-              </a:rPr>
-              <a:t>If you want to use another text editor, all you need is the .NET Core SDK which includes a CLI</a:t>
-            </a:r>
-          </a:p>
-          <a:p>
             <a:endParaRPr lang="en-US" dirty="0"/>
           </a:p>
         </p:txBody>
@@ -2489,11 +2308,37 @@
           <a:bodyPr/>
           <a:lstStyle/>
           <a:p>
-            <a:r>
-              <a:rPr lang="en-US"/>
-              <a:t>Microsoft Ignite 2016</a:t>
-            </a:r>
-            <a:endParaRPr lang="en-US" dirty="0"/>
+            <a:pPr marL="0" marR="0" lvl="0" indent="0" algn="l" defTabSz="932742" rtl="0" eaLnBrk="1" fontAlgn="auto" latinLnBrk="0" hangingPunct="1">
+              <a:lnSpc>
+                <a:spcPct val="100000"/>
+              </a:lnSpc>
+              <a:spcBef>
+                <a:spcPts val="0"/>
+              </a:spcBef>
+              <a:spcAft>
+                <a:spcPts val="0"/>
+              </a:spcAft>
+              <a:buClrTx/>
+              <a:buSzTx/>
+              <a:buFontTx/>
+              <a:buNone/>
+              <a:tabLst/>
+              <a:defRPr/>
+            </a:pPr>
+            <a:endParaRPr kumimoji="0" lang="en-US" sz="1200" b="0" i="0" u="none" strike="noStrike" kern="1200" cap="none" spc="0" normalizeH="0" baseline="0" noProof="0" dirty="0">
+              <a:ln>
+                <a:noFill/>
+              </a:ln>
+              <a:solidFill>
+                <a:prstClr val="black"/>
+              </a:solidFill>
+              <a:effectLst/>
+              <a:uLnTx/>
+              <a:uFillTx/>
+              <a:latin typeface="Segoe UI" pitchFamily="34" charset="0"/>
+              <a:ea typeface="+mn-ea"/>
+              <a:cs typeface="+mn-cs"/>
+            </a:endParaRPr>
           </a:p>
         </p:txBody>
       </p:sp>
@@ -2512,9 +2357,28 @@
           <a:bodyPr/>
           <a:lstStyle/>
           <a:p>
-            <a:pPr defTabSz="914099" eaLnBrk="0" hangingPunct="0"/>
-            <a:r>
-              <a:rPr lang="en-US" sz="400">
+            <a:pPr marL="571500" marR="0" lvl="0" indent="0" algn="l" defTabSz="914099" rtl="0" eaLnBrk="0" fontAlgn="auto" latinLnBrk="0" hangingPunct="0">
+              <a:lnSpc>
+                <a:spcPct val="100000"/>
+              </a:lnSpc>
+              <a:spcBef>
+                <a:spcPts val="0"/>
+              </a:spcBef>
+              <a:spcAft>
+                <a:spcPts val="0"/>
+              </a:spcAft>
+              <a:buClrTx/>
+              <a:buSzTx/>
+              <a:buFontTx/>
+              <a:buNone/>
+              <a:tabLst/>
+              <a:defRPr/>
+            </a:pPr>
+            <a:r>
+              <a:rPr kumimoji="0" lang="en-US" sz="400" b="0" i="0" u="none" strike="noStrike" kern="1200" cap="none" spc="0" normalizeH="0" baseline="0" noProof="0" dirty="0">
+                <a:ln>
+                  <a:noFill/>
+                </a:ln>
                 <a:gradFill>
                   <a:gsLst>
                     <a:gs pos="0">
@@ -2526,28 +2390,15 @@
                   </a:gsLst>
                   <a:lin ang="5400000" scaled="0"/>
                 </a:gradFill>
+                <a:effectLst/>
+                <a:uLnTx/>
+                <a:uFillTx/>
                 <a:latin typeface="Segoe UI" pitchFamily="34" charset="0"/>
                 <a:ea typeface="Segoe UI" pitchFamily="34" charset="0"/>
                 <a:cs typeface="Segoe UI" pitchFamily="34" charset="0"/>
               </a:rPr>
-              <a:t>© 2016 Microsoft Corporation. All rights reserved. MICROSOFT MAKES NO WARRANTIES, EXPRESS, IMPLIED OR STATUTORY, AS TO THE INFORMATION IN THIS PRESENTATION.</a:t>
-            </a:r>
-            <a:endParaRPr lang="en-US" sz="400" dirty="0">
-              <a:gradFill>
-                <a:gsLst>
-                  <a:gs pos="0">
-                    <a:prstClr val="black"/>
-                  </a:gs>
-                  <a:gs pos="100000">
-                    <a:prstClr val="black"/>
-                  </a:gs>
-                </a:gsLst>
-                <a:lin ang="5400000" scaled="0"/>
-              </a:gradFill>
-              <a:latin typeface="Segoe UI" pitchFamily="34" charset="0"/>
-              <a:ea typeface="Segoe UI" pitchFamily="34" charset="0"/>
-              <a:cs typeface="Segoe UI" pitchFamily="34" charset="0"/>
-            </a:endParaRPr>
+              <a:t>© 2014 Microsoft Corporation. All rights reserved. MICROSOFT MAKES NO WARRANTIES, EXPRESS, IMPLIED OR STATUTORY, AS TO THE INFORMATION IN THIS PRESENTATION.</a:t>
+            </a:r>
           </a:p>
         </p:txBody>
       </p:sp>
@@ -2566,11 +2417,71 @@
           <a:bodyPr/>
           <a:lstStyle/>
           <a:p>
-            <a:fld id="{38EEC551-8CDA-4EB6-89BB-2A86C9F091C8}" type="datetime8">
-              <a:rPr lang="en-US" smtClean="0"/>
-              <a:t>9/17/2017 9:04 PM</a:t>
+            <a:pPr marL="0" marR="0" lvl="0" indent="0" algn="r" defTabSz="932742" rtl="0" eaLnBrk="1" fontAlgn="auto" latinLnBrk="0" hangingPunct="1">
+              <a:lnSpc>
+                <a:spcPct val="100000"/>
+              </a:lnSpc>
+              <a:spcBef>
+                <a:spcPts val="0"/>
+              </a:spcBef>
+              <a:spcAft>
+                <a:spcPts val="0"/>
+              </a:spcAft>
+              <a:buClrTx/>
+              <a:buSzTx/>
+              <a:buFontTx/>
+              <a:buNone/>
+              <a:tabLst/>
+              <a:defRPr/>
+            </a:pPr>
+            <a:fld id="{90EC29EE-A8AD-4CE0-9C0B-116E0D4D7533}" type="datetime8">
+              <a:rPr kumimoji="0" lang="en-US" sz="1200" b="0" i="0" u="none" strike="noStrike" kern="1200" cap="none" spc="0" normalizeH="0" baseline="0" noProof="0" smtClean="0">
+                <a:ln>
+                  <a:noFill/>
+                </a:ln>
+                <a:solidFill>
+                  <a:prstClr val="black"/>
+                </a:solidFill>
+                <a:effectLst/>
+                <a:uLnTx/>
+                <a:uFillTx/>
+                <a:latin typeface="Segoe UI" pitchFamily="34" charset="0"/>
+                <a:ea typeface="+mn-ea"/>
+                <a:cs typeface="+mn-cs"/>
+              </a:rPr>
+              <a:pPr marL="0" marR="0" lvl="0" indent="0" algn="r" defTabSz="932742" rtl="0" eaLnBrk="1" fontAlgn="auto" latinLnBrk="0" hangingPunct="1">
+                <a:lnSpc>
+                  <a:spcPct val="100000"/>
+                </a:lnSpc>
+                <a:spcBef>
+                  <a:spcPts val="0"/>
+                </a:spcBef>
+                <a:spcAft>
+                  <a:spcPts val="0"/>
+                </a:spcAft>
+                <a:buClrTx/>
+                <a:buSzTx/>
+                <a:buFontTx/>
+                <a:buNone/>
+                <a:tabLst/>
+                <a:defRPr/>
+              </a:pPr>
+              <a:t>9/23/2017 8:18 AM</a:t>
             </a:fld>
-            <a:endParaRPr lang="en-US" dirty="0"/>
+            <a:endParaRPr kumimoji="0" lang="en-US" sz="1200" b="0" i="0" u="none" strike="noStrike" kern="1200" cap="none" spc="0" normalizeH="0" baseline="0" noProof="0" dirty="0">
+              <a:ln>
+                <a:noFill/>
+              </a:ln>
+              <a:solidFill>
+                <a:prstClr val="black"/>
+              </a:solidFill>
+              <a:effectLst/>
+              <a:uLnTx/>
+              <a:uFillTx/>
+              <a:latin typeface="Segoe UI" pitchFamily="34" charset="0"/>
+              <a:ea typeface="+mn-ea"/>
+              <a:cs typeface="+mn-cs"/>
+            </a:endParaRPr>
           </a:p>
         </p:txBody>
       </p:sp>
@@ -2589,19 +2500,78 @@
           <a:bodyPr/>
           <a:lstStyle/>
           <a:p>
+            <a:pPr marL="0" marR="0" lvl="0" indent="0" algn="r" defTabSz="932742" rtl="0" eaLnBrk="1" fontAlgn="auto" latinLnBrk="0" hangingPunct="1">
+              <a:lnSpc>
+                <a:spcPct val="100000"/>
+              </a:lnSpc>
+              <a:spcBef>
+                <a:spcPts val="0"/>
+              </a:spcBef>
+              <a:spcAft>
+                <a:spcPts val="0"/>
+              </a:spcAft>
+              <a:buClrTx/>
+              <a:buSzTx/>
+              <a:buFontTx/>
+              <a:buNone/>
+              <a:tabLst/>
+              <a:defRPr/>
+            </a:pPr>
             <a:fld id="{B4008EB6-D09E-4580-8CD6-DDB14511944F}" type="slidenum">
-              <a:rPr lang="en-US" smtClean="0"/>
-              <a:pPr/>
+              <a:rPr kumimoji="0" lang="en-US" sz="1200" b="0" i="0" u="none" strike="noStrike" kern="1200" cap="none" spc="0" normalizeH="0" baseline="0" noProof="0" smtClean="0">
+                <a:ln>
+                  <a:noFill/>
+                </a:ln>
+                <a:solidFill>
+                  <a:prstClr val="black"/>
+                </a:solidFill>
+                <a:effectLst/>
+                <a:uLnTx/>
+                <a:uFillTx/>
+                <a:latin typeface="Segoe UI" pitchFamily="34" charset="0"/>
+                <a:ea typeface="+mn-ea"/>
+                <a:cs typeface="+mn-cs"/>
+              </a:rPr>
+              <a:pPr marL="0" marR="0" lvl="0" indent="0" algn="r" defTabSz="932742" rtl="0" eaLnBrk="1" fontAlgn="auto" latinLnBrk="0" hangingPunct="1">
+                <a:lnSpc>
+                  <a:spcPct val="100000"/>
+                </a:lnSpc>
+                <a:spcBef>
+                  <a:spcPts val="0"/>
+                </a:spcBef>
+                <a:spcAft>
+                  <a:spcPts val="0"/>
+                </a:spcAft>
+                <a:buClrTx/>
+                <a:buSzTx/>
+                <a:buFontTx/>
+                <a:buNone/>
+                <a:tabLst/>
+                <a:defRPr/>
+              </a:pPr>
               <a:t>16</a:t>
             </a:fld>
-            <a:endParaRPr lang="en-US" dirty="0"/>
+            <a:endParaRPr kumimoji="0" lang="en-US" sz="1200" b="0" i="0" u="none" strike="noStrike" kern="1200" cap="none" spc="0" normalizeH="0" baseline="0" noProof="0" dirty="0">
+              <a:ln>
+                <a:noFill/>
+              </a:ln>
+              <a:solidFill>
+                <a:prstClr val="black"/>
+              </a:solidFill>
+              <a:effectLst/>
+              <a:uLnTx/>
+              <a:uFillTx/>
+              <a:latin typeface="Segoe UI" pitchFamily="34" charset="0"/>
+              <a:ea typeface="+mn-ea"/>
+              <a:cs typeface="+mn-cs"/>
+            </a:endParaRPr>
           </a:p>
         </p:txBody>
       </p:sp>
     </p:spTree>
     <p:extLst>
       <p:ext uri="{BB962C8B-B14F-4D97-AF65-F5344CB8AC3E}">
-        <p14:creationId xmlns:p14="http://schemas.microsoft.com/office/powerpoint/2010/main" val="3987269941"/>
+        <p14:creationId xmlns:p14="http://schemas.microsoft.com/office/powerpoint/2010/main" val="4118162"/>
       </p:ext>
     </p:extLst>
   </p:cSld>
@@ -2655,7 +2625,7 @@
           <a:bodyPr/>
           <a:lstStyle/>
           <a:p>
-            <a:endParaRPr lang="en-US" dirty="0"/>
+            <a:endParaRPr lang="en-US"/>
           </a:p>
         </p:txBody>
       </p:sp>
@@ -2674,37 +2644,11 @@
           <a:bodyPr/>
           <a:lstStyle/>
           <a:p>
-            <a:pPr marL="0" marR="0" lvl="0" indent="0" algn="l" defTabSz="932742" rtl="0" eaLnBrk="1" fontAlgn="auto" latinLnBrk="0" hangingPunct="1">
-              <a:lnSpc>
-                <a:spcPct val="100000"/>
-              </a:lnSpc>
-              <a:spcBef>
-                <a:spcPts val="0"/>
-              </a:spcBef>
-              <a:spcAft>
-                <a:spcPts val="0"/>
-              </a:spcAft>
-              <a:buClrTx/>
-              <a:buSzTx/>
-              <a:buFontTx/>
-              <a:buNone/>
-              <a:tabLst/>
-              <a:defRPr/>
-            </a:pPr>
-            <a:endParaRPr kumimoji="0" lang="en-US" sz="1200" b="0" i="0" u="none" strike="noStrike" kern="1200" cap="none" spc="0" normalizeH="0" baseline="0" noProof="0" dirty="0">
-              <a:ln>
-                <a:noFill/>
-              </a:ln>
-              <a:solidFill>
-                <a:prstClr val="black"/>
-              </a:solidFill>
-              <a:effectLst/>
-              <a:uLnTx/>
-              <a:uFillTx/>
-              <a:latin typeface="Segoe UI" pitchFamily="34" charset="0"/>
-              <a:ea typeface="+mn-ea"/>
-              <a:cs typeface="+mn-cs"/>
-            </a:endParaRPr>
+            <a:r>
+              <a:rPr lang="en-US"/>
+              <a:t>Microsoft Ignite 2016</a:t>
+            </a:r>
+            <a:endParaRPr lang="en-US" dirty="0"/>
           </a:p>
         </p:txBody>
       </p:sp>
@@ -2723,28 +2667,9 @@
           <a:bodyPr/>
           <a:lstStyle/>
           <a:p>
-            <a:pPr marL="571500" marR="0" lvl="0" indent="0" algn="l" defTabSz="914099" rtl="0" eaLnBrk="0" fontAlgn="auto" latinLnBrk="0" hangingPunct="0">
-              <a:lnSpc>
-                <a:spcPct val="100000"/>
-              </a:lnSpc>
-              <a:spcBef>
-                <a:spcPts val="0"/>
-              </a:spcBef>
-              <a:spcAft>
-                <a:spcPts val="0"/>
-              </a:spcAft>
-              <a:buClrTx/>
-              <a:buSzTx/>
-              <a:buFontTx/>
-              <a:buNone/>
-              <a:tabLst/>
-              <a:defRPr/>
-            </a:pPr>
-            <a:r>
-              <a:rPr kumimoji="0" lang="en-US" sz="400" b="0" i="0" u="none" strike="noStrike" kern="1200" cap="none" spc="0" normalizeH="0" baseline="0" noProof="0" dirty="0">
-                <a:ln>
-                  <a:noFill/>
-                </a:ln>
+            <a:pPr defTabSz="914099" eaLnBrk="0" hangingPunct="0"/>
+            <a:r>
+              <a:rPr lang="en-US" sz="400">
                 <a:gradFill>
                   <a:gsLst>
                     <a:gs pos="0">
@@ -2756,15 +2681,28 @@
                   </a:gsLst>
                   <a:lin ang="5400000" scaled="0"/>
                 </a:gradFill>
-                <a:effectLst/>
-                <a:uLnTx/>
-                <a:uFillTx/>
                 <a:latin typeface="Segoe UI" pitchFamily="34" charset="0"/>
                 <a:ea typeface="Segoe UI" pitchFamily="34" charset="0"/>
                 <a:cs typeface="Segoe UI" pitchFamily="34" charset="0"/>
               </a:rPr>
-              <a:t>© 2014 Microsoft Corporation. All rights reserved. MICROSOFT MAKES NO WARRANTIES, EXPRESS, IMPLIED OR STATUTORY, AS TO THE INFORMATION IN THIS PRESENTATION.</a:t>
-            </a:r>
+              <a:t>© 2016 Microsoft Corporation. All rights reserved. MICROSOFT MAKES NO WARRANTIES, EXPRESS, IMPLIED OR STATUTORY, AS TO THE INFORMATION IN THIS PRESENTATION.</a:t>
+            </a:r>
+            <a:endParaRPr lang="en-US" sz="400" dirty="0">
+              <a:gradFill>
+                <a:gsLst>
+                  <a:gs pos="0">
+                    <a:prstClr val="black"/>
+                  </a:gs>
+                  <a:gs pos="100000">
+                    <a:prstClr val="black"/>
+                  </a:gs>
+                </a:gsLst>
+                <a:lin ang="5400000" scaled="0"/>
+              </a:gradFill>
+              <a:latin typeface="Segoe UI" pitchFamily="34" charset="0"/>
+              <a:ea typeface="Segoe UI" pitchFamily="34" charset="0"/>
+              <a:cs typeface="Segoe UI" pitchFamily="34" charset="0"/>
+            </a:endParaRPr>
           </a:p>
         </p:txBody>
       </p:sp>
@@ -2783,71 +2721,11 @@
           <a:bodyPr/>
           <a:lstStyle/>
           <a:p>
-            <a:pPr marL="0" marR="0" lvl="0" indent="0" algn="r" defTabSz="932742" rtl="0" eaLnBrk="1" fontAlgn="auto" latinLnBrk="0" hangingPunct="1">
-              <a:lnSpc>
-                <a:spcPct val="100000"/>
-              </a:lnSpc>
-              <a:spcBef>
-                <a:spcPts val="0"/>
-              </a:spcBef>
-              <a:spcAft>
-                <a:spcPts val="0"/>
-              </a:spcAft>
-              <a:buClrTx/>
-              <a:buSzTx/>
-              <a:buFontTx/>
-              <a:buNone/>
-              <a:tabLst/>
-              <a:defRPr/>
-            </a:pPr>
-            <a:fld id="{90EC29EE-A8AD-4CE0-9C0B-116E0D4D7533}" type="datetime8">
-              <a:rPr kumimoji="0" lang="en-US" sz="1200" b="0" i="0" u="none" strike="noStrike" kern="1200" cap="none" spc="0" normalizeH="0" baseline="0" noProof="0" smtClean="0">
-                <a:ln>
-                  <a:noFill/>
-                </a:ln>
-                <a:solidFill>
-                  <a:prstClr val="black"/>
-                </a:solidFill>
-                <a:effectLst/>
-                <a:uLnTx/>
-                <a:uFillTx/>
-                <a:latin typeface="Segoe UI" pitchFamily="34" charset="0"/>
-                <a:ea typeface="+mn-ea"/>
-                <a:cs typeface="+mn-cs"/>
-              </a:rPr>
-              <a:pPr marL="0" marR="0" lvl="0" indent="0" algn="r" defTabSz="932742" rtl="0" eaLnBrk="1" fontAlgn="auto" latinLnBrk="0" hangingPunct="1">
-                <a:lnSpc>
-                  <a:spcPct val="100000"/>
-                </a:lnSpc>
-                <a:spcBef>
-                  <a:spcPts val="0"/>
-                </a:spcBef>
-                <a:spcAft>
-                  <a:spcPts val="0"/>
-                </a:spcAft>
-                <a:buClrTx/>
-                <a:buSzTx/>
-                <a:buFontTx/>
-                <a:buNone/>
-                <a:tabLst/>
-                <a:defRPr/>
-              </a:pPr>
-              <a:t>9/17/2017 12:47 PM</a:t>
+            <a:fld id="{38EEC551-8CDA-4EB6-89BB-2A86C9F091C8}" type="datetime8">
+              <a:rPr lang="en-US" smtClean="0"/>
+              <a:t>9/23/2017 8:18 AM</a:t>
             </a:fld>
-            <a:endParaRPr kumimoji="0" lang="en-US" sz="1200" b="0" i="0" u="none" strike="noStrike" kern="1200" cap="none" spc="0" normalizeH="0" baseline="0" noProof="0" dirty="0">
-              <a:ln>
-                <a:noFill/>
-              </a:ln>
-              <a:solidFill>
-                <a:prstClr val="black"/>
-              </a:solidFill>
-              <a:effectLst/>
-              <a:uLnTx/>
-              <a:uFillTx/>
-              <a:latin typeface="Segoe UI" pitchFamily="34" charset="0"/>
-              <a:ea typeface="+mn-ea"/>
-              <a:cs typeface="+mn-cs"/>
-            </a:endParaRPr>
+            <a:endParaRPr lang="en-US" dirty="0"/>
           </a:p>
         </p:txBody>
       </p:sp>
@@ -2866,78 +2744,19 @@
           <a:bodyPr/>
           <a:lstStyle/>
           <a:p>
-            <a:pPr marL="0" marR="0" lvl="0" indent="0" algn="r" defTabSz="932742" rtl="0" eaLnBrk="1" fontAlgn="auto" latinLnBrk="0" hangingPunct="1">
-              <a:lnSpc>
-                <a:spcPct val="100000"/>
-              </a:lnSpc>
-              <a:spcBef>
-                <a:spcPts val="0"/>
-              </a:spcBef>
-              <a:spcAft>
-                <a:spcPts val="0"/>
-              </a:spcAft>
-              <a:buClrTx/>
-              <a:buSzTx/>
-              <a:buFontTx/>
-              <a:buNone/>
-              <a:tabLst/>
-              <a:defRPr/>
-            </a:pPr>
             <a:fld id="{B4008EB6-D09E-4580-8CD6-DDB14511944F}" type="slidenum">
-              <a:rPr kumimoji="0" lang="en-US" sz="1200" b="0" i="0" u="none" strike="noStrike" kern="1200" cap="none" spc="0" normalizeH="0" baseline="0" noProof="0" smtClean="0">
-                <a:ln>
-                  <a:noFill/>
-                </a:ln>
-                <a:solidFill>
-                  <a:prstClr val="black"/>
-                </a:solidFill>
-                <a:effectLst/>
-                <a:uLnTx/>
-                <a:uFillTx/>
-                <a:latin typeface="Segoe UI" pitchFamily="34" charset="0"/>
-                <a:ea typeface="+mn-ea"/>
-                <a:cs typeface="+mn-cs"/>
-              </a:rPr>
-              <a:pPr marL="0" marR="0" lvl="0" indent="0" algn="r" defTabSz="932742" rtl="0" eaLnBrk="1" fontAlgn="auto" latinLnBrk="0" hangingPunct="1">
-                <a:lnSpc>
-                  <a:spcPct val="100000"/>
-                </a:lnSpc>
-                <a:spcBef>
-                  <a:spcPts val="0"/>
-                </a:spcBef>
-                <a:spcAft>
-                  <a:spcPts val="0"/>
-                </a:spcAft>
-                <a:buClrTx/>
-                <a:buSzTx/>
-                <a:buFontTx/>
-                <a:buNone/>
-                <a:tabLst/>
-                <a:defRPr/>
-              </a:pPr>
+              <a:rPr lang="en-US" smtClean="0"/>
+              <a:pPr/>
               <a:t>17</a:t>
             </a:fld>
-            <a:endParaRPr kumimoji="0" lang="en-US" sz="1200" b="0" i="0" u="none" strike="noStrike" kern="1200" cap="none" spc="0" normalizeH="0" baseline="0" noProof="0" dirty="0">
-              <a:ln>
-                <a:noFill/>
-              </a:ln>
-              <a:solidFill>
-                <a:prstClr val="black"/>
-              </a:solidFill>
-              <a:effectLst/>
-              <a:uLnTx/>
-              <a:uFillTx/>
-              <a:latin typeface="Segoe UI" pitchFamily="34" charset="0"/>
-              <a:ea typeface="+mn-ea"/>
-              <a:cs typeface="+mn-cs"/>
-            </a:endParaRPr>
+            <a:endParaRPr lang="en-US" dirty="0"/>
           </a:p>
         </p:txBody>
       </p:sp>
     </p:spTree>
     <p:extLst>
       <p:ext uri="{BB962C8B-B14F-4D97-AF65-F5344CB8AC3E}">
-        <p14:creationId xmlns:p14="http://schemas.microsoft.com/office/powerpoint/2010/main" val="4118162"/>
+        <p14:creationId xmlns:p14="http://schemas.microsoft.com/office/powerpoint/2010/main" val="509916466"/>
       </p:ext>
     </p:extLst>
   </p:cSld>
@@ -3089,7 +2908,7 @@
           <a:p>
             <a:fld id="{38EEC551-8CDA-4EB6-89BB-2A86C9F091C8}" type="datetime8">
               <a:rPr lang="en-US" smtClean="0"/>
-              <a:t>9/17/2017 12:47 PM</a:t>
+              <a:t>9/23/2017 8:18 AM</a:t>
             </a:fld>
             <a:endParaRPr lang="en-US" dirty="0"/>
           </a:p>
@@ -3122,7 +2941,7 @@
     </p:spTree>
     <p:extLst>
       <p:ext uri="{BB962C8B-B14F-4D97-AF65-F5344CB8AC3E}">
-        <p14:creationId xmlns:p14="http://schemas.microsoft.com/office/powerpoint/2010/main" val="509916466"/>
+        <p14:creationId xmlns:p14="http://schemas.microsoft.com/office/powerpoint/2010/main" val="500061400"/>
       </p:ext>
     </p:extLst>
   </p:cSld>
@@ -3176,18 +2995,18 @@
           <a:bodyPr/>
           <a:lstStyle/>
           <a:p>
-            <a:endParaRPr lang="en-US"/>
+            <a:endParaRPr lang="en-US" dirty="0"/>
           </a:p>
         </p:txBody>
       </p:sp>
       <p:sp>
         <p:nvSpPr>
-          <p:cNvPr id="4" name="Header Placeholder 3"/>
+          <p:cNvPr id="4" name="Slide Number Placeholder 3"/>
           <p:cNvSpPr>
             <a:spLocks noGrp="1"/>
           </p:cNvSpPr>
           <p:nvPr>
-            <p:ph type="hdr" sz="quarter" idx="10"/>
+            <p:ph type="sldNum" sz="quarter" idx="10"/>
           </p:nvPr>
         </p:nvSpPr>
         <p:spPr/>
@@ -3195,119 +3014,18 @@
           <a:bodyPr/>
           <a:lstStyle/>
           <a:p>
-            <a:r>
-              <a:rPr lang="en-US"/>
-              <a:t>Microsoft Ignite 2016</a:t>
-            </a:r>
-            <a:endParaRPr lang="en-US" dirty="0"/>
-          </a:p>
-        </p:txBody>
-      </p:sp>
-      <p:sp>
-        <p:nvSpPr>
-          <p:cNvPr id="5" name="Footer Placeholder 4"/>
-          <p:cNvSpPr>
-            <a:spLocks noGrp="1"/>
-          </p:cNvSpPr>
-          <p:nvPr>
-            <p:ph type="ftr" sz="quarter" idx="11"/>
-          </p:nvPr>
-        </p:nvSpPr>
-        <p:spPr/>
-        <p:txBody>
-          <a:bodyPr/>
-          <a:lstStyle/>
-          <a:p>
-            <a:pPr defTabSz="914099" eaLnBrk="0" hangingPunct="0"/>
-            <a:r>
-              <a:rPr lang="en-US" sz="400">
-                <a:gradFill>
-                  <a:gsLst>
-                    <a:gs pos="0">
-                      <a:prstClr val="black"/>
-                    </a:gs>
-                    <a:gs pos="100000">
-                      <a:prstClr val="black"/>
-                    </a:gs>
-                  </a:gsLst>
-                  <a:lin ang="5400000" scaled="0"/>
-                </a:gradFill>
-                <a:latin typeface="Segoe UI" pitchFamily="34" charset="0"/>
-                <a:ea typeface="Segoe UI" pitchFamily="34" charset="0"/>
-                <a:cs typeface="Segoe UI" pitchFamily="34" charset="0"/>
-              </a:rPr>
-              <a:t>© 2016 Microsoft Corporation. All rights reserved. MICROSOFT MAKES NO WARRANTIES, EXPRESS, IMPLIED OR STATUTORY, AS TO THE INFORMATION IN THIS PRESENTATION.</a:t>
-            </a:r>
-            <a:endParaRPr lang="en-US" sz="400" dirty="0">
-              <a:gradFill>
-                <a:gsLst>
-                  <a:gs pos="0">
-                    <a:prstClr val="black"/>
-                  </a:gs>
-                  <a:gs pos="100000">
-                    <a:prstClr val="black"/>
-                  </a:gs>
-                </a:gsLst>
-                <a:lin ang="5400000" scaled="0"/>
-              </a:gradFill>
-              <a:latin typeface="Segoe UI" pitchFamily="34" charset="0"/>
-              <a:ea typeface="Segoe UI" pitchFamily="34" charset="0"/>
-              <a:cs typeface="Segoe UI" pitchFamily="34" charset="0"/>
-            </a:endParaRPr>
-          </a:p>
-        </p:txBody>
-      </p:sp>
-      <p:sp>
-        <p:nvSpPr>
-          <p:cNvPr id="6" name="Date Placeholder 5"/>
-          <p:cNvSpPr>
-            <a:spLocks noGrp="1"/>
-          </p:cNvSpPr>
-          <p:nvPr>
-            <p:ph type="dt" idx="12"/>
-          </p:nvPr>
-        </p:nvSpPr>
-        <p:spPr/>
-        <p:txBody>
-          <a:bodyPr/>
-          <a:lstStyle/>
-          <a:p>
-            <a:fld id="{38EEC551-8CDA-4EB6-89BB-2A86C9F091C8}" type="datetime8">
+            <a:fld id="{3E10E155-47BD-4989-A4F2-012608A02D69}" type="slidenum">
               <a:rPr lang="en-US" smtClean="0"/>
-              <a:t>9/17/2017 12:47 PM</a:t>
-            </a:fld>
-            <a:endParaRPr lang="en-US" dirty="0"/>
-          </a:p>
-        </p:txBody>
-      </p:sp>
-      <p:sp>
-        <p:nvSpPr>
-          <p:cNvPr id="7" name="Slide Number Placeholder 6"/>
-          <p:cNvSpPr>
-            <a:spLocks noGrp="1"/>
-          </p:cNvSpPr>
-          <p:nvPr>
-            <p:ph type="sldNum" sz="quarter" idx="13"/>
-          </p:nvPr>
-        </p:nvSpPr>
-        <p:spPr/>
-        <p:txBody>
-          <a:bodyPr/>
-          <a:lstStyle/>
-          <a:p>
-            <a:fld id="{B4008EB6-D09E-4580-8CD6-DDB14511944F}" type="slidenum">
-              <a:rPr lang="en-US" smtClean="0"/>
-              <a:pPr/>
               <a:t>19</a:t>
             </a:fld>
-            <a:endParaRPr lang="en-US" dirty="0"/>
+            <a:endParaRPr lang="en-US"/>
           </a:p>
         </p:txBody>
       </p:sp>
     </p:spTree>
     <p:extLst>
       <p:ext uri="{BB962C8B-B14F-4D97-AF65-F5344CB8AC3E}">
-        <p14:creationId xmlns:p14="http://schemas.microsoft.com/office/powerpoint/2010/main" val="500061400"/>
+        <p14:creationId xmlns:p14="http://schemas.microsoft.com/office/powerpoint/2010/main" val="720051901"/>
       </p:ext>
     </p:extLst>
   </p:cSld>
@@ -3439,7 +3157,7 @@
           <a:p>
             <a:fld id="{7D10C09F-FCA1-48C8-B40D-42E1045D109E}" type="datetime8">
               <a:rPr lang="en-US" smtClean="0"/>
-              <a:t>9/17/2017 12:47 PM</a:t>
+              <a:t>9/23/2017 8:18 AM</a:t>
             </a:fld>
             <a:endParaRPr lang="en-US" dirty="0"/>
           </a:p>
@@ -3526,7 +3244,10 @@
           <a:bodyPr/>
           <a:lstStyle/>
           <a:p>
-            <a:endParaRPr lang="en-US" dirty="0"/>
+            <a:r>
+              <a:rPr lang="en-US" dirty="0"/>
+              <a:t>F# and VB are coming for Core</a:t>
+            </a:r>
           </a:p>
         </p:txBody>
       </p:sp>
@@ -3556,7 +3277,7 @@
     </p:spTree>
     <p:extLst>
       <p:ext uri="{BB962C8B-B14F-4D97-AF65-F5344CB8AC3E}">
-        <p14:creationId xmlns:p14="http://schemas.microsoft.com/office/powerpoint/2010/main" val="720051901"/>
+        <p14:creationId xmlns:p14="http://schemas.microsoft.com/office/powerpoint/2010/main" val="871496351"/>
       </p:ext>
     </p:extLst>
   </p:cSld>
@@ -3610,21 +3331,18 @@
           <a:bodyPr/>
           <a:lstStyle/>
           <a:p>
-            <a:r>
-              <a:rPr lang="en-US" dirty="0"/>
-              <a:t>F# and VB are coming for Core</a:t>
-            </a:r>
+            <a:endParaRPr lang="en-US" dirty="0"/>
           </a:p>
         </p:txBody>
       </p:sp>
       <p:sp>
         <p:nvSpPr>
-          <p:cNvPr id="4" name="Slide Number Placeholder 3"/>
+          <p:cNvPr id="4" name="Header Placeholder 3"/>
           <p:cNvSpPr>
             <a:spLocks noGrp="1"/>
           </p:cNvSpPr>
           <p:nvPr>
-            <p:ph type="sldNum" sz="quarter" idx="10"/>
+            <p:ph type="hdr" sz="quarter" idx="10"/>
           </p:nvPr>
         </p:nvSpPr>
         <p:spPr/>
@@ -3632,18 +3350,99 @@
           <a:bodyPr/>
           <a:lstStyle/>
           <a:p>
-            <a:fld id="{3E10E155-47BD-4989-A4F2-012608A02D69}" type="slidenum">
+            <a:endParaRPr lang="en-US" dirty="0"/>
+          </a:p>
+        </p:txBody>
+      </p:sp>
+      <p:sp>
+        <p:nvSpPr>
+          <p:cNvPr id="5" name="Footer Placeholder 4"/>
+          <p:cNvSpPr>
+            <a:spLocks noGrp="1"/>
+          </p:cNvSpPr>
+          <p:nvPr>
+            <p:ph type="ftr" sz="quarter" idx="11"/>
+          </p:nvPr>
+        </p:nvSpPr>
+        <p:spPr/>
+        <p:txBody>
+          <a:bodyPr/>
+          <a:lstStyle/>
+          <a:p>
+            <a:pPr defTabSz="914099" eaLnBrk="0" hangingPunct="0"/>
+            <a:r>
+              <a:rPr lang="en-US" sz="400" dirty="0">
+                <a:gradFill>
+                  <a:gsLst>
+                    <a:gs pos="0">
+                      <a:prstClr val="black"/>
+                    </a:gs>
+                    <a:gs pos="100000">
+                      <a:prstClr val="black"/>
+                    </a:gs>
+                  </a:gsLst>
+                  <a:lin ang="5400000" scaled="0"/>
+                </a:gradFill>
+                <a:latin typeface="Segoe UI" pitchFamily="34" charset="0"/>
+                <a:ea typeface="Segoe UI" pitchFamily="34" charset="0"/>
+                <a:cs typeface="Segoe UI" pitchFamily="34" charset="0"/>
+              </a:rPr>
+              <a:t>© 2014 Microsoft Corporation. All rights reserved. MICROSOFT MAKES NO WARRANTIES, EXPRESS, IMPLIED OR STATUTORY, AS TO THE INFORMATION IN THIS PRESENTATION.</a:t>
+            </a:r>
+          </a:p>
+        </p:txBody>
+      </p:sp>
+      <p:sp>
+        <p:nvSpPr>
+          <p:cNvPr id="6" name="Date Placeholder 5"/>
+          <p:cNvSpPr>
+            <a:spLocks noGrp="1"/>
+          </p:cNvSpPr>
+          <p:nvPr>
+            <p:ph type="dt" idx="12"/>
+          </p:nvPr>
+        </p:nvSpPr>
+        <p:spPr/>
+        <p:txBody>
+          <a:bodyPr/>
+          <a:lstStyle/>
+          <a:p>
+            <a:fld id="{7D10C09F-FCA1-48C8-B40D-42E1045D109E}" type="datetime8">
               <a:rPr lang="en-US" smtClean="0"/>
+              <a:t>9/23/2017 8:18 AM</a:t>
+            </a:fld>
+            <a:endParaRPr lang="en-US" dirty="0"/>
+          </a:p>
+        </p:txBody>
+      </p:sp>
+      <p:sp>
+        <p:nvSpPr>
+          <p:cNvPr id="7" name="Slide Number Placeholder 6"/>
+          <p:cNvSpPr>
+            <a:spLocks noGrp="1"/>
+          </p:cNvSpPr>
+          <p:nvPr>
+            <p:ph type="sldNum" sz="quarter" idx="13"/>
+          </p:nvPr>
+        </p:nvSpPr>
+        <p:spPr/>
+        <p:txBody>
+          <a:bodyPr/>
+          <a:lstStyle/>
+          <a:p>
+            <a:fld id="{B4008EB6-D09E-4580-8CD6-DDB14511944F}" type="slidenum">
+              <a:rPr lang="en-US" smtClean="0"/>
+              <a:pPr/>
               <a:t>21</a:t>
             </a:fld>
-            <a:endParaRPr lang="en-US"/>
+            <a:endParaRPr lang="en-US" dirty="0"/>
           </a:p>
         </p:txBody>
       </p:sp>
     </p:spTree>
     <p:extLst>
       <p:ext uri="{BB962C8B-B14F-4D97-AF65-F5344CB8AC3E}">
-        <p14:creationId xmlns:p14="http://schemas.microsoft.com/office/powerpoint/2010/main" val="871496351"/>
+        <p14:creationId xmlns:p14="http://schemas.microsoft.com/office/powerpoint/2010/main" val="124769470"/>
       </p:ext>
     </p:extLst>
   </p:cSld>
@@ -3703,12 +3502,12 @@
       </p:sp>
       <p:sp>
         <p:nvSpPr>
-          <p:cNvPr id="4" name="Header Placeholder 3"/>
+          <p:cNvPr id="6" name="Slide Number Placeholder 5"/>
           <p:cNvSpPr>
             <a:spLocks noGrp="1"/>
           </p:cNvSpPr>
           <p:nvPr>
-            <p:ph type="hdr" sz="quarter" idx="10"/>
+            <p:ph type="sldNum" sz="quarter" idx="12"/>
           </p:nvPr>
         </p:nvSpPr>
         <p:spPr/>
@@ -3716,18 +3515,46 @@
           <a:bodyPr/>
           <a:lstStyle/>
           <a:p>
+            <a:fld id="{B4008EB6-D09E-4580-8CD6-DDB14511944F}" type="slidenum">
+              <a:rPr lang="en-US" smtClean="0"/>
+              <a:pPr/>
+              <a:t>22</a:t>
+            </a:fld>
             <a:endParaRPr lang="en-US" dirty="0"/>
           </a:p>
         </p:txBody>
       </p:sp>
       <p:sp>
         <p:nvSpPr>
-          <p:cNvPr id="5" name="Footer Placeholder 4"/>
+          <p:cNvPr id="10" name="Date Placeholder 9"/>
           <p:cNvSpPr>
             <a:spLocks noGrp="1"/>
           </p:cNvSpPr>
           <p:nvPr>
-            <p:ph type="ftr" sz="quarter" idx="11"/>
+            <p:ph type="dt" idx="13"/>
+          </p:nvPr>
+        </p:nvSpPr>
+        <p:spPr/>
+        <p:txBody>
+          <a:bodyPr/>
+          <a:lstStyle/>
+          <a:p>
+            <a:fld id="{6108602D-D426-4C00-B215-BFA18C076426}" type="datetime8">
+              <a:rPr lang="en-US" smtClean="0"/>
+              <a:t>9/23/2017 8:18 AM</a:t>
+            </a:fld>
+            <a:endParaRPr lang="en-US" dirty="0"/>
+          </a:p>
+        </p:txBody>
+      </p:sp>
+      <p:sp>
+        <p:nvSpPr>
+          <p:cNvPr id="4" name="Footer Placeholder 3"/>
+          <p:cNvSpPr>
+            <a:spLocks noGrp="1"/>
+          </p:cNvSpPr>
+          <p:nvPr>
+            <p:ph type="ftr" sz="quarter" idx="14"/>
           </p:nvPr>
         </p:nvSpPr>
         <p:spPr/>
@@ -3760,12 +3587,12 @@
       </p:sp>
       <p:sp>
         <p:nvSpPr>
-          <p:cNvPr id="6" name="Date Placeholder 5"/>
+          <p:cNvPr id="5" name="Header Placeholder 4"/>
           <p:cNvSpPr>
             <a:spLocks noGrp="1"/>
           </p:cNvSpPr>
           <p:nvPr>
-            <p:ph type="dt" idx="12"/>
+            <p:ph type="hdr" sz="quarter" idx="15"/>
           </p:nvPr>
         </p:nvSpPr>
         <p:spPr/>
@@ -3773,34 +3600,6 @@
           <a:bodyPr/>
           <a:lstStyle/>
           <a:p>
-            <a:fld id="{7D10C09F-FCA1-48C8-B40D-42E1045D109E}" type="datetime8">
-              <a:rPr lang="en-US" smtClean="0"/>
-              <a:t>9/17/2017 12:47 PM</a:t>
-            </a:fld>
-            <a:endParaRPr lang="en-US" dirty="0"/>
-          </a:p>
-        </p:txBody>
-      </p:sp>
-      <p:sp>
-        <p:nvSpPr>
-          <p:cNvPr id="7" name="Slide Number Placeholder 6"/>
-          <p:cNvSpPr>
-            <a:spLocks noGrp="1"/>
-          </p:cNvSpPr>
-          <p:nvPr>
-            <p:ph type="sldNum" sz="quarter" idx="13"/>
-          </p:nvPr>
-        </p:nvSpPr>
-        <p:spPr/>
-        <p:txBody>
-          <a:bodyPr/>
-          <a:lstStyle/>
-          <a:p>
-            <a:fld id="{B4008EB6-D09E-4580-8CD6-DDB14511944F}" type="slidenum">
-              <a:rPr lang="en-US" smtClean="0"/>
-              <a:pPr/>
-              <a:t>22</a:t>
-            </a:fld>
             <a:endParaRPr lang="en-US" dirty="0"/>
           </a:p>
         </p:txBody>
@@ -3808,7 +3607,7 @@
     </p:spTree>
     <p:extLst>
       <p:ext uri="{BB962C8B-B14F-4D97-AF65-F5344CB8AC3E}">
-        <p14:creationId xmlns:p14="http://schemas.microsoft.com/office/powerpoint/2010/main" val="124769470"/>
+        <p14:creationId xmlns:p14="http://schemas.microsoft.com/office/powerpoint/2010/main" val="1215211582"/>
       </p:ext>
     </p:extLst>
   </p:cSld>
@@ -3862,7 +3661,55 @@
           <a:bodyPr/>
           <a:lstStyle/>
           <a:p>
+            <a:r>
+              <a:rPr lang="en-US" dirty="0"/>
+              <a:t>Point out the following:</a:t>
+            </a:r>
+          </a:p>
+          <a:p>
             <a:endParaRPr lang="en-US" dirty="0"/>
+          </a:p>
+          <a:p>
+            <a:pPr marL="171450" indent="-171450">
+              <a:buFontTx/>
+              <a:buChar char="-"/>
+            </a:pPr>
+            <a:r>
+              <a:rPr lang="en-US" baseline="0" dirty="0" err="1"/>
+              <a:t>Microsoft.NET.SDK</a:t>
+            </a:r>
+            <a:r>
+              <a:rPr lang="en-US" baseline="0" dirty="0"/>
+              <a:t> pulls in a set of default settings, such as including *.</a:t>
+            </a:r>
+            <a:r>
+              <a:rPr lang="en-US" baseline="0" dirty="0" err="1"/>
+              <a:t>cs</a:t>
+            </a:r>
+            <a:r>
+              <a:rPr lang="en-US" baseline="0" dirty="0"/>
+              <a:t> files in the project, and appropriate reference assemblies</a:t>
+            </a:r>
+          </a:p>
+          <a:p>
+            <a:pPr marL="171450" indent="-171450">
+              <a:buFontTx/>
+              <a:buChar char="-"/>
+            </a:pPr>
+            <a:r>
+              <a:rPr lang="en-US" baseline="0" dirty="0"/>
+              <a:t>Exe produces an EXE build. Libraries are the default</a:t>
+            </a:r>
+          </a:p>
+          <a:p>
+            <a:pPr marL="171450" indent="-171450">
+              <a:buFontTx/>
+              <a:buChar char="-"/>
+            </a:pPr>
+            <a:r>
+              <a:rPr lang="en-US" baseline="0" dirty="0"/>
+              <a:t>netcoreapp2.0 is the target framework, so defines the set of reference assemblies you get</a:t>
+            </a:r>
           </a:p>
         </p:txBody>
       </p:sp>
@@ -3907,7 +3754,7 @@
           <a:p>
             <a:fld id="{6108602D-D426-4C00-B215-BFA18C076426}" type="datetime8">
               <a:rPr lang="en-US" smtClean="0"/>
-              <a:t>9/17/2017 12:47 PM</a:t>
+              <a:t>9/23/2017 8:18 AM</a:t>
             </a:fld>
             <a:endParaRPr lang="en-US" dirty="0"/>
           </a:p>
@@ -3973,7 +3820,7 @@
     </p:spTree>
     <p:extLst>
       <p:ext uri="{BB962C8B-B14F-4D97-AF65-F5344CB8AC3E}">
-        <p14:creationId xmlns:p14="http://schemas.microsoft.com/office/powerpoint/2010/main" val="1215211582"/>
+        <p14:creationId xmlns:p14="http://schemas.microsoft.com/office/powerpoint/2010/main" val="991063576"/>
       </p:ext>
     </p:extLst>
   </p:cSld>
@@ -4042,19 +3889,19 @@
             </a:pPr>
             <a:r>
               <a:rPr lang="en-US" baseline="0" dirty="0" err="1"/>
-              <a:t>Microsoft.NET.SDK</a:t>
+              <a:t>Microsoft.NET.SDK.Web</a:t>
             </a:r>
             <a:r>
               <a:rPr lang="en-US" baseline="0" dirty="0"/>
-              <a:t> pulls in a set of default settings, such as including *.</a:t>
+              <a:t> pulls in a set of default settings, including referencing </a:t>
             </a:r>
             <a:r>
               <a:rPr lang="en-US" baseline="0" dirty="0" err="1"/>
-              <a:t>cs</a:t>
+              <a:t>Microsoft.Net.SDK</a:t>
             </a:r>
             <a:r>
               <a:rPr lang="en-US" baseline="0" dirty="0"/>
-              <a:t> files in the project, and appropriate reference assemblies</a:t>
+              <a:t> under the hood</a:t>
             </a:r>
           </a:p>
           <a:p>
@@ -4064,7 +3911,23 @@
             </a:pPr>
             <a:r>
               <a:rPr lang="en-US" baseline="0" dirty="0"/>
-              <a:t>Exe produces an EXE build. Libraries are the default</a:t>
+              <a:t>Demonstrates </a:t>
+            </a:r>
+            <a:r>
+              <a:rPr lang="en-US" baseline="0" dirty="0" err="1"/>
+              <a:t>PackageReference</a:t>
+            </a:r>
+            <a:r>
+              <a:rPr lang="en-US" baseline="0" dirty="0"/>
+              <a:t> syntax, the new way to reference </a:t>
+            </a:r>
+            <a:r>
+              <a:rPr lang="en-US" baseline="0" dirty="0" err="1"/>
+              <a:t>NuGet</a:t>
+            </a:r>
+            <a:r>
+              <a:rPr lang="en-US" baseline="0" dirty="0"/>
+              <a:t> packages. ASP.NET remains in NuGet.</a:t>
             </a:r>
           </a:p>
           <a:p>
@@ -4074,8 +3937,21 @@
             </a:pPr>
             <a:r>
               <a:rPr lang="en-US" baseline="0" dirty="0"/>
-              <a:t>netcoreapp2.0 is the target framework, so defines the set of reference assemblies you get</a:t>
-            </a:r>
+              <a:t>Uses new </a:t>
+            </a:r>
+            <a:r>
+              <a:rPr lang="en-US" baseline="0" dirty="0" err="1"/>
+              <a:t>AspNetCore.All</a:t>
+            </a:r>
+            <a:r>
+              <a:rPr lang="en-US" baseline="0" dirty="0"/>
+              <a:t> </a:t>
+            </a:r>
+            <a:r>
+              <a:rPr lang="en-US" baseline="0" dirty="0" err="1"/>
+              <a:t>metapackage</a:t>
+            </a:r>
+            <a:endParaRPr lang="en-US" baseline="0" dirty="0"/>
           </a:p>
         </p:txBody>
       </p:sp>
@@ -4120,7 +3996,7 @@
           <a:p>
             <a:fld id="{6108602D-D426-4C00-B215-BFA18C076426}" type="datetime8">
               <a:rPr lang="en-US" smtClean="0"/>
-              <a:t>9/17/2017 12:47 PM</a:t>
+              <a:t>9/23/2017 8:18 AM</a:t>
             </a:fld>
             <a:endParaRPr lang="en-US" dirty="0"/>
           </a:p>
@@ -4186,7 +4062,7 @@
     </p:spTree>
     <p:extLst>
       <p:ext uri="{BB962C8B-B14F-4D97-AF65-F5344CB8AC3E}">
-        <p14:creationId xmlns:p14="http://schemas.microsoft.com/office/powerpoint/2010/main" val="991063576"/>
+        <p14:creationId xmlns:p14="http://schemas.microsoft.com/office/powerpoint/2010/main" val="728680544"/>
       </p:ext>
     </p:extLst>
   </p:cSld>
@@ -4240,95 +4116,18 @@
           <a:bodyPr/>
           <a:lstStyle/>
           <a:p>
-            <a:r>
-              <a:rPr lang="en-US" dirty="0"/>
-              <a:t>Point out the following:</a:t>
-            </a:r>
-          </a:p>
-          <a:p>
             <a:endParaRPr lang="en-US" dirty="0"/>
-          </a:p>
-          <a:p>
-            <a:pPr marL="171450" indent="-171450">
-              <a:buFontTx/>
-              <a:buChar char="-"/>
-            </a:pPr>
-            <a:r>
-              <a:rPr lang="en-US" baseline="0" dirty="0" err="1"/>
-              <a:t>Microsoft.NET.SDK.Web</a:t>
-            </a:r>
-            <a:r>
-              <a:rPr lang="en-US" baseline="0" dirty="0"/>
-              <a:t> pulls in a set of default settings, including referencing </a:t>
-            </a:r>
-            <a:r>
-              <a:rPr lang="en-US" baseline="0" dirty="0" err="1"/>
-              <a:t>Microsoft.Net.SDK</a:t>
-            </a:r>
-            <a:r>
-              <a:rPr lang="en-US" baseline="0" dirty="0"/>
-              <a:t> under the hood</a:t>
-            </a:r>
-          </a:p>
-          <a:p>
-            <a:pPr marL="171450" indent="-171450">
-              <a:buFontTx/>
-              <a:buChar char="-"/>
-            </a:pPr>
-            <a:r>
-              <a:rPr lang="en-US" baseline="0" dirty="0"/>
-              <a:t>Demonstrates </a:t>
-            </a:r>
-            <a:r>
-              <a:rPr lang="en-US" baseline="0" dirty="0" err="1"/>
-              <a:t>PackageReference</a:t>
-            </a:r>
-            <a:r>
-              <a:rPr lang="en-US" baseline="0" dirty="0"/>
-              <a:t> syntax, the new way to reference </a:t>
-            </a:r>
-            <a:r>
-              <a:rPr lang="en-US" baseline="0" dirty="0" err="1"/>
-              <a:t>NuGet</a:t>
-            </a:r>
-            <a:r>
-              <a:rPr lang="en-US" baseline="0" dirty="0"/>
-              <a:t> packages. ASP.NET remains in NuGet.</a:t>
-            </a:r>
-          </a:p>
-          <a:p>
-            <a:pPr marL="171450" indent="-171450">
-              <a:buFontTx/>
-              <a:buChar char="-"/>
-            </a:pPr>
-            <a:r>
-              <a:rPr lang="en-US" baseline="0" dirty="0"/>
-              <a:t>Uses new </a:t>
-            </a:r>
-            <a:r>
-              <a:rPr lang="en-US" baseline="0" dirty="0" err="1"/>
-              <a:t>AspNetCore.All</a:t>
-            </a:r>
-            <a:r>
-              <a:rPr lang="en-US" baseline="0" dirty="0"/>
-              <a:t> </a:t>
-            </a:r>
-            <a:r>
-              <a:rPr lang="en-US" baseline="0" dirty="0" err="1"/>
-              <a:t>metapackage</a:t>
-            </a:r>
-            <a:endParaRPr lang="en-US" baseline="0" dirty="0"/>
           </a:p>
         </p:txBody>
       </p:sp>
       <p:sp>
         <p:nvSpPr>
-          <p:cNvPr id="6" name="Slide Number Placeholder 5"/>
+          <p:cNvPr id="4" name="Header Placeholder 3"/>
           <p:cNvSpPr>
             <a:spLocks noGrp="1"/>
           </p:cNvSpPr>
           <p:nvPr>
-            <p:ph type="sldNum" sz="quarter" idx="12"/>
+            <p:ph type="hdr" sz="quarter" idx="10"/>
           </p:nvPr>
         </p:nvSpPr>
         <p:spPr/>
@@ -4336,46 +4135,18 @@
           <a:bodyPr/>
           <a:lstStyle/>
           <a:p>
-            <a:fld id="{B4008EB6-D09E-4580-8CD6-DDB14511944F}" type="slidenum">
-              <a:rPr lang="en-US" smtClean="0"/>
-              <a:pPr/>
-              <a:t>25</a:t>
-            </a:fld>
             <a:endParaRPr lang="en-US" dirty="0"/>
           </a:p>
         </p:txBody>
       </p:sp>
       <p:sp>
         <p:nvSpPr>
-          <p:cNvPr id="10" name="Date Placeholder 9"/>
+          <p:cNvPr id="5" name="Footer Placeholder 4"/>
           <p:cNvSpPr>
             <a:spLocks noGrp="1"/>
           </p:cNvSpPr>
           <p:nvPr>
-            <p:ph type="dt" idx="13"/>
-          </p:nvPr>
-        </p:nvSpPr>
-        <p:spPr/>
-        <p:txBody>
-          <a:bodyPr/>
-          <a:lstStyle/>
-          <a:p>
-            <a:fld id="{6108602D-D426-4C00-B215-BFA18C076426}" type="datetime8">
-              <a:rPr lang="en-US" smtClean="0"/>
-              <a:t>9/17/2017 12:47 PM</a:t>
-            </a:fld>
-            <a:endParaRPr lang="en-US" dirty="0"/>
-          </a:p>
-        </p:txBody>
-      </p:sp>
-      <p:sp>
-        <p:nvSpPr>
-          <p:cNvPr id="4" name="Footer Placeholder 3"/>
-          <p:cNvSpPr>
-            <a:spLocks noGrp="1"/>
-          </p:cNvSpPr>
-          <p:nvPr>
-            <p:ph type="ftr" sz="quarter" idx="14"/>
+            <p:ph type="ftr" sz="quarter" idx="11"/>
           </p:nvPr>
         </p:nvSpPr>
         <p:spPr/>
@@ -4408,12 +4179,12 @@
       </p:sp>
       <p:sp>
         <p:nvSpPr>
-          <p:cNvPr id="5" name="Header Placeholder 4"/>
+          <p:cNvPr id="6" name="Date Placeholder 5"/>
           <p:cNvSpPr>
             <a:spLocks noGrp="1"/>
           </p:cNvSpPr>
           <p:nvPr>
-            <p:ph type="hdr" sz="quarter" idx="15"/>
+            <p:ph type="dt" idx="12"/>
           </p:nvPr>
         </p:nvSpPr>
         <p:spPr/>
@@ -4421,6 +4192,34 @@
           <a:bodyPr/>
           <a:lstStyle/>
           <a:p>
+            <a:fld id="{7D10C09F-FCA1-48C8-B40D-42E1045D109E}" type="datetime8">
+              <a:rPr lang="en-US" smtClean="0"/>
+              <a:t>9/23/2017 8:18 AM</a:t>
+            </a:fld>
+            <a:endParaRPr lang="en-US" dirty="0"/>
+          </a:p>
+        </p:txBody>
+      </p:sp>
+      <p:sp>
+        <p:nvSpPr>
+          <p:cNvPr id="7" name="Slide Number Placeholder 6"/>
+          <p:cNvSpPr>
+            <a:spLocks noGrp="1"/>
+          </p:cNvSpPr>
+          <p:nvPr>
+            <p:ph type="sldNum" sz="quarter" idx="13"/>
+          </p:nvPr>
+        </p:nvSpPr>
+        <p:spPr/>
+        <p:txBody>
+          <a:bodyPr/>
+          <a:lstStyle/>
+          <a:p>
+            <a:fld id="{B4008EB6-D09E-4580-8CD6-DDB14511944F}" type="slidenum">
+              <a:rPr lang="en-US" smtClean="0"/>
+              <a:pPr/>
+              <a:t>25</a:t>
+            </a:fld>
             <a:endParaRPr lang="en-US" dirty="0"/>
           </a:p>
         </p:txBody>
@@ -4428,7 +4227,7 @@
     </p:spTree>
     <p:extLst>
       <p:ext uri="{BB962C8B-B14F-4D97-AF65-F5344CB8AC3E}">
-        <p14:creationId xmlns:p14="http://schemas.microsoft.com/office/powerpoint/2010/main" val="728680544"/>
+        <p14:creationId xmlns:p14="http://schemas.microsoft.com/office/powerpoint/2010/main" val="3130439405"/>
       </p:ext>
     </p:extLst>
   </p:cSld>
@@ -4482,7 +4281,7 @@
           <a:bodyPr/>
           <a:lstStyle/>
           <a:p>
-            <a:endParaRPr lang="en-US" dirty="0"/>
+            <a:endParaRPr lang="en-US"/>
           </a:p>
         </p:txBody>
       </p:sp>
@@ -4501,6 +4300,10 @@
           <a:bodyPr/>
           <a:lstStyle/>
           <a:p>
+            <a:r>
+              <a:rPr lang="en-US"/>
+              <a:t>Microsoft Ignite 2016</a:t>
+            </a:r>
             <a:endParaRPr lang="en-US" dirty="0"/>
           </a:p>
         </p:txBody>
@@ -4522,7 +4325,7 @@
           <a:p>
             <a:pPr defTabSz="914099" eaLnBrk="0" hangingPunct="0"/>
             <a:r>
-              <a:rPr lang="en-US" sz="400" dirty="0">
+              <a:rPr lang="en-US" sz="400">
                 <a:gradFill>
                   <a:gsLst>
                     <a:gs pos="0">
@@ -4538,8 +4341,24 @@
                 <a:ea typeface="Segoe UI" pitchFamily="34" charset="0"/>
                 <a:cs typeface="Segoe UI" pitchFamily="34" charset="0"/>
               </a:rPr>
-              <a:t>© 2014 Microsoft Corporation. All rights reserved. MICROSOFT MAKES NO WARRANTIES, EXPRESS, IMPLIED OR STATUTORY, AS TO THE INFORMATION IN THIS PRESENTATION.</a:t>
-            </a:r>
+              <a:t>© 2016 Microsoft Corporation. All rights reserved. MICROSOFT MAKES NO WARRANTIES, EXPRESS, IMPLIED OR STATUTORY, AS TO THE INFORMATION IN THIS PRESENTATION.</a:t>
+            </a:r>
+            <a:endParaRPr lang="en-US" sz="400" dirty="0">
+              <a:gradFill>
+                <a:gsLst>
+                  <a:gs pos="0">
+                    <a:prstClr val="black"/>
+                  </a:gs>
+                  <a:gs pos="100000">
+                    <a:prstClr val="black"/>
+                  </a:gs>
+                </a:gsLst>
+                <a:lin ang="5400000" scaled="0"/>
+              </a:gradFill>
+              <a:latin typeface="Segoe UI" pitchFamily="34" charset="0"/>
+              <a:ea typeface="Segoe UI" pitchFamily="34" charset="0"/>
+              <a:cs typeface="Segoe UI" pitchFamily="34" charset="0"/>
+            </a:endParaRPr>
           </a:p>
         </p:txBody>
       </p:sp>
@@ -4558,9 +4377,9 @@
           <a:bodyPr/>
           <a:lstStyle/>
           <a:p>
-            <a:fld id="{7D10C09F-FCA1-48C8-B40D-42E1045D109E}" type="datetime8">
+            <a:fld id="{38EEC551-8CDA-4EB6-89BB-2A86C9F091C8}" type="datetime8">
               <a:rPr lang="en-US" smtClean="0"/>
-              <a:t>9/17/2017 12:47 PM</a:t>
+              <a:t>9/23/2017 8:18 AM</a:t>
             </a:fld>
             <a:endParaRPr lang="en-US" dirty="0"/>
           </a:p>
@@ -4593,7 +4412,7 @@
     </p:spTree>
     <p:extLst>
       <p:ext uri="{BB962C8B-B14F-4D97-AF65-F5344CB8AC3E}">
-        <p14:creationId xmlns:p14="http://schemas.microsoft.com/office/powerpoint/2010/main" val="3130439405"/>
+        <p14:creationId xmlns:p14="http://schemas.microsoft.com/office/powerpoint/2010/main" val="150182567"/>
       </p:ext>
     </p:extLst>
   </p:cSld>
@@ -4647,7 +4466,57 @@
           <a:bodyPr/>
           <a:lstStyle/>
           <a:p>
-            <a:endParaRPr lang="en-US"/>
+            <a:r>
+              <a:rPr lang="en-US" sz="3200" dirty="0"/>
+              <a:t>We are applying several principles when it comes to designing the CLI:</a:t>
+            </a:r>
+          </a:p>
+          <a:p>
+            <a:pPr lvl="1"/>
+            <a:endParaRPr lang="en-US" sz="2800" dirty="0"/>
+          </a:p>
+          <a:p>
+            <a:pPr lvl="1"/>
+            <a:r>
+              <a:rPr lang="en-US" dirty="0" err="1"/>
+              <a:t>NuGet</a:t>
+            </a:r>
+            <a:r>
+              <a:rPr lang="en-US" dirty="0"/>
+              <a:t> (and $PATH-based) extensibility </a:t>
+            </a:r>
+          </a:p>
+          <a:p>
+            <a:pPr lvl="1"/>
+            <a:r>
+              <a:rPr lang="en-US" dirty="0"/>
+              <a:t>Every command is a verb (“compile”, “run”, “restore” etc.) </a:t>
+            </a:r>
+          </a:p>
+          <a:p>
+            <a:pPr lvl="1"/>
+            <a:r>
+              <a:rPr lang="en-US" dirty="0"/>
+              <a:t>The driver knows enough to run the command(s) and no more</a:t>
+            </a:r>
+          </a:p>
+          <a:p>
+            <a:pPr lvl="1"/>
+            <a:r>
+              <a:rPr lang="en-US" dirty="0"/>
+              <a:t>All core commands are consumable by humans </a:t>
+            </a:r>
+            <a:r>
+              <a:rPr lang="en-US" b="1" dirty="0"/>
+              <a:t>and</a:t>
+            </a:r>
+            <a:r>
+              <a:rPr lang="en-US" dirty="0"/>
+              <a:t> machines </a:t>
+            </a:r>
+          </a:p>
+          <a:p>
+            <a:endParaRPr lang="en-US" dirty="0"/>
           </a:p>
         </p:txBody>
       </p:sp>
@@ -4668,7 +4537,7 @@
           <a:p>
             <a:r>
               <a:rPr lang="en-US"/>
-              <a:t>Microsoft Ignite 2016</a:t>
+              <a:t>TechReady 23</a:t>
             </a:r>
             <a:endParaRPr lang="en-US" dirty="0"/>
           </a:p>
@@ -4745,7 +4614,7 @@
           <a:p>
             <a:fld id="{38EEC551-8CDA-4EB6-89BB-2A86C9F091C8}" type="datetime8">
               <a:rPr lang="en-US" smtClean="0"/>
-              <a:t>9/17/2017 12:47 PM</a:t>
+              <a:t>9/23/2017 8:18 AM</a:t>
             </a:fld>
             <a:endParaRPr lang="en-US" dirty="0"/>
           </a:p>
@@ -4778,7 +4647,7 @@
     </p:spTree>
     <p:extLst>
       <p:ext uri="{BB962C8B-B14F-4D97-AF65-F5344CB8AC3E}">
-        <p14:creationId xmlns:p14="http://schemas.microsoft.com/office/powerpoint/2010/main" val="150182567"/>
+        <p14:creationId xmlns:p14="http://schemas.microsoft.com/office/powerpoint/2010/main" val="3924227676"/>
       </p:ext>
     </p:extLst>
   </p:cSld>
@@ -4832,57 +4701,7 @@
           <a:bodyPr/>
           <a:lstStyle/>
           <a:p>
-            <a:r>
-              <a:rPr lang="en-US" sz="3200" dirty="0"/>
-              <a:t>We are applying several principles when it comes to designing the CLI:</a:t>
-            </a:r>
-          </a:p>
-          <a:p>
-            <a:pPr lvl="1"/>
-            <a:endParaRPr lang="en-US" sz="2800" dirty="0"/>
-          </a:p>
-          <a:p>
-            <a:pPr lvl="1"/>
-            <a:r>
-              <a:rPr lang="en-US" dirty="0" err="1"/>
-              <a:t>NuGet</a:t>
-            </a:r>
-            <a:r>
-              <a:rPr lang="en-US" dirty="0"/>
-              <a:t> (and $PATH-based) extensibility </a:t>
-            </a:r>
-          </a:p>
-          <a:p>
-            <a:pPr lvl="1"/>
-            <a:r>
-              <a:rPr lang="en-US" dirty="0"/>
-              <a:t>Every command is a verb (“compile”, “run”, “restore” etc.) </a:t>
-            </a:r>
-          </a:p>
-          <a:p>
-            <a:pPr lvl="1"/>
-            <a:r>
-              <a:rPr lang="en-US" dirty="0"/>
-              <a:t>The driver knows enough to run the command(s) and no more</a:t>
-            </a:r>
-          </a:p>
-          <a:p>
-            <a:pPr lvl="1"/>
-            <a:r>
-              <a:rPr lang="en-US" dirty="0"/>
-              <a:t>All core commands are consumable by humans </a:t>
-            </a:r>
-            <a:r>
-              <a:rPr lang="en-US" b="1" dirty="0"/>
-              <a:t>and</a:t>
-            </a:r>
-            <a:r>
-              <a:rPr lang="en-US" dirty="0"/>
-              <a:t> machines </a:t>
-            </a:r>
-          </a:p>
-          <a:p>
-            <a:endParaRPr lang="en-US" dirty="0"/>
+            <a:endParaRPr lang="en-US"/>
           </a:p>
         </p:txBody>
       </p:sp>
@@ -4903,7 +4722,7 @@
           <a:p>
             <a:r>
               <a:rPr lang="en-US"/>
-              <a:t>TechReady 23</a:t>
+              <a:t>Microsoft Ignite 2016</a:t>
             </a:r>
             <a:endParaRPr lang="en-US" dirty="0"/>
           </a:p>
@@ -4980,7 +4799,7 @@
           <a:p>
             <a:fld id="{38EEC551-8CDA-4EB6-89BB-2A86C9F091C8}" type="datetime8">
               <a:rPr lang="en-US" smtClean="0"/>
-              <a:t>9/17/2017 12:47 PM</a:t>
+              <a:t>9/23/2017 8:18 AM</a:t>
             </a:fld>
             <a:endParaRPr lang="en-US" dirty="0"/>
           </a:p>
@@ -5013,7 +4832,7 @@
     </p:spTree>
     <p:extLst>
       <p:ext uri="{BB962C8B-B14F-4D97-AF65-F5344CB8AC3E}">
-        <p14:creationId xmlns:p14="http://schemas.microsoft.com/office/powerpoint/2010/main" val="3924227676"/>
+        <p14:creationId xmlns:p14="http://schemas.microsoft.com/office/powerpoint/2010/main" val="2871785487"/>
       </p:ext>
     </p:extLst>
   </p:cSld>
@@ -5067,41 +4886,18 @@
           <a:bodyPr/>
           <a:lstStyle/>
           <a:p>
-            <a:endParaRPr lang="en-US"/>
+            <a:endParaRPr lang="en-US" baseline="0" dirty="0"/>
           </a:p>
         </p:txBody>
       </p:sp>
       <p:sp>
         <p:nvSpPr>
-          <p:cNvPr id="4" name="Header Placeholder 3"/>
+          <p:cNvPr id="4" name="Footer Placeholder 3"/>
           <p:cNvSpPr>
             <a:spLocks noGrp="1"/>
           </p:cNvSpPr>
           <p:nvPr>
-            <p:ph type="hdr" sz="quarter" idx="10"/>
-          </p:nvPr>
-        </p:nvSpPr>
-        <p:spPr/>
-        <p:txBody>
-          <a:bodyPr/>
-          <a:lstStyle/>
-          <a:p>
-            <a:r>
-              <a:rPr lang="en-US"/>
-              <a:t>Microsoft Ignite 2016</a:t>
-            </a:r>
-            <a:endParaRPr lang="en-US" dirty="0"/>
-          </a:p>
-        </p:txBody>
-      </p:sp>
-      <p:sp>
-        <p:nvSpPr>
-          <p:cNvPr id="5" name="Footer Placeholder 4"/>
-          <p:cNvSpPr>
-            <a:spLocks noGrp="1"/>
-          </p:cNvSpPr>
-          <p:nvPr>
-            <p:ph type="ftr" sz="quarter" idx="11"/>
+            <p:ph type="ftr" sz="quarter" idx="10"/>
           </p:nvPr>
         </p:nvSpPr>
         <p:spPr/>
@@ -5127,7 +4923,7 @@
                 <a:ea typeface="Segoe UI" pitchFamily="34" charset="0"/>
                 <a:cs typeface="Segoe UI" pitchFamily="34" charset="0"/>
               </a:rPr>
-              <a:t>© 2016 Microsoft Corporation. All rights reserved. MICROSOFT MAKES NO WARRANTIES, EXPRESS, IMPLIED OR STATUTORY, AS TO THE INFORMATION IN THIS PRESENTATION.</a:t>
+              <a:t>© 2015 Microsoft Corporation. All rights reserved. Microsoft, Windows, and other product names are or may be registered trademarks and/or trademarks in the U.S. and/or other countries. The information herein is for informational purposes only and represents the current view of Microsoft Corporation as of the date of this presentation.  Because Microsoft must respond to changing market conditions, it should not be interpreted to be a commitment on the part of Microsoft, and Microsoft cannot guarantee the accuracy of any information provided after the date of this presentation.  MICROSOFT MAKES NO WARRANTIES, EXPRESS, IMPLIED OR STATUTORY, AS TO THE INFORMATION IN THIS PRESENTATION.</a:t>
             </a:r>
             <a:endParaRPr lang="en-US" sz="400" dirty="0">
               <a:gradFill>
@@ -5150,12 +4946,12 @@
       </p:sp>
       <p:sp>
         <p:nvSpPr>
-          <p:cNvPr id="6" name="Date Placeholder 5"/>
+          <p:cNvPr id="5" name="Date Placeholder 4"/>
           <p:cNvSpPr>
             <a:spLocks noGrp="1"/>
           </p:cNvSpPr>
           <p:nvPr>
-            <p:ph type="dt" idx="12"/>
+            <p:ph type="dt" idx="11"/>
           </p:nvPr>
         </p:nvSpPr>
         <p:spPr/>
@@ -5163,9 +4959,9 @@
           <a:bodyPr/>
           <a:lstStyle/>
           <a:p>
-            <a:fld id="{38EEC551-8CDA-4EB6-89BB-2A86C9F091C8}" type="datetime8">
+            <a:fld id="{E74353ED-ACB2-44BF-A903-985B0AF962B7}" type="datetime1">
               <a:rPr lang="en-US" smtClean="0"/>
-              <a:t>9/17/2017 12:47 PM</a:t>
+              <a:t>9/23/2017</a:t>
             </a:fld>
             <a:endParaRPr lang="en-US" dirty="0"/>
           </a:p>
@@ -5173,12 +4969,12 @@
       </p:sp>
       <p:sp>
         <p:nvSpPr>
-          <p:cNvPr id="7" name="Slide Number Placeholder 6"/>
+          <p:cNvPr id="6" name="Slide Number Placeholder 5"/>
           <p:cNvSpPr>
             <a:spLocks noGrp="1"/>
           </p:cNvSpPr>
           <p:nvPr>
-            <p:ph type="sldNum" sz="quarter" idx="13"/>
+            <p:ph type="sldNum" sz="quarter" idx="12"/>
           </p:nvPr>
         </p:nvSpPr>
         <p:spPr/>
@@ -5198,7 +4994,7 @@
     </p:spTree>
     <p:extLst>
       <p:ext uri="{BB962C8B-B14F-4D97-AF65-F5344CB8AC3E}">
-        <p14:creationId xmlns:p14="http://schemas.microsoft.com/office/powerpoint/2010/main" val="2871785487"/>
+        <p14:creationId xmlns:p14="http://schemas.microsoft.com/office/powerpoint/2010/main" val="4064758588"/>
       </p:ext>
     </p:extLst>
   </p:cSld>
@@ -5429,7 +5225,7 @@
                 <a:tabLst/>
                 <a:defRPr/>
               </a:pPr>
-              <a:t>9/17/2017 12:47 PM</a:t>
+              <a:t>9/23/2017 8:18 AM</a:t>
             </a:fld>
             <a:endParaRPr kumimoji="0" lang="en-US" sz="1200" b="0" i="0" u="none" strike="noStrike" kern="1200" cap="none" spc="0" normalizeH="0" baseline="0" noProof="0" dirty="0">
               <a:ln>
@@ -5588,83 +5384,6 @@
           <a:bodyPr/>
           <a:lstStyle/>
           <a:p>
-            <a:endParaRPr lang="en-US" baseline="0" dirty="0"/>
-          </a:p>
-        </p:txBody>
-      </p:sp>
-      <p:sp>
-        <p:nvSpPr>
-          <p:cNvPr id="4" name="Footer Placeholder 3"/>
-          <p:cNvSpPr>
-            <a:spLocks noGrp="1"/>
-          </p:cNvSpPr>
-          <p:nvPr>
-            <p:ph type="ftr" sz="quarter" idx="10"/>
-          </p:nvPr>
-        </p:nvSpPr>
-        <p:spPr/>
-        <p:txBody>
-          <a:bodyPr/>
-          <a:lstStyle/>
-          <a:p>
-            <a:pPr defTabSz="914099" eaLnBrk="0" hangingPunct="0"/>
-            <a:r>
-              <a:rPr lang="en-US" sz="400">
-                <a:gradFill>
-                  <a:gsLst>
-                    <a:gs pos="0">
-                      <a:prstClr val="black"/>
-                    </a:gs>
-                    <a:gs pos="100000">
-                      <a:prstClr val="black"/>
-                    </a:gs>
-                  </a:gsLst>
-                  <a:lin ang="5400000" scaled="0"/>
-                </a:gradFill>
-                <a:latin typeface="Segoe UI" pitchFamily="34" charset="0"/>
-                <a:ea typeface="Segoe UI" pitchFamily="34" charset="0"/>
-                <a:cs typeface="Segoe UI" pitchFamily="34" charset="0"/>
-              </a:rPr>
-              <a:t>© 2015 Microsoft Corporation. All rights reserved. Microsoft, Windows, and other product names are or may be registered trademarks and/or trademarks in the U.S. and/or other countries. The information herein is for informational purposes only and represents the current view of Microsoft Corporation as of the date of this presentation.  Because Microsoft must respond to changing market conditions, it should not be interpreted to be a commitment on the part of Microsoft, and Microsoft cannot guarantee the accuracy of any information provided after the date of this presentation.  MICROSOFT MAKES NO WARRANTIES, EXPRESS, IMPLIED OR STATUTORY, AS TO THE INFORMATION IN THIS PRESENTATION.</a:t>
-            </a:r>
-            <a:endParaRPr lang="en-US" sz="400" dirty="0">
-              <a:gradFill>
-                <a:gsLst>
-                  <a:gs pos="0">
-                    <a:prstClr val="black"/>
-                  </a:gs>
-                  <a:gs pos="100000">
-                    <a:prstClr val="black"/>
-                  </a:gs>
-                </a:gsLst>
-                <a:lin ang="5400000" scaled="0"/>
-              </a:gradFill>
-              <a:latin typeface="Segoe UI" pitchFamily="34" charset="0"/>
-              <a:ea typeface="Segoe UI" pitchFamily="34" charset="0"/>
-              <a:cs typeface="Segoe UI" pitchFamily="34" charset="0"/>
-            </a:endParaRPr>
-          </a:p>
-        </p:txBody>
-      </p:sp>
-      <p:sp>
-        <p:nvSpPr>
-          <p:cNvPr id="5" name="Date Placeholder 4"/>
-          <p:cNvSpPr>
-            <a:spLocks noGrp="1"/>
-          </p:cNvSpPr>
-          <p:nvPr>
-            <p:ph type="dt" idx="11"/>
-          </p:nvPr>
-        </p:nvSpPr>
-        <p:spPr/>
-        <p:txBody>
-          <a:bodyPr/>
-          <a:lstStyle/>
-          <a:p>
-            <a:fld id="{E74353ED-ACB2-44BF-A903-985B0AF962B7}" type="datetime1">
-              <a:rPr lang="en-US" smtClean="0"/>
-              <a:t>9/17/2017</a:t>
-            </a:fld>
             <a:endParaRPr lang="en-US" dirty="0"/>
           </a:p>
         </p:txBody>
@@ -5693,10 +5412,90 @@
           </a:p>
         </p:txBody>
       </p:sp>
+      <p:sp>
+        <p:nvSpPr>
+          <p:cNvPr id="10" name="Date Placeholder 9"/>
+          <p:cNvSpPr>
+            <a:spLocks noGrp="1"/>
+          </p:cNvSpPr>
+          <p:nvPr>
+            <p:ph type="dt" idx="13"/>
+          </p:nvPr>
+        </p:nvSpPr>
+        <p:spPr/>
+        <p:txBody>
+          <a:bodyPr/>
+          <a:lstStyle/>
+          <a:p>
+            <a:fld id="{6108602D-D426-4C00-B215-BFA18C076426}" type="datetime8">
+              <a:rPr lang="en-US" smtClean="0"/>
+              <a:t>9/23/2017 8:18 AM</a:t>
+            </a:fld>
+            <a:endParaRPr lang="en-US" dirty="0"/>
+          </a:p>
+        </p:txBody>
+      </p:sp>
+      <p:sp>
+        <p:nvSpPr>
+          <p:cNvPr id="4" name="Footer Placeholder 3"/>
+          <p:cNvSpPr>
+            <a:spLocks noGrp="1"/>
+          </p:cNvSpPr>
+          <p:nvPr>
+            <p:ph type="ftr" sz="quarter" idx="14"/>
+          </p:nvPr>
+        </p:nvSpPr>
+        <p:spPr/>
+        <p:txBody>
+          <a:bodyPr/>
+          <a:lstStyle/>
+          <a:p>
+            <a:pPr defTabSz="914099" eaLnBrk="0" hangingPunct="0"/>
+            <a:r>
+              <a:rPr lang="en-US" sz="400" dirty="0">
+                <a:gradFill>
+                  <a:gsLst>
+                    <a:gs pos="0">
+                      <a:prstClr val="black"/>
+                    </a:gs>
+                    <a:gs pos="100000">
+                      <a:prstClr val="black"/>
+                    </a:gs>
+                  </a:gsLst>
+                  <a:lin ang="5400000" scaled="0"/>
+                </a:gradFill>
+                <a:latin typeface="Segoe UI" pitchFamily="34" charset="0"/>
+                <a:ea typeface="Segoe UI" pitchFamily="34" charset="0"/>
+                <a:cs typeface="Segoe UI" pitchFamily="34" charset="0"/>
+              </a:rPr>
+              <a:t>© 2014 Microsoft Corporation. All rights reserved. MICROSOFT MAKES NO WARRANTIES, EXPRESS, IMPLIED OR STATUTORY, AS TO THE INFORMATION IN THIS PRESENTATION.</a:t>
+            </a:r>
+          </a:p>
+        </p:txBody>
+      </p:sp>
+      <p:sp>
+        <p:nvSpPr>
+          <p:cNvPr id="5" name="Header Placeholder 4"/>
+          <p:cNvSpPr>
+            <a:spLocks noGrp="1"/>
+          </p:cNvSpPr>
+          <p:nvPr>
+            <p:ph type="hdr" sz="quarter" idx="15"/>
+          </p:nvPr>
+        </p:nvSpPr>
+        <p:spPr/>
+        <p:txBody>
+          <a:bodyPr/>
+          <a:lstStyle/>
+          <a:p>
+            <a:endParaRPr lang="en-US" dirty="0"/>
+          </a:p>
+        </p:txBody>
+      </p:sp>
     </p:spTree>
     <p:extLst>
       <p:ext uri="{BB962C8B-B14F-4D97-AF65-F5344CB8AC3E}">
-        <p14:creationId xmlns:p14="http://schemas.microsoft.com/office/powerpoint/2010/main" val="4064758588"/>
+        <p14:creationId xmlns:p14="http://schemas.microsoft.com/office/powerpoint/2010/main" val="4115984220"/>
       </p:ext>
     </p:extLst>
   </p:cSld>
@@ -5795,7 +5594,7 @@
           <a:p>
             <a:fld id="{6108602D-D426-4C00-B215-BFA18C076426}" type="datetime8">
               <a:rPr lang="en-US" smtClean="0"/>
-              <a:t>9/17/2017 12:47 PM</a:t>
+              <a:t>9/23/2017 8:18 AM</a:t>
             </a:fld>
             <a:endParaRPr lang="en-US" dirty="0"/>
           </a:p>
@@ -5861,7 +5660,7 @@
     </p:spTree>
     <p:extLst>
       <p:ext uri="{BB962C8B-B14F-4D97-AF65-F5344CB8AC3E}">
-        <p14:creationId xmlns:p14="http://schemas.microsoft.com/office/powerpoint/2010/main" val="4115984220"/>
+        <p14:creationId xmlns:p14="http://schemas.microsoft.com/office/powerpoint/2010/main" val="1127556924"/>
       </p:ext>
     </p:extLst>
   </p:cSld>
@@ -5915,18 +5714,18 @@
           <a:bodyPr/>
           <a:lstStyle/>
           <a:p>
-            <a:endParaRPr lang="en-US" dirty="0"/>
+            <a:endParaRPr lang="en-US"/>
           </a:p>
         </p:txBody>
       </p:sp>
       <p:sp>
         <p:nvSpPr>
-          <p:cNvPr id="6" name="Slide Number Placeholder 5"/>
+          <p:cNvPr id="4" name="Header Placeholder 3"/>
           <p:cNvSpPr>
             <a:spLocks noGrp="1"/>
           </p:cNvSpPr>
           <p:nvPr>
-            <p:ph type="sldNum" sz="quarter" idx="12"/>
+            <p:ph type="hdr" sz="quarter" idx="10"/>
           </p:nvPr>
         </p:nvSpPr>
         <p:spPr/>
@@ -5934,23 +5733,65 @@
           <a:bodyPr/>
           <a:lstStyle/>
           <a:p>
-            <a:fld id="{B4008EB6-D09E-4580-8CD6-DDB14511944F}" type="slidenum">
-              <a:rPr lang="en-US" smtClean="0"/>
-              <a:pPr/>
-              <a:t>32</a:t>
-            </a:fld>
-            <a:endParaRPr lang="en-US" dirty="0"/>
+            <a:pPr marL="0" marR="0" lvl="0" indent="0" algn="l" defTabSz="932742" rtl="0" eaLnBrk="1" fontAlgn="auto" latinLnBrk="0" hangingPunct="1">
+              <a:lnSpc>
+                <a:spcPct val="100000"/>
+              </a:lnSpc>
+              <a:spcBef>
+                <a:spcPts val="0"/>
+              </a:spcBef>
+              <a:spcAft>
+                <a:spcPts val="0"/>
+              </a:spcAft>
+              <a:buClrTx/>
+              <a:buSzTx/>
+              <a:buFontTx/>
+              <a:buNone/>
+              <a:tabLst/>
+              <a:defRPr/>
+            </a:pPr>
+            <a:r>
+              <a:rPr kumimoji="0" lang="en-US" sz="1200" b="0" i="0" u="none" strike="noStrike" kern="1200" cap="none" spc="0" normalizeH="0" baseline="0" noProof="0">
+                <a:ln>
+                  <a:noFill/>
+                </a:ln>
+                <a:solidFill>
+                  <a:prstClr val="black"/>
+                </a:solidFill>
+                <a:effectLst/>
+                <a:uLnTx/>
+                <a:uFillTx/>
+                <a:latin typeface="Segoe UI" pitchFamily="34" charset="0"/>
+                <a:ea typeface="+mn-ea"/>
+                <a:cs typeface="+mn-cs"/>
+              </a:rPr>
+              <a:t>Microsoft Ignite 2016</a:t>
+            </a:r>
+            <a:endParaRPr kumimoji="0" lang="en-US" sz="1200" b="0" i="0" u="none" strike="noStrike" kern="1200" cap="none" spc="0" normalizeH="0" baseline="0" noProof="0" dirty="0">
+              <a:ln>
+                <a:noFill/>
+              </a:ln>
+              <a:solidFill>
+                <a:prstClr val="black"/>
+              </a:solidFill>
+              <a:effectLst/>
+              <a:uLnTx/>
+              <a:uFillTx/>
+              <a:latin typeface="Segoe UI" pitchFamily="34" charset="0"/>
+              <a:ea typeface="+mn-ea"/>
+              <a:cs typeface="+mn-cs"/>
+            </a:endParaRPr>
           </a:p>
         </p:txBody>
       </p:sp>
       <p:sp>
         <p:nvSpPr>
-          <p:cNvPr id="10" name="Date Placeholder 9"/>
+          <p:cNvPr id="5" name="Footer Placeholder 4"/>
           <p:cNvSpPr>
             <a:spLocks noGrp="1"/>
           </p:cNvSpPr>
           <p:nvPr>
-            <p:ph type="dt" idx="13"/>
+            <p:ph type="ftr" sz="quarter" idx="11"/>
           </p:nvPr>
         </p:nvSpPr>
         <p:spPr/>
@@ -5958,32 +5799,28 @@
           <a:bodyPr/>
           <a:lstStyle/>
           <a:p>
-            <a:fld id="{6108602D-D426-4C00-B215-BFA18C076426}" type="datetime8">
-              <a:rPr lang="en-US" smtClean="0"/>
-              <a:t>9/17/2017 12:47 PM</a:t>
-            </a:fld>
-            <a:endParaRPr lang="en-US" dirty="0"/>
-          </a:p>
-        </p:txBody>
-      </p:sp>
-      <p:sp>
-        <p:nvSpPr>
-          <p:cNvPr id="4" name="Footer Placeholder 3"/>
-          <p:cNvSpPr>
-            <a:spLocks noGrp="1"/>
-          </p:cNvSpPr>
-          <p:nvPr>
-            <p:ph type="ftr" sz="quarter" idx="14"/>
-          </p:nvPr>
-        </p:nvSpPr>
-        <p:spPr/>
-        <p:txBody>
-          <a:bodyPr/>
-          <a:lstStyle/>
-          <a:p>
-            <a:pPr defTabSz="914099" eaLnBrk="0" hangingPunct="0"/>
-            <a:r>
-              <a:rPr lang="en-US" sz="400" dirty="0">
+            <a:pPr marL="571500" marR="0" lvl="0" indent="0" algn="l" defTabSz="914099" rtl="0" eaLnBrk="0" fontAlgn="auto" latinLnBrk="0" hangingPunct="0">
+              <a:lnSpc>
+                <a:spcPct val="100000"/>
+              </a:lnSpc>
+              <a:spcBef>
+                <a:spcPts val="0"/>
+              </a:spcBef>
+              <a:spcAft>
+                <a:spcPts val="0"/>
+              </a:spcAft>
+              <a:buClrTx/>
+              <a:buSzTx/>
+              <a:buFontTx/>
+              <a:buNone/>
+              <a:tabLst/>
+              <a:defRPr/>
+            </a:pPr>
+            <a:r>
+              <a:rPr kumimoji="0" lang="en-US" sz="400" b="0" i="0" u="none" strike="noStrike" kern="1200" cap="none" spc="0" normalizeH="0" baseline="0" noProof="0">
+                <a:ln>
+                  <a:noFill/>
+                </a:ln>
                 <a:gradFill>
                   <a:gsLst>
                     <a:gs pos="0">
@@ -5995,23 +5832,48 @@
                   </a:gsLst>
                   <a:lin ang="5400000" scaled="0"/>
                 </a:gradFill>
+                <a:effectLst/>
+                <a:uLnTx/>
+                <a:uFillTx/>
                 <a:latin typeface="Segoe UI" pitchFamily="34" charset="0"/>
                 <a:ea typeface="Segoe UI" pitchFamily="34" charset="0"/>
                 <a:cs typeface="Segoe UI" pitchFamily="34" charset="0"/>
               </a:rPr>
-              <a:t>© 2014 Microsoft Corporation. All rights reserved. MICROSOFT MAKES NO WARRANTIES, EXPRESS, IMPLIED OR STATUTORY, AS TO THE INFORMATION IN THIS PRESENTATION.</a:t>
-            </a:r>
+              <a:t>© 2016 Microsoft Corporation. All rights reserved. MICROSOFT MAKES NO WARRANTIES, EXPRESS, IMPLIED OR STATUTORY, AS TO THE INFORMATION IN THIS PRESENTATION.</a:t>
+            </a:r>
+            <a:endParaRPr kumimoji="0" lang="en-US" sz="400" b="0" i="0" u="none" strike="noStrike" kern="1200" cap="none" spc="0" normalizeH="0" baseline="0" noProof="0" dirty="0">
+              <a:ln>
+                <a:noFill/>
+              </a:ln>
+              <a:gradFill>
+                <a:gsLst>
+                  <a:gs pos="0">
+                    <a:prstClr val="black"/>
+                  </a:gs>
+                  <a:gs pos="100000">
+                    <a:prstClr val="black"/>
+                  </a:gs>
+                </a:gsLst>
+                <a:lin ang="5400000" scaled="0"/>
+              </a:gradFill>
+              <a:effectLst/>
+              <a:uLnTx/>
+              <a:uFillTx/>
+              <a:latin typeface="Segoe UI" pitchFamily="34" charset="0"/>
+              <a:ea typeface="Segoe UI" pitchFamily="34" charset="0"/>
+              <a:cs typeface="Segoe UI" pitchFamily="34" charset="0"/>
+            </a:endParaRPr>
           </a:p>
         </p:txBody>
       </p:sp>
       <p:sp>
         <p:nvSpPr>
-          <p:cNvPr id="5" name="Header Placeholder 4"/>
+          <p:cNvPr id="6" name="Date Placeholder 5"/>
           <p:cNvSpPr>
             <a:spLocks noGrp="1"/>
           </p:cNvSpPr>
           <p:nvPr>
-            <p:ph type="hdr" sz="quarter" idx="15"/>
+            <p:ph type="dt" idx="12"/>
           </p:nvPr>
         </p:nvSpPr>
         <p:spPr/>
@@ -6019,14 +5881,161 @@
           <a:bodyPr/>
           <a:lstStyle/>
           <a:p>
-            <a:endParaRPr lang="en-US" dirty="0"/>
+            <a:pPr marL="0" marR="0" lvl="0" indent="0" algn="r" defTabSz="932742" rtl="0" eaLnBrk="1" fontAlgn="auto" latinLnBrk="0" hangingPunct="1">
+              <a:lnSpc>
+                <a:spcPct val="100000"/>
+              </a:lnSpc>
+              <a:spcBef>
+                <a:spcPts val="0"/>
+              </a:spcBef>
+              <a:spcAft>
+                <a:spcPts val="0"/>
+              </a:spcAft>
+              <a:buClrTx/>
+              <a:buSzTx/>
+              <a:buFontTx/>
+              <a:buNone/>
+              <a:tabLst/>
+              <a:defRPr/>
+            </a:pPr>
+            <a:fld id="{38EEC551-8CDA-4EB6-89BB-2A86C9F091C8}" type="datetime8">
+              <a:rPr kumimoji="0" lang="en-US" sz="1200" b="0" i="0" u="none" strike="noStrike" kern="1200" cap="none" spc="0" normalizeH="0" baseline="0" noProof="0" smtClean="0">
+                <a:ln>
+                  <a:noFill/>
+                </a:ln>
+                <a:solidFill>
+                  <a:prstClr val="black"/>
+                </a:solidFill>
+                <a:effectLst/>
+                <a:uLnTx/>
+                <a:uFillTx/>
+                <a:latin typeface="Segoe UI" pitchFamily="34" charset="0"/>
+                <a:ea typeface="+mn-ea"/>
+                <a:cs typeface="+mn-cs"/>
+              </a:rPr>
+              <a:pPr marL="0" marR="0" lvl="0" indent="0" algn="r" defTabSz="932742" rtl="0" eaLnBrk="1" fontAlgn="auto" latinLnBrk="0" hangingPunct="1">
+                <a:lnSpc>
+                  <a:spcPct val="100000"/>
+                </a:lnSpc>
+                <a:spcBef>
+                  <a:spcPts val="0"/>
+                </a:spcBef>
+                <a:spcAft>
+                  <a:spcPts val="0"/>
+                </a:spcAft>
+                <a:buClrTx/>
+                <a:buSzTx/>
+                <a:buFontTx/>
+                <a:buNone/>
+                <a:tabLst/>
+                <a:defRPr/>
+              </a:pPr>
+              <a:t>9/23/2017 8:18 AM</a:t>
+            </a:fld>
+            <a:endParaRPr kumimoji="0" lang="en-US" sz="1200" b="0" i="0" u="none" strike="noStrike" kern="1200" cap="none" spc="0" normalizeH="0" baseline="0" noProof="0" dirty="0">
+              <a:ln>
+                <a:noFill/>
+              </a:ln>
+              <a:solidFill>
+                <a:prstClr val="black"/>
+              </a:solidFill>
+              <a:effectLst/>
+              <a:uLnTx/>
+              <a:uFillTx/>
+              <a:latin typeface="Segoe UI" pitchFamily="34" charset="0"/>
+              <a:ea typeface="+mn-ea"/>
+              <a:cs typeface="+mn-cs"/>
+            </a:endParaRPr>
+          </a:p>
+        </p:txBody>
+      </p:sp>
+      <p:sp>
+        <p:nvSpPr>
+          <p:cNvPr id="7" name="Slide Number Placeholder 6"/>
+          <p:cNvSpPr>
+            <a:spLocks noGrp="1"/>
+          </p:cNvSpPr>
+          <p:nvPr>
+            <p:ph type="sldNum" sz="quarter" idx="13"/>
+          </p:nvPr>
+        </p:nvSpPr>
+        <p:spPr/>
+        <p:txBody>
+          <a:bodyPr/>
+          <a:lstStyle/>
+          <a:p>
+            <a:pPr marL="0" marR="0" lvl="0" indent="0" algn="r" defTabSz="932742" rtl="0" eaLnBrk="1" fontAlgn="auto" latinLnBrk="0" hangingPunct="1">
+              <a:lnSpc>
+                <a:spcPct val="100000"/>
+              </a:lnSpc>
+              <a:spcBef>
+                <a:spcPts val="0"/>
+              </a:spcBef>
+              <a:spcAft>
+                <a:spcPts val="0"/>
+              </a:spcAft>
+              <a:buClrTx/>
+              <a:buSzTx/>
+              <a:buFontTx/>
+              <a:buNone/>
+              <a:tabLst/>
+              <a:defRPr/>
+            </a:pPr>
+            <a:fld id="{B4008EB6-D09E-4580-8CD6-DDB14511944F}" type="slidenum">
+              <a:rPr kumimoji="0" lang="en-US" sz="1200" b="0" i="0" u="none" strike="noStrike" kern="1200" cap="none" spc="0" normalizeH="0" baseline="0" noProof="0" smtClean="0">
+                <a:ln>
+                  <a:noFill/>
+                </a:ln>
+                <a:solidFill>
+                  <a:prstClr val="black"/>
+                </a:solidFill>
+                <a:effectLst/>
+                <a:uLnTx/>
+                <a:uFillTx/>
+                <a:latin typeface="Segoe UI" pitchFamily="34" charset="0"/>
+                <a:ea typeface="+mn-ea"/>
+                <a:cs typeface="+mn-cs"/>
+              </a:rPr>
+              <a:pPr marL="0" marR="0" lvl="0" indent="0" algn="r" defTabSz="932742" rtl="0" eaLnBrk="1" fontAlgn="auto" latinLnBrk="0" hangingPunct="1">
+                <a:lnSpc>
+                  <a:spcPct val="100000"/>
+                </a:lnSpc>
+                <a:spcBef>
+                  <a:spcPts val="0"/>
+                </a:spcBef>
+                <a:spcAft>
+                  <a:spcPts val="0"/>
+                </a:spcAft>
+                <a:buClrTx/>
+                <a:buSzTx/>
+                <a:buFontTx/>
+                <a:buNone/>
+                <a:tabLst/>
+                <a:defRPr/>
+              </a:pPr>
+              <a:t>32</a:t>
+            </a:fld>
+            <a:endParaRPr kumimoji="0" lang="en-US" sz="1200" b="0" i="0" u="none" strike="noStrike" kern="1200" cap="none" spc="0" normalizeH="0" baseline="0" noProof="0" dirty="0">
+              <a:ln>
+                <a:noFill/>
+              </a:ln>
+              <a:solidFill>
+                <a:prstClr val="black"/>
+              </a:solidFill>
+              <a:effectLst/>
+              <a:uLnTx/>
+              <a:uFillTx/>
+              <a:latin typeface="Segoe UI" pitchFamily="34" charset="0"/>
+              <a:ea typeface="+mn-ea"/>
+              <a:cs typeface="+mn-cs"/>
+            </a:endParaRPr>
           </a:p>
         </p:txBody>
       </p:sp>
     </p:spTree>
     <p:extLst>
       <p:ext uri="{BB962C8B-B14F-4D97-AF65-F5344CB8AC3E}">
-        <p14:creationId xmlns:p14="http://schemas.microsoft.com/office/powerpoint/2010/main" val="1127556924"/>
+        <p14:creationId xmlns:p14="http://schemas.microsoft.com/office/powerpoint/2010/main" val="415554769"/>
       </p:ext>
     </p:extLst>
   </p:cSld>
@@ -6080,7 +6089,7 @@
           <a:bodyPr/>
           <a:lstStyle/>
           <a:p>
-            <a:endParaRPr lang="en-US"/>
+            <a:endParaRPr lang="en-US" dirty="0"/>
           </a:p>
         </p:txBody>
       </p:sp>
@@ -6099,54 +6108,7 @@
           <a:bodyPr/>
           <a:lstStyle/>
           <a:p>
-            <a:pPr marL="0" marR="0" lvl="0" indent="0" algn="l" defTabSz="932742" rtl="0" eaLnBrk="1" fontAlgn="auto" latinLnBrk="0" hangingPunct="1">
-              <a:lnSpc>
-                <a:spcPct val="100000"/>
-              </a:lnSpc>
-              <a:spcBef>
-                <a:spcPts val="0"/>
-              </a:spcBef>
-              <a:spcAft>
-                <a:spcPts val="0"/>
-              </a:spcAft>
-              <a:buClrTx/>
-              <a:buSzTx/>
-              <a:buFontTx/>
-              <a:buNone/>
-              <a:tabLst/>
-              <a:defRPr/>
-            </a:pPr>
-            <a:r>
-              <a:rPr kumimoji="0" lang="en-US" sz="1200" b="0" i="0" u="none" strike="noStrike" kern="1200" cap="none" spc="0" normalizeH="0" baseline="0" noProof="0">
-                <a:ln>
-                  <a:noFill/>
-                </a:ln>
-                <a:solidFill>
-                  <a:prstClr val="black"/>
-                </a:solidFill>
-                <a:effectLst/>
-                <a:uLnTx/>
-                <a:uFillTx/>
-                <a:latin typeface="Segoe UI" pitchFamily="34" charset="0"/>
-                <a:ea typeface="+mn-ea"/>
-                <a:cs typeface="+mn-cs"/>
-              </a:rPr>
-              <a:t>Microsoft Ignite 2016</a:t>
-            </a:r>
-            <a:endParaRPr kumimoji="0" lang="en-US" sz="1200" b="0" i="0" u="none" strike="noStrike" kern="1200" cap="none" spc="0" normalizeH="0" baseline="0" noProof="0" dirty="0">
-              <a:ln>
-                <a:noFill/>
-              </a:ln>
-              <a:solidFill>
-                <a:prstClr val="black"/>
-              </a:solidFill>
-              <a:effectLst/>
-              <a:uLnTx/>
-              <a:uFillTx/>
-              <a:latin typeface="Segoe UI" pitchFamily="34" charset="0"/>
-              <a:ea typeface="+mn-ea"/>
-              <a:cs typeface="+mn-cs"/>
-            </a:endParaRPr>
+            <a:endParaRPr lang="en-US" dirty="0"/>
           </a:p>
         </p:txBody>
       </p:sp>
@@ -6165,28 +6127,9 @@
           <a:bodyPr/>
           <a:lstStyle/>
           <a:p>
-            <a:pPr marL="571500" marR="0" lvl="0" indent="0" algn="l" defTabSz="914099" rtl="0" eaLnBrk="0" fontAlgn="auto" latinLnBrk="0" hangingPunct="0">
-              <a:lnSpc>
-                <a:spcPct val="100000"/>
-              </a:lnSpc>
-              <a:spcBef>
-                <a:spcPts val="0"/>
-              </a:spcBef>
-              <a:spcAft>
-                <a:spcPts val="0"/>
-              </a:spcAft>
-              <a:buClrTx/>
-              <a:buSzTx/>
-              <a:buFontTx/>
-              <a:buNone/>
-              <a:tabLst/>
-              <a:defRPr/>
-            </a:pPr>
-            <a:r>
-              <a:rPr kumimoji="0" lang="en-US" sz="400" b="0" i="0" u="none" strike="noStrike" kern="1200" cap="none" spc="0" normalizeH="0" baseline="0" noProof="0">
-                <a:ln>
-                  <a:noFill/>
-                </a:ln>
+            <a:pPr defTabSz="914099" eaLnBrk="0" hangingPunct="0"/>
+            <a:r>
+              <a:rPr lang="en-US" sz="400" dirty="0">
                 <a:gradFill>
                   <a:gsLst>
                     <a:gs pos="0">
@@ -6198,37 +6141,12 @@
                   </a:gsLst>
                   <a:lin ang="5400000" scaled="0"/>
                 </a:gradFill>
-                <a:effectLst/>
-                <a:uLnTx/>
-                <a:uFillTx/>
                 <a:latin typeface="Segoe UI" pitchFamily="34" charset="0"/>
                 <a:ea typeface="Segoe UI" pitchFamily="34" charset="0"/>
                 <a:cs typeface="Segoe UI" pitchFamily="34" charset="0"/>
               </a:rPr>
-              <a:t>© 2016 Microsoft Corporation. All rights reserved. MICROSOFT MAKES NO WARRANTIES, EXPRESS, IMPLIED OR STATUTORY, AS TO THE INFORMATION IN THIS PRESENTATION.</a:t>
-            </a:r>
-            <a:endParaRPr kumimoji="0" lang="en-US" sz="400" b="0" i="0" u="none" strike="noStrike" kern="1200" cap="none" spc="0" normalizeH="0" baseline="0" noProof="0" dirty="0">
-              <a:ln>
-                <a:noFill/>
-              </a:ln>
-              <a:gradFill>
-                <a:gsLst>
-                  <a:gs pos="0">
-                    <a:prstClr val="black"/>
-                  </a:gs>
-                  <a:gs pos="100000">
-                    <a:prstClr val="black"/>
-                  </a:gs>
-                </a:gsLst>
-                <a:lin ang="5400000" scaled="0"/>
-              </a:gradFill>
-              <a:effectLst/>
-              <a:uLnTx/>
-              <a:uFillTx/>
-              <a:latin typeface="Segoe UI" pitchFamily="34" charset="0"/>
-              <a:ea typeface="Segoe UI" pitchFamily="34" charset="0"/>
-              <a:cs typeface="Segoe UI" pitchFamily="34" charset="0"/>
-            </a:endParaRPr>
+              <a:t>© 2014 Microsoft Corporation. All rights reserved. MICROSOFT MAKES NO WARRANTIES, EXPRESS, IMPLIED OR STATUTORY, AS TO THE INFORMATION IN THIS PRESENTATION.</a:t>
+            </a:r>
           </a:p>
         </p:txBody>
       </p:sp>
@@ -6247,71 +6165,11 @@
           <a:bodyPr/>
           <a:lstStyle/>
           <a:p>
-            <a:pPr marL="0" marR="0" lvl="0" indent="0" algn="r" defTabSz="932742" rtl="0" eaLnBrk="1" fontAlgn="auto" latinLnBrk="0" hangingPunct="1">
-              <a:lnSpc>
-                <a:spcPct val="100000"/>
-              </a:lnSpc>
-              <a:spcBef>
-                <a:spcPts val="0"/>
-              </a:spcBef>
-              <a:spcAft>
-                <a:spcPts val="0"/>
-              </a:spcAft>
-              <a:buClrTx/>
-              <a:buSzTx/>
-              <a:buFontTx/>
-              <a:buNone/>
-              <a:tabLst/>
-              <a:defRPr/>
-            </a:pPr>
-            <a:fld id="{38EEC551-8CDA-4EB6-89BB-2A86C9F091C8}" type="datetime8">
-              <a:rPr kumimoji="0" lang="en-US" sz="1200" b="0" i="0" u="none" strike="noStrike" kern="1200" cap="none" spc="0" normalizeH="0" baseline="0" noProof="0" smtClean="0">
-                <a:ln>
-                  <a:noFill/>
-                </a:ln>
-                <a:solidFill>
-                  <a:prstClr val="black"/>
-                </a:solidFill>
-                <a:effectLst/>
-                <a:uLnTx/>
-                <a:uFillTx/>
-                <a:latin typeface="Segoe UI" pitchFamily="34" charset="0"/>
-                <a:ea typeface="+mn-ea"/>
-                <a:cs typeface="+mn-cs"/>
-              </a:rPr>
-              <a:pPr marL="0" marR="0" lvl="0" indent="0" algn="r" defTabSz="932742" rtl="0" eaLnBrk="1" fontAlgn="auto" latinLnBrk="0" hangingPunct="1">
-                <a:lnSpc>
-                  <a:spcPct val="100000"/>
-                </a:lnSpc>
-                <a:spcBef>
-                  <a:spcPts val="0"/>
-                </a:spcBef>
-                <a:spcAft>
-                  <a:spcPts val="0"/>
-                </a:spcAft>
-                <a:buClrTx/>
-                <a:buSzTx/>
-                <a:buFontTx/>
-                <a:buNone/>
-                <a:tabLst/>
-                <a:defRPr/>
-              </a:pPr>
-              <a:t>9/17/2017 12:47 PM</a:t>
+            <a:fld id="{7D10C09F-FCA1-48C8-B40D-42E1045D109E}" type="datetime8">
+              <a:rPr lang="en-US" smtClean="0"/>
+              <a:t>9/23/2017 8:18 AM</a:t>
             </a:fld>
-            <a:endParaRPr kumimoji="0" lang="en-US" sz="1200" b="0" i="0" u="none" strike="noStrike" kern="1200" cap="none" spc="0" normalizeH="0" baseline="0" noProof="0" dirty="0">
-              <a:ln>
-                <a:noFill/>
-              </a:ln>
-              <a:solidFill>
-                <a:prstClr val="black"/>
-              </a:solidFill>
-              <a:effectLst/>
-              <a:uLnTx/>
-              <a:uFillTx/>
-              <a:latin typeface="Segoe UI" pitchFamily="34" charset="0"/>
-              <a:ea typeface="+mn-ea"/>
-              <a:cs typeface="+mn-cs"/>
-            </a:endParaRPr>
+            <a:endParaRPr lang="en-US" dirty="0"/>
           </a:p>
         </p:txBody>
       </p:sp>
@@ -6330,78 +6188,19 @@
           <a:bodyPr/>
           <a:lstStyle/>
           <a:p>
-            <a:pPr marL="0" marR="0" lvl="0" indent="0" algn="r" defTabSz="932742" rtl="0" eaLnBrk="1" fontAlgn="auto" latinLnBrk="0" hangingPunct="1">
-              <a:lnSpc>
-                <a:spcPct val="100000"/>
-              </a:lnSpc>
-              <a:spcBef>
-                <a:spcPts val="0"/>
-              </a:spcBef>
-              <a:spcAft>
-                <a:spcPts val="0"/>
-              </a:spcAft>
-              <a:buClrTx/>
-              <a:buSzTx/>
-              <a:buFontTx/>
-              <a:buNone/>
-              <a:tabLst/>
-              <a:defRPr/>
-            </a:pPr>
             <a:fld id="{B4008EB6-D09E-4580-8CD6-DDB14511944F}" type="slidenum">
-              <a:rPr kumimoji="0" lang="en-US" sz="1200" b="0" i="0" u="none" strike="noStrike" kern="1200" cap="none" spc="0" normalizeH="0" baseline="0" noProof="0" smtClean="0">
-                <a:ln>
-                  <a:noFill/>
-                </a:ln>
-                <a:solidFill>
-                  <a:prstClr val="black"/>
-                </a:solidFill>
-                <a:effectLst/>
-                <a:uLnTx/>
-                <a:uFillTx/>
-                <a:latin typeface="Segoe UI" pitchFamily="34" charset="0"/>
-                <a:ea typeface="+mn-ea"/>
-                <a:cs typeface="+mn-cs"/>
-              </a:rPr>
-              <a:pPr marL="0" marR="0" lvl="0" indent="0" algn="r" defTabSz="932742" rtl="0" eaLnBrk="1" fontAlgn="auto" latinLnBrk="0" hangingPunct="1">
-                <a:lnSpc>
-                  <a:spcPct val="100000"/>
-                </a:lnSpc>
-                <a:spcBef>
-                  <a:spcPts val="0"/>
-                </a:spcBef>
-                <a:spcAft>
-                  <a:spcPts val="0"/>
-                </a:spcAft>
-                <a:buClrTx/>
-                <a:buSzTx/>
-                <a:buFontTx/>
-                <a:buNone/>
-                <a:tabLst/>
-                <a:defRPr/>
-              </a:pPr>
+              <a:rPr lang="en-US" smtClean="0"/>
+              <a:pPr/>
               <a:t>33</a:t>
             </a:fld>
-            <a:endParaRPr kumimoji="0" lang="en-US" sz="1200" b="0" i="0" u="none" strike="noStrike" kern="1200" cap="none" spc="0" normalizeH="0" baseline="0" noProof="0" dirty="0">
-              <a:ln>
-                <a:noFill/>
-              </a:ln>
-              <a:solidFill>
-                <a:prstClr val="black"/>
-              </a:solidFill>
-              <a:effectLst/>
-              <a:uLnTx/>
-              <a:uFillTx/>
-              <a:latin typeface="Segoe UI" pitchFamily="34" charset="0"/>
-              <a:ea typeface="+mn-ea"/>
-              <a:cs typeface="+mn-cs"/>
-            </a:endParaRPr>
+            <a:endParaRPr lang="en-US" dirty="0"/>
           </a:p>
         </p:txBody>
       </p:sp>
     </p:spTree>
     <p:extLst>
       <p:ext uri="{BB962C8B-B14F-4D97-AF65-F5344CB8AC3E}">
-        <p14:creationId xmlns:p14="http://schemas.microsoft.com/office/powerpoint/2010/main" val="415554769"/>
+        <p14:creationId xmlns:p14="http://schemas.microsoft.com/office/powerpoint/2010/main" val="376795026"/>
       </p:ext>
     </p:extLst>
   </p:cSld>
@@ -6455,6 +6254,99 @@
           <a:bodyPr/>
           <a:lstStyle/>
           <a:p>
+            <a:r>
+              <a:rPr lang="en-US" sz="3200" kern="1200" dirty="0">
+                <a:solidFill>
+                  <a:schemeClr val="tx1"/>
+                </a:solidFill>
+                <a:latin typeface="Segoe UI Light" pitchFamily="34" charset="0"/>
+                <a:ea typeface="+mn-ea"/>
+                <a:cs typeface="+mn-cs"/>
+              </a:rPr>
+              <a:t>There are multiple types of deployment for .NET Core</a:t>
+            </a:r>
+            <a:endParaRPr lang="en-US" dirty="0"/>
+          </a:p>
+          <a:p>
+            <a:endParaRPr lang="en-US" dirty="0"/>
+          </a:p>
+          <a:p>
+            <a:r>
+              <a:rPr lang="en-US" sz="3200" b="1" kern="1200" dirty="0">
+                <a:solidFill>
+                  <a:schemeClr val="tx1"/>
+                </a:solidFill>
+                <a:latin typeface="Segoe UI Light" pitchFamily="34" charset="0"/>
+                <a:ea typeface="+mn-ea"/>
+                <a:cs typeface="+mn-cs"/>
+              </a:rPr>
+              <a:t>Framework-dependent deployment (FDD) </a:t>
+            </a:r>
+            <a:r>
+              <a:rPr lang="en-US" sz="3200" kern="1200" dirty="0">
+                <a:solidFill>
+                  <a:schemeClr val="tx1"/>
+                </a:solidFill>
+                <a:latin typeface="Segoe UI Light" pitchFamily="34" charset="0"/>
+                <a:ea typeface="+mn-ea"/>
+                <a:cs typeface="+mn-cs"/>
+              </a:rPr>
+              <a:t>- require shared component on target</a:t>
+            </a:r>
+            <a:endParaRPr lang="en-US" b="1" dirty="0"/>
+          </a:p>
+          <a:p>
+            <a:pPr lvl="1"/>
+            <a:r>
+              <a:rPr lang="en-US" sz="900" b="1" kern="1200" dirty="0">
+                <a:solidFill>
+                  <a:schemeClr val="tx1"/>
+                </a:solidFill>
+                <a:latin typeface="Segoe UI Light" pitchFamily="34" charset="0"/>
+                <a:ea typeface="+mn-ea"/>
+                <a:cs typeface="+mn-cs"/>
+              </a:rPr>
+              <a:t>FDD w/ native dependencies</a:t>
+            </a:r>
+            <a:r>
+              <a:rPr lang="en-US" sz="900" kern="1200" dirty="0">
+                <a:solidFill>
+                  <a:schemeClr val="tx1"/>
+                </a:solidFill>
+                <a:latin typeface="Segoe UI Light" pitchFamily="34" charset="0"/>
+                <a:ea typeface="+mn-ea"/>
+                <a:cs typeface="+mn-cs"/>
+              </a:rPr>
+              <a:t> - require shared component but has native dependencies </a:t>
+            </a:r>
+            <a:endParaRPr lang="en-US" sz="3600" b="1" dirty="0"/>
+          </a:p>
+          <a:p>
+            <a:r>
+              <a:rPr lang="en-US" sz="3200" b="1" kern="1200" dirty="0">
+                <a:solidFill>
+                  <a:schemeClr val="tx1"/>
+                </a:solidFill>
+                <a:latin typeface="Segoe UI Light" pitchFamily="34" charset="0"/>
+                <a:ea typeface="+mn-ea"/>
+                <a:cs typeface="+mn-cs"/>
+              </a:rPr>
+              <a:t>Self-contained deployment (SCD) </a:t>
+            </a:r>
+            <a:r>
+              <a:rPr lang="en-US" sz="3200" kern="1200" dirty="0">
+                <a:solidFill>
+                  <a:schemeClr val="tx1"/>
+                </a:solidFill>
+                <a:latin typeface="Segoe UI Light" pitchFamily="34" charset="0"/>
+                <a:ea typeface="+mn-ea"/>
+                <a:cs typeface="+mn-cs"/>
+              </a:rPr>
+              <a:t>- package all with them (what we currently have)</a:t>
+            </a:r>
+            <a:endParaRPr lang="en-US" dirty="0"/>
+          </a:p>
+          <a:p>
             <a:endParaRPr lang="en-US" dirty="0"/>
           </a:p>
         </p:txBody>
@@ -6474,6 +6366,10 @@
           <a:bodyPr/>
           <a:lstStyle/>
           <a:p>
+            <a:r>
+              <a:rPr lang="en-US"/>
+              <a:t>TechReady 23</a:t>
+            </a:r>
             <a:endParaRPr lang="en-US" dirty="0"/>
           </a:p>
         </p:txBody>
@@ -6495,7 +6391,7 @@
           <a:p>
             <a:pPr defTabSz="914099" eaLnBrk="0" hangingPunct="0"/>
             <a:r>
-              <a:rPr lang="en-US" sz="400" dirty="0">
+              <a:rPr lang="en-US" sz="400">
                 <a:gradFill>
                   <a:gsLst>
                     <a:gs pos="0">
@@ -6511,8 +6407,24 @@
                 <a:ea typeface="Segoe UI" pitchFamily="34" charset="0"/>
                 <a:cs typeface="Segoe UI" pitchFamily="34" charset="0"/>
               </a:rPr>
-              <a:t>© 2014 Microsoft Corporation. All rights reserved. MICROSOFT MAKES NO WARRANTIES, EXPRESS, IMPLIED OR STATUTORY, AS TO THE INFORMATION IN THIS PRESENTATION.</a:t>
-            </a:r>
+              <a:t>© 2016 Microsoft Corporation. All rights reserved. MICROSOFT MAKES NO WARRANTIES, EXPRESS, IMPLIED OR STATUTORY, AS TO THE INFORMATION IN THIS PRESENTATION.</a:t>
+            </a:r>
+            <a:endParaRPr lang="en-US" sz="400" dirty="0">
+              <a:gradFill>
+                <a:gsLst>
+                  <a:gs pos="0">
+                    <a:prstClr val="black"/>
+                  </a:gs>
+                  <a:gs pos="100000">
+                    <a:prstClr val="black"/>
+                  </a:gs>
+                </a:gsLst>
+                <a:lin ang="5400000" scaled="0"/>
+              </a:gradFill>
+              <a:latin typeface="Segoe UI" pitchFamily="34" charset="0"/>
+              <a:ea typeface="Segoe UI" pitchFamily="34" charset="0"/>
+              <a:cs typeface="Segoe UI" pitchFamily="34" charset="0"/>
+            </a:endParaRPr>
           </a:p>
         </p:txBody>
       </p:sp>
@@ -6531,9 +6443,9 @@
           <a:bodyPr/>
           <a:lstStyle/>
           <a:p>
-            <a:fld id="{7D10C09F-FCA1-48C8-B40D-42E1045D109E}" type="datetime8">
+            <a:fld id="{38EEC551-8CDA-4EB6-89BB-2A86C9F091C8}" type="datetime8">
               <a:rPr lang="en-US" smtClean="0"/>
-              <a:t>9/17/2017 12:47 PM</a:t>
+              <a:t>9/23/2017 8:18 AM</a:t>
             </a:fld>
             <a:endParaRPr lang="en-US" dirty="0"/>
           </a:p>
@@ -6566,7 +6478,7 @@
     </p:spTree>
     <p:extLst>
       <p:ext uri="{BB962C8B-B14F-4D97-AF65-F5344CB8AC3E}">
-        <p14:creationId xmlns:p14="http://schemas.microsoft.com/office/powerpoint/2010/main" val="376795026"/>
+        <p14:creationId xmlns:p14="http://schemas.microsoft.com/office/powerpoint/2010/main" val="651518226"/>
       </p:ext>
     </p:extLst>
   </p:cSld>
@@ -6811,7 +6723,7 @@
           <a:p>
             <a:fld id="{38EEC551-8CDA-4EB6-89BB-2A86C9F091C8}" type="datetime8">
               <a:rPr lang="en-US" smtClean="0"/>
-              <a:t>9/17/2017 12:47 PM</a:t>
+              <a:t>9/23/2017 8:18 AM</a:t>
             </a:fld>
             <a:endParaRPr lang="en-US" dirty="0"/>
           </a:p>
@@ -6844,7 +6756,7 @@
     </p:spTree>
     <p:extLst>
       <p:ext uri="{BB962C8B-B14F-4D97-AF65-F5344CB8AC3E}">
-        <p14:creationId xmlns:p14="http://schemas.microsoft.com/office/powerpoint/2010/main" val="651518226"/>
+        <p14:creationId xmlns:p14="http://schemas.microsoft.com/office/powerpoint/2010/main" val="822485172"/>
       </p:ext>
     </p:extLst>
   </p:cSld>
@@ -7089,7 +7001,7 @@
           <a:p>
             <a:fld id="{38EEC551-8CDA-4EB6-89BB-2A86C9F091C8}" type="datetime8">
               <a:rPr lang="en-US" smtClean="0"/>
-              <a:t>9/17/2017 12:47 PM</a:t>
+              <a:t>9/23/2017 8:18 AM</a:t>
             </a:fld>
             <a:endParaRPr lang="en-US" dirty="0"/>
           </a:p>
@@ -7122,7 +7034,7 @@
     </p:spTree>
     <p:extLst>
       <p:ext uri="{BB962C8B-B14F-4D97-AF65-F5344CB8AC3E}">
-        <p14:creationId xmlns:p14="http://schemas.microsoft.com/office/powerpoint/2010/main" val="822485172"/>
+        <p14:creationId xmlns:p14="http://schemas.microsoft.com/office/powerpoint/2010/main" val="655909468"/>
       </p:ext>
     </p:extLst>
   </p:cSld>
@@ -7367,7 +7279,7 @@
           <a:p>
             <a:fld id="{38EEC551-8CDA-4EB6-89BB-2A86C9F091C8}" type="datetime8">
               <a:rPr lang="en-US" smtClean="0"/>
-              <a:t>9/17/2017 12:47 PM</a:t>
+              <a:t>9/23/2017 8:18 AM</a:t>
             </a:fld>
             <a:endParaRPr lang="en-US" dirty="0"/>
           </a:p>
@@ -7400,7 +7312,7 @@
     </p:spTree>
     <p:extLst>
       <p:ext uri="{BB962C8B-B14F-4D97-AF65-F5344CB8AC3E}">
-        <p14:creationId xmlns:p14="http://schemas.microsoft.com/office/powerpoint/2010/main" val="655909468"/>
+        <p14:creationId xmlns:p14="http://schemas.microsoft.com/office/powerpoint/2010/main" val="1380576172"/>
       </p:ext>
     </p:extLst>
   </p:cSld>
@@ -7645,7 +7557,7 @@
           <a:p>
             <a:fld id="{38EEC551-8CDA-4EB6-89BB-2A86C9F091C8}" type="datetime8">
               <a:rPr lang="en-US" smtClean="0"/>
-              <a:t>9/17/2017 12:47 PM</a:t>
+              <a:t>9/23/2017 8:18 AM</a:t>
             </a:fld>
             <a:endParaRPr lang="en-US" dirty="0"/>
           </a:p>
@@ -7678,7 +7590,7 @@
     </p:spTree>
     <p:extLst>
       <p:ext uri="{BB962C8B-B14F-4D97-AF65-F5344CB8AC3E}">
-        <p14:creationId xmlns:p14="http://schemas.microsoft.com/office/powerpoint/2010/main" val="1380576172"/>
+        <p14:creationId xmlns:p14="http://schemas.microsoft.com/office/powerpoint/2010/main" val="60214236"/>
       </p:ext>
     </p:extLst>
   </p:cSld>
@@ -7732,100 +7644,7 @@
           <a:bodyPr/>
           <a:lstStyle/>
           <a:p>
-            <a:r>
-              <a:rPr lang="en-US" sz="3200" kern="1200" dirty="0">
-                <a:solidFill>
-                  <a:schemeClr val="tx1"/>
-                </a:solidFill>
-                <a:latin typeface="Segoe UI Light" pitchFamily="34" charset="0"/>
-                <a:ea typeface="+mn-ea"/>
-                <a:cs typeface="+mn-cs"/>
-              </a:rPr>
-              <a:t>There are multiple types of deployment for .NET Core</a:t>
-            </a:r>
-            <a:endParaRPr lang="en-US" dirty="0"/>
-          </a:p>
-          <a:p>
-            <a:endParaRPr lang="en-US" dirty="0"/>
-          </a:p>
-          <a:p>
-            <a:r>
-              <a:rPr lang="en-US" sz="3200" b="1" kern="1200" dirty="0">
-                <a:solidFill>
-                  <a:schemeClr val="tx1"/>
-                </a:solidFill>
-                <a:latin typeface="Segoe UI Light" pitchFamily="34" charset="0"/>
-                <a:ea typeface="+mn-ea"/>
-                <a:cs typeface="+mn-cs"/>
-              </a:rPr>
-              <a:t>Framework-dependent deployment (FDD) </a:t>
-            </a:r>
-            <a:r>
-              <a:rPr lang="en-US" sz="3200" kern="1200" dirty="0">
-                <a:solidFill>
-                  <a:schemeClr val="tx1"/>
-                </a:solidFill>
-                <a:latin typeface="Segoe UI Light" pitchFamily="34" charset="0"/>
-                <a:ea typeface="+mn-ea"/>
-                <a:cs typeface="+mn-cs"/>
-              </a:rPr>
-              <a:t>- require shared component on target</a:t>
-            </a:r>
-            <a:endParaRPr lang="en-US" b="1" dirty="0"/>
-          </a:p>
-          <a:p>
-            <a:pPr lvl="1"/>
-            <a:r>
-              <a:rPr lang="en-US" sz="900" b="1" kern="1200" dirty="0">
-                <a:solidFill>
-                  <a:schemeClr val="tx1"/>
-                </a:solidFill>
-                <a:latin typeface="Segoe UI Light" pitchFamily="34" charset="0"/>
-                <a:ea typeface="+mn-ea"/>
-                <a:cs typeface="+mn-cs"/>
-              </a:rPr>
-              <a:t>FDD w/ native dependencies</a:t>
-            </a:r>
-            <a:r>
-              <a:rPr lang="en-US" sz="900" kern="1200" dirty="0">
-                <a:solidFill>
-                  <a:schemeClr val="tx1"/>
-                </a:solidFill>
-                <a:latin typeface="Segoe UI Light" pitchFamily="34" charset="0"/>
-                <a:ea typeface="+mn-ea"/>
-                <a:cs typeface="+mn-cs"/>
-              </a:rPr>
-              <a:t> - require shared component but has native dependencies </a:t>
-            </a:r>
-            <a:endParaRPr lang="en-US" sz="3600" b="1" dirty="0"/>
-          </a:p>
-          <a:p>
-            <a:r>
-              <a:rPr lang="en-US" sz="3200" b="1" kern="1200" dirty="0">
-                <a:solidFill>
-                  <a:schemeClr val="tx1"/>
-                </a:solidFill>
-                <a:latin typeface="Segoe UI Light" pitchFamily="34" charset="0"/>
-                <a:ea typeface="+mn-ea"/>
-                <a:cs typeface="+mn-cs"/>
-              </a:rPr>
-              <a:t>Self-contained deployment (SCD) </a:t>
-            </a:r>
-            <a:r>
-              <a:rPr lang="en-US" sz="3200" kern="1200" dirty="0">
-                <a:solidFill>
-                  <a:schemeClr val="tx1"/>
-                </a:solidFill>
-                <a:latin typeface="Segoe UI Light" pitchFamily="34" charset="0"/>
-                <a:ea typeface="+mn-ea"/>
-                <a:cs typeface="+mn-cs"/>
-              </a:rPr>
-              <a:t>- package all with them (what we currently have)</a:t>
-            </a:r>
-            <a:endParaRPr lang="en-US" dirty="0"/>
-          </a:p>
-          <a:p>
-            <a:endParaRPr lang="en-US" dirty="0"/>
+            <a:endParaRPr lang="en-US"/>
           </a:p>
         </p:txBody>
       </p:sp>
@@ -7844,11 +7663,54 @@
           <a:bodyPr/>
           <a:lstStyle/>
           <a:p>
-            <a:r>
-              <a:rPr lang="en-US"/>
-              <a:t>TechReady 23</a:t>
-            </a:r>
-            <a:endParaRPr lang="en-US" dirty="0"/>
+            <a:pPr marL="0" marR="0" lvl="0" indent="0" algn="l" defTabSz="932742" rtl="0" eaLnBrk="1" fontAlgn="auto" latinLnBrk="0" hangingPunct="1">
+              <a:lnSpc>
+                <a:spcPct val="100000"/>
+              </a:lnSpc>
+              <a:spcBef>
+                <a:spcPts val="0"/>
+              </a:spcBef>
+              <a:spcAft>
+                <a:spcPts val="0"/>
+              </a:spcAft>
+              <a:buClrTx/>
+              <a:buSzTx/>
+              <a:buFontTx/>
+              <a:buNone/>
+              <a:tabLst/>
+              <a:defRPr/>
+            </a:pPr>
+            <a:r>
+              <a:rPr kumimoji="0" lang="en-US" sz="1200" b="0" i="0" u="none" strike="noStrike" kern="1200" cap="none" spc="0" normalizeH="0" baseline="0" noProof="0">
+                <a:ln>
+                  <a:noFill/>
+                </a:ln>
+                <a:solidFill>
+                  <a:prstClr val="black"/>
+                </a:solidFill>
+                <a:effectLst/>
+                <a:uLnTx/>
+                <a:uFillTx/>
+                <a:latin typeface="Segoe UI" pitchFamily="34" charset="0"/>
+                <a:ea typeface="+mn-ea"/>
+                <a:cs typeface="+mn-cs"/>
+              </a:rPr>
+              <a:t>Microsoft Ignite 2016</a:t>
+            </a:r>
+            <a:endParaRPr kumimoji="0" lang="en-US" sz="1200" b="0" i="0" u="none" strike="noStrike" kern="1200" cap="none" spc="0" normalizeH="0" baseline="0" noProof="0" dirty="0">
+              <a:ln>
+                <a:noFill/>
+              </a:ln>
+              <a:solidFill>
+                <a:prstClr val="black"/>
+              </a:solidFill>
+              <a:effectLst/>
+              <a:uLnTx/>
+              <a:uFillTx/>
+              <a:latin typeface="Segoe UI" pitchFamily="34" charset="0"/>
+              <a:ea typeface="+mn-ea"/>
+              <a:cs typeface="+mn-cs"/>
+            </a:endParaRPr>
           </a:p>
         </p:txBody>
       </p:sp>
@@ -7867,9 +7729,28 @@
           <a:bodyPr/>
           <a:lstStyle/>
           <a:p>
-            <a:pPr defTabSz="914099" eaLnBrk="0" hangingPunct="0"/>
-            <a:r>
-              <a:rPr lang="en-US" sz="400">
+            <a:pPr marL="571500" marR="0" lvl="0" indent="0" algn="l" defTabSz="914099" rtl="0" eaLnBrk="0" fontAlgn="auto" latinLnBrk="0" hangingPunct="0">
+              <a:lnSpc>
+                <a:spcPct val="100000"/>
+              </a:lnSpc>
+              <a:spcBef>
+                <a:spcPts val="0"/>
+              </a:spcBef>
+              <a:spcAft>
+                <a:spcPts val="0"/>
+              </a:spcAft>
+              <a:buClrTx/>
+              <a:buSzTx/>
+              <a:buFontTx/>
+              <a:buNone/>
+              <a:tabLst/>
+              <a:defRPr/>
+            </a:pPr>
+            <a:r>
+              <a:rPr kumimoji="0" lang="en-US" sz="400" b="0" i="0" u="none" strike="noStrike" kern="1200" cap="none" spc="0" normalizeH="0" baseline="0" noProof="0">
+                <a:ln>
+                  <a:noFill/>
+                </a:ln>
                 <a:gradFill>
                   <a:gsLst>
                     <a:gs pos="0">
@@ -7881,13 +7762,19 @@
                   </a:gsLst>
                   <a:lin ang="5400000" scaled="0"/>
                 </a:gradFill>
+                <a:effectLst/>
+                <a:uLnTx/>
+                <a:uFillTx/>
                 <a:latin typeface="Segoe UI" pitchFamily="34" charset="0"/>
                 <a:ea typeface="Segoe UI" pitchFamily="34" charset="0"/>
                 <a:cs typeface="Segoe UI" pitchFamily="34" charset="0"/>
               </a:rPr>
               <a:t>© 2016 Microsoft Corporation. All rights reserved. MICROSOFT MAKES NO WARRANTIES, EXPRESS, IMPLIED OR STATUTORY, AS TO THE INFORMATION IN THIS PRESENTATION.</a:t>
             </a:r>
-            <a:endParaRPr lang="en-US" sz="400" dirty="0">
+            <a:endParaRPr kumimoji="0" lang="en-US" sz="400" b="0" i="0" u="none" strike="noStrike" kern="1200" cap="none" spc="0" normalizeH="0" baseline="0" noProof="0" dirty="0">
+              <a:ln>
+                <a:noFill/>
+              </a:ln>
               <a:gradFill>
                 <a:gsLst>
                   <a:gs pos="0">
@@ -7899,6 +7786,9 @@
                 </a:gsLst>
                 <a:lin ang="5400000" scaled="0"/>
               </a:gradFill>
+              <a:effectLst/>
+              <a:uLnTx/>
+              <a:uFillTx/>
               <a:latin typeface="Segoe UI" pitchFamily="34" charset="0"/>
               <a:ea typeface="Segoe UI" pitchFamily="34" charset="0"/>
               <a:cs typeface="Segoe UI" pitchFamily="34" charset="0"/>
@@ -7921,11 +7811,71 @@
           <a:bodyPr/>
           <a:lstStyle/>
           <a:p>
+            <a:pPr marL="0" marR="0" lvl="0" indent="0" algn="r" defTabSz="932742" rtl="0" eaLnBrk="1" fontAlgn="auto" latinLnBrk="0" hangingPunct="1">
+              <a:lnSpc>
+                <a:spcPct val="100000"/>
+              </a:lnSpc>
+              <a:spcBef>
+                <a:spcPts val="0"/>
+              </a:spcBef>
+              <a:spcAft>
+                <a:spcPts val="0"/>
+              </a:spcAft>
+              <a:buClrTx/>
+              <a:buSzTx/>
+              <a:buFontTx/>
+              <a:buNone/>
+              <a:tabLst/>
+              <a:defRPr/>
+            </a:pPr>
             <a:fld id="{38EEC551-8CDA-4EB6-89BB-2A86C9F091C8}" type="datetime8">
-              <a:rPr lang="en-US" smtClean="0"/>
-              <a:t>9/17/2017 12:47 PM</a:t>
+              <a:rPr kumimoji="0" lang="en-US" sz="1200" b="0" i="0" u="none" strike="noStrike" kern="1200" cap="none" spc="0" normalizeH="0" baseline="0" noProof="0" smtClean="0">
+                <a:ln>
+                  <a:noFill/>
+                </a:ln>
+                <a:solidFill>
+                  <a:prstClr val="black"/>
+                </a:solidFill>
+                <a:effectLst/>
+                <a:uLnTx/>
+                <a:uFillTx/>
+                <a:latin typeface="Segoe UI" pitchFamily="34" charset="0"/>
+                <a:ea typeface="+mn-ea"/>
+                <a:cs typeface="+mn-cs"/>
+              </a:rPr>
+              <a:pPr marL="0" marR="0" lvl="0" indent="0" algn="r" defTabSz="932742" rtl="0" eaLnBrk="1" fontAlgn="auto" latinLnBrk="0" hangingPunct="1">
+                <a:lnSpc>
+                  <a:spcPct val="100000"/>
+                </a:lnSpc>
+                <a:spcBef>
+                  <a:spcPts val="0"/>
+                </a:spcBef>
+                <a:spcAft>
+                  <a:spcPts val="0"/>
+                </a:spcAft>
+                <a:buClrTx/>
+                <a:buSzTx/>
+                <a:buFontTx/>
+                <a:buNone/>
+                <a:tabLst/>
+                <a:defRPr/>
+              </a:pPr>
+              <a:t>9/23/2017 8:18 AM</a:t>
             </a:fld>
-            <a:endParaRPr lang="en-US" dirty="0"/>
+            <a:endParaRPr kumimoji="0" lang="en-US" sz="1200" b="0" i="0" u="none" strike="noStrike" kern="1200" cap="none" spc="0" normalizeH="0" baseline="0" noProof="0" dirty="0">
+              <a:ln>
+                <a:noFill/>
+              </a:ln>
+              <a:solidFill>
+                <a:prstClr val="black"/>
+              </a:solidFill>
+              <a:effectLst/>
+              <a:uLnTx/>
+              <a:uFillTx/>
+              <a:latin typeface="Segoe UI" pitchFamily="34" charset="0"/>
+              <a:ea typeface="+mn-ea"/>
+              <a:cs typeface="+mn-cs"/>
+            </a:endParaRPr>
           </a:p>
         </p:txBody>
       </p:sp>
@@ -7944,19 +7894,78 @@
           <a:bodyPr/>
           <a:lstStyle/>
           <a:p>
+            <a:pPr marL="0" marR="0" lvl="0" indent="0" algn="r" defTabSz="932742" rtl="0" eaLnBrk="1" fontAlgn="auto" latinLnBrk="0" hangingPunct="1">
+              <a:lnSpc>
+                <a:spcPct val="100000"/>
+              </a:lnSpc>
+              <a:spcBef>
+                <a:spcPts val="0"/>
+              </a:spcBef>
+              <a:spcAft>
+                <a:spcPts val="0"/>
+              </a:spcAft>
+              <a:buClrTx/>
+              <a:buSzTx/>
+              <a:buFontTx/>
+              <a:buNone/>
+              <a:tabLst/>
+              <a:defRPr/>
+            </a:pPr>
             <a:fld id="{B4008EB6-D09E-4580-8CD6-DDB14511944F}" type="slidenum">
-              <a:rPr lang="en-US" smtClean="0"/>
-              <a:pPr/>
+              <a:rPr kumimoji="0" lang="en-US" sz="1200" b="0" i="0" u="none" strike="noStrike" kern="1200" cap="none" spc="0" normalizeH="0" baseline="0" noProof="0" smtClean="0">
+                <a:ln>
+                  <a:noFill/>
+                </a:ln>
+                <a:solidFill>
+                  <a:prstClr val="black"/>
+                </a:solidFill>
+                <a:effectLst/>
+                <a:uLnTx/>
+                <a:uFillTx/>
+                <a:latin typeface="Segoe UI" pitchFamily="34" charset="0"/>
+                <a:ea typeface="+mn-ea"/>
+                <a:cs typeface="+mn-cs"/>
+              </a:rPr>
+              <a:pPr marL="0" marR="0" lvl="0" indent="0" algn="r" defTabSz="932742" rtl="0" eaLnBrk="1" fontAlgn="auto" latinLnBrk="0" hangingPunct="1">
+                <a:lnSpc>
+                  <a:spcPct val="100000"/>
+                </a:lnSpc>
+                <a:spcBef>
+                  <a:spcPts val="0"/>
+                </a:spcBef>
+                <a:spcAft>
+                  <a:spcPts val="0"/>
+                </a:spcAft>
+                <a:buClrTx/>
+                <a:buSzTx/>
+                <a:buFontTx/>
+                <a:buNone/>
+                <a:tabLst/>
+                <a:defRPr/>
+              </a:pPr>
               <a:t>39</a:t>
             </a:fld>
-            <a:endParaRPr lang="en-US" dirty="0"/>
+            <a:endParaRPr kumimoji="0" lang="en-US" sz="1200" b="0" i="0" u="none" strike="noStrike" kern="1200" cap="none" spc="0" normalizeH="0" baseline="0" noProof="0" dirty="0">
+              <a:ln>
+                <a:noFill/>
+              </a:ln>
+              <a:solidFill>
+                <a:prstClr val="black"/>
+              </a:solidFill>
+              <a:effectLst/>
+              <a:uLnTx/>
+              <a:uFillTx/>
+              <a:latin typeface="Segoe UI" pitchFamily="34" charset="0"/>
+              <a:ea typeface="+mn-ea"/>
+              <a:cs typeface="+mn-cs"/>
+            </a:endParaRPr>
           </a:p>
         </p:txBody>
       </p:sp>
     </p:spTree>
     <p:extLst>
       <p:ext uri="{BB962C8B-B14F-4D97-AF65-F5344CB8AC3E}">
-        <p14:creationId xmlns:p14="http://schemas.microsoft.com/office/powerpoint/2010/main" val="60214236"/>
+        <p14:creationId xmlns:p14="http://schemas.microsoft.com/office/powerpoint/2010/main" val="456011983"/>
       </p:ext>
     </p:extLst>
   </p:cSld>
@@ -8187,7 +8196,7 @@
                 <a:tabLst/>
                 <a:defRPr/>
               </a:pPr>
-              <a:t>9/17/2017 12:47 PM</a:t>
+              <a:t>9/23/2017 8:18 AM</a:t>
             </a:fld>
             <a:endParaRPr kumimoji="0" lang="en-US" sz="1200" b="0" i="0" u="none" strike="noStrike" kern="1200" cap="none" spc="0" normalizeH="0" baseline="0" noProof="0" dirty="0">
               <a:ln>
@@ -8302,381 +8311,6 @@
 </p:notes>
 </file>
 
-<file path=ppt/notesSlides/notesSlide40.xml><?xml version="1.0" encoding="utf-8"?>
-<p:notes xmlns:a="http://schemas.openxmlformats.org/drawingml/2006/main" xmlns:r="http://schemas.openxmlformats.org/officeDocument/2006/relationships" xmlns:p="http://schemas.openxmlformats.org/presentationml/2006/main">
-  <p:cSld>
-    <p:spTree>
-      <p:nvGrpSpPr>
-        <p:cNvPr id="1" name=""/>
-        <p:cNvGrpSpPr/>
-        <p:nvPr/>
-      </p:nvGrpSpPr>
-      <p:grpSpPr>
-        <a:xfrm>
-          <a:off x="0" y="0"/>
-          <a:ext cx="0" cy="0"/>
-          <a:chOff x="0" y="0"/>
-          <a:chExt cx="0" cy="0"/>
-        </a:xfrm>
-      </p:grpSpPr>
-      <p:sp>
-        <p:nvSpPr>
-          <p:cNvPr id="2" name="Slide Image Placeholder 1"/>
-          <p:cNvSpPr>
-            <a:spLocks noGrp="1" noRot="1" noChangeAspect="1"/>
-          </p:cNvSpPr>
-          <p:nvPr>
-            <p:ph type="sldImg"/>
-          </p:nvPr>
-        </p:nvSpPr>
-        <p:spPr/>
-      </p:sp>
-      <p:sp>
-        <p:nvSpPr>
-          <p:cNvPr id="3" name="Notes Placeholder 2"/>
-          <p:cNvSpPr>
-            <a:spLocks noGrp="1"/>
-          </p:cNvSpPr>
-          <p:nvPr>
-            <p:ph type="body" idx="1"/>
-          </p:nvPr>
-        </p:nvSpPr>
-        <p:spPr/>
-        <p:txBody>
-          <a:bodyPr/>
-          <a:lstStyle/>
-          <a:p>
-            <a:endParaRPr lang="en-US"/>
-          </a:p>
-        </p:txBody>
-      </p:sp>
-      <p:sp>
-        <p:nvSpPr>
-          <p:cNvPr id="4" name="Header Placeholder 3"/>
-          <p:cNvSpPr>
-            <a:spLocks noGrp="1"/>
-          </p:cNvSpPr>
-          <p:nvPr>
-            <p:ph type="hdr" sz="quarter" idx="10"/>
-          </p:nvPr>
-        </p:nvSpPr>
-        <p:spPr/>
-        <p:txBody>
-          <a:bodyPr/>
-          <a:lstStyle/>
-          <a:p>
-            <a:pPr marL="0" marR="0" lvl="0" indent="0" algn="l" defTabSz="932742" rtl="0" eaLnBrk="1" fontAlgn="auto" latinLnBrk="0" hangingPunct="1">
-              <a:lnSpc>
-                <a:spcPct val="100000"/>
-              </a:lnSpc>
-              <a:spcBef>
-                <a:spcPts val="0"/>
-              </a:spcBef>
-              <a:spcAft>
-                <a:spcPts val="0"/>
-              </a:spcAft>
-              <a:buClrTx/>
-              <a:buSzTx/>
-              <a:buFontTx/>
-              <a:buNone/>
-              <a:tabLst/>
-              <a:defRPr/>
-            </a:pPr>
-            <a:r>
-              <a:rPr kumimoji="0" lang="en-US" sz="1200" b="0" i="0" u="none" strike="noStrike" kern="1200" cap="none" spc="0" normalizeH="0" baseline="0" noProof="0">
-                <a:ln>
-                  <a:noFill/>
-                </a:ln>
-                <a:solidFill>
-                  <a:prstClr val="black"/>
-                </a:solidFill>
-                <a:effectLst/>
-                <a:uLnTx/>
-                <a:uFillTx/>
-                <a:latin typeface="Segoe UI" pitchFamily="34" charset="0"/>
-                <a:ea typeface="+mn-ea"/>
-                <a:cs typeface="+mn-cs"/>
-              </a:rPr>
-              <a:t>Microsoft Ignite 2016</a:t>
-            </a:r>
-            <a:endParaRPr kumimoji="0" lang="en-US" sz="1200" b="0" i="0" u="none" strike="noStrike" kern="1200" cap="none" spc="0" normalizeH="0" baseline="0" noProof="0" dirty="0">
-              <a:ln>
-                <a:noFill/>
-              </a:ln>
-              <a:solidFill>
-                <a:prstClr val="black"/>
-              </a:solidFill>
-              <a:effectLst/>
-              <a:uLnTx/>
-              <a:uFillTx/>
-              <a:latin typeface="Segoe UI" pitchFamily="34" charset="0"/>
-              <a:ea typeface="+mn-ea"/>
-              <a:cs typeface="+mn-cs"/>
-            </a:endParaRPr>
-          </a:p>
-        </p:txBody>
-      </p:sp>
-      <p:sp>
-        <p:nvSpPr>
-          <p:cNvPr id="5" name="Footer Placeholder 4"/>
-          <p:cNvSpPr>
-            <a:spLocks noGrp="1"/>
-          </p:cNvSpPr>
-          <p:nvPr>
-            <p:ph type="ftr" sz="quarter" idx="11"/>
-          </p:nvPr>
-        </p:nvSpPr>
-        <p:spPr/>
-        <p:txBody>
-          <a:bodyPr/>
-          <a:lstStyle/>
-          <a:p>
-            <a:pPr marL="571500" marR="0" lvl="0" indent="0" algn="l" defTabSz="914099" rtl="0" eaLnBrk="0" fontAlgn="auto" latinLnBrk="0" hangingPunct="0">
-              <a:lnSpc>
-                <a:spcPct val="100000"/>
-              </a:lnSpc>
-              <a:spcBef>
-                <a:spcPts val="0"/>
-              </a:spcBef>
-              <a:spcAft>
-                <a:spcPts val="0"/>
-              </a:spcAft>
-              <a:buClrTx/>
-              <a:buSzTx/>
-              <a:buFontTx/>
-              <a:buNone/>
-              <a:tabLst/>
-              <a:defRPr/>
-            </a:pPr>
-            <a:r>
-              <a:rPr kumimoji="0" lang="en-US" sz="400" b="0" i="0" u="none" strike="noStrike" kern="1200" cap="none" spc="0" normalizeH="0" baseline="0" noProof="0">
-                <a:ln>
-                  <a:noFill/>
-                </a:ln>
-                <a:gradFill>
-                  <a:gsLst>
-                    <a:gs pos="0">
-                      <a:prstClr val="black"/>
-                    </a:gs>
-                    <a:gs pos="100000">
-                      <a:prstClr val="black"/>
-                    </a:gs>
-                  </a:gsLst>
-                  <a:lin ang="5400000" scaled="0"/>
-                </a:gradFill>
-                <a:effectLst/>
-                <a:uLnTx/>
-                <a:uFillTx/>
-                <a:latin typeface="Segoe UI" pitchFamily="34" charset="0"/>
-                <a:ea typeface="Segoe UI" pitchFamily="34" charset="0"/>
-                <a:cs typeface="Segoe UI" pitchFamily="34" charset="0"/>
-              </a:rPr>
-              <a:t>© 2016 Microsoft Corporation. All rights reserved. MICROSOFT MAKES NO WARRANTIES, EXPRESS, IMPLIED OR STATUTORY, AS TO THE INFORMATION IN THIS PRESENTATION.</a:t>
-            </a:r>
-            <a:endParaRPr kumimoji="0" lang="en-US" sz="400" b="0" i="0" u="none" strike="noStrike" kern="1200" cap="none" spc="0" normalizeH="0" baseline="0" noProof="0" dirty="0">
-              <a:ln>
-                <a:noFill/>
-              </a:ln>
-              <a:gradFill>
-                <a:gsLst>
-                  <a:gs pos="0">
-                    <a:prstClr val="black"/>
-                  </a:gs>
-                  <a:gs pos="100000">
-                    <a:prstClr val="black"/>
-                  </a:gs>
-                </a:gsLst>
-                <a:lin ang="5400000" scaled="0"/>
-              </a:gradFill>
-              <a:effectLst/>
-              <a:uLnTx/>
-              <a:uFillTx/>
-              <a:latin typeface="Segoe UI" pitchFamily="34" charset="0"/>
-              <a:ea typeface="Segoe UI" pitchFamily="34" charset="0"/>
-              <a:cs typeface="Segoe UI" pitchFamily="34" charset="0"/>
-            </a:endParaRPr>
-          </a:p>
-        </p:txBody>
-      </p:sp>
-      <p:sp>
-        <p:nvSpPr>
-          <p:cNvPr id="6" name="Date Placeholder 5"/>
-          <p:cNvSpPr>
-            <a:spLocks noGrp="1"/>
-          </p:cNvSpPr>
-          <p:nvPr>
-            <p:ph type="dt" idx="12"/>
-          </p:nvPr>
-        </p:nvSpPr>
-        <p:spPr/>
-        <p:txBody>
-          <a:bodyPr/>
-          <a:lstStyle/>
-          <a:p>
-            <a:pPr marL="0" marR="0" lvl="0" indent="0" algn="r" defTabSz="932742" rtl="0" eaLnBrk="1" fontAlgn="auto" latinLnBrk="0" hangingPunct="1">
-              <a:lnSpc>
-                <a:spcPct val="100000"/>
-              </a:lnSpc>
-              <a:spcBef>
-                <a:spcPts val="0"/>
-              </a:spcBef>
-              <a:spcAft>
-                <a:spcPts val="0"/>
-              </a:spcAft>
-              <a:buClrTx/>
-              <a:buSzTx/>
-              <a:buFontTx/>
-              <a:buNone/>
-              <a:tabLst/>
-              <a:defRPr/>
-            </a:pPr>
-            <a:fld id="{38EEC551-8CDA-4EB6-89BB-2A86C9F091C8}" type="datetime8">
-              <a:rPr kumimoji="0" lang="en-US" sz="1200" b="0" i="0" u="none" strike="noStrike" kern="1200" cap="none" spc="0" normalizeH="0" baseline="0" noProof="0" smtClean="0">
-                <a:ln>
-                  <a:noFill/>
-                </a:ln>
-                <a:solidFill>
-                  <a:prstClr val="black"/>
-                </a:solidFill>
-                <a:effectLst/>
-                <a:uLnTx/>
-                <a:uFillTx/>
-                <a:latin typeface="Segoe UI" pitchFamily="34" charset="0"/>
-                <a:ea typeface="+mn-ea"/>
-                <a:cs typeface="+mn-cs"/>
-              </a:rPr>
-              <a:pPr marL="0" marR="0" lvl="0" indent="0" algn="r" defTabSz="932742" rtl="0" eaLnBrk="1" fontAlgn="auto" latinLnBrk="0" hangingPunct="1">
-                <a:lnSpc>
-                  <a:spcPct val="100000"/>
-                </a:lnSpc>
-                <a:spcBef>
-                  <a:spcPts val="0"/>
-                </a:spcBef>
-                <a:spcAft>
-                  <a:spcPts val="0"/>
-                </a:spcAft>
-                <a:buClrTx/>
-                <a:buSzTx/>
-                <a:buFontTx/>
-                <a:buNone/>
-                <a:tabLst/>
-                <a:defRPr/>
-              </a:pPr>
-              <a:t>9/17/2017 12:47 PM</a:t>
-            </a:fld>
-            <a:endParaRPr kumimoji="0" lang="en-US" sz="1200" b="0" i="0" u="none" strike="noStrike" kern="1200" cap="none" spc="0" normalizeH="0" baseline="0" noProof="0" dirty="0">
-              <a:ln>
-                <a:noFill/>
-              </a:ln>
-              <a:solidFill>
-                <a:prstClr val="black"/>
-              </a:solidFill>
-              <a:effectLst/>
-              <a:uLnTx/>
-              <a:uFillTx/>
-              <a:latin typeface="Segoe UI" pitchFamily="34" charset="0"/>
-              <a:ea typeface="+mn-ea"/>
-              <a:cs typeface="+mn-cs"/>
-            </a:endParaRPr>
-          </a:p>
-        </p:txBody>
-      </p:sp>
-      <p:sp>
-        <p:nvSpPr>
-          <p:cNvPr id="7" name="Slide Number Placeholder 6"/>
-          <p:cNvSpPr>
-            <a:spLocks noGrp="1"/>
-          </p:cNvSpPr>
-          <p:nvPr>
-            <p:ph type="sldNum" sz="quarter" idx="13"/>
-          </p:nvPr>
-        </p:nvSpPr>
-        <p:spPr/>
-        <p:txBody>
-          <a:bodyPr/>
-          <a:lstStyle/>
-          <a:p>
-            <a:pPr marL="0" marR="0" lvl="0" indent="0" algn="r" defTabSz="932742" rtl="0" eaLnBrk="1" fontAlgn="auto" latinLnBrk="0" hangingPunct="1">
-              <a:lnSpc>
-                <a:spcPct val="100000"/>
-              </a:lnSpc>
-              <a:spcBef>
-                <a:spcPts val="0"/>
-              </a:spcBef>
-              <a:spcAft>
-                <a:spcPts val="0"/>
-              </a:spcAft>
-              <a:buClrTx/>
-              <a:buSzTx/>
-              <a:buFontTx/>
-              <a:buNone/>
-              <a:tabLst/>
-              <a:defRPr/>
-            </a:pPr>
-            <a:fld id="{B4008EB6-D09E-4580-8CD6-DDB14511944F}" type="slidenum">
-              <a:rPr kumimoji="0" lang="en-US" sz="1200" b="0" i="0" u="none" strike="noStrike" kern="1200" cap="none" spc="0" normalizeH="0" baseline="0" noProof="0" smtClean="0">
-                <a:ln>
-                  <a:noFill/>
-                </a:ln>
-                <a:solidFill>
-                  <a:prstClr val="black"/>
-                </a:solidFill>
-                <a:effectLst/>
-                <a:uLnTx/>
-                <a:uFillTx/>
-                <a:latin typeface="Segoe UI" pitchFamily="34" charset="0"/>
-                <a:ea typeface="+mn-ea"/>
-                <a:cs typeface="+mn-cs"/>
-              </a:rPr>
-              <a:pPr marL="0" marR="0" lvl="0" indent="0" algn="r" defTabSz="932742" rtl="0" eaLnBrk="1" fontAlgn="auto" latinLnBrk="0" hangingPunct="1">
-                <a:lnSpc>
-                  <a:spcPct val="100000"/>
-                </a:lnSpc>
-                <a:spcBef>
-                  <a:spcPts val="0"/>
-                </a:spcBef>
-                <a:spcAft>
-                  <a:spcPts val="0"/>
-                </a:spcAft>
-                <a:buClrTx/>
-                <a:buSzTx/>
-                <a:buFontTx/>
-                <a:buNone/>
-                <a:tabLst/>
-                <a:defRPr/>
-              </a:pPr>
-              <a:t>40</a:t>
-            </a:fld>
-            <a:endParaRPr kumimoji="0" lang="en-US" sz="1200" b="0" i="0" u="none" strike="noStrike" kern="1200" cap="none" spc="0" normalizeH="0" baseline="0" noProof="0" dirty="0">
-              <a:ln>
-                <a:noFill/>
-              </a:ln>
-              <a:solidFill>
-                <a:prstClr val="black"/>
-              </a:solidFill>
-              <a:effectLst/>
-              <a:uLnTx/>
-              <a:uFillTx/>
-              <a:latin typeface="Segoe UI" pitchFamily="34" charset="0"/>
-              <a:ea typeface="+mn-ea"/>
-              <a:cs typeface="+mn-cs"/>
-            </a:endParaRPr>
-          </a:p>
-        </p:txBody>
-      </p:sp>
-    </p:spTree>
-    <p:extLst>
-      <p:ext uri="{BB962C8B-B14F-4D97-AF65-F5344CB8AC3E}">
-        <p14:creationId xmlns:p14="http://schemas.microsoft.com/office/powerpoint/2010/main" val="456011983"/>
-      </p:ext>
-    </p:extLst>
-  </p:cSld>
-  <p:clrMapOvr>
-    <a:masterClrMapping/>
-  </p:clrMapOvr>
-</p:notes>
-</file>
-
 <file path=ppt/notesSlides/notesSlide5.xml><?xml version="1.0" encoding="utf-8"?>
 <p:notes xmlns:a="http://schemas.openxmlformats.org/drawingml/2006/main" xmlns:r="http://schemas.openxmlformats.org/officeDocument/2006/relationships" xmlns:p="http://schemas.openxmlformats.org/presentationml/2006/main">
   <p:cSld>
@@ -8898,7 +8532,7 @@
                 <a:tabLst/>
                 <a:defRPr/>
               </a:pPr>
-              <a:t>9/17/2017 12:47 PM</a:t>
+              <a:t>9/23/2017 8:18 AM</a:t>
             </a:fld>
             <a:endParaRPr kumimoji="0" lang="en-US" sz="1200" b="0" i="0" u="none" strike="noStrike" kern="1200" cap="none" spc="0" normalizeH="0" baseline="0" noProof="0" dirty="0">
               <a:ln>
@@ -9155,7 +8789,7 @@
           <a:p>
             <a:fld id="{38EEC551-8CDA-4EB6-89BB-2A86C9F091C8}" type="datetime8">
               <a:rPr lang="en-US" smtClean="0"/>
-              <a:t>9/17/2017 12:47 PM</a:t>
+              <a:t>9/23/2017 8:18 AM</a:t>
             </a:fld>
             <a:endParaRPr lang="en-US" dirty="0"/>
           </a:p>
@@ -9340,7 +8974,7 @@
           <a:p>
             <a:fld id="{38EEC551-8CDA-4EB6-89BB-2A86C9F091C8}" type="datetime8">
               <a:rPr lang="en-US" smtClean="0"/>
-              <a:t>9/17/2017 12:47 PM</a:t>
+              <a:t>9/23/2017 8:18 AM</a:t>
             </a:fld>
             <a:endParaRPr lang="en-US" dirty="0"/>
           </a:p>
@@ -9525,7 +9159,7 @@
           <a:p>
             <a:fld id="{38EEC551-8CDA-4EB6-89BB-2A86C9F091C8}" type="datetime8">
               <a:rPr lang="en-US" smtClean="0"/>
-              <a:t>9/17/2017 12:47 PM</a:t>
+              <a:t>9/23/2017 8:18 AM</a:t>
             </a:fld>
             <a:endParaRPr lang="en-US" dirty="0"/>
           </a:p>
@@ -9710,7 +9344,7 @@
           <a:p>
             <a:fld id="{38EEC551-8CDA-4EB6-89BB-2A86C9F091C8}" type="datetime8">
               <a:rPr lang="en-US" smtClean="0"/>
-              <a:t>9/17/2017 12:47 PM</a:t>
+              <a:t>9/23/2017 8:18 AM</a:t>
             </a:fld>
             <a:endParaRPr lang="en-US" dirty="0"/>
           </a:p>
@@ -29250,390 +28884,6 @@
             <p:ph type="title"/>
           </p:nvPr>
         </p:nvSpPr>
-        <p:spPr/>
-        <p:txBody>
-          <a:bodyPr/>
-          <a:lstStyle/>
-          <a:p>
-            <a:r>
-              <a:rPr lang="en-US" dirty="0">
-                <a:cs typeface="Courier New" panose="02070309020205020404" pitchFamily="49" charset="0"/>
-              </a:rPr>
-              <a:t>Developer Experiences</a:t>
-            </a:r>
-          </a:p>
-        </p:txBody>
-      </p:sp>
-      <p:grpSp>
-        <p:nvGrpSpPr>
-          <p:cNvPr id="6" name="Group 5">
-            <a:extLst>
-              <a:ext uri="{FF2B5EF4-FFF2-40B4-BE49-F238E27FC236}">
-                <a16:creationId xmlns:a16="http://schemas.microsoft.com/office/drawing/2014/main" id="{DFEF3431-3D9B-40AA-A798-314AEBFFC1EB}"/>
-              </a:ext>
-            </a:extLst>
-          </p:cNvPr>
-          <p:cNvGrpSpPr/>
-          <p:nvPr/>
-        </p:nvGrpSpPr>
-        <p:grpSpPr>
-          <a:xfrm>
-            <a:off x="640458" y="1577043"/>
-            <a:ext cx="3579252" cy="1593510"/>
-            <a:chOff x="500467" y="1903752"/>
-            <a:chExt cx="4803380" cy="2325022"/>
-          </a:xfrm>
-        </p:grpSpPr>
-        <p:sp>
-          <p:nvSpPr>
-            <p:cNvPr id="3" name="Rectangle 2">
-              <a:extLst>
-                <a:ext uri="{FF2B5EF4-FFF2-40B4-BE49-F238E27FC236}">
-                  <a16:creationId xmlns:a16="http://schemas.microsoft.com/office/drawing/2014/main" id="{EDFF6C62-E644-4593-A58C-3D8248177BBC}"/>
-                </a:ext>
-              </a:extLst>
-            </p:cNvPr>
-            <p:cNvSpPr/>
-            <p:nvPr/>
-          </p:nvSpPr>
-          <p:spPr bwMode="auto">
-            <a:xfrm>
-              <a:off x="500467" y="1903752"/>
-              <a:ext cx="4803380" cy="2325022"/>
-            </a:xfrm>
-            <a:prstGeom prst="rect">
-              <a:avLst/>
-            </a:prstGeom>
-            <a:solidFill>
-              <a:schemeClr val="tx1">
-                <a:lumMod val="95000"/>
-              </a:schemeClr>
-            </a:solidFill>
-            <a:ln>
-              <a:noFill/>
-              <a:headEnd type="none" w="med" len="med"/>
-              <a:tailEnd type="none" w="med" len="med"/>
-            </a:ln>
-            <a:effectLst/>
-          </p:spPr>
-          <p:style>
-            <a:lnRef idx="1">
-              <a:schemeClr val="accent2"/>
-            </a:lnRef>
-            <a:fillRef idx="3">
-              <a:schemeClr val="accent2"/>
-            </a:fillRef>
-            <a:effectRef idx="2">
-              <a:schemeClr val="accent2"/>
-            </a:effectRef>
-            <a:fontRef idx="minor">
-              <a:schemeClr val="lt1"/>
-            </a:fontRef>
-          </p:style>
-          <p:txBody>
-            <a:bodyPr rot="0" spcFirstLastPara="0" vertOverflow="overflow" horzOverflow="overflow" vert="horz" wrap="square" lIns="182880" tIns="146304" rIns="182880" bIns="146304" numCol="1" spcCol="0" rtlCol="0" fromWordArt="0" anchor="t" anchorCtr="0" forceAA="0" compatLnSpc="1">
-              <a:prstTxWarp prst="textNoShape">
-                <a:avLst/>
-              </a:prstTxWarp>
-              <a:noAutofit/>
-            </a:bodyPr>
-            <a:lstStyle/>
-            <a:p>
-              <a:pPr algn="ctr" defTabSz="932472" fontAlgn="base">
-                <a:lnSpc>
-                  <a:spcPct val="90000"/>
-                </a:lnSpc>
-                <a:spcBef>
-                  <a:spcPct val="0"/>
-                </a:spcBef>
-                <a:spcAft>
-                  <a:spcPct val="0"/>
-                </a:spcAft>
-              </a:pPr>
-              <a:endParaRPr lang="en-US" sz="2400" dirty="0" err="1">
-                <a:gradFill>
-                  <a:gsLst>
-                    <a:gs pos="0">
-                      <a:srgbClr val="FFFFFF"/>
-                    </a:gs>
-                    <a:gs pos="100000">
-                      <a:srgbClr val="FFFFFF"/>
-                    </a:gs>
-                  </a:gsLst>
-                  <a:lin ang="5400000" scaled="0"/>
-                </a:gradFill>
-                <a:ea typeface="Segoe UI" pitchFamily="34" charset="0"/>
-                <a:cs typeface="Segoe UI" pitchFamily="34" charset="0"/>
-              </a:endParaRPr>
-            </a:p>
-          </p:txBody>
-        </p:sp>
-        <p:pic>
-          <p:nvPicPr>
-            <p:cNvPr id="1026" name="Picture 2" descr="https://upload.wikimedia.org/wikipedia/commons/thumb/8/83/Windows_logo_and_wordmark_-_2012.svg/489px-Windows_logo_and_wordmark_-_2012.svg.png">
-              <a:extLst>
-                <a:ext uri="{FF2B5EF4-FFF2-40B4-BE49-F238E27FC236}">
-                  <a16:creationId xmlns:a16="http://schemas.microsoft.com/office/drawing/2014/main" id="{B179FDF9-0CD9-4382-9251-6FEFF27E6FA6}"/>
-                </a:ext>
-              </a:extLst>
-            </p:cNvPr>
-            <p:cNvPicPr>
-              <a:picLocks noChangeAspect="1" noChangeArrowheads="1"/>
-            </p:cNvPicPr>
-            <p:nvPr/>
-          </p:nvPicPr>
-          <p:blipFill>
-            <a:blip r:embed="rId3">
-              <a:extLst>
-                <a:ext uri="{28A0092B-C50C-407E-A947-70E740481C1C}">
-                  <a14:useLocalDpi xmlns:a14="http://schemas.microsoft.com/office/drawing/2010/main" val="0"/>
-                </a:ext>
-              </a:extLst>
-            </a:blip>
-            <a:srcRect/>
-            <a:stretch>
-              <a:fillRect/>
-            </a:stretch>
-          </p:blipFill>
-          <p:spPr bwMode="auto">
-            <a:xfrm>
-              <a:off x="812731" y="2034237"/>
-              <a:ext cx="4178852" cy="914391"/>
-            </a:xfrm>
-            <a:prstGeom prst="rect">
-              <a:avLst/>
-            </a:prstGeom>
-            <a:noFill/>
-            <a:extLst>
-              <a:ext uri="{909E8E84-426E-40DD-AFC4-6F175D3DCCD1}">
-                <a14:hiddenFill xmlns:a14="http://schemas.microsoft.com/office/drawing/2010/main">
-                  <a:solidFill>
-                    <a:srgbClr val="FFFFFF"/>
-                  </a:solidFill>
-                </a14:hiddenFill>
-              </a:ext>
-            </a:extLst>
-          </p:spPr>
-        </p:pic>
-        <p:pic>
-          <p:nvPicPr>
-            <p:cNvPr id="1028" name="Picture 4" descr="Image result for visual studio 2017 logo">
-              <a:extLst>
-                <a:ext uri="{FF2B5EF4-FFF2-40B4-BE49-F238E27FC236}">
-                  <a16:creationId xmlns:a16="http://schemas.microsoft.com/office/drawing/2014/main" id="{B40B1DA0-E26E-4CDC-9ECD-AAD4F3F84959}"/>
-                </a:ext>
-              </a:extLst>
-            </p:cNvPr>
-            <p:cNvPicPr>
-              <a:picLocks noChangeAspect="1" noChangeArrowheads="1"/>
-            </p:cNvPicPr>
-            <p:nvPr/>
-          </p:nvPicPr>
-          <p:blipFill>
-            <a:blip r:embed="rId4">
-              <a:extLst>
-                <a:ext uri="{28A0092B-C50C-407E-A947-70E740481C1C}">
-                  <a14:useLocalDpi xmlns:a14="http://schemas.microsoft.com/office/drawing/2010/main" val="0"/>
-                </a:ext>
-              </a:extLst>
-            </a:blip>
-            <a:srcRect/>
-            <a:stretch>
-              <a:fillRect/>
-            </a:stretch>
-          </p:blipFill>
-          <p:spPr bwMode="auto">
-            <a:xfrm>
-              <a:off x="807722" y="3314383"/>
-              <a:ext cx="4188870" cy="703670"/>
-            </a:xfrm>
-            <a:prstGeom prst="rect">
-              <a:avLst/>
-            </a:prstGeom>
-            <a:noFill/>
-            <a:extLst>
-              <a:ext uri="{909E8E84-426E-40DD-AFC4-6F175D3DCCD1}">
-                <a14:hiddenFill xmlns:a14="http://schemas.microsoft.com/office/drawing/2010/main">
-                  <a:solidFill>
-                    <a:srgbClr val="FFFFFF"/>
-                  </a:solidFill>
-                </a14:hiddenFill>
-              </a:ext>
-            </a:extLst>
-          </p:spPr>
-        </p:pic>
-      </p:grpSp>
-      <p:sp>
-        <p:nvSpPr>
-          <p:cNvPr id="10" name="Rectangle 9">
-            <a:extLst>
-              <a:ext uri="{FF2B5EF4-FFF2-40B4-BE49-F238E27FC236}">
-                <a16:creationId xmlns:a16="http://schemas.microsoft.com/office/drawing/2014/main" id="{14BD9AE3-3307-4097-8C55-0F70A4815A70}"/>
-              </a:ext>
-            </a:extLst>
-          </p:cNvPr>
-          <p:cNvSpPr/>
-          <p:nvPr/>
-        </p:nvSpPr>
-        <p:spPr bwMode="auto">
-          <a:xfrm>
-            <a:off x="6583993" y="1903752"/>
-            <a:ext cx="4803380" cy="2325022"/>
-          </a:xfrm>
-          <a:prstGeom prst="rect">
-            <a:avLst/>
-          </a:prstGeom>
-          <a:solidFill>
-            <a:schemeClr val="tx1">
-              <a:lumMod val="95000"/>
-            </a:schemeClr>
-          </a:solidFill>
-          <a:ln>
-            <a:noFill/>
-            <a:headEnd type="none" w="med" len="med"/>
-            <a:tailEnd type="none" w="med" len="med"/>
-          </a:ln>
-          <a:effectLst/>
-        </p:spPr>
-        <p:style>
-          <a:lnRef idx="1">
-            <a:schemeClr val="accent2"/>
-          </a:lnRef>
-          <a:fillRef idx="3">
-            <a:schemeClr val="accent2"/>
-          </a:fillRef>
-          <a:effectRef idx="2">
-            <a:schemeClr val="accent2"/>
-          </a:effectRef>
-          <a:fontRef idx="minor">
-            <a:schemeClr val="lt1"/>
-          </a:fontRef>
-        </p:style>
-        <p:txBody>
-          <a:bodyPr rot="0" spcFirstLastPara="0" vertOverflow="overflow" horzOverflow="overflow" vert="horz" wrap="square" lIns="182880" tIns="146304" rIns="182880" bIns="146304" numCol="1" spcCol="0" rtlCol="0" fromWordArt="0" anchor="t" anchorCtr="0" forceAA="0" compatLnSpc="1">
-            <a:prstTxWarp prst="textNoShape">
-              <a:avLst/>
-            </a:prstTxWarp>
-            <a:noAutofit/>
-          </a:bodyPr>
-          <a:lstStyle/>
-          <a:p>
-            <a:pPr algn="ctr" defTabSz="932472" fontAlgn="base">
-              <a:lnSpc>
-                <a:spcPct val="90000"/>
-              </a:lnSpc>
-              <a:spcBef>
-                <a:spcPct val="0"/>
-              </a:spcBef>
-              <a:spcAft>
-                <a:spcPct val="0"/>
-              </a:spcAft>
-            </a:pPr>
-            <a:endParaRPr lang="en-US" sz="2400" dirty="0" err="1">
-              <a:gradFill>
-                <a:gsLst>
-                  <a:gs pos="0">
-                    <a:srgbClr val="FFFFFF"/>
-                  </a:gs>
-                  <a:gs pos="100000">
-                    <a:srgbClr val="FFFFFF"/>
-                  </a:gs>
-                </a:gsLst>
-                <a:lin ang="5400000" scaled="0"/>
-              </a:gradFill>
-              <a:ea typeface="Segoe UI" pitchFamily="34" charset="0"/>
-              <a:cs typeface="Segoe UI" pitchFamily="34" charset="0"/>
-            </a:endParaRPr>
-          </a:p>
-        </p:txBody>
-      </p:sp>
-      <p:pic>
-        <p:nvPicPr>
-          <p:cNvPr id="1030" name="Picture 6" descr="MacOS wordmark (2017).svg">
-            <a:extLst>
-              <a:ext uri="{FF2B5EF4-FFF2-40B4-BE49-F238E27FC236}">
-                <a16:creationId xmlns:a16="http://schemas.microsoft.com/office/drawing/2014/main" id="{C468C57E-44A5-4313-B56A-2473E5DB2064}"/>
-              </a:ext>
-            </a:extLst>
-          </p:cNvPr>
-          <p:cNvPicPr>
-            <a:picLocks noChangeAspect="1" noChangeArrowheads="1"/>
-          </p:cNvPicPr>
-          <p:nvPr/>
-        </p:nvPicPr>
-        <p:blipFill>
-          <a:blip r:embed="rId5">
-            <a:extLst>
-              <a:ext uri="{28A0092B-C50C-407E-A947-70E740481C1C}">
-                <a14:useLocalDpi xmlns:a14="http://schemas.microsoft.com/office/drawing/2010/main" val="0"/>
-              </a:ext>
-            </a:extLst>
-          </a:blip>
-          <a:srcRect/>
-          <a:stretch>
-            <a:fillRect/>
-          </a:stretch>
-        </p:blipFill>
-        <p:spPr bwMode="auto">
-          <a:xfrm>
-            <a:off x="7406944" y="2278730"/>
-            <a:ext cx="2834609" cy="669898"/>
-          </a:xfrm>
-          <a:prstGeom prst="rect">
-            <a:avLst/>
-          </a:prstGeom>
-          <a:noFill/>
-          <a:extLst>
-            <a:ext uri="{909E8E84-426E-40DD-AFC4-6F175D3DCCD1}">
-              <a14:hiddenFill xmlns:a14="http://schemas.microsoft.com/office/drawing/2010/main">
-                <a:solidFill>
-                  <a:srgbClr val="FFFFFF"/>
-                </a:solidFill>
-              </a14:hiddenFill>
-            </a:ext>
-          </a:extLst>
-        </p:spPr>
-      </p:pic>
-    </p:spTree>
-    <p:extLst>
-      <p:ext uri="{BB962C8B-B14F-4D97-AF65-F5344CB8AC3E}">
-        <p14:creationId xmlns:p14="http://schemas.microsoft.com/office/powerpoint/2010/main" val="1996362262"/>
-      </p:ext>
-    </p:extLst>
-  </p:cSld>
-  <p:clrMapOvr>
-    <a:masterClrMapping/>
-  </p:clrMapOvr>
-</p:sld>
-</file>
-
-<file path=ppt/slides/slide16.xml><?xml version="1.0" encoding="utf-8"?>
-<p:sld xmlns:a="http://schemas.openxmlformats.org/drawingml/2006/main" xmlns:r="http://schemas.openxmlformats.org/officeDocument/2006/relationships" xmlns:p="http://schemas.openxmlformats.org/presentationml/2006/main">
-  <p:cSld>
-    <p:spTree>
-      <p:nvGrpSpPr>
-        <p:cNvPr id="1" name=""/>
-        <p:cNvGrpSpPr/>
-        <p:nvPr/>
-      </p:nvGrpSpPr>
-      <p:grpSpPr>
-        <a:xfrm>
-          <a:off x="0" y="0"/>
-          <a:ext cx="0" cy="0"/>
-          <a:chOff x="0" y="0"/>
-          <a:chExt cx="0" cy="0"/>
-        </a:xfrm>
-      </p:grpSpPr>
-      <p:sp>
-        <p:nvSpPr>
-          <p:cNvPr id="2" name="Title 1"/>
-          <p:cNvSpPr>
-            <a:spLocks noGrp="1"/>
-          </p:cNvSpPr>
-          <p:nvPr>
-            <p:ph type="title"/>
-          </p:nvPr>
-        </p:nvSpPr>
         <p:spPr>
           <a:xfrm>
             <a:off x="274639" y="295274"/>
@@ -30725,7 +29975,7 @@
 </p:sld>
 </file>
 
-<file path=ppt/slides/slide17.xml><?xml version="1.0" encoding="utf-8"?>
+<file path=ppt/slides/slide16.xml><?xml version="1.0" encoding="utf-8"?>
 <p:sld xmlns:a="http://schemas.openxmlformats.org/drawingml/2006/main" xmlns:r="http://schemas.openxmlformats.org/officeDocument/2006/relationships" xmlns:p="http://schemas.openxmlformats.org/presentationml/2006/main">
   <p:cSld>
     <p:spTree>
@@ -31053,7 +30303,7 @@
 </p:sld>
 </file>
 
-<file path=ppt/slides/slide18.xml><?xml version="1.0" encoding="utf-8"?>
+<file path=ppt/slides/slide17.xml><?xml version="1.0" encoding="utf-8"?>
 <p:sld xmlns:a="http://schemas.openxmlformats.org/drawingml/2006/main" xmlns:r="http://schemas.openxmlformats.org/officeDocument/2006/relationships" xmlns:p="http://schemas.openxmlformats.org/presentationml/2006/main">
   <p:cSld>
     <p:spTree>
@@ -31140,7 +30390,7 @@
 </p:sld>
 </file>
 
-<file path=ppt/slides/slide19.xml><?xml version="1.0" encoding="utf-8"?>
+<file path=ppt/slides/slide18.xml><?xml version="1.0" encoding="utf-8"?>
 <p:sld xmlns:a="http://schemas.openxmlformats.org/drawingml/2006/main" xmlns:r="http://schemas.openxmlformats.org/officeDocument/2006/relationships" xmlns:p="http://schemas.openxmlformats.org/presentationml/2006/main">
   <p:cSld>
     <p:spTree>
@@ -31293,6 +30543,274 @@
 </p:sld>
 </file>
 
+<file path=ppt/slides/slide19.xml><?xml version="1.0" encoding="utf-8"?>
+<p:sld xmlns:a="http://schemas.openxmlformats.org/drawingml/2006/main" xmlns:r="http://schemas.openxmlformats.org/officeDocument/2006/relationships" xmlns:p="http://schemas.openxmlformats.org/presentationml/2006/main">
+  <p:cSld>
+    <p:spTree>
+      <p:nvGrpSpPr>
+        <p:cNvPr id="1" name=""/>
+        <p:cNvGrpSpPr/>
+        <p:nvPr/>
+      </p:nvGrpSpPr>
+      <p:grpSpPr>
+        <a:xfrm>
+          <a:off x="0" y="0"/>
+          <a:ext cx="0" cy="0"/>
+          <a:chOff x="0" y="0"/>
+          <a:chExt cx="0" cy="0"/>
+        </a:xfrm>
+      </p:grpSpPr>
+      <p:sp>
+        <p:nvSpPr>
+          <p:cNvPr id="64" name="TextBox 63"/>
+          <p:cNvSpPr txBox="1"/>
+          <p:nvPr/>
+        </p:nvSpPr>
+        <p:spPr>
+          <a:xfrm>
+            <a:off x="3383251" y="1211287"/>
+            <a:ext cx="804549" cy="4114755"/>
+          </a:xfrm>
+          <a:prstGeom prst="rect">
+            <a:avLst/>
+          </a:prstGeom>
+          <a:solidFill>
+            <a:srgbClr val="000000">
+              <a:alpha val="12941"/>
+            </a:srgbClr>
+          </a:solidFill>
+        </p:spPr>
+        <p:txBody>
+          <a:bodyPr wrap="square" lIns="373041" rIns="186521" rtlCol="0" anchor="ctr">
+            <a:noAutofit/>
+          </a:bodyPr>
+          <a:lstStyle/>
+          <a:p>
+            <a:pPr marL="349724" indent="-349724">
+              <a:buFont typeface="Arial" panose="020B0604020202020204" pitchFamily="34" charset="0"/>
+              <a:buChar char="•"/>
+            </a:pPr>
+            <a:endParaRPr lang="en-US" sz="2040" dirty="0">
+              <a:latin typeface="Segoe UI Light" panose="020B0502040204020203" pitchFamily="34" charset="0"/>
+              <a:cs typeface="Segoe UI Light" panose="020B0502040204020203" pitchFamily="34" charset="0"/>
+            </a:endParaRPr>
+          </a:p>
+        </p:txBody>
+      </p:sp>
+      <p:sp>
+        <p:nvSpPr>
+          <p:cNvPr id="14" name="TextBox 13"/>
+          <p:cNvSpPr txBox="1"/>
+          <p:nvPr/>
+        </p:nvSpPr>
+        <p:spPr>
+          <a:xfrm>
+            <a:off x="1097653" y="1211287"/>
+            <a:ext cx="3044676" cy="4114755"/>
+          </a:xfrm>
+          <a:prstGeom prst="homePlate">
+            <a:avLst>
+              <a:gd name="adj" fmla="val 20154"/>
+            </a:avLst>
+          </a:prstGeom>
+          <a:solidFill>
+            <a:srgbClr val="0078D7"/>
+          </a:solidFill>
+        </p:spPr>
+        <p:txBody>
+          <a:bodyPr wrap="square" rtlCol="0" anchor="ctr">
+            <a:noAutofit/>
+          </a:bodyPr>
+          <a:lstStyle/>
+          <a:p>
+            <a:pPr algn="ctr"/>
+            <a:r>
+              <a:rPr lang="en-US" sz="4000" dirty="0">
+                <a:solidFill>
+                  <a:schemeClr val="tx2"/>
+                </a:solidFill>
+                <a:latin typeface="Segoe UI Semibold" panose="020B0702040204020203" pitchFamily="34" charset="0"/>
+                <a:cs typeface="Segoe UI Semibold" panose="020B0702040204020203" pitchFamily="34" charset="0"/>
+              </a:rPr>
+              <a:t>Similarities</a:t>
+            </a:r>
+          </a:p>
+        </p:txBody>
+      </p:sp>
+      <p:sp>
+        <p:nvSpPr>
+          <p:cNvPr id="61" name="TextBox 60"/>
+          <p:cNvSpPr txBox="1"/>
+          <p:nvPr/>
+        </p:nvSpPr>
+        <p:spPr>
+          <a:xfrm>
+            <a:off x="32609" y="148956"/>
+            <a:ext cx="7358757" cy="860514"/>
+          </a:xfrm>
+          <a:prstGeom prst="rect">
+            <a:avLst/>
+          </a:prstGeom>
+          <a:noFill/>
+        </p:spPr>
+        <p:txBody>
+          <a:bodyPr wrap="none" lIns="182854" tIns="146283" rIns="182854" bIns="146283" rtlCol="0">
+            <a:spAutoFit/>
+          </a:bodyPr>
+          <a:lstStyle/>
+          <a:p>
+            <a:pPr>
+              <a:lnSpc>
+                <a:spcPct val="90000"/>
+              </a:lnSpc>
+            </a:pPr>
+            <a:r>
+              <a:rPr lang="en-US" sz="4080" dirty="0">
+                <a:gradFill>
+                  <a:gsLst>
+                    <a:gs pos="2917">
+                      <a:schemeClr val="tx1"/>
+                    </a:gs>
+                    <a:gs pos="30000">
+                      <a:schemeClr val="tx1"/>
+                    </a:gs>
+                  </a:gsLst>
+                  <a:lin ang="5400000" scaled="0"/>
+                </a:gradFill>
+                <a:latin typeface="Segoe UI Semibold" panose="020B0702040204020203" pitchFamily="34" charset="0"/>
+                <a:cs typeface="Segoe UI Semibold" panose="020B0702040204020203" pitchFamily="34" charset="0"/>
+              </a:rPr>
+              <a:t>.NET Core and .NET Framework</a:t>
+            </a:r>
+          </a:p>
+        </p:txBody>
+      </p:sp>
+      <p:sp>
+        <p:nvSpPr>
+          <p:cNvPr id="46" name="TextBox 45"/>
+          <p:cNvSpPr txBox="1"/>
+          <p:nvPr/>
+        </p:nvSpPr>
+        <p:spPr>
+          <a:xfrm>
+            <a:off x="4187799" y="1211287"/>
+            <a:ext cx="8248676" cy="4114755"/>
+          </a:xfrm>
+          <a:prstGeom prst="rect">
+            <a:avLst/>
+          </a:prstGeom>
+          <a:solidFill>
+            <a:srgbClr val="000000">
+              <a:alpha val="12941"/>
+            </a:srgbClr>
+          </a:solidFill>
+        </p:spPr>
+        <p:txBody>
+          <a:bodyPr wrap="square" lIns="373041" rIns="186521" rtlCol="0" anchor="ctr">
+            <a:noAutofit/>
+          </a:bodyPr>
+          <a:lstStyle/>
+          <a:p>
+            <a:pPr marL="349724" indent="-349724">
+              <a:buFont typeface="Arial" charset="0"/>
+              <a:buChar char="•"/>
+            </a:pPr>
+            <a:endParaRPr lang="en-US" sz="3200" dirty="0"/>
+          </a:p>
+          <a:p>
+            <a:pPr marL="349724" indent="-349724">
+              <a:buFont typeface="Arial" charset="0"/>
+              <a:buChar char="•"/>
+            </a:pPr>
+            <a:r>
+              <a:rPr lang="en-US" sz="3200" dirty="0"/>
+              <a:t>Support the latest C#, VB.NET, F#</a:t>
+            </a:r>
+          </a:p>
+          <a:p>
+            <a:pPr marL="349724" indent="-349724">
+              <a:buFont typeface="Arial" charset="0"/>
+              <a:buChar char="•"/>
+            </a:pPr>
+            <a:r>
+              <a:rPr lang="en-US" sz="3200" dirty="0"/>
+              <a:t>Implements .NET Standard API</a:t>
+            </a:r>
+          </a:p>
+          <a:p>
+            <a:pPr marL="349724" indent="-349724">
+              <a:buFont typeface="Arial" charset="0"/>
+              <a:buChar char="•"/>
+            </a:pPr>
+            <a:r>
+              <a:rPr lang="en-US" sz="3200" dirty="0"/>
+              <a:t>Supports ASP.NET Core and EF Core</a:t>
+            </a:r>
+          </a:p>
+          <a:p>
+            <a:pPr marL="349724" indent="-349724">
+              <a:buFont typeface="Arial" charset="0"/>
+              <a:buChar char="•"/>
+            </a:pPr>
+            <a:r>
+              <a:rPr lang="en-US" sz="3200" dirty="0"/>
+              <a:t>Best experience in Visual Studio </a:t>
+            </a:r>
+          </a:p>
+          <a:p>
+            <a:pPr marL="349724" indent="-349724">
+              <a:buFont typeface="Arial" charset="0"/>
+              <a:buChar char="•"/>
+            </a:pPr>
+            <a:r>
+              <a:rPr lang="en-US" sz="3200" dirty="0"/>
+              <a:t>Great experience in Visual Studio Code</a:t>
+            </a:r>
+          </a:p>
+          <a:p>
+            <a:pPr marL="349724" indent="-349724">
+              <a:buFont typeface="Arial" charset="0"/>
+              <a:buChar char="•"/>
+            </a:pPr>
+            <a:r>
+              <a:rPr lang="en-US" sz="3200" dirty="0"/>
+              <a:t>Can be used in/with Docker</a:t>
+            </a:r>
+          </a:p>
+          <a:p>
+            <a:pPr marL="349724" indent="-349724">
+              <a:buFont typeface="Arial" charset="0"/>
+              <a:buChar char="•"/>
+            </a:pPr>
+            <a:endParaRPr lang="en-US" sz="3200" dirty="0"/>
+          </a:p>
+        </p:txBody>
+      </p:sp>
+    </p:spTree>
+    <p:extLst>
+      <p:ext uri="{BB962C8B-B14F-4D97-AF65-F5344CB8AC3E}">
+        <p14:creationId xmlns:p14="http://schemas.microsoft.com/office/powerpoint/2010/main" val="1702748089"/>
+      </p:ext>
+    </p:extLst>
+  </p:cSld>
+  <p:clrMapOvr>
+    <a:masterClrMapping/>
+  </p:clrMapOvr>
+  <mc:AlternateContent xmlns:mc="http://schemas.openxmlformats.org/markup-compatibility/2006" xmlns:p14="http://schemas.microsoft.com/office/powerpoint/2010/main">
+    <mc:Choice Requires="p14">
+      <p:transition spd="med" p14:dur="700">
+        <p:fade/>
+      </p:transition>
+    </mc:Choice>
+    <mc:Fallback xmlns="">
+      <p:transition spd="med">
+        <p:fade/>
+      </p:transition>
+    </mc:Fallback>
+  </mc:AlternateContent>
+</p:sld>
+</file>
+
 <file path=ppt/slides/slide2.xml><?xml version="1.0" encoding="utf-8"?>
 <p:sld xmlns:a="http://schemas.openxmlformats.org/drawingml/2006/main" xmlns:r="http://schemas.openxmlformats.org/officeDocument/2006/relationships" xmlns:p="http://schemas.openxmlformats.org/presentationml/2006/main">
   <p:cSld>
@@ -31430,15 +30948,22 @@
           <a:p>
             <a:pPr algn="ctr"/>
             <a:r>
-              <a:rPr lang="en-US" sz="4000" dirty="0">
+              <a:rPr lang="en-US" sz="3600" dirty="0">
                 <a:solidFill>
                   <a:schemeClr val="tx2"/>
                 </a:solidFill>
                 <a:latin typeface="Segoe UI Semibold" panose="020B0702040204020203" pitchFamily="34" charset="0"/>
                 <a:cs typeface="Segoe UI Semibold" panose="020B0702040204020203" pitchFamily="34" charset="0"/>
               </a:rPr>
-              <a:t>Similarities</a:t>
-            </a:r>
+              <a:t>Differences</a:t>
+            </a:r>
+            <a:endParaRPr lang="en-US" sz="4000" dirty="0">
+              <a:solidFill>
+                <a:schemeClr val="tx2"/>
+              </a:solidFill>
+              <a:latin typeface="Segoe UI Semibold" panose="020B0702040204020203" pitchFamily="34" charset="0"/>
+              <a:cs typeface="Segoe UI Semibold" panose="020B0702040204020203" pitchFamily="34" charset="0"/>
+            </a:endParaRPr>
           </a:p>
         </p:txBody>
       </p:sp>
@@ -31520,7 +31045,10 @@
               <a:buFont typeface="Arial" charset="0"/>
               <a:buChar char="•"/>
             </a:pPr>
-            <a:endParaRPr lang="en-US" sz="3200" dirty="0"/>
+            <a:r>
+              <a:rPr lang="en-US" sz="3200" dirty="0"/>
+              <a:t>.NET Framework comes with Windows</a:t>
+            </a:r>
           </a:p>
           <a:p>
             <a:pPr marL="349724" indent="-349724">
@@ -31529,7 +31057,7 @@
             </a:pPr>
             <a:r>
               <a:rPr lang="en-US" sz="3200" dirty="0"/>
-              <a:t>Support the latest C#, VB.NET, F#</a:t>
+              <a:t>.NET Core installs side-by-side</a:t>
             </a:r>
           </a:p>
           <a:p>
@@ -31539,7 +31067,7 @@
             </a:pPr>
             <a:r>
               <a:rPr lang="en-US" sz="3200" dirty="0"/>
-              <a:t>Implements .NET Standard API</a:t>
+              <a:t>.NET Core is cross-platform and OSS</a:t>
             </a:r>
           </a:p>
           <a:p>
@@ -31549,7 +31077,7 @@
             </a:pPr>
             <a:r>
               <a:rPr lang="en-US" sz="3200" dirty="0"/>
-              <a:t>Supports ASP.NET Core and EF Core</a:t>
+              <a:t>.NET Core works on Nano</a:t>
             </a:r>
           </a:p>
           <a:p>
@@ -31559,42 +31087,15 @@
             </a:pPr>
             <a:r>
               <a:rPr lang="en-US" sz="3200" dirty="0"/>
-              <a:t>Best experience in Visual Studio </a:t>
-            </a:r>
-          </a:p>
-          <a:p>
-            <a:pPr marL="349724" indent="-349724">
-              <a:buFont typeface="Arial" charset="0"/>
-              <a:buChar char="•"/>
-            </a:pPr>
-            <a:r>
-              <a:rPr lang="en-US" sz="3200" dirty="0"/>
-              <a:t>Great experience in Visual Studio Code</a:t>
-            </a:r>
-          </a:p>
-          <a:p>
-            <a:pPr marL="349724" indent="-349724">
-              <a:buFont typeface="Arial" charset="0"/>
-              <a:buChar char="•"/>
-            </a:pPr>
-            <a:r>
-              <a:rPr lang="en-US" sz="3200" dirty="0"/>
-              <a:t>Can be used in/with Docker</a:t>
-            </a:r>
-          </a:p>
-          <a:p>
-            <a:pPr marL="349724" indent="-349724">
-              <a:buFont typeface="Arial" charset="0"/>
-              <a:buChar char="•"/>
-            </a:pPr>
-            <a:endParaRPr lang="en-US" sz="3200" dirty="0"/>
+              <a:t>.NET Core has a strong CLI experience</a:t>
+            </a:r>
           </a:p>
         </p:txBody>
       </p:sp>
     </p:spTree>
     <p:extLst>
       <p:ext uri="{BB962C8B-B14F-4D97-AF65-F5344CB8AC3E}">
-        <p14:creationId xmlns:p14="http://schemas.microsoft.com/office/powerpoint/2010/main" val="1702748089"/>
+        <p14:creationId xmlns:p14="http://schemas.microsoft.com/office/powerpoint/2010/main" val="841949262"/>
       </p:ext>
     </p:extLst>
   </p:cSld>
@@ -31635,235 +31136,40 @@
       </p:grpSpPr>
       <p:sp>
         <p:nvSpPr>
-          <p:cNvPr id="64" name="TextBox 63"/>
-          <p:cNvSpPr txBox="1"/>
-          <p:nvPr/>
+          <p:cNvPr id="2" name="Title 1"/>
+          <p:cNvSpPr>
+            <a:spLocks noGrp="1"/>
+          </p:cNvSpPr>
+          <p:nvPr>
+            <p:ph type="title"/>
+          </p:nvPr>
         </p:nvSpPr>
-        <p:spPr>
-          <a:xfrm>
-            <a:off x="3383251" y="1211287"/>
-            <a:ext cx="804549" cy="4114755"/>
-          </a:xfrm>
-          <a:prstGeom prst="rect">
-            <a:avLst/>
-          </a:prstGeom>
-          <a:solidFill>
-            <a:srgbClr val="000000">
-              <a:alpha val="12941"/>
-            </a:srgbClr>
-          </a:solidFill>
-        </p:spPr>
+        <p:spPr/>
         <p:txBody>
-          <a:bodyPr wrap="square" lIns="373041" rIns="186521" rtlCol="0" anchor="ctr">
-            <a:noAutofit/>
-          </a:bodyPr>
+          <a:bodyPr/>
           <a:lstStyle/>
           <a:p>
-            <a:pPr marL="349724" indent="-349724">
-              <a:buFont typeface="Arial" panose="020B0604020202020204" pitchFamily="34" charset="0"/>
-              <a:buChar char="•"/>
-            </a:pPr>
-            <a:endParaRPr lang="en-US" sz="2040" dirty="0">
-              <a:latin typeface="Segoe UI Light" panose="020B0502040204020203" pitchFamily="34" charset="0"/>
-              <a:cs typeface="Segoe UI Light" panose="020B0502040204020203" pitchFamily="34" charset="0"/>
-            </a:endParaRPr>
-          </a:p>
-        </p:txBody>
-      </p:sp>
-      <p:sp>
-        <p:nvSpPr>
-          <p:cNvPr id="14" name="TextBox 13"/>
-          <p:cNvSpPr txBox="1"/>
-          <p:nvPr/>
-        </p:nvSpPr>
-        <p:spPr>
-          <a:xfrm>
-            <a:off x="1097653" y="1211287"/>
-            <a:ext cx="3044676" cy="4114755"/>
-          </a:xfrm>
-          <a:prstGeom prst="homePlate">
-            <a:avLst>
-              <a:gd name="adj" fmla="val 20154"/>
-            </a:avLst>
-          </a:prstGeom>
-          <a:solidFill>
-            <a:srgbClr val="0078D7"/>
-          </a:solidFill>
-        </p:spPr>
-        <p:txBody>
-          <a:bodyPr wrap="square" rtlCol="0" anchor="ctr">
-            <a:noAutofit/>
-          </a:bodyPr>
-          <a:lstStyle/>
-          <a:p>
-            <a:pPr algn="ctr"/>
-            <a:r>
-              <a:rPr lang="en-US" sz="3600" dirty="0">
-                <a:solidFill>
-                  <a:schemeClr val="tx2"/>
-                </a:solidFill>
-                <a:latin typeface="Segoe UI Semibold" panose="020B0702040204020203" pitchFamily="34" charset="0"/>
-                <a:cs typeface="Segoe UI Semibold" panose="020B0702040204020203" pitchFamily="34" charset="0"/>
-              </a:rPr>
-              <a:t>Differences</a:t>
-            </a:r>
-            <a:endParaRPr lang="en-US" sz="4000" dirty="0">
-              <a:solidFill>
-                <a:schemeClr val="tx2"/>
-              </a:solidFill>
-              <a:latin typeface="Segoe UI Semibold" panose="020B0702040204020203" pitchFamily="34" charset="0"/>
-              <a:cs typeface="Segoe UI Semibold" panose="020B0702040204020203" pitchFamily="34" charset="0"/>
-            </a:endParaRPr>
-          </a:p>
-        </p:txBody>
-      </p:sp>
-      <p:sp>
-        <p:nvSpPr>
-          <p:cNvPr id="61" name="TextBox 60"/>
-          <p:cNvSpPr txBox="1"/>
-          <p:nvPr/>
-        </p:nvSpPr>
-        <p:spPr>
-          <a:xfrm>
-            <a:off x="32609" y="148956"/>
-            <a:ext cx="7358757" cy="860514"/>
-          </a:xfrm>
-          <a:prstGeom prst="rect">
-            <a:avLst/>
-          </a:prstGeom>
-          <a:noFill/>
-        </p:spPr>
-        <p:txBody>
-          <a:bodyPr wrap="none" lIns="182854" tIns="146283" rIns="182854" bIns="146283" rtlCol="0">
-            <a:spAutoFit/>
-          </a:bodyPr>
-          <a:lstStyle/>
-          <a:p>
-            <a:pPr>
-              <a:lnSpc>
-                <a:spcPct val="90000"/>
-              </a:lnSpc>
-            </a:pPr>
-            <a:r>
-              <a:rPr lang="en-US" sz="4080" dirty="0">
-                <a:gradFill>
-                  <a:gsLst>
-                    <a:gs pos="2917">
-                      <a:schemeClr val="tx1"/>
-                    </a:gs>
-                    <a:gs pos="30000">
-                      <a:schemeClr val="tx1"/>
-                    </a:gs>
-                  </a:gsLst>
-                  <a:lin ang="5400000" scaled="0"/>
-                </a:gradFill>
-                <a:latin typeface="Segoe UI Semibold" panose="020B0702040204020203" pitchFamily="34" charset="0"/>
-                <a:cs typeface="Segoe UI Semibold" panose="020B0702040204020203" pitchFamily="34" charset="0"/>
-              </a:rPr>
-              <a:t>.NET Core and .NET Framework</a:t>
-            </a:r>
-          </a:p>
-        </p:txBody>
-      </p:sp>
-      <p:sp>
-        <p:nvSpPr>
-          <p:cNvPr id="46" name="TextBox 45"/>
-          <p:cNvSpPr txBox="1"/>
-          <p:nvPr/>
-        </p:nvSpPr>
-        <p:spPr>
-          <a:xfrm>
-            <a:off x="4187799" y="1211287"/>
-            <a:ext cx="8248676" cy="4114755"/>
-          </a:xfrm>
-          <a:prstGeom prst="rect">
-            <a:avLst/>
-          </a:prstGeom>
-          <a:solidFill>
-            <a:srgbClr val="000000">
-              <a:alpha val="12941"/>
-            </a:srgbClr>
-          </a:solidFill>
-        </p:spPr>
-        <p:txBody>
-          <a:bodyPr wrap="square" lIns="373041" rIns="186521" rtlCol="0" anchor="ctr">
-            <a:noAutofit/>
-          </a:bodyPr>
-          <a:lstStyle/>
-          <a:p>
-            <a:pPr marL="349724" indent="-349724">
-              <a:buFont typeface="Arial" charset="0"/>
-              <a:buChar char="•"/>
-            </a:pPr>
-            <a:r>
-              <a:rPr lang="en-US" sz="3200" dirty="0"/>
-              <a:t>.NET Framework comes with Windows</a:t>
-            </a:r>
-          </a:p>
-          <a:p>
-            <a:pPr marL="349724" indent="-349724">
-              <a:buFont typeface="Arial" charset="0"/>
-              <a:buChar char="•"/>
-            </a:pPr>
-            <a:r>
-              <a:rPr lang="en-US" sz="3200" dirty="0"/>
-              <a:t>.NET Core installs side-by-side</a:t>
-            </a:r>
-          </a:p>
-          <a:p>
-            <a:pPr marL="349724" indent="-349724">
-              <a:buFont typeface="Arial" charset="0"/>
-              <a:buChar char="•"/>
-            </a:pPr>
-            <a:r>
-              <a:rPr lang="en-US" sz="3200" dirty="0"/>
-              <a:t>.NET Core is cross-platform and OSS</a:t>
-            </a:r>
-          </a:p>
-          <a:p>
-            <a:pPr marL="349724" indent="-349724">
-              <a:buFont typeface="Arial" charset="0"/>
-              <a:buChar char="•"/>
-            </a:pPr>
-            <a:r>
-              <a:rPr lang="en-US" sz="3200" dirty="0"/>
-              <a:t>.NET Core works on Nano</a:t>
-            </a:r>
-          </a:p>
-          <a:p>
-            <a:pPr marL="349724" indent="-349724">
-              <a:buFont typeface="Arial" charset="0"/>
-              <a:buChar char="•"/>
-            </a:pPr>
-            <a:r>
-              <a:rPr lang="en-US" sz="3200" dirty="0"/>
-              <a:t>.NET Core has a strong CLI experience</a:t>
-            </a:r>
+            <a:r>
+              <a:rPr lang="en-US" dirty="0"/>
+              <a:t>.NET Core: Your First App</a:t>
+            </a:r>
+            <a:endParaRPr lang="en-US" sz="7200" dirty="0"/>
           </a:p>
         </p:txBody>
       </p:sp>
     </p:spTree>
     <p:extLst>
       <p:ext uri="{BB962C8B-B14F-4D97-AF65-F5344CB8AC3E}">
-        <p14:creationId xmlns:p14="http://schemas.microsoft.com/office/powerpoint/2010/main" val="841949262"/>
+        <p14:creationId xmlns:p14="http://schemas.microsoft.com/office/powerpoint/2010/main" val="2055366616"/>
       </p:ext>
     </p:extLst>
   </p:cSld>
   <p:clrMapOvr>
     <a:masterClrMapping/>
   </p:clrMapOvr>
-  <mc:AlternateContent xmlns:mc="http://schemas.openxmlformats.org/markup-compatibility/2006" xmlns:p14="http://schemas.microsoft.com/office/powerpoint/2010/main">
-    <mc:Choice Requires="p14">
-      <p:transition spd="med" p14:dur="700">
-        <p:fade/>
-      </p:transition>
-    </mc:Choice>
-    <mc:Fallback xmlns="">
-      <p:transition spd="med">
-        <p:fade/>
-      </p:transition>
-    </mc:Fallback>
-  </mc:AlternateContent>
+  <p:transition>
+    <p:fade/>
+  </p:transition>
 </p:sld>
 </file>
 
@@ -31886,7 +31192,7 @@
       </p:grpSpPr>
       <p:sp>
         <p:nvSpPr>
-          <p:cNvPr id="2" name="Title 1"/>
+          <p:cNvPr id="4" name="Title 3"/>
           <p:cNvSpPr>
             <a:spLocks noGrp="1"/>
           </p:cNvSpPr>
@@ -31901,16 +31207,103 @@
           <a:p>
             <a:r>
               <a:rPr lang="en-US" dirty="0"/>
-              <a:t>.NET Core: Your First App</a:t>
-            </a:r>
-            <a:endParaRPr lang="en-US" sz="7200" dirty="0"/>
+              <a:t>Sample Source Code</a:t>
+            </a:r>
+          </a:p>
+        </p:txBody>
+      </p:sp>
+      <p:sp>
+        <p:nvSpPr>
+          <p:cNvPr id="5" name="Text Placeholder 4"/>
+          <p:cNvSpPr>
+            <a:spLocks noGrp="1"/>
+          </p:cNvSpPr>
+          <p:nvPr>
+            <p:ph type="body" sz="quarter" idx="10"/>
+          </p:nvPr>
+        </p:nvSpPr>
+        <p:spPr>
+          <a:xfrm>
+            <a:off x="274638" y="1221157"/>
+            <a:ext cx="11887199" cy="5123326"/>
+          </a:xfrm>
+        </p:spPr>
+        <p:txBody>
+          <a:bodyPr/>
+          <a:lstStyle/>
+          <a:p>
+            <a:r>
+              <a:rPr lang="en-US" dirty="0"/>
+              <a:t>using System;</a:t>
+            </a:r>
+          </a:p>
+          <a:p>
+            <a:endParaRPr lang="en-US" dirty="0"/>
+          </a:p>
+          <a:p>
+            <a:r>
+              <a:rPr lang="en-US" dirty="0"/>
+              <a:t>class Program</a:t>
+            </a:r>
+          </a:p>
+          <a:p>
+            <a:r>
+              <a:rPr lang="en-US" dirty="0"/>
+              <a:t>{</a:t>
+            </a:r>
+          </a:p>
+          <a:p>
+            <a:r>
+              <a:rPr lang="en-US" dirty="0"/>
+              <a:t>    static void Main(string[] </a:t>
+            </a:r>
+            <a:r>
+              <a:rPr lang="en-US" dirty="0" err="1"/>
+              <a:t>args</a:t>
+            </a:r>
+            <a:r>
+              <a:rPr lang="en-US" dirty="0"/>
+              <a:t>)</a:t>
+            </a:r>
+          </a:p>
+          <a:p>
+            <a:r>
+              <a:rPr lang="mr-IN" dirty="0"/>
+              <a:t>    {</a:t>
+            </a:r>
+          </a:p>
+          <a:p>
+            <a:r>
+              <a:rPr lang="en-US" dirty="0"/>
+              <a:t>        </a:t>
+            </a:r>
+            <a:r>
+              <a:rPr lang="en-US" dirty="0" err="1"/>
+              <a:t>Console.WriteLine</a:t>
+            </a:r>
+            <a:r>
+              <a:rPr lang="en-US" dirty="0"/>
+              <a:t>("Hello World!");</a:t>
+            </a:r>
+          </a:p>
+          <a:p>
+            <a:r>
+              <a:rPr lang="mr-IN" dirty="0"/>
+              <a:t>    }</a:t>
+            </a:r>
+          </a:p>
+          <a:p>
+            <a:r>
+              <a:rPr lang="mr-IN" dirty="0"/>
+              <a:t>}</a:t>
+            </a:r>
           </a:p>
         </p:txBody>
       </p:sp>
     </p:spTree>
     <p:extLst>
       <p:ext uri="{BB962C8B-B14F-4D97-AF65-F5344CB8AC3E}">
-        <p14:creationId xmlns:p14="http://schemas.microsoft.com/office/powerpoint/2010/main" val="2055366616"/>
+        <p14:creationId xmlns:p14="http://schemas.microsoft.com/office/powerpoint/2010/main" val="1064806119"/>
       </p:ext>
     </p:extLst>
   </p:cSld>
@@ -31956,8 +31349,20 @@
           <a:lstStyle/>
           <a:p>
             <a:r>
+              <a:rPr lang="en-US" dirty="0" err="1"/>
+              <a:t>CSProj</a:t>
+            </a:r>
+            <a:r>
               <a:rPr lang="en-US" dirty="0"/>
-              <a:t>Sample Source Code</a:t>
+              <a:t> </a:t>
+            </a:r>
+            <a:r>
+              <a:rPr lang="mr-IN" dirty="0"/>
+              <a:t>–</a:t>
+            </a:r>
+            <a:r>
+              <a:rPr lang="en-US" dirty="0"/>
+              <a:t> default console template</a:t>
             </a:r>
           </a:p>
         </p:txBody>
@@ -31975,7 +31380,7 @@
         <p:spPr>
           <a:xfrm>
             <a:off x="274638" y="1221157"/>
-            <a:ext cx="11887199" cy="5123326"/>
+            <a:ext cx="12527207" cy="4450449"/>
           </a:xfrm>
         </p:spPr>
         <p:txBody>
@@ -31984,7 +31389,27 @@
           <a:p>
             <a:r>
               <a:rPr lang="en-US" dirty="0"/>
-              <a:t>using System;</a:t>
+              <a:t>&lt;Project </a:t>
+            </a:r>
+            <a:r>
+              <a:rPr lang="en-US" dirty="0" err="1"/>
+              <a:t>Sdk</a:t>
+            </a:r>
+            <a:r>
+              <a:rPr lang="en-US" dirty="0"/>
+              <a:t>="</a:t>
+            </a:r>
+            <a:r>
+              <a:rPr lang="en-US" dirty="0" err="1">
+                <a:solidFill>
+                  <a:srgbClr val="00B050"/>
+                </a:solidFill>
+              </a:rPr>
+              <a:t>Microsoft.NET.Sdk</a:t>
+            </a:r>
+            <a:r>
+              <a:rPr lang="en-US" dirty="0"/>
+              <a:t>"&gt;</a:t>
             </a:r>
           </a:p>
           <a:p>
@@ -31993,59 +31418,107 @@
           <a:p>
             <a:r>
               <a:rPr lang="en-US" dirty="0"/>
-              <a:t>class Program</a:t>
-            </a:r>
-          </a:p>
-          <a:p>
+              <a:t>  &lt;</a:t>
+            </a:r>
+            <a:r>
+              <a:rPr lang="en-US" dirty="0" err="1"/>
+              <a:t>PropertyGroup</a:t>
+            </a:r>
             <a:r>
               <a:rPr lang="en-US" dirty="0"/>
-              <a:t>{</a:t>
+              <a:t>&gt;</a:t>
             </a:r>
           </a:p>
           <a:p>
             <a:r>
               <a:rPr lang="en-US" dirty="0"/>
-              <a:t>    static void Main(string[] </a:t>
+              <a:t>    &lt;</a:t>
             </a:r>
             <a:r>
               <a:rPr lang="en-US" dirty="0" err="1"/>
-              <a:t>args</a:t>
+              <a:t>OutputType</a:t>
             </a:r>
             <a:r>
               <a:rPr lang="en-US" dirty="0"/>
-              <a:t>)</a:t>
-            </a:r>
-          </a:p>
-          <a:p>
-            <a:r>
-              <a:rPr lang="mr-IN" dirty="0"/>
-              <a:t>    {</a:t>
-            </a:r>
-          </a:p>
-          <a:p>
+              <a:t>&gt;</a:t>
+            </a:r>
+            <a:r>
+              <a:rPr lang="en-US" dirty="0">
+                <a:solidFill>
+                  <a:srgbClr val="00B050"/>
+                </a:solidFill>
+              </a:rPr>
+              <a:t>Exe</a:t>
+            </a:r>
             <a:r>
               <a:rPr lang="en-US" dirty="0"/>
-              <a:t>        </a:t>
+              <a:t>&lt;/</a:t>
             </a:r>
             <a:r>
               <a:rPr lang="en-US" dirty="0" err="1"/>
-              <a:t>Console.WriteLine</a:t>
+              <a:t>OutputType</a:t>
             </a:r>
             <a:r>
               <a:rPr lang="en-US" dirty="0"/>
-              <a:t>("Hello World!");</a:t>
-            </a:r>
-          </a:p>
-          <a:p>
-            <a:r>
-              <a:rPr lang="mr-IN" dirty="0"/>
-              <a:t>    }</a:t>
-            </a:r>
-          </a:p>
-          <a:p>
-            <a:r>
-              <a:rPr lang="mr-IN" dirty="0"/>
-              <a:t>}</a:t>
+              <a:t>&gt;</a:t>
+            </a:r>
+          </a:p>
+          <a:p>
+            <a:r>
+              <a:rPr lang="en-US" dirty="0"/>
+              <a:t>    &lt;</a:t>
+            </a:r>
+            <a:r>
+              <a:rPr lang="en-US" dirty="0" err="1"/>
+              <a:t>TargetFramework</a:t>
+            </a:r>
+            <a:r>
+              <a:rPr lang="en-US" dirty="0"/>
+              <a:t>&gt;</a:t>
+            </a:r>
+            <a:r>
+              <a:rPr lang="en-US" dirty="0">
+                <a:solidFill>
+                  <a:srgbClr val="00B050"/>
+                </a:solidFill>
+              </a:rPr>
+              <a:t>netcoreapp2.0</a:t>
+            </a:r>
+            <a:r>
+              <a:rPr lang="en-US" dirty="0"/>
+              <a:t>&lt;/</a:t>
+            </a:r>
+            <a:r>
+              <a:rPr lang="en-US" dirty="0" err="1"/>
+              <a:t>TargetFramework</a:t>
+            </a:r>
+            <a:r>
+              <a:rPr lang="en-US" dirty="0"/>
+              <a:t>&gt;</a:t>
+            </a:r>
+          </a:p>
+          <a:p>
+            <a:r>
+              <a:rPr lang="en-US" dirty="0"/>
+              <a:t>  &lt;/</a:t>
+            </a:r>
+            <a:r>
+              <a:rPr lang="en-US" dirty="0" err="1"/>
+              <a:t>PropertyGroup</a:t>
+            </a:r>
+            <a:r>
+              <a:rPr lang="en-US" dirty="0"/>
+              <a:t>&gt;</a:t>
+            </a:r>
+            <a:br>
+              <a:rPr lang="en-US" dirty="0"/>
+            </a:br>
+            <a:endParaRPr lang="en-US" dirty="0"/>
+          </a:p>
+          <a:p>
+            <a:r>
+              <a:rPr lang="en-US" dirty="0"/>
+              <a:t>&lt;/Project&gt;</a:t>
             </a:r>
           </a:p>
         </p:txBody>
@@ -32053,7 +31526,7 @@
     </p:spTree>
     <p:extLst>
       <p:ext uri="{BB962C8B-B14F-4D97-AF65-F5344CB8AC3E}">
-        <p14:creationId xmlns:p14="http://schemas.microsoft.com/office/powerpoint/2010/main" val="1064806119"/>
+        <p14:creationId xmlns:p14="http://schemas.microsoft.com/office/powerpoint/2010/main" val="537392322"/>
       </p:ext>
     </p:extLst>
   </p:cSld>
@@ -32112,7 +31585,7 @@
             </a:r>
             <a:r>
               <a:rPr lang="en-US" dirty="0"/>
-              <a:t> default console template</a:t>
+              <a:t> default Web template</a:t>
             </a:r>
           </a:p>
         </p:txBody>
@@ -32130,7 +31603,7 @@
         <p:spPr>
           <a:xfrm>
             <a:off x="274638" y="1221157"/>
-            <a:ext cx="12527207" cy="4450449"/>
+            <a:ext cx="12527207" cy="5769272"/>
           </a:xfrm>
         </p:spPr>
         <p:txBody>
@@ -32138,96 +31611,59 @@
           <a:lstStyle/>
           <a:p>
             <a:r>
-              <a:rPr lang="en-US" dirty="0"/>
+              <a:rPr lang="en-US" sz="2800" dirty="0"/>
               <a:t>&lt;Project </a:t>
             </a:r>
             <a:r>
-              <a:rPr lang="en-US" dirty="0" err="1"/>
+              <a:rPr lang="en-US" sz="2800" dirty="0" err="1"/>
               <a:t>Sdk</a:t>
             </a:r>
             <a:r>
-              <a:rPr lang="en-US" dirty="0"/>
+              <a:rPr lang="en-US" sz="2800" dirty="0"/>
               <a:t>="</a:t>
             </a:r>
             <a:r>
-              <a:rPr lang="en-US" dirty="0" err="1">
+              <a:rPr lang="en-US" sz="2800" dirty="0" err="1">
                 <a:solidFill>
                   <a:srgbClr val="00B050"/>
                 </a:solidFill>
               </a:rPr>
-              <a:t>Microsoft.NET.Sdk</a:t>
-            </a:r>
-            <a:r>
-              <a:rPr lang="en-US" dirty="0"/>
+              <a:t>Microsoft.NET.Sdk.Web</a:t>
+            </a:r>
+            <a:r>
+              <a:rPr lang="en-US" sz="2800" dirty="0"/>
               <a:t>"&gt;</a:t>
             </a:r>
           </a:p>
           <a:p>
-            <a:endParaRPr lang="en-US" dirty="0"/>
-          </a:p>
-          <a:p>
-            <a:r>
-              <a:rPr lang="en-US" dirty="0"/>
-              <a:t>  &lt;</a:t>
-            </a:r>
-            <a:r>
-              <a:rPr lang="en-US" dirty="0" err="1"/>
+            <a:r>
+              <a:rPr lang="en-US" sz="2800" dirty="0"/>
+              <a:t>  &lt;</a:t>
+            </a:r>
+            <a:r>
+              <a:rPr lang="en-US" sz="2800" dirty="0" err="1"/>
               <a:t>PropertyGroup</a:t>
             </a:r>
             <a:r>
-              <a:rPr lang="en-US" dirty="0"/>
+              <a:rPr lang="en-US" sz="2800" dirty="0"/>
               <a:t>&gt;</a:t>
             </a:r>
           </a:p>
           <a:p>
             <a:r>
-              <a:rPr lang="en-US" dirty="0"/>
-              <a:t>    &lt;</a:t>
-            </a:r>
-            <a:r>
-              <a:rPr lang="en-US" dirty="0" err="1"/>
-              <a:t>OutputType</a:t>
-            </a:r>
-            <a:r>
-              <a:rPr lang="en-US" dirty="0"/>
+              <a:rPr lang="en-US" sz="2800" dirty="0"/>
+              <a:t>    &lt;</a:t>
+            </a:r>
+            <a:r>
+              <a:rPr lang="en-US" sz="2800" dirty="0" err="1"/>
+              <a:t>TargetFramework</a:t>
+            </a:r>
+            <a:r>
+              <a:rPr lang="en-US" sz="2800" dirty="0"/>
               <a:t>&gt;</a:t>
             </a:r>
             <a:r>
-              <a:rPr lang="en-US" dirty="0">
-                <a:solidFill>
-                  <a:srgbClr val="00B050"/>
-                </a:solidFill>
-              </a:rPr>
-              <a:t>Exe</a:t>
-            </a:r>
-            <a:r>
-              <a:rPr lang="en-US" dirty="0"/>
-              <a:t>&lt;/</a:t>
-            </a:r>
-            <a:r>
-              <a:rPr lang="en-US" dirty="0" err="1"/>
-              <a:t>OutputType</a:t>
-            </a:r>
-            <a:r>
-              <a:rPr lang="en-US" dirty="0"/>
-              <a:t>&gt;</a:t>
-            </a:r>
-          </a:p>
-          <a:p>
-            <a:r>
-              <a:rPr lang="en-US" dirty="0"/>
-              <a:t>    &lt;</a:t>
-            </a:r>
-            <a:r>
-              <a:rPr lang="en-US" dirty="0" err="1"/>
-              <a:t>TargetFramework</a:t>
-            </a:r>
-            <a:r>
-              <a:rPr lang="en-US" dirty="0"/>
-              <a:t>&gt;</a:t>
-            </a:r>
-            <a:r>
-              <a:rPr lang="en-US" dirty="0">
+              <a:rPr lang="en-US" sz="2800" dirty="0">
                 <a:solidFill>
                   <a:srgbClr val="00B050"/>
                 </a:solidFill>
@@ -32235,39 +31671,131 @@
               <a:t>netcoreapp2.0</a:t>
             </a:r>
             <a:r>
-              <a:rPr lang="en-US" dirty="0"/>
+              <a:rPr lang="en-US" sz="2800" dirty="0"/>
               <a:t>&lt;/</a:t>
             </a:r>
             <a:r>
-              <a:rPr lang="en-US" dirty="0" err="1"/>
+              <a:rPr lang="en-US" sz="2800" dirty="0" err="1"/>
               <a:t>TargetFramework</a:t>
             </a:r>
             <a:r>
-              <a:rPr lang="en-US" dirty="0"/>
+              <a:rPr lang="en-US" sz="2800" dirty="0"/>
               <a:t>&gt;</a:t>
             </a:r>
           </a:p>
           <a:p>
             <a:r>
-              <a:rPr lang="en-US" dirty="0"/>
-              <a:t>  &lt;/</a:t>
-            </a:r>
-            <a:r>
-              <a:rPr lang="en-US" dirty="0" err="1"/>
+              <a:rPr lang="en-US" sz="2800" dirty="0"/>
+              <a:t>  &lt;/</a:t>
+            </a:r>
+            <a:r>
+              <a:rPr lang="en-US" sz="2800" dirty="0" err="1"/>
               <a:t>PropertyGroup</a:t>
             </a:r>
             <a:r>
-              <a:rPr lang="en-US" dirty="0"/>
+              <a:rPr lang="en-US" sz="2800" dirty="0"/>
               <a:t>&gt;</a:t>
             </a:r>
-            <a:br>
-              <a:rPr lang="en-US" dirty="0"/>
-            </a:br>
-            <a:endParaRPr lang="en-US" dirty="0"/>
-          </a:p>
-          <a:p>
-            <a:r>
-              <a:rPr lang="en-US" dirty="0"/>
+          </a:p>
+          <a:p>
+            <a:r>
+              <a:rPr lang="en-US" sz="2800" dirty="0"/>
+              <a:t>  &lt;</a:t>
+            </a:r>
+            <a:r>
+              <a:rPr lang="en-US" sz="2800" dirty="0" err="1"/>
+              <a:t>ItemGroup</a:t>
+            </a:r>
+            <a:r>
+              <a:rPr lang="en-US" sz="2800" dirty="0"/>
+              <a:t>&gt;</a:t>
+            </a:r>
+          </a:p>
+          <a:p>
+            <a:r>
+              <a:rPr lang="en-US" sz="2800" dirty="0"/>
+              <a:t>    &lt;Folder Include="</a:t>
+            </a:r>
+            <a:r>
+              <a:rPr lang="en-US" sz="2800" dirty="0" err="1"/>
+              <a:t>wwwroot</a:t>
+            </a:r>
+            <a:r>
+              <a:rPr lang="en-US" sz="2800" dirty="0"/>
+              <a:t>\" /&gt;</a:t>
+            </a:r>
+          </a:p>
+          <a:p>
+            <a:r>
+              <a:rPr lang="en-US" sz="2800" dirty="0"/>
+              <a:t>  &lt;/</a:t>
+            </a:r>
+            <a:r>
+              <a:rPr lang="en-US" sz="2800" dirty="0" err="1"/>
+              <a:t>ItemGroup</a:t>
+            </a:r>
+            <a:r>
+              <a:rPr lang="en-US" sz="2800" dirty="0"/>
+              <a:t>&gt;</a:t>
+            </a:r>
+          </a:p>
+          <a:p>
+            <a:r>
+              <a:rPr lang="en-US" sz="2800" dirty="0"/>
+              <a:t>  &lt;</a:t>
+            </a:r>
+            <a:r>
+              <a:rPr lang="en-US" sz="2800" dirty="0" err="1"/>
+              <a:t>ItemGroup</a:t>
+            </a:r>
+            <a:r>
+              <a:rPr lang="en-US" sz="2800" dirty="0"/>
+              <a:t>&gt;</a:t>
+            </a:r>
+          </a:p>
+          <a:p>
+            <a:r>
+              <a:rPr lang="en-US" sz="2800" dirty="0"/>
+              <a:t>    &lt;</a:t>
+            </a:r>
+            <a:r>
+              <a:rPr lang="en-US" sz="2800" dirty="0" err="1"/>
+              <a:t>PackageReference</a:t>
+            </a:r>
+            <a:r>
+              <a:rPr lang="en-US" sz="2800" dirty="0"/>
+              <a:t> Include="</a:t>
+            </a:r>
+            <a:r>
+              <a:rPr lang="en-US" sz="2800" dirty="0" err="1">
+                <a:solidFill>
+                  <a:srgbClr val="00B050"/>
+                </a:solidFill>
+              </a:rPr>
+              <a:t>Microsoft.AspNetCore.All</a:t>
+            </a:r>
+            <a:r>
+              <a:rPr lang="en-US" sz="2800" dirty="0"/>
+              <a:t>" 	Version="2.0.0" /&gt;</a:t>
+            </a:r>
+          </a:p>
+          <a:p>
+            <a:r>
+              <a:rPr lang="en-US" sz="2800" dirty="0"/>
+              <a:t>  &lt;/</a:t>
+            </a:r>
+            <a:r>
+              <a:rPr lang="en-US" sz="2800" dirty="0" err="1"/>
+              <a:t>ItemGroup</a:t>
+            </a:r>
+            <a:r>
+              <a:rPr lang="en-US" sz="2800" dirty="0"/>
+              <a:t>&gt;</a:t>
+            </a:r>
+          </a:p>
+          <a:p>
+            <a:r>
+              <a:rPr lang="en-US" sz="2800" dirty="0"/>
               <a:t>&lt;/Project&gt;</a:t>
             </a:r>
           </a:p>
@@ -32276,7 +31804,7 @@
     </p:spTree>
     <p:extLst>
       <p:ext uri="{BB962C8B-B14F-4D97-AF65-F5344CB8AC3E}">
-        <p14:creationId xmlns:p14="http://schemas.microsoft.com/office/powerpoint/2010/main" val="537392322"/>
+        <p14:creationId xmlns:p14="http://schemas.microsoft.com/office/powerpoint/2010/main" val="393968035"/>
       </p:ext>
     </p:extLst>
   </p:cSld>
@@ -32308,284 +31836,6 @@
       </p:grpSpPr>
       <p:sp>
         <p:nvSpPr>
-          <p:cNvPr id="4" name="Title 3"/>
-          <p:cNvSpPr>
-            <a:spLocks noGrp="1"/>
-          </p:cNvSpPr>
-          <p:nvPr>
-            <p:ph type="title"/>
-          </p:nvPr>
-        </p:nvSpPr>
-        <p:spPr/>
-        <p:txBody>
-          <a:bodyPr/>
-          <a:lstStyle/>
-          <a:p>
-            <a:r>
-              <a:rPr lang="en-US" dirty="0" err="1"/>
-              <a:t>CSProj</a:t>
-            </a:r>
-            <a:r>
-              <a:rPr lang="en-US" dirty="0"/>
-              <a:t> </a:t>
-            </a:r>
-            <a:r>
-              <a:rPr lang="mr-IN" dirty="0"/>
-              <a:t>–</a:t>
-            </a:r>
-            <a:r>
-              <a:rPr lang="en-US" dirty="0"/>
-              <a:t> default Web template</a:t>
-            </a:r>
-          </a:p>
-        </p:txBody>
-      </p:sp>
-      <p:sp>
-        <p:nvSpPr>
-          <p:cNvPr id="5" name="Text Placeholder 4"/>
-          <p:cNvSpPr>
-            <a:spLocks noGrp="1"/>
-          </p:cNvSpPr>
-          <p:nvPr>
-            <p:ph type="body" sz="quarter" idx="10"/>
-          </p:nvPr>
-        </p:nvSpPr>
-        <p:spPr>
-          <a:xfrm>
-            <a:off x="274638" y="1221157"/>
-            <a:ext cx="12527207" cy="5769272"/>
-          </a:xfrm>
-        </p:spPr>
-        <p:txBody>
-          <a:bodyPr/>
-          <a:lstStyle/>
-          <a:p>
-            <a:r>
-              <a:rPr lang="en-US" sz="2800" dirty="0"/>
-              <a:t>&lt;Project </a:t>
-            </a:r>
-            <a:r>
-              <a:rPr lang="en-US" sz="2800" dirty="0" err="1"/>
-              <a:t>Sdk</a:t>
-            </a:r>
-            <a:r>
-              <a:rPr lang="en-US" sz="2800" dirty="0"/>
-              <a:t>="</a:t>
-            </a:r>
-            <a:r>
-              <a:rPr lang="en-US" sz="2800" dirty="0" err="1">
-                <a:solidFill>
-                  <a:srgbClr val="00B050"/>
-                </a:solidFill>
-              </a:rPr>
-              <a:t>Microsoft.NET.Sdk.Web</a:t>
-            </a:r>
-            <a:r>
-              <a:rPr lang="en-US" sz="2800" dirty="0"/>
-              <a:t>"&gt;</a:t>
-            </a:r>
-          </a:p>
-          <a:p>
-            <a:r>
-              <a:rPr lang="en-US" sz="2800" dirty="0"/>
-              <a:t>  &lt;</a:t>
-            </a:r>
-            <a:r>
-              <a:rPr lang="en-US" sz="2800" dirty="0" err="1"/>
-              <a:t>PropertyGroup</a:t>
-            </a:r>
-            <a:r>
-              <a:rPr lang="en-US" sz="2800" dirty="0"/>
-              <a:t>&gt;</a:t>
-            </a:r>
-          </a:p>
-          <a:p>
-            <a:r>
-              <a:rPr lang="en-US" sz="2800" dirty="0"/>
-              <a:t>    &lt;</a:t>
-            </a:r>
-            <a:r>
-              <a:rPr lang="en-US" sz="2800" dirty="0" err="1"/>
-              <a:t>TargetFramework</a:t>
-            </a:r>
-            <a:r>
-              <a:rPr lang="en-US" sz="2800" dirty="0"/>
-              <a:t>&gt;</a:t>
-            </a:r>
-            <a:r>
-              <a:rPr lang="en-US" sz="2800" dirty="0">
-                <a:solidFill>
-                  <a:srgbClr val="00B050"/>
-                </a:solidFill>
-              </a:rPr>
-              <a:t>netcoreapp2.0</a:t>
-            </a:r>
-            <a:r>
-              <a:rPr lang="en-US" sz="2800" dirty="0"/>
-              <a:t>&lt;/</a:t>
-            </a:r>
-            <a:r>
-              <a:rPr lang="en-US" sz="2800" dirty="0" err="1"/>
-              <a:t>TargetFramework</a:t>
-            </a:r>
-            <a:r>
-              <a:rPr lang="en-US" sz="2800" dirty="0"/>
-              <a:t>&gt;</a:t>
-            </a:r>
-          </a:p>
-          <a:p>
-            <a:r>
-              <a:rPr lang="en-US" sz="2800" dirty="0"/>
-              <a:t>  &lt;/</a:t>
-            </a:r>
-            <a:r>
-              <a:rPr lang="en-US" sz="2800" dirty="0" err="1"/>
-              <a:t>PropertyGroup</a:t>
-            </a:r>
-            <a:r>
-              <a:rPr lang="en-US" sz="2800" dirty="0"/>
-              <a:t>&gt;</a:t>
-            </a:r>
-          </a:p>
-          <a:p>
-            <a:r>
-              <a:rPr lang="en-US" sz="2800" dirty="0"/>
-              <a:t>  &lt;</a:t>
-            </a:r>
-            <a:r>
-              <a:rPr lang="en-US" sz="2800" dirty="0" err="1"/>
-              <a:t>ItemGroup</a:t>
-            </a:r>
-            <a:r>
-              <a:rPr lang="en-US" sz="2800" dirty="0"/>
-              <a:t>&gt;</a:t>
-            </a:r>
-          </a:p>
-          <a:p>
-            <a:r>
-              <a:rPr lang="en-US" sz="2800" dirty="0"/>
-              <a:t>    &lt;Folder Include="</a:t>
-            </a:r>
-            <a:r>
-              <a:rPr lang="en-US" sz="2800" dirty="0" err="1"/>
-              <a:t>wwwroot</a:t>
-            </a:r>
-            <a:r>
-              <a:rPr lang="en-US" sz="2800" dirty="0"/>
-              <a:t>\" /&gt;</a:t>
-            </a:r>
-          </a:p>
-          <a:p>
-            <a:r>
-              <a:rPr lang="en-US" sz="2800" dirty="0"/>
-              <a:t>  &lt;/</a:t>
-            </a:r>
-            <a:r>
-              <a:rPr lang="en-US" sz="2800" dirty="0" err="1"/>
-              <a:t>ItemGroup</a:t>
-            </a:r>
-            <a:r>
-              <a:rPr lang="en-US" sz="2800" dirty="0"/>
-              <a:t>&gt;</a:t>
-            </a:r>
-          </a:p>
-          <a:p>
-            <a:r>
-              <a:rPr lang="en-US" sz="2800" dirty="0"/>
-              <a:t>  &lt;</a:t>
-            </a:r>
-            <a:r>
-              <a:rPr lang="en-US" sz="2800" dirty="0" err="1"/>
-              <a:t>ItemGroup</a:t>
-            </a:r>
-            <a:r>
-              <a:rPr lang="en-US" sz="2800" dirty="0"/>
-              <a:t>&gt;</a:t>
-            </a:r>
-          </a:p>
-          <a:p>
-            <a:r>
-              <a:rPr lang="en-US" sz="2800" dirty="0"/>
-              <a:t>    &lt;</a:t>
-            </a:r>
-            <a:r>
-              <a:rPr lang="en-US" sz="2800" dirty="0" err="1"/>
-              <a:t>PackageReference</a:t>
-            </a:r>
-            <a:r>
-              <a:rPr lang="en-US" sz="2800" dirty="0"/>
-              <a:t> Include="</a:t>
-            </a:r>
-            <a:r>
-              <a:rPr lang="en-US" sz="2800" dirty="0" err="1">
-                <a:solidFill>
-                  <a:srgbClr val="00B050"/>
-                </a:solidFill>
-              </a:rPr>
-              <a:t>Microsoft.AspNetCore.All</a:t>
-            </a:r>
-            <a:r>
-              <a:rPr lang="en-US" sz="2800" dirty="0"/>
-              <a:t>" 	Version="2.0.0" /&gt;</a:t>
-            </a:r>
-          </a:p>
-          <a:p>
-            <a:r>
-              <a:rPr lang="en-US" sz="2800" dirty="0"/>
-              <a:t>  &lt;/</a:t>
-            </a:r>
-            <a:r>
-              <a:rPr lang="en-US" sz="2800" dirty="0" err="1"/>
-              <a:t>ItemGroup</a:t>
-            </a:r>
-            <a:r>
-              <a:rPr lang="en-US" sz="2800" dirty="0"/>
-              <a:t>&gt;</a:t>
-            </a:r>
-          </a:p>
-          <a:p>
-            <a:r>
-              <a:rPr lang="en-US" sz="2800" dirty="0"/>
-              <a:t>&lt;/Project&gt;</a:t>
-            </a:r>
-          </a:p>
-        </p:txBody>
-      </p:sp>
-    </p:spTree>
-    <p:extLst>
-      <p:ext uri="{BB962C8B-B14F-4D97-AF65-F5344CB8AC3E}">
-        <p14:creationId xmlns:p14="http://schemas.microsoft.com/office/powerpoint/2010/main" val="393968035"/>
-      </p:ext>
-    </p:extLst>
-  </p:cSld>
-  <p:clrMapOvr>
-    <a:masterClrMapping/>
-  </p:clrMapOvr>
-  <p:transition>
-    <p:fade/>
-  </p:transition>
-</p:sld>
-</file>
-
-<file path=ppt/slides/slide26.xml><?xml version="1.0" encoding="utf-8"?>
-<p:sld xmlns:a="http://schemas.openxmlformats.org/drawingml/2006/main" xmlns:r="http://schemas.openxmlformats.org/officeDocument/2006/relationships" xmlns:p="http://schemas.openxmlformats.org/presentationml/2006/main">
-  <p:cSld>
-    <p:spTree>
-      <p:nvGrpSpPr>
-        <p:cNvPr id="1" name=""/>
-        <p:cNvGrpSpPr/>
-        <p:nvPr/>
-      </p:nvGrpSpPr>
-      <p:grpSpPr>
-        <a:xfrm>
-          <a:off x="0" y="0"/>
-          <a:ext cx="0" cy="0"/>
-          <a:chOff x="0" y="0"/>
-          <a:chExt cx="0" cy="0"/>
-        </a:xfrm>
-      </p:grpSpPr>
-      <p:sp>
-        <p:nvSpPr>
           <p:cNvPr id="2" name="Title 1"/>
           <p:cNvSpPr>
             <a:spLocks noGrp="1"/>
@@ -32623,7 +31873,7 @@
 </p:sld>
 </file>
 
-<file path=ppt/slides/slide27.xml><?xml version="1.0" encoding="utf-8"?>
+<file path=ppt/slides/slide26.xml><?xml version="1.0" encoding="utf-8"?>
 <p:sld xmlns:a="http://schemas.openxmlformats.org/drawingml/2006/main" xmlns:r="http://schemas.openxmlformats.org/officeDocument/2006/relationships" xmlns:p="http://schemas.openxmlformats.org/presentationml/2006/main">
   <p:cSld>
     <p:spTree>
@@ -33126,7 +32376,7 @@
 </p:sld>
 </file>
 
-<file path=ppt/slides/slide28.xml><?xml version="1.0" encoding="utf-8"?>
+<file path=ppt/slides/slide27.xml><?xml version="1.0" encoding="utf-8"?>
 <p:sld xmlns:a="http://schemas.openxmlformats.org/drawingml/2006/main" xmlns:r="http://schemas.openxmlformats.org/officeDocument/2006/relationships" xmlns:p="http://schemas.openxmlformats.org/presentationml/2006/main">
   <p:cSld>
     <p:spTree>
@@ -33595,7 +32845,7 @@
 </p:sld>
 </file>
 
-<file path=ppt/slides/slide29.xml><?xml version="1.0" encoding="utf-8"?>
+<file path=ppt/slides/slide28.xml><?xml version="1.0" encoding="utf-8"?>
 <p:sld xmlns:a="http://schemas.openxmlformats.org/drawingml/2006/main" xmlns:r="http://schemas.openxmlformats.org/officeDocument/2006/relationships" xmlns:p="http://schemas.openxmlformats.org/presentationml/2006/main">
   <p:cSld>
     <p:spTree>
@@ -34561,6 +33811,167 @@
 </p:sld>
 </file>
 
+<file path=ppt/slides/slide29.xml><?xml version="1.0" encoding="utf-8"?>
+<p:sld xmlns:a="http://schemas.openxmlformats.org/drawingml/2006/main" xmlns:r="http://schemas.openxmlformats.org/officeDocument/2006/relationships" xmlns:p="http://schemas.openxmlformats.org/presentationml/2006/main">
+  <p:cSld>
+    <p:spTree>
+      <p:nvGrpSpPr>
+        <p:cNvPr id="1" name=""/>
+        <p:cNvGrpSpPr/>
+        <p:nvPr/>
+      </p:nvGrpSpPr>
+      <p:grpSpPr>
+        <a:xfrm>
+          <a:off x="0" y="0"/>
+          <a:ext cx="0" cy="0"/>
+          <a:chOff x="0" y="0"/>
+          <a:chExt cx="0" cy="0"/>
+        </a:xfrm>
+      </p:grpSpPr>
+      <p:sp>
+        <p:nvSpPr>
+          <p:cNvPr id="2" name="Title 1"/>
+          <p:cNvSpPr>
+            <a:spLocks noGrp="1"/>
+          </p:cNvSpPr>
+          <p:nvPr>
+            <p:ph type="title"/>
+          </p:nvPr>
+        </p:nvSpPr>
+        <p:spPr/>
+        <p:txBody>
+          <a:bodyPr/>
+          <a:lstStyle/>
+          <a:p>
+            <a:r>
+              <a:rPr lang="en-US" dirty="0"/>
+              <a:t>CLI commands: architecture explained</a:t>
+            </a:r>
+          </a:p>
+        </p:txBody>
+      </p:sp>
+      <p:sp>
+        <p:nvSpPr>
+          <p:cNvPr id="3" name="Content Placeholder 2"/>
+          <p:cNvSpPr>
+            <a:spLocks noGrp="1"/>
+          </p:cNvSpPr>
+          <p:nvPr>
+            <p:ph type="body" sz="quarter" idx="10"/>
+          </p:nvPr>
+        </p:nvSpPr>
+        <p:spPr>
+          <a:xfrm>
+            <a:off x="855768" y="1861968"/>
+            <a:ext cx="10724938" cy="4437962"/>
+          </a:xfrm>
+          <a:prstGeom prst="rect">
+            <a:avLst/>
+          </a:prstGeom>
+        </p:spPr>
+        <p:txBody>
+          <a:bodyPr>
+            <a:normAutofit fontScale="92500"/>
+          </a:bodyPr>
+          <a:lstStyle/>
+          <a:p>
+            <a:r>
+              <a:rPr lang="en-US" b="1" dirty="0"/>
+              <a:t>Driver</a:t>
+            </a:r>
+            <a:r>
+              <a:rPr lang="en-US" dirty="0"/>
+              <a:t>, dotnet, is invoked first, followed by a </a:t>
+            </a:r>
+            <a:r>
+              <a:rPr lang="en-US" b="1" dirty="0"/>
+              <a:t>verb</a:t>
+            </a:r>
+          </a:p>
+          <a:p>
+            <a:endParaRPr lang="en-US" dirty="0"/>
+          </a:p>
+          <a:p>
+            <a:r>
+              <a:rPr lang="en-US" dirty="0"/>
+              <a:t>The verb is a </a:t>
+            </a:r>
+            <a:r>
+              <a:rPr lang="en-US" b="1" dirty="0"/>
+              <a:t>command</a:t>
+            </a:r>
+            <a:r>
+              <a:rPr lang="en-US" dirty="0"/>
+              <a:t> that is implemented as:</a:t>
+            </a:r>
+          </a:p>
+          <a:p>
+            <a:pPr lvl="1"/>
+            <a:r>
+              <a:rPr lang="en-US" dirty="0"/>
+              <a:t>A </a:t>
+            </a:r>
+            <a:r>
+              <a:rPr lang="en-US" dirty="0" err="1"/>
+              <a:t>NuGet</a:t>
+            </a:r>
+            <a:r>
+              <a:rPr lang="en-US" dirty="0"/>
+              <a:t> package</a:t>
+            </a:r>
+          </a:p>
+          <a:p>
+            <a:pPr lvl="1"/>
+            <a:r>
+              <a:rPr lang="en-US" dirty="0"/>
+              <a:t>A binary in the $PATH</a:t>
+            </a:r>
+          </a:p>
+          <a:p>
+            <a:endParaRPr lang="en-US" dirty="0"/>
+          </a:p>
+          <a:p>
+            <a:r>
+              <a:rPr lang="en-US" dirty="0"/>
+              <a:t>Driver invokes the command passing the </a:t>
+            </a:r>
+            <a:r>
+              <a:rPr lang="en-US" b="1" dirty="0"/>
+              <a:t>arguments</a:t>
+            </a:r>
+            <a:r>
+              <a:rPr lang="en-US" dirty="0"/>
+              <a:t> to it</a:t>
+            </a:r>
+          </a:p>
+          <a:p>
+            <a:pPr lvl="1"/>
+            <a:r>
+              <a:rPr lang="en-US" dirty="0"/>
+              <a:t>The command is responsible for the arguments</a:t>
+            </a:r>
+          </a:p>
+          <a:p>
+            <a:endParaRPr lang="en-US" dirty="0"/>
+          </a:p>
+        </p:txBody>
+      </p:sp>
+    </p:spTree>
+    <p:extLst>
+      <p:ext uri="{BB962C8B-B14F-4D97-AF65-F5344CB8AC3E}">
+        <p14:creationId xmlns:p14="http://schemas.microsoft.com/office/powerpoint/2010/main" val="2311857456"/>
+      </p:ext>
+    </p:extLst>
+  </p:cSld>
+  <p:clrMapOvr>
+    <a:masterClrMapping/>
+  </p:clrMapOvr>
+  <p:transition>
+    <p:fade/>
+  </p:transition>
+</p:sld>
+</file>
+
 <file path=ppt/slides/slide3.xml><?xml version="1.0" encoding="utf-8"?>
 <p:sld xmlns:a="http://schemas.openxmlformats.org/drawingml/2006/main" xmlns:r="http://schemas.openxmlformats.org/officeDocument/2006/relationships" xmlns:p="http://schemas.openxmlformats.org/presentationml/2006/main">
   <p:cSld>
@@ -36129,167 +35540,6 @@
 </file>
 
 <file path=ppt/slides/slide30.xml><?xml version="1.0" encoding="utf-8"?>
-<p:sld xmlns:a="http://schemas.openxmlformats.org/drawingml/2006/main" xmlns:r="http://schemas.openxmlformats.org/officeDocument/2006/relationships" xmlns:p="http://schemas.openxmlformats.org/presentationml/2006/main">
-  <p:cSld>
-    <p:spTree>
-      <p:nvGrpSpPr>
-        <p:cNvPr id="1" name=""/>
-        <p:cNvGrpSpPr/>
-        <p:nvPr/>
-      </p:nvGrpSpPr>
-      <p:grpSpPr>
-        <a:xfrm>
-          <a:off x="0" y="0"/>
-          <a:ext cx="0" cy="0"/>
-          <a:chOff x="0" y="0"/>
-          <a:chExt cx="0" cy="0"/>
-        </a:xfrm>
-      </p:grpSpPr>
-      <p:sp>
-        <p:nvSpPr>
-          <p:cNvPr id="2" name="Title 1"/>
-          <p:cNvSpPr>
-            <a:spLocks noGrp="1"/>
-          </p:cNvSpPr>
-          <p:nvPr>
-            <p:ph type="title"/>
-          </p:nvPr>
-        </p:nvSpPr>
-        <p:spPr/>
-        <p:txBody>
-          <a:bodyPr/>
-          <a:lstStyle/>
-          <a:p>
-            <a:r>
-              <a:rPr lang="en-US" dirty="0"/>
-              <a:t>CLI commands: architecture explained</a:t>
-            </a:r>
-          </a:p>
-        </p:txBody>
-      </p:sp>
-      <p:sp>
-        <p:nvSpPr>
-          <p:cNvPr id="3" name="Content Placeholder 2"/>
-          <p:cNvSpPr>
-            <a:spLocks noGrp="1"/>
-          </p:cNvSpPr>
-          <p:nvPr>
-            <p:ph type="body" sz="quarter" idx="10"/>
-          </p:nvPr>
-        </p:nvSpPr>
-        <p:spPr>
-          <a:xfrm>
-            <a:off x="855768" y="1861968"/>
-            <a:ext cx="10724938" cy="4437962"/>
-          </a:xfrm>
-          <a:prstGeom prst="rect">
-            <a:avLst/>
-          </a:prstGeom>
-        </p:spPr>
-        <p:txBody>
-          <a:bodyPr>
-            <a:normAutofit fontScale="92500"/>
-          </a:bodyPr>
-          <a:lstStyle/>
-          <a:p>
-            <a:r>
-              <a:rPr lang="en-US" b="1" dirty="0"/>
-              <a:t>Driver</a:t>
-            </a:r>
-            <a:r>
-              <a:rPr lang="en-US" dirty="0"/>
-              <a:t>, dotnet, is invoked first, followed by a </a:t>
-            </a:r>
-            <a:r>
-              <a:rPr lang="en-US" b="1" dirty="0"/>
-              <a:t>verb</a:t>
-            </a:r>
-          </a:p>
-          <a:p>
-            <a:endParaRPr lang="en-US" dirty="0"/>
-          </a:p>
-          <a:p>
-            <a:r>
-              <a:rPr lang="en-US" dirty="0"/>
-              <a:t>The verb is a </a:t>
-            </a:r>
-            <a:r>
-              <a:rPr lang="en-US" b="1" dirty="0"/>
-              <a:t>command</a:t>
-            </a:r>
-            <a:r>
-              <a:rPr lang="en-US" dirty="0"/>
-              <a:t> that is implemented as:</a:t>
-            </a:r>
-          </a:p>
-          <a:p>
-            <a:pPr lvl="1"/>
-            <a:r>
-              <a:rPr lang="en-US" dirty="0"/>
-              <a:t>A </a:t>
-            </a:r>
-            <a:r>
-              <a:rPr lang="en-US" dirty="0" err="1"/>
-              <a:t>NuGet</a:t>
-            </a:r>
-            <a:r>
-              <a:rPr lang="en-US" dirty="0"/>
-              <a:t> package</a:t>
-            </a:r>
-          </a:p>
-          <a:p>
-            <a:pPr lvl="1"/>
-            <a:r>
-              <a:rPr lang="en-US" dirty="0"/>
-              <a:t>A binary in the $PATH</a:t>
-            </a:r>
-          </a:p>
-          <a:p>
-            <a:endParaRPr lang="en-US" dirty="0"/>
-          </a:p>
-          <a:p>
-            <a:r>
-              <a:rPr lang="en-US" dirty="0"/>
-              <a:t>Driver invokes the command passing the </a:t>
-            </a:r>
-            <a:r>
-              <a:rPr lang="en-US" b="1" dirty="0"/>
-              <a:t>arguments</a:t>
-            </a:r>
-            <a:r>
-              <a:rPr lang="en-US" dirty="0"/>
-              <a:t> to it</a:t>
-            </a:r>
-          </a:p>
-          <a:p>
-            <a:pPr lvl="1"/>
-            <a:r>
-              <a:rPr lang="en-US" dirty="0"/>
-              <a:t>The command is responsible for the arguments</a:t>
-            </a:r>
-          </a:p>
-          <a:p>
-            <a:endParaRPr lang="en-US" dirty="0"/>
-          </a:p>
-        </p:txBody>
-      </p:sp>
-    </p:spTree>
-    <p:extLst>
-      <p:ext uri="{BB962C8B-B14F-4D97-AF65-F5344CB8AC3E}">
-        <p14:creationId xmlns:p14="http://schemas.microsoft.com/office/powerpoint/2010/main" val="2311857456"/>
-      </p:ext>
-    </p:extLst>
-  </p:cSld>
-  <p:clrMapOvr>
-    <a:masterClrMapping/>
-  </p:clrMapOvr>
-  <p:transition>
-    <p:fade/>
-  </p:transition>
-</p:sld>
-</file>
-
-<file path=ppt/slides/slide31.xml><?xml version="1.0" encoding="utf-8"?>
 <p:sld xmlns:a="http://schemas.openxmlformats.org/drawingml/2006/main" xmlns:r="http://schemas.openxmlformats.org/officeDocument/2006/relationships" xmlns:p="http://schemas.openxmlformats.org/presentationml/2006/main">
   <p:cSld>
     <p:spTree>
@@ -36903,7 +36153,7 @@
 </p:sld>
 </file>
 
-<file path=ppt/slides/slide32.xml><?xml version="1.0" encoding="utf-8"?>
+<file path=ppt/slides/slide31.xml><?xml version="1.0" encoding="utf-8"?>
 <p:sld xmlns:a="http://schemas.openxmlformats.org/drawingml/2006/main" xmlns:r="http://schemas.openxmlformats.org/officeDocument/2006/relationships" xmlns:p="http://schemas.openxmlformats.org/presentationml/2006/main">
   <p:cSld>
     <p:spTree>
@@ -37477,7 +36727,7 @@
 </p:sld>
 </file>
 
-<file path=ppt/slides/slide33.xml><?xml version="1.0" encoding="utf-8"?>
+<file path=ppt/slides/slide32.xml><?xml version="1.0" encoding="utf-8"?>
 <p:sld xmlns:a="http://schemas.openxmlformats.org/drawingml/2006/main" xmlns:r="http://schemas.openxmlformats.org/officeDocument/2006/relationships" xmlns:p="http://schemas.openxmlformats.org/presentationml/2006/main">
   <p:cSld>
     <p:spTree>
@@ -37561,6 +36811,62 @@
       </p:transition>
     </mc:Fallback>
   </mc:AlternateContent>
+</p:sld>
+</file>
+
+<file path=ppt/slides/slide33.xml><?xml version="1.0" encoding="utf-8"?>
+<p:sld xmlns:a="http://schemas.openxmlformats.org/drawingml/2006/main" xmlns:r="http://schemas.openxmlformats.org/officeDocument/2006/relationships" xmlns:p="http://schemas.openxmlformats.org/presentationml/2006/main">
+  <p:cSld>
+    <p:spTree>
+      <p:nvGrpSpPr>
+        <p:cNvPr id="1" name=""/>
+        <p:cNvGrpSpPr/>
+        <p:nvPr/>
+      </p:nvGrpSpPr>
+      <p:grpSpPr>
+        <a:xfrm>
+          <a:off x="0" y="0"/>
+          <a:ext cx="0" cy="0"/>
+          <a:chOff x="0" y="0"/>
+          <a:chExt cx="0" cy="0"/>
+        </a:xfrm>
+      </p:grpSpPr>
+      <p:sp>
+        <p:nvSpPr>
+          <p:cNvPr id="2" name="Title 1"/>
+          <p:cNvSpPr>
+            <a:spLocks noGrp="1"/>
+          </p:cNvSpPr>
+          <p:nvPr>
+            <p:ph type="title"/>
+          </p:nvPr>
+        </p:nvSpPr>
+        <p:spPr/>
+        <p:txBody>
+          <a:bodyPr/>
+          <a:lstStyle/>
+          <a:p>
+            <a:r>
+              <a:rPr lang="en-US" dirty="0"/>
+              <a:t>.NET Core Deployment</a:t>
+            </a:r>
+            <a:endParaRPr lang="en-US" sz="7200" dirty="0"/>
+          </a:p>
+        </p:txBody>
+      </p:sp>
+    </p:spTree>
+    <p:extLst>
+      <p:ext uri="{BB962C8B-B14F-4D97-AF65-F5344CB8AC3E}">
+        <p14:creationId xmlns:p14="http://schemas.microsoft.com/office/powerpoint/2010/main" val="774711141"/>
+      </p:ext>
+    </p:extLst>
+  </p:cSld>
+  <p:clrMapOvr>
+    <a:masterClrMapping/>
+  </p:clrMapOvr>
+  <p:transition>
+    <p:fade/>
+  </p:transition>
 </p:sld>
 </file>
 
@@ -37598,16 +36904,89 @@
           <a:p>
             <a:r>
               <a:rPr lang="en-US" dirty="0"/>
-              <a:t>.NET Core Deployment</a:t>
-            </a:r>
-            <a:endParaRPr lang="en-US" sz="7200" dirty="0"/>
+              <a:t>For Development</a:t>
+            </a:r>
+          </a:p>
+        </p:txBody>
+      </p:sp>
+      <p:sp>
+        <p:nvSpPr>
+          <p:cNvPr id="3" name="Content Placeholder 2"/>
+          <p:cNvSpPr>
+            <a:spLocks noGrp="1"/>
+          </p:cNvSpPr>
+          <p:nvPr>
+            <p:ph type="body" sz="quarter" idx="10"/>
+          </p:nvPr>
+        </p:nvSpPr>
+        <p:spPr>
+          <a:xfrm>
+            <a:off x="655637" y="1439862"/>
+            <a:ext cx="10258637" cy="3853363"/>
+          </a:xfrm>
+          <a:prstGeom prst="rect">
+            <a:avLst/>
+          </a:prstGeom>
+        </p:spPr>
+        <p:txBody>
+          <a:bodyPr/>
+          <a:lstStyle/>
+          <a:p>
+            <a:r>
+              <a:rPr lang="en-US" dirty="0">
+                <a:latin typeface="+mn-lt"/>
+              </a:rPr>
+              <a:t>Install the .NET Core SDK. Includes:</a:t>
+            </a:r>
+          </a:p>
+          <a:p>
+            <a:pPr lvl="1"/>
+            <a:r>
+              <a:rPr lang="en-US" dirty="0"/>
+              <a:t>.NET Core Tools</a:t>
+            </a:r>
+          </a:p>
+          <a:p>
+            <a:pPr lvl="1"/>
+            <a:r>
+              <a:rPr lang="en-US" dirty="0"/>
+              <a:t>.NET Core Runtime(s)</a:t>
+            </a:r>
+          </a:p>
+          <a:p>
+            <a:pPr lvl="1"/>
+            <a:endParaRPr lang="en-US" dirty="0"/>
+          </a:p>
+          <a:p>
+            <a:r>
+              <a:rPr lang="en-US" dirty="0"/>
+              <a:t>Typically installed globally, via native installer</a:t>
+            </a:r>
+          </a:p>
+          <a:p>
+            <a:pPr lvl="1"/>
+            <a:r>
+              <a:rPr lang="en-US" dirty="0"/>
+              <a:t>Can also download and copy as a zip to a private location</a:t>
+            </a:r>
+          </a:p>
+          <a:p>
+            <a:pPr lvl="1"/>
+            <a:r>
+              <a:rPr lang="en-US" dirty="0"/>
+              <a:t>Type “which dotnet” or “where dotnet” to locate dotnet in your path.</a:t>
+            </a:r>
+          </a:p>
+          <a:p>
+            <a:pPr lvl="1"/>
+            <a:endParaRPr lang="en-US" dirty="0"/>
           </a:p>
         </p:txBody>
       </p:sp>
     </p:spTree>
     <p:extLst>
       <p:ext uri="{BB962C8B-B14F-4D97-AF65-F5344CB8AC3E}">
-        <p14:creationId xmlns:p14="http://schemas.microsoft.com/office/powerpoint/2010/main" val="774711141"/>
+        <p14:creationId xmlns:p14="http://schemas.microsoft.com/office/powerpoint/2010/main" val="2012210626"/>
       </p:ext>
     </p:extLst>
   </p:cSld>
@@ -37654,7 +37033,15 @@
           <a:p>
             <a:r>
               <a:rPr lang="en-US" dirty="0"/>
-              <a:t>For Development</a:t>
+              <a:t>For Apps </a:t>
+            </a:r>
+            <a:r>
+              <a:rPr lang="mr-IN" dirty="0"/>
+              <a:t>–</a:t>
+            </a:r>
+            <a:r>
+              <a:rPr lang="en-US" dirty="0"/>
+              <a:t> two options</a:t>
             </a:r>
           </a:p>
         </p:txBody>
@@ -37671,8 +37058,8 @@
         </p:nvSpPr>
         <p:spPr>
           <a:xfrm>
-            <a:off x="655637" y="1439862"/>
-            <a:ext cx="10258637" cy="3853363"/>
+            <a:off x="823336" y="1028409"/>
+            <a:ext cx="11508566" cy="6032421"/>
           </a:xfrm>
           <a:prstGeom prst="rect">
             <a:avLst/>
@@ -37683,60 +37070,117 @@
           <a:lstStyle/>
           <a:p>
             <a:r>
-              <a:rPr lang="en-US" dirty="0">
-                <a:latin typeface="+mn-lt"/>
-              </a:rPr>
-              <a:t>Install the .NET Core SDK. Includes:</a:t>
+              <a:rPr lang="en-US" dirty="0"/>
+              <a:t>Framework Dependent Deployment (the default)</a:t>
             </a:r>
           </a:p>
           <a:p>
             <a:pPr lvl="1"/>
             <a:r>
               <a:rPr lang="en-US" dirty="0"/>
-              <a:t>.NET Core Tools</a:t>
+              <a:t>Called “framework-dependent app deployment”.</a:t>
             </a:r>
           </a:p>
           <a:p>
             <a:pPr lvl="1"/>
             <a:r>
               <a:rPr lang="en-US" dirty="0"/>
-              <a:t>.NET Core Runtime(s)</a:t>
+              <a:t>All apps share the same .NET Core runtime.</a:t>
             </a:r>
           </a:p>
           <a:p>
             <a:pPr lvl="1"/>
+            <a:r>
+              <a:rPr lang="en-US" dirty="0"/>
+              <a:t>Apps can be OS and chip independent.</a:t>
+            </a:r>
+          </a:p>
+          <a:p>
+            <a:pPr lvl="1"/>
+            <a:r>
+              <a:rPr lang="en-US" dirty="0"/>
+              <a:t>Great for controlled environments (memory usage and servicing).</a:t>
+            </a:r>
+          </a:p>
+          <a:p>
+            <a:pPr lvl="1"/>
+            <a:r>
+              <a:rPr lang="en-US" dirty="0"/>
+              <a:t>Launched with .NET Core host: “</a:t>
+            </a:r>
+            <a:r>
+              <a:rPr lang="en-US" dirty="0" err="1"/>
+              <a:t>dotnet</a:t>
+            </a:r>
+            <a:r>
+              <a:rPr lang="en-US" dirty="0"/>
+              <a:t> path/to/</a:t>
+            </a:r>
+            <a:r>
+              <a:rPr lang="en-US" dirty="0" err="1"/>
+              <a:t>myapp.dll</a:t>
+            </a:r>
+            <a:r>
+              <a:rPr lang="en-US" dirty="0"/>
+              <a:t>”</a:t>
+            </a:r>
+          </a:p>
+          <a:p>
+            <a:r>
+              <a:rPr lang="en-US" b="1" dirty="0"/>
+              <a:t>Self-contained Deployment</a:t>
+            </a:r>
             <a:endParaRPr lang="en-US" dirty="0"/>
           </a:p>
           <a:p>
+            <a:pPr lvl="1"/>
+            <a:r>
+              <a:rPr lang="en-US" b="1" dirty="0"/>
+              <a:t>Called “self-contained app deployment” </a:t>
+            </a:r>
+          </a:p>
+          <a:p>
+            <a:pPr lvl="1"/>
+            <a:r>
+              <a:rPr lang="en-US" b="1" dirty="0"/>
+              <a:t>Each app has its own private .NET Core runtime; uses more space.</a:t>
+            </a:r>
+          </a:p>
+          <a:p>
+            <a:pPr lvl="1"/>
             <a:r>
               <a:rPr lang="en-US" dirty="0"/>
-              <a:t>Typically installed globally, via native installer</a:t>
+              <a:t>Apps are OS and chip dependent/specific.</a:t>
             </a:r>
           </a:p>
           <a:p>
             <a:pPr lvl="1"/>
             <a:r>
               <a:rPr lang="en-US" dirty="0"/>
-              <a:t>Can also download and copy as a zip to a private location</a:t>
+              <a:t>Great for uncontrolled environments.</a:t>
             </a:r>
           </a:p>
           <a:p>
             <a:pPr lvl="1"/>
             <a:r>
               <a:rPr lang="en-US" dirty="0"/>
-              <a:t>Type “which dotnet” or “where dotnet” to locate dotnet in your path.</a:t>
-            </a:r>
-          </a:p>
-          <a:p>
-            <a:pPr lvl="1"/>
-            <a:endParaRPr lang="en-US" dirty="0"/>
+              <a:t>Launched as an executable: “</a:t>
+            </a:r>
+            <a:r>
+              <a:rPr lang="en-US" dirty="0" err="1"/>
+              <a:t>myapp</a:t>
+            </a:r>
+            <a:r>
+              <a:rPr lang="en-US" dirty="0"/>
+              <a:t>”</a:t>
+            </a:r>
           </a:p>
         </p:txBody>
       </p:sp>
     </p:spTree>
     <p:extLst>
       <p:ext uri="{BB962C8B-B14F-4D97-AF65-F5344CB8AC3E}">
-        <p14:creationId xmlns:p14="http://schemas.microsoft.com/office/powerpoint/2010/main" val="2012210626"/>
+        <p14:creationId xmlns:p14="http://schemas.microsoft.com/office/powerpoint/2010/main" val="47708329"/>
       </p:ext>
     </p:extLst>
   </p:cSld>
@@ -37783,15 +37227,7 @@
           <a:p>
             <a:r>
               <a:rPr lang="en-US" dirty="0"/>
-              <a:t>For Apps </a:t>
-            </a:r>
-            <a:r>
-              <a:rPr lang="mr-IN" dirty="0"/>
-              <a:t>–</a:t>
-            </a:r>
-            <a:r>
-              <a:rPr lang="en-US" dirty="0"/>
-              <a:t> two options</a:t>
+              <a:t>Servicing Updates</a:t>
             </a:r>
           </a:p>
         </p:txBody>
@@ -37808,8 +37244,8 @@
         </p:nvSpPr>
         <p:spPr>
           <a:xfrm>
-            <a:off x="823336" y="1028409"/>
-            <a:ext cx="11508566" cy="6032421"/>
+            <a:off x="655637" y="1439862"/>
+            <a:ext cx="10258637" cy="4136517"/>
           </a:xfrm>
           <a:prstGeom prst="rect">
             <a:avLst/>
@@ -37821,108 +37257,39 @@
           <a:p>
             <a:r>
               <a:rPr lang="en-US" dirty="0"/>
-              <a:t>Framework Dependent Deployment (the default)</a:t>
+              <a:t>.NET Core updates are installed centrally</a:t>
+            </a:r>
+          </a:p>
+          <a:p>
+            <a:r>
+              <a:rPr lang="en-US" dirty="0"/>
+              <a:t>Updates are shipped at least 1/quarter</a:t>
+            </a:r>
+          </a:p>
+          <a:p>
+            <a:r>
+              <a:rPr lang="en-US" dirty="0"/>
+              <a:t>Framework-dependent apps roll-forward to latest patch</a:t>
             </a:r>
           </a:p>
           <a:p>
             <a:pPr lvl="1"/>
             <a:r>
               <a:rPr lang="en-US" dirty="0"/>
-              <a:t>Called “framework-dependent app deployment”.</a:t>
+              <a:t>Example: Apps built for 1.0.0 roll forward to 1.0.4 patch version</a:t>
             </a:r>
           </a:p>
           <a:p>
             <a:pPr lvl="1"/>
             <a:r>
               <a:rPr lang="en-US" dirty="0"/>
-              <a:t>All apps share the same .NET Core runtime.</a:t>
-            </a:r>
-          </a:p>
-          <a:p>
-            <a:pPr lvl="1"/>
+              <a:t>Example: Apps built for 1.0.0 do not roll forward to 1.1.x or 2.0.x versions</a:t>
+            </a:r>
+          </a:p>
+          <a:p>
             <a:r>
               <a:rPr lang="en-US" dirty="0"/>
-              <a:t>Apps can be OS and chip independent.</a:t>
-            </a:r>
-          </a:p>
-          <a:p>
-            <a:pPr lvl="1"/>
-            <a:r>
-              <a:rPr lang="en-US" dirty="0"/>
-              <a:t>Great for controlled environments (memory usage and servicing).</a:t>
-            </a:r>
-          </a:p>
-          <a:p>
-            <a:pPr lvl="1"/>
-            <a:r>
-              <a:rPr lang="en-US" dirty="0"/>
-              <a:t>Launched with .NET Core host: “</a:t>
-            </a:r>
-            <a:r>
-              <a:rPr lang="en-US" dirty="0" err="1"/>
-              <a:t>dotnet</a:t>
-            </a:r>
-            <a:r>
-              <a:rPr lang="en-US" dirty="0"/>
-              <a:t> path/to/</a:t>
-            </a:r>
-            <a:r>
-              <a:rPr lang="en-US" dirty="0" err="1"/>
-              <a:t>myapp.dll</a:t>
-            </a:r>
-            <a:r>
-              <a:rPr lang="en-US" dirty="0"/>
-              <a:t>”</a:t>
-            </a:r>
-          </a:p>
-          <a:p>
-            <a:r>
-              <a:rPr lang="en-US" b="1" dirty="0"/>
-              <a:t>Self-contained Deployment</a:t>
-            </a:r>
-            <a:endParaRPr lang="en-US" dirty="0"/>
-          </a:p>
-          <a:p>
-            <a:pPr lvl="1"/>
-            <a:r>
-              <a:rPr lang="en-US" b="1" dirty="0"/>
-              <a:t>Called “self-contained app deployment” </a:t>
-            </a:r>
-          </a:p>
-          <a:p>
-            <a:pPr lvl="1"/>
-            <a:r>
-              <a:rPr lang="en-US" b="1" dirty="0"/>
-              <a:t>Each app has its own private .NET Core runtime; uses more space.</a:t>
-            </a:r>
-          </a:p>
-          <a:p>
-            <a:pPr lvl="1"/>
-            <a:r>
-              <a:rPr lang="en-US" dirty="0"/>
-              <a:t>Apps are OS and chip dependent/specific.</a:t>
-            </a:r>
-          </a:p>
-          <a:p>
-            <a:pPr lvl="1"/>
-            <a:r>
-              <a:rPr lang="en-US" dirty="0"/>
-              <a:t>Great for uncontrolled environments.</a:t>
-            </a:r>
-          </a:p>
-          <a:p>
-            <a:pPr lvl="1"/>
-            <a:r>
-              <a:rPr lang="en-US" dirty="0"/>
-              <a:t>Launched as an executable: “</a:t>
-            </a:r>
-            <a:r>
-              <a:rPr lang="en-US" dirty="0" err="1"/>
-              <a:t>myapp</a:t>
-            </a:r>
-            <a:r>
-              <a:rPr lang="en-US" dirty="0"/>
-              <a:t>”</a:t>
+              <a:t>Self-contained apps must be re-published</a:t>
             </a:r>
           </a:p>
         </p:txBody>
@@ -37930,7 +37297,7 @@
     </p:spTree>
     <p:extLst>
       <p:ext uri="{BB962C8B-B14F-4D97-AF65-F5344CB8AC3E}">
-        <p14:creationId xmlns:p14="http://schemas.microsoft.com/office/powerpoint/2010/main" val="47708329"/>
+        <p14:creationId xmlns:p14="http://schemas.microsoft.com/office/powerpoint/2010/main" val="156050065"/>
       </p:ext>
     </p:extLst>
   </p:cSld>
@@ -37977,8 +37344,12 @@
           <a:p>
             <a:r>
               <a:rPr lang="en-US" dirty="0"/>
-              <a:t>Servicing Updates</a:t>
-            </a:r>
+              <a:t>Deployment Examples</a:t>
+            </a:r>
+            <a:br>
+              <a:rPr lang="en-US" dirty="0"/>
+            </a:br>
+            <a:endParaRPr lang="en-US" dirty="0"/>
           </a:p>
         </p:txBody>
       </p:sp>
@@ -37995,7 +37366,7 @@
         <p:spPr>
           <a:xfrm>
             <a:off x="655637" y="1439862"/>
-            <a:ext cx="10258637" cy="4136517"/>
+            <a:ext cx="11508566" cy="3754874"/>
           </a:xfrm>
           <a:prstGeom prst="rect">
             <a:avLst/>
@@ -38006,40 +37377,88 @@
           <a:lstStyle/>
           <a:p>
             <a:r>
-              <a:rPr lang="en-US" dirty="0"/>
-              <a:t>.NET Core updates are installed centrally</a:t>
-            </a:r>
-          </a:p>
-          <a:p>
-            <a:r>
-              <a:rPr lang="en-US" dirty="0"/>
-              <a:t>Updates are shipped at least 1/quarter</a:t>
-            </a:r>
-          </a:p>
-          <a:p>
-            <a:r>
-              <a:rPr lang="en-US" dirty="0"/>
-              <a:t>Framework-dependent apps roll-forward to latest patch</a:t>
-            </a:r>
-          </a:p>
-          <a:p>
-            <a:pPr lvl="1"/>
-            <a:r>
-              <a:rPr lang="en-US" dirty="0"/>
-              <a:t>Example: Apps built for 1.0.0 roll forward to 1.0.4 patch version</a:t>
-            </a:r>
-          </a:p>
-          <a:p>
-            <a:pPr lvl="1"/>
-            <a:r>
-              <a:rPr lang="en-US" dirty="0"/>
-              <a:t>Example: Apps built for 1.0.0 do not roll forward to 1.1.x or 2.0.x versions</a:t>
-            </a:r>
-          </a:p>
-          <a:p>
-            <a:r>
-              <a:rPr lang="en-US" dirty="0"/>
-              <a:t>Self-contained apps must be re-published</a:t>
+              <a:rPr lang="en-US" dirty="0">
+                <a:latin typeface="+mn-lt"/>
+              </a:rPr>
+              <a:t>Check out </a:t>
+            </a:r>
+            <a:r>
+              <a:rPr lang="en-US" b="1" dirty="0">
+                <a:solidFill>
+                  <a:schemeClr val="accent2"/>
+                </a:solidFill>
+                <a:latin typeface="+mn-lt"/>
+              </a:rPr>
+              <a:t>dotnet/dotnet-</a:t>
+            </a:r>
+            <a:r>
+              <a:rPr lang="en-US" b="1" dirty="0" err="1">
+                <a:solidFill>
+                  <a:schemeClr val="accent2"/>
+                </a:solidFill>
+                <a:latin typeface="+mn-lt"/>
+              </a:rPr>
+              <a:t>docker</a:t>
+            </a:r>
+            <a:r>
+              <a:rPr lang="en-US" b="1" dirty="0">
+                <a:solidFill>
+                  <a:schemeClr val="accent2"/>
+                </a:solidFill>
+                <a:latin typeface="+mn-lt"/>
+              </a:rPr>
+              <a:t>-samples</a:t>
+            </a:r>
+            <a:r>
+              <a:rPr lang="en-US" dirty="0">
+                <a:solidFill>
+                  <a:schemeClr val="accent2"/>
+                </a:solidFill>
+                <a:latin typeface="+mn-lt"/>
+              </a:rPr>
+              <a:t> </a:t>
+            </a:r>
+            <a:r>
+              <a:rPr lang="en-US" dirty="0">
+                <a:latin typeface="+mn-lt"/>
+              </a:rPr>
+              <a:t>for working deployment examples.</a:t>
+            </a:r>
+          </a:p>
+          <a:p>
+            <a:r>
+              <a:rPr lang="en-US" dirty="0">
+                <a:latin typeface="+mn-lt"/>
+              </a:rPr>
+              <a:t>Has both Docker and non-Docker instructions.</a:t>
+            </a:r>
+          </a:p>
+          <a:p>
+            <a:endParaRPr lang="en-US" dirty="0">
+              <a:latin typeface="+mn-lt"/>
+            </a:endParaRPr>
+          </a:p>
+          <a:p>
+            <a:pPr marL="0" indent="0">
+              <a:buNone/>
+            </a:pPr>
+            <a:endParaRPr lang="en-US" sz="4000" b="1" dirty="0">
+              <a:solidFill>
+                <a:srgbClr val="FF0000"/>
+              </a:solidFill>
+            </a:endParaRPr>
+          </a:p>
+          <a:p>
+            <a:pPr marL="0" indent="0">
+              <a:buNone/>
+            </a:pPr>
+            <a:r>
+              <a:rPr lang="en-US" sz="4000" b="1" dirty="0">
+                <a:solidFill>
+                  <a:schemeClr val="accent2"/>
+                </a:solidFill>
+              </a:rPr>
+              <a:t>https://github.com/dotnet/dotnet-docker-samples</a:t>
             </a:r>
           </a:p>
         </p:txBody>
@@ -38047,7 +37466,7 @@
     </p:spTree>
     <p:extLst>
       <p:ext uri="{BB962C8B-B14F-4D97-AF65-F5344CB8AC3E}">
-        <p14:creationId xmlns:p14="http://schemas.microsoft.com/office/powerpoint/2010/main" val="156050065"/>
+        <p14:creationId xmlns:p14="http://schemas.microsoft.com/office/powerpoint/2010/main" val="836868625"/>
       </p:ext>
     </p:extLst>
   </p:cSld>
@@ -38094,12 +37513,8 @@
           <a:p>
             <a:r>
               <a:rPr lang="en-US" dirty="0"/>
-              <a:t>Deployment Examples</a:t>
-            </a:r>
-            <a:br>
-              <a:rPr lang="en-US" dirty="0"/>
-            </a:br>
-            <a:endParaRPr lang="en-US" dirty="0"/>
+              <a:t>Self-contained deployment</a:t>
+            </a:r>
           </a:p>
         </p:txBody>
       </p:sp>
@@ -38116,7 +37531,7 @@
         <p:spPr>
           <a:xfrm>
             <a:off x="655637" y="1439862"/>
-            <a:ext cx="11508566" cy="3754874"/>
+            <a:ext cx="10258637" cy="5927777"/>
           </a:xfrm>
           <a:prstGeom prst="rect">
             <a:avLst/>
@@ -38127,87 +37542,133 @@
           <a:lstStyle/>
           <a:p>
             <a:r>
+              <a:rPr lang="en-US" dirty="0"/>
+              <a:t>Project file must contain one or more runtime IDs, for the targeted architectures</a:t>
+            </a:r>
+          </a:p>
+          <a:p>
+            <a:pPr lvl="1"/>
+            <a:r>
+              <a:rPr lang="en-US" dirty="0"/>
+              <a:t>&lt;</a:t>
+            </a:r>
+            <a:r>
+              <a:rPr lang="en-US" dirty="0" err="1"/>
+              <a:t>RuntimeIdentifiers</a:t>
+            </a:r>
+            <a:r>
+              <a:rPr lang="en-US" dirty="0"/>
+              <a:t>&gt;</a:t>
+            </a:r>
+            <a:r>
+              <a:rPr lang="mr-IN" dirty="0"/>
+              <a:t>win7-x64</a:t>
+            </a:r>
+            <a:r>
+              <a:rPr lang="en-US" dirty="0"/>
+              <a:t>; debian.8-x64&lt;/</a:t>
+            </a:r>
+            <a:r>
+              <a:rPr lang="en-US" dirty="0" err="1"/>
+              <a:t>RuntimeIdentifiers</a:t>
+            </a:r>
+            <a:r>
+              <a:rPr lang="en-US" dirty="0"/>
+              <a:t>&gt;</a:t>
+            </a:r>
+          </a:p>
+          <a:p>
+            <a:r>
+              <a:rPr lang="en-US" dirty="0"/>
+              <a:t>Publish in terms of an architecture</a:t>
+            </a:r>
+          </a:p>
+          <a:p>
+            <a:pPr lvl="1"/>
+            <a:r>
+              <a:rPr lang="en-US" dirty="0"/>
+              <a:t>dotnet publish -c release -r </a:t>
+            </a:r>
+            <a:r>
+              <a:rPr lang="mr-IN" dirty="0"/>
+              <a:t>win7-x64</a:t>
+            </a:r>
+            <a:endParaRPr lang="en-US" dirty="0"/>
+          </a:p>
+          <a:p>
+            <a:pPr lvl="1"/>
+            <a:endParaRPr lang="en-US" dirty="0"/>
+          </a:p>
+          <a:p>
+            <a:pPr marL="101600" indent="0">
+              <a:buNone/>
+            </a:pPr>
+            <a:r>
               <a:rPr lang="en-US" dirty="0">
-                <a:latin typeface="+mn-lt"/>
+                <a:solidFill>
+                  <a:schemeClr val="accent2"/>
+                </a:solidFill>
               </a:rPr>
-              <a:t>Check out </a:t>
-            </a:r>
-            <a:r>
-              <a:rPr lang="en-US" b="1" dirty="0">
+              <a:t>https://</a:t>
+            </a:r>
+            <a:r>
+              <a:rPr lang="en-US" dirty="0" err="1">
                 <a:solidFill>
-                  <a:srgbClr val="FF0000"/>
+                  <a:schemeClr val="accent2"/>
                 </a:solidFill>
-                <a:latin typeface="+mn-lt"/>
               </a:rPr>
-              <a:t>dotnet/dotnet-</a:t>
-            </a:r>
-            <a:r>
-              <a:rPr lang="en-US" b="1" dirty="0" err="1">
+              <a:t>github.com</a:t>
+            </a:r>
+            <a:r>
+              <a:rPr lang="en-US" dirty="0">
                 <a:solidFill>
-                  <a:srgbClr val="FF0000"/>
+                  <a:schemeClr val="accent2"/>
                 </a:solidFill>
-                <a:latin typeface="+mn-lt"/>
+              </a:rPr>
+              <a:t>/dotnet/dotnet-</a:t>
+            </a:r>
+            <a:r>
+              <a:rPr lang="en-US" dirty="0" err="1">
+                <a:solidFill>
+                  <a:schemeClr val="accent2"/>
+                </a:solidFill>
               </a:rPr>
               <a:t>docker</a:t>
             </a:r>
             <a:r>
-              <a:rPr lang="en-US" b="1" dirty="0">
+              <a:rPr lang="en-US" dirty="0">
                 <a:solidFill>
-                  <a:srgbClr val="FF0000"/>
+                  <a:schemeClr val="accent2"/>
                 </a:solidFill>
-                <a:latin typeface="+mn-lt"/>
               </a:rPr>
-              <a:t>-samples</a:t>
-            </a:r>
-            <a:r>
-              <a:rPr lang="en-US" dirty="0">
-                <a:latin typeface="+mn-lt"/>
+              <a:t>-samples/tree/master/</a:t>
+            </a:r>
+            <a:r>
+              <a:rPr lang="en-US" dirty="0" err="1">
+                <a:solidFill>
+                  <a:schemeClr val="accent2"/>
+                </a:solidFill>
               </a:rPr>
-              <a:t> for working deployment examples.</a:t>
-            </a:r>
-          </a:p>
-          <a:p>
-            <a:r>
-              <a:rPr lang="en-US" dirty="0">
-                <a:latin typeface="+mn-lt"/>
-              </a:rPr>
-              <a:t>Has both Docker and non-Docker instructions.</a:t>
-            </a:r>
-          </a:p>
-          <a:p>
+              <a:t>dotnetapp-selfcontained</a:t>
+            </a:r>
             <a:endParaRPr lang="en-US" dirty="0">
-              <a:latin typeface="+mn-lt"/>
-            </a:endParaRPr>
-          </a:p>
-          <a:p>
-            <a:pPr marL="0" indent="0">
-              <a:buNone/>
-            </a:pPr>
-            <a:endParaRPr lang="en-US" sz="4000" b="1" dirty="0">
               <a:solidFill>
-                <a:srgbClr val="FF0000"/>
+                <a:schemeClr val="accent2"/>
               </a:solidFill>
             </a:endParaRPr>
           </a:p>
           <a:p>
-            <a:pPr marL="0" indent="0">
-              <a:buNone/>
-            </a:pPr>
-            <a:r>
-              <a:rPr lang="en-US" sz="4000" b="1" dirty="0">
-                <a:solidFill>
-                  <a:srgbClr val="FF0000"/>
-                </a:solidFill>
-              </a:rPr>
-              <a:t>https://github.com/dotnet/dotnet-docker-samples</a:t>
-            </a:r>
+            <a:endParaRPr lang="en-US" dirty="0"/>
+          </a:p>
+          <a:p>
+            <a:endParaRPr lang="en-US" dirty="0"/>
           </a:p>
         </p:txBody>
       </p:sp>
     </p:spTree>
     <p:extLst>
       <p:ext uri="{BB962C8B-B14F-4D97-AF65-F5344CB8AC3E}">
-        <p14:creationId xmlns:p14="http://schemas.microsoft.com/office/powerpoint/2010/main" val="836868625"/>
+        <p14:creationId xmlns:p14="http://schemas.microsoft.com/office/powerpoint/2010/main" val="1930400616"/>
       </p:ext>
     </p:extLst>
   </p:cSld>
@@ -38239,7 +37700,7 @@
       </p:grpSpPr>
       <p:sp>
         <p:nvSpPr>
-          <p:cNvPr id="2" name="Title 1"/>
+          <p:cNvPr id="3" name="Title 2"/>
           <p:cNvSpPr>
             <a:spLocks noGrp="1"/>
           </p:cNvSpPr>
@@ -38254,171 +37715,55 @@
           <a:p>
             <a:r>
               <a:rPr lang="en-US" dirty="0"/>
-              <a:t>Self-contained deployment</a:t>
+              <a:t>Demo</a:t>
             </a:r>
           </a:p>
         </p:txBody>
       </p:sp>
       <p:sp>
         <p:nvSpPr>
-          <p:cNvPr id="3" name="Content Placeholder 2"/>
+          <p:cNvPr id="4" name="Text Placeholder 3"/>
           <p:cNvSpPr>
             <a:spLocks noGrp="1"/>
           </p:cNvSpPr>
           <p:nvPr>
-            <p:ph type="body" sz="quarter" idx="10"/>
+            <p:ph type="body" sz="quarter" idx="12"/>
           </p:nvPr>
         </p:nvSpPr>
-        <p:spPr>
-          <a:xfrm>
-            <a:off x="655637" y="1439862"/>
-            <a:ext cx="10258637" cy="5773888"/>
-          </a:xfrm>
-          <a:prstGeom prst="rect">
-            <a:avLst/>
-          </a:prstGeom>
-        </p:spPr>
+        <p:spPr/>
         <p:txBody>
           <a:bodyPr/>
           <a:lstStyle/>
           <a:p>
             <a:r>
               <a:rPr lang="en-US" dirty="0"/>
-              <a:t>Project file must contain one or more runtime IDs, for the targeted architectures</a:t>
-            </a:r>
-          </a:p>
-          <a:p>
-            <a:pPr lvl="1"/>
-            <a:r>
-              <a:rPr lang="en-US" dirty="0"/>
-              <a:t>&lt;</a:t>
-            </a:r>
-            <a:r>
-              <a:rPr lang="en-US" dirty="0" err="1"/>
-              <a:t>RuntimeIdentifiers</a:t>
-            </a:r>
-            <a:r>
-              <a:rPr lang="en-US" dirty="0"/>
-              <a:t>&gt;</a:t>
-            </a:r>
-            <a:r>
-              <a:rPr lang="mr-IN" dirty="0"/>
-              <a:t>win7-x64</a:t>
-            </a:r>
-            <a:r>
-              <a:rPr lang="en-US" dirty="0"/>
-              <a:t>; debian.8-x64&lt;/</a:t>
-            </a:r>
-            <a:r>
-              <a:rPr lang="en-US" dirty="0" err="1"/>
-              <a:t>RuntimeIdentifiers</a:t>
-            </a:r>
-            <a:r>
-              <a:rPr lang="en-US" dirty="0"/>
-              <a:t>&gt;</a:t>
-            </a:r>
-          </a:p>
-          <a:p>
-            <a:r>
-              <a:rPr lang="en-US" dirty="0"/>
-              <a:t>Publish in terms of an architecture</a:t>
-            </a:r>
-          </a:p>
-          <a:p>
-            <a:pPr lvl="1"/>
-            <a:r>
-              <a:rPr lang="en-US" dirty="0"/>
-              <a:t>dotnet publish -c release -r </a:t>
-            </a:r>
-            <a:r>
-              <a:rPr lang="mr-IN" dirty="0"/>
-              <a:t>win7-x64</a:t>
-            </a:r>
-            <a:endParaRPr lang="en-US" dirty="0"/>
-          </a:p>
-          <a:p>
-            <a:pPr lvl="1"/>
-            <a:endParaRPr lang="en-US" dirty="0"/>
-          </a:p>
-          <a:p>
-            <a:pPr marL="101600" indent="0">
-              <a:buNone/>
-            </a:pPr>
-            <a:r>
-              <a:rPr lang="en-US" dirty="0">
-                <a:solidFill>
-                  <a:srgbClr val="FF0000"/>
-                </a:solidFill>
-              </a:rPr>
-              <a:t>https://</a:t>
-            </a:r>
-            <a:r>
-              <a:rPr lang="en-US" dirty="0" err="1">
-                <a:solidFill>
-                  <a:srgbClr val="FF0000"/>
-                </a:solidFill>
-              </a:rPr>
-              <a:t>github.com</a:t>
-            </a:r>
-            <a:r>
-              <a:rPr lang="en-US" dirty="0">
-                <a:solidFill>
-                  <a:srgbClr val="FF0000"/>
-                </a:solidFill>
-              </a:rPr>
-              <a:t>/dotnet/dotnet-</a:t>
-            </a:r>
-            <a:r>
-              <a:rPr lang="en-US" dirty="0" err="1">
-                <a:solidFill>
-                  <a:srgbClr val="FF0000"/>
-                </a:solidFill>
-              </a:rPr>
-              <a:t>docker</a:t>
-            </a:r>
-            <a:r>
-              <a:rPr lang="en-US" dirty="0">
-                <a:solidFill>
-                  <a:srgbClr val="FF0000"/>
-                </a:solidFill>
-              </a:rPr>
-              <a:t>-samples/tree/master/</a:t>
-            </a:r>
-            <a:r>
-              <a:rPr lang="en-US" dirty="0" err="1">
-                <a:solidFill>
-                  <a:srgbClr val="FF0000"/>
-                </a:solidFill>
-              </a:rPr>
-              <a:t>dotnetapp-selfcontained</a:t>
-            </a:r>
-            <a:endParaRPr lang="en-US" dirty="0">
-              <a:solidFill>
-                <a:srgbClr val="FF0000"/>
-              </a:solidFill>
-            </a:endParaRPr>
-          </a:p>
-          <a:p>
-            <a:endParaRPr lang="en-US" dirty="0"/>
-          </a:p>
-          <a:p>
-            <a:endParaRPr lang="en-US" dirty="0"/>
+              <a:t>Deploying Standalone apps with Docker</a:t>
+            </a:r>
           </a:p>
         </p:txBody>
       </p:sp>
     </p:spTree>
     <p:extLst>
       <p:ext uri="{BB962C8B-B14F-4D97-AF65-F5344CB8AC3E}">
-        <p14:creationId xmlns:p14="http://schemas.microsoft.com/office/powerpoint/2010/main" val="1930400616"/>
+        <p14:creationId xmlns:p14="http://schemas.microsoft.com/office/powerpoint/2010/main" val="1884553598"/>
       </p:ext>
     </p:extLst>
   </p:cSld>
   <p:clrMapOvr>
     <a:masterClrMapping/>
   </p:clrMapOvr>
-  <p:transition>
-    <p:fade/>
-  </p:transition>
+  <mc:AlternateContent xmlns:mc="http://schemas.openxmlformats.org/markup-compatibility/2006" xmlns:p14="http://schemas.microsoft.com/office/powerpoint/2010/main">
+    <mc:Choice Requires="p14">
+      <p:transition spd="slow" p14:dur="3400">
+        <p14:reveal/>
+      </p:transition>
+    </mc:Choice>
+    <mc:Fallback xmlns="">
+      <p:transition spd="slow">
+        <p:fade/>
+      </p:transition>
+    </mc:Fallback>
+  </mc:AlternateContent>
 </p:sld>
 </file>
 
@@ -40241,92 +39586,6 @@
     </mc:Choice>
     <mc:Fallback xmlns="">
       <p:transition spd="med">
-        <p:fade/>
-      </p:transition>
-    </mc:Fallback>
-  </mc:AlternateContent>
-</p:sld>
-</file>
-
-<file path=ppt/slides/slide40.xml><?xml version="1.0" encoding="utf-8"?>
-<p:sld xmlns:a="http://schemas.openxmlformats.org/drawingml/2006/main" xmlns:r="http://schemas.openxmlformats.org/officeDocument/2006/relationships" xmlns:p="http://schemas.openxmlformats.org/presentationml/2006/main">
-  <p:cSld>
-    <p:spTree>
-      <p:nvGrpSpPr>
-        <p:cNvPr id="1" name=""/>
-        <p:cNvGrpSpPr/>
-        <p:nvPr/>
-      </p:nvGrpSpPr>
-      <p:grpSpPr>
-        <a:xfrm>
-          <a:off x="0" y="0"/>
-          <a:ext cx="0" cy="0"/>
-          <a:chOff x="0" y="0"/>
-          <a:chExt cx="0" cy="0"/>
-        </a:xfrm>
-      </p:grpSpPr>
-      <p:sp>
-        <p:nvSpPr>
-          <p:cNvPr id="3" name="Title 2"/>
-          <p:cNvSpPr>
-            <a:spLocks noGrp="1"/>
-          </p:cNvSpPr>
-          <p:nvPr>
-            <p:ph type="title"/>
-          </p:nvPr>
-        </p:nvSpPr>
-        <p:spPr/>
-        <p:txBody>
-          <a:bodyPr/>
-          <a:lstStyle/>
-          <a:p>
-            <a:r>
-              <a:rPr lang="en-US" dirty="0"/>
-              <a:t>Demo</a:t>
-            </a:r>
-          </a:p>
-        </p:txBody>
-      </p:sp>
-      <p:sp>
-        <p:nvSpPr>
-          <p:cNvPr id="4" name="Text Placeholder 3"/>
-          <p:cNvSpPr>
-            <a:spLocks noGrp="1"/>
-          </p:cNvSpPr>
-          <p:nvPr>
-            <p:ph type="body" sz="quarter" idx="12"/>
-          </p:nvPr>
-        </p:nvSpPr>
-        <p:spPr/>
-        <p:txBody>
-          <a:bodyPr/>
-          <a:lstStyle/>
-          <a:p>
-            <a:r>
-              <a:rPr lang="en-US" dirty="0"/>
-              <a:t>Deploying Standalone apps with Docker</a:t>
-            </a:r>
-          </a:p>
-        </p:txBody>
-      </p:sp>
-    </p:spTree>
-    <p:extLst>
-      <p:ext uri="{BB962C8B-B14F-4D97-AF65-F5344CB8AC3E}">
-        <p14:creationId xmlns:p14="http://schemas.microsoft.com/office/powerpoint/2010/main" val="1884553598"/>
-      </p:ext>
-    </p:extLst>
-  </p:cSld>
-  <p:clrMapOvr>
-    <a:masterClrMapping/>
-  </p:clrMapOvr>
-  <mc:AlternateContent xmlns:mc="http://schemas.openxmlformats.org/markup-compatibility/2006" xmlns:p14="http://schemas.microsoft.com/office/powerpoint/2010/main">
-    <mc:Choice Requires="p14">
-      <p:transition spd="slow" p14:dur="3400">
-        <p14:reveal/>
-      </p:transition>
-    </mc:Choice>
-    <mc:Fallback xmlns="">
-      <p:transition spd="slow">
         <p:fade/>
       </p:transition>
     </mc:Fallback>
@@ -43222,12 +42481,21 @@
 </file>
 
 <file path=customXml/item1.xml><?xml version="1.0" encoding="utf-8"?>
+<?mso-contentType ?>
+<FormTemplates xmlns="http://schemas.microsoft.com/sharepoint/v3/contenttype/forms">
+  <Display>DocumentLibraryForm</Display>
+  <Edit>DocumentLibraryForm</Edit>
+  <New>DocumentLibraryForm</New>
+</FormTemplates>
+</file>
+
+<file path=customXml/item2.xml><?xml version="1.0" encoding="utf-8"?>
 <p:properties xmlns:p="http://schemas.microsoft.com/office/2006/metadata/properties" xmlns:xsi="http://www.w3.org/2001/XMLSchema-instance" xmlns:pc="http://schemas.microsoft.com/office/infopath/2007/PartnerControls">
   <documentManagement/>
 </p:properties>
 </file>
 
-<file path=customXml/item2.xml><?xml version="1.0" encoding="utf-8"?>
+<file path=customXml/item3.xml><?xml version="1.0" encoding="utf-8"?>
 <ct:contentTypeSchema xmlns:ct="http://schemas.microsoft.com/office/2006/metadata/contentType" xmlns:ma="http://schemas.microsoft.com/office/2006/metadata/properties/metaAttributes" ct:_="" ma:_="" ma:contentTypeName="Document" ma:contentTypeID="0x0101004C8AF336095DB84A94AB1A4B939C0475" ma:contentTypeVersion="4" ma:contentTypeDescription="Create a new document." ma:contentTypeScope="" ma:versionID="6f8327450122d2e4aedd139501eaa58b">
   <xsd:schema xmlns:xsd="http://www.w3.org/2001/XMLSchema" xmlns:xs="http://www.w3.org/2001/XMLSchema" xmlns:p="http://schemas.microsoft.com/office/2006/metadata/properties" xmlns:ns2="29eeffc7-3a1a-4f16-995c-1b7b58342919" targetNamespace="http://schemas.microsoft.com/office/2006/metadata/properties" ma:root="true" ma:fieldsID="7d6c3be25c216b690a82d24b3f2244b5" ns2:_="">
     <xsd:import namespace="29eeffc7-3a1a-4f16-995c-1b7b58342919"/>
@@ -43389,32 +42657,31 @@
 </ct:contentTypeSchema>
 </file>
 
-<file path=customXml/item3.xml><?xml version="1.0" encoding="utf-8"?>
-<?mso-contentType ?>
-<FormTemplates xmlns="http://schemas.microsoft.com/sharepoint/v3/contenttype/forms">
-  <Display>DocumentLibraryForm</Display>
-  <Edit>DocumentLibraryForm</Edit>
-  <New>DocumentLibraryForm</New>
-</FormTemplates>
-</file>
-
 <file path=customXml/itemProps1.xml><?xml version="1.0" encoding="utf-8"?>
-<ds:datastoreItem xmlns:ds="http://schemas.openxmlformats.org/officeDocument/2006/customXml" ds:itemID="{F990F116-B58F-4255-B05B-DA3808E0E5C6}">
+<ds:datastoreItem xmlns:ds="http://schemas.openxmlformats.org/officeDocument/2006/customXml" ds:itemID="{758FDAC0-319D-4A54-8D8E-1D42CB1F8004}">
   <ds:schemaRefs>
-    <ds:schemaRef ds:uri="http://schemas.microsoft.com/office/2006/metadata/properties"/>
-    <ds:schemaRef ds:uri="29eeffc7-3a1a-4f16-995c-1b7b58342919"/>
-    <ds:schemaRef ds:uri="http://purl.org/dc/terms/"/>
-    <ds:schemaRef ds:uri="http://schemas.openxmlformats.org/package/2006/metadata/core-properties"/>
-    <ds:schemaRef ds:uri="http://purl.org/dc/dcmitype/"/>
-    <ds:schemaRef ds:uri="http://schemas.microsoft.com/office/infopath/2007/PartnerControls"/>
-    <ds:schemaRef ds:uri="http://schemas.microsoft.com/office/2006/documentManagement/types"/>
-    <ds:schemaRef ds:uri="http://purl.org/dc/elements/1.1/"/>
-    <ds:schemaRef ds:uri="http://www.w3.org/XML/1998/namespace"/>
+    <ds:schemaRef ds:uri="http://schemas.microsoft.com/sharepoint/v3/contenttype/forms"/>
   </ds:schemaRefs>
 </ds:datastoreItem>
 </file>
 
 <file path=customXml/itemProps2.xml><?xml version="1.0" encoding="utf-8"?>
+<ds:datastoreItem xmlns:ds="http://schemas.openxmlformats.org/officeDocument/2006/customXml" ds:itemID="{F990F116-B58F-4255-B05B-DA3808E0E5C6}">
+  <ds:schemaRefs>
+    <ds:schemaRef ds:uri="http://schemas.microsoft.com/office/2006/metadata/properties"/>
+    <ds:schemaRef ds:uri="http://purl.org/dc/terms/"/>
+    <ds:schemaRef ds:uri="http://schemas.microsoft.com/office/2006/documentManagement/types"/>
+    <ds:schemaRef ds:uri="http://schemas.microsoft.com/office/infopath/2007/PartnerControls"/>
+    <ds:schemaRef ds:uri="http://www.w3.org/XML/1998/namespace"/>
+    <ds:schemaRef ds:uri="http://purl.org/dc/dcmitype/"/>
+    <ds:schemaRef ds:uri="http://schemas.openxmlformats.org/package/2006/metadata/core-properties"/>
+    <ds:schemaRef ds:uri="29eeffc7-3a1a-4f16-995c-1b7b58342919"/>
+    <ds:schemaRef ds:uri="http://purl.org/dc/elements/1.1/"/>
+  </ds:schemaRefs>
+</ds:datastoreItem>
+</file>
+
+<file path=customXml/itemProps3.xml><?xml version="1.0" encoding="utf-8"?>
 <ds:datastoreItem xmlns:ds="http://schemas.openxmlformats.org/officeDocument/2006/customXml" ds:itemID="{4C47C6CA-B255-4F53-A8A9-1A4E6D0653D8}">
   <ds:schemaRefs>
     <ds:schemaRef ds:uri="http://schemas.microsoft.com/office/2006/metadata/contentType"/>
@@ -43430,12 +42697,4 @@
     <ds:schemaRef ds:uri="http://schemas.microsoft.com/internal/obd"/>
   </ds:schemaRefs>
 </ds:datastoreItem>
-</file>
-
-<file path=customXml/itemProps3.xml><?xml version="1.0" encoding="utf-8"?>
-<ds:datastoreItem xmlns:ds="http://schemas.openxmlformats.org/officeDocument/2006/customXml" ds:itemID="{758FDAC0-319D-4A54-8D8E-1D42CB1F8004}">
-  <ds:schemaRefs>
-    <ds:schemaRef ds:uri="http://schemas.microsoft.com/sharepoint/v3/contenttype/forms"/>
-  </ds:schemaRefs>
-</ds:datastoreItem>
 </file>
--- a/1-Overview-Tools-Acquisition/netcore-workshop-overview-tools.pptx
+++ b/1-Overview-Tools-Acquisition/netcore-workshop-overview-tools.pptx
@@ -232,10 +232,6 @@
 </p:cmAuthorLst>
 </file>
 
-<file path=ppt/revisionInfo.xml><?xml version="1.0" encoding="utf-8"?>
-<p1510:revInfo xmlns:a="http://schemas.openxmlformats.org/drawingml/2006/main" xmlns:r="http://schemas.openxmlformats.org/officeDocument/2006/relationships" xmlns:p1510="http://schemas.microsoft.com/office/powerpoint/2015/10/main"/>
-</file>
-
 <file path=ppt/handoutMasters/handoutMaster1.xml><?xml version="1.0" encoding="utf-8"?>
 <p:handoutMaster xmlns:a="http://schemas.openxmlformats.org/drawingml/2006/main" xmlns:r="http://schemas.openxmlformats.org/officeDocument/2006/relationships" xmlns:p="http://schemas.openxmlformats.org/presentationml/2006/main">
   <p:cSld>
@@ -325,7 +321,7 @@
               <a:rPr lang="en-US" smtClean="0">
                 <a:latin typeface="Segoe UI" pitchFamily="34" charset="0"/>
               </a:rPr>
-              <a:t>9/23/2017 8:31 AM</a:t>
+              <a:t>7/3/18 11:17 AM</a:t>
             </a:fld>
             <a:endParaRPr lang="en-US" dirty="0">
               <a:latin typeface="Segoe UI" pitchFamily="34" charset="0"/>
@@ -606,7 +602,7 @@
           <a:p>
             <a:fld id="{38EEC551-8CDA-4EB6-89BB-2A86C9F091C8}" type="datetime8">
               <a:rPr lang="en-US" smtClean="0"/>
-              <a:t>9/23/2017 8:18 AM</a:t>
+              <a:t>7/3/18 11:17 AM</a:t>
             </a:fld>
             <a:endParaRPr lang="en-US" dirty="0"/>
           </a:p>
@@ -1023,7 +1019,7 @@
           <a:p>
             <a:fld id="{38EEC551-8CDA-4EB6-89BB-2A86C9F091C8}" type="datetime8">
               <a:rPr lang="en-US" smtClean="0"/>
-              <a:t>9/23/2017 8:18 AM</a:t>
+              <a:t>7/3/18 11:17 AM</a:t>
             </a:fld>
             <a:endParaRPr lang="en-US" dirty="0"/>
           </a:p>
@@ -1332,7 +1328,7 @@
           <a:p>
             <a:fld id="{7D10C09F-FCA1-48C8-B40D-42E1045D109E}" type="datetime8">
               <a:rPr lang="en-US" smtClean="0"/>
-              <a:t>9/23/2017 8:18 AM</a:t>
+              <a:t>7/3/18 11:17 AM</a:t>
             </a:fld>
             <a:endParaRPr lang="en-US" dirty="0"/>
           </a:p>
@@ -1517,7 +1513,7 @@
           <a:p>
             <a:fld id="{38EEC551-8CDA-4EB6-89BB-2A86C9F091C8}" type="datetime8">
               <a:rPr lang="en-US" smtClean="0"/>
-              <a:t>9/23/2017 8:18 AM</a:t>
+              <a:t>7/3/18 11:17 AM</a:t>
             </a:fld>
             <a:endParaRPr lang="en-US" dirty="0"/>
           </a:p>
@@ -1702,7 +1698,7 @@
           <a:p>
             <a:fld id="{38EEC551-8CDA-4EB6-89BB-2A86C9F091C8}" type="datetime8">
               <a:rPr lang="en-US" smtClean="0"/>
-              <a:t>9/23/2017 8:18 AM</a:t>
+              <a:t>7/3/18 11:17 AM</a:t>
             </a:fld>
             <a:endParaRPr lang="en-US" dirty="0"/>
           </a:p>
@@ -1890,7 +1886,7 @@
           <a:p>
             <a:fld id="{38EEC551-8CDA-4EB6-89BB-2A86C9F091C8}" type="datetime8">
               <a:rPr lang="en-US" smtClean="0"/>
-              <a:t>9/23/2017 8:18 AM</a:t>
+              <a:t>7/3/18 11:17 AM</a:t>
             </a:fld>
             <a:endParaRPr lang="en-US" dirty="0"/>
           </a:p>
@@ -2202,7 +2198,7 @@
           <a:p>
             <a:fld id="{38EEC551-8CDA-4EB6-89BB-2A86C9F091C8}" type="datetime8">
               <a:rPr lang="en-US" smtClean="0"/>
-              <a:t>9/23/2017 8:18 AM</a:t>
+              <a:t>7/3/18 11:17 AM</a:t>
             </a:fld>
             <a:endParaRPr lang="en-US" dirty="0"/>
           </a:p>
@@ -2466,7 +2462,7 @@
                 <a:tabLst/>
                 <a:defRPr/>
               </a:pPr>
-              <a:t>9/23/2017 8:18 AM</a:t>
+              <a:t>7/3/18 11:30 AM</a:t>
             </a:fld>
             <a:endParaRPr kumimoji="0" lang="en-US" sz="1200" b="0" i="0" u="none" strike="noStrike" kern="1200" cap="none" spc="0" normalizeH="0" baseline="0" noProof="0" dirty="0">
               <a:ln>
@@ -2723,7 +2719,7 @@
           <a:p>
             <a:fld id="{38EEC551-8CDA-4EB6-89BB-2A86C9F091C8}" type="datetime8">
               <a:rPr lang="en-US" smtClean="0"/>
-              <a:t>9/23/2017 8:18 AM</a:t>
+              <a:t>7/3/18 11:17 AM</a:t>
             </a:fld>
             <a:endParaRPr lang="en-US" dirty="0"/>
           </a:p>
@@ -2908,7 +2904,7 @@
           <a:p>
             <a:fld id="{38EEC551-8CDA-4EB6-89BB-2A86C9F091C8}" type="datetime8">
               <a:rPr lang="en-US" smtClean="0"/>
-              <a:t>9/23/2017 8:18 AM</a:t>
+              <a:t>7/3/18 11:17 AM</a:t>
             </a:fld>
             <a:endParaRPr lang="en-US" dirty="0"/>
           </a:p>
@@ -3157,7 +3153,7 @@
           <a:p>
             <a:fld id="{7D10C09F-FCA1-48C8-B40D-42E1045D109E}" type="datetime8">
               <a:rPr lang="en-US" smtClean="0"/>
-              <a:t>9/23/2017 8:18 AM</a:t>
+              <a:t>7/3/18 11:17 AM</a:t>
             </a:fld>
             <a:endParaRPr lang="en-US" dirty="0"/>
           </a:p>
@@ -3409,7 +3405,7 @@
           <a:p>
             <a:fld id="{7D10C09F-FCA1-48C8-B40D-42E1045D109E}" type="datetime8">
               <a:rPr lang="en-US" smtClean="0"/>
-              <a:t>9/23/2017 8:18 AM</a:t>
+              <a:t>7/3/18 11:17 AM</a:t>
             </a:fld>
             <a:endParaRPr lang="en-US" dirty="0"/>
           </a:p>
@@ -3541,7 +3537,7 @@
           <a:p>
             <a:fld id="{6108602D-D426-4C00-B215-BFA18C076426}" type="datetime8">
               <a:rPr lang="en-US" smtClean="0"/>
-              <a:t>9/23/2017 8:18 AM</a:t>
+              <a:t>7/3/18 11:17 AM</a:t>
             </a:fld>
             <a:endParaRPr lang="en-US" dirty="0"/>
           </a:p>
@@ -3754,7 +3750,7 @@
           <a:p>
             <a:fld id="{6108602D-D426-4C00-B215-BFA18C076426}" type="datetime8">
               <a:rPr lang="en-US" smtClean="0"/>
-              <a:t>9/23/2017 8:18 AM</a:t>
+              <a:t>7/3/18 11:17 AM</a:t>
             </a:fld>
             <a:endParaRPr lang="en-US" dirty="0"/>
           </a:p>
@@ -3996,7 +3992,7 @@
           <a:p>
             <a:fld id="{6108602D-D426-4C00-B215-BFA18C076426}" type="datetime8">
               <a:rPr lang="en-US" smtClean="0"/>
-              <a:t>9/23/2017 8:18 AM</a:t>
+              <a:t>7/3/18 11:17 AM</a:t>
             </a:fld>
             <a:endParaRPr lang="en-US" dirty="0"/>
           </a:p>
@@ -4194,7 +4190,7 @@
           <a:p>
             <a:fld id="{7D10C09F-FCA1-48C8-B40D-42E1045D109E}" type="datetime8">
               <a:rPr lang="en-US" smtClean="0"/>
-              <a:t>9/23/2017 8:18 AM</a:t>
+              <a:t>7/3/18 11:17 AM</a:t>
             </a:fld>
             <a:endParaRPr lang="en-US" dirty="0"/>
           </a:p>
@@ -4379,7 +4375,7 @@
           <a:p>
             <a:fld id="{38EEC551-8CDA-4EB6-89BB-2A86C9F091C8}" type="datetime8">
               <a:rPr lang="en-US" smtClean="0"/>
-              <a:t>9/23/2017 8:18 AM</a:t>
+              <a:t>7/3/18 11:17 AM</a:t>
             </a:fld>
             <a:endParaRPr lang="en-US" dirty="0"/>
           </a:p>
@@ -4614,7 +4610,7 @@
           <a:p>
             <a:fld id="{38EEC551-8CDA-4EB6-89BB-2A86C9F091C8}" type="datetime8">
               <a:rPr lang="en-US" smtClean="0"/>
-              <a:t>9/23/2017 8:18 AM</a:t>
+              <a:t>7/3/18 11:17 AM</a:t>
             </a:fld>
             <a:endParaRPr lang="en-US" dirty="0"/>
           </a:p>
@@ -4799,7 +4795,7 @@
           <a:p>
             <a:fld id="{38EEC551-8CDA-4EB6-89BB-2A86C9F091C8}" type="datetime8">
               <a:rPr lang="en-US" smtClean="0"/>
-              <a:t>9/23/2017 8:18 AM</a:t>
+              <a:t>7/3/18 11:17 AM</a:t>
             </a:fld>
             <a:endParaRPr lang="en-US" dirty="0"/>
           </a:p>
@@ -4961,7 +4957,7 @@
           <a:p>
             <a:fld id="{E74353ED-ACB2-44BF-A903-985B0AF962B7}" type="datetime1">
               <a:rPr lang="en-US" smtClean="0"/>
-              <a:t>9/23/2017</a:t>
+              <a:t>7/3/18</a:t>
             </a:fld>
             <a:endParaRPr lang="en-US" dirty="0"/>
           </a:p>
@@ -5225,7 +5221,7 @@
                 <a:tabLst/>
                 <a:defRPr/>
               </a:pPr>
-              <a:t>9/23/2017 8:18 AM</a:t>
+              <a:t>7/3/18 11:17 AM</a:t>
             </a:fld>
             <a:endParaRPr kumimoji="0" lang="en-US" sz="1200" b="0" i="0" u="none" strike="noStrike" kern="1200" cap="none" spc="0" normalizeH="0" baseline="0" noProof="0" dirty="0">
               <a:ln>
@@ -5429,7 +5425,7 @@
           <a:p>
             <a:fld id="{6108602D-D426-4C00-B215-BFA18C076426}" type="datetime8">
               <a:rPr lang="en-US" smtClean="0"/>
-              <a:t>9/23/2017 8:18 AM</a:t>
+              <a:t>7/3/18 11:17 AM</a:t>
             </a:fld>
             <a:endParaRPr lang="en-US" dirty="0"/>
           </a:p>
@@ -5594,7 +5590,7 @@
           <a:p>
             <a:fld id="{6108602D-D426-4C00-B215-BFA18C076426}" type="datetime8">
               <a:rPr lang="en-US" smtClean="0"/>
-              <a:t>9/23/2017 8:18 AM</a:t>
+              <a:t>7/3/18 11:17 AM</a:t>
             </a:fld>
             <a:endParaRPr lang="en-US" dirty="0"/>
           </a:p>
@@ -5930,7 +5926,7 @@
                 <a:tabLst/>
                 <a:defRPr/>
               </a:pPr>
-              <a:t>9/23/2017 8:18 AM</a:t>
+              <a:t>7/3/18 11:17 AM</a:t>
             </a:fld>
             <a:endParaRPr kumimoji="0" lang="en-US" sz="1200" b="0" i="0" u="none" strike="noStrike" kern="1200" cap="none" spc="0" normalizeH="0" baseline="0" noProof="0" dirty="0">
               <a:ln>
@@ -6167,7 +6163,7 @@
           <a:p>
             <a:fld id="{7D10C09F-FCA1-48C8-B40D-42E1045D109E}" type="datetime8">
               <a:rPr lang="en-US" smtClean="0"/>
-              <a:t>9/23/2017 8:18 AM</a:t>
+              <a:t>7/3/18 11:17 AM</a:t>
             </a:fld>
             <a:endParaRPr lang="en-US" dirty="0"/>
           </a:p>
@@ -6445,7 +6441,7 @@
           <a:p>
             <a:fld id="{38EEC551-8CDA-4EB6-89BB-2A86C9F091C8}" type="datetime8">
               <a:rPr lang="en-US" smtClean="0"/>
-              <a:t>9/23/2017 8:18 AM</a:t>
+              <a:t>7/3/18 11:17 AM</a:t>
             </a:fld>
             <a:endParaRPr lang="en-US" dirty="0"/>
           </a:p>
@@ -6723,7 +6719,7 @@
           <a:p>
             <a:fld id="{38EEC551-8CDA-4EB6-89BB-2A86C9F091C8}" type="datetime8">
               <a:rPr lang="en-US" smtClean="0"/>
-              <a:t>9/23/2017 8:18 AM</a:t>
+              <a:t>7/3/18 11:17 AM</a:t>
             </a:fld>
             <a:endParaRPr lang="en-US" dirty="0"/>
           </a:p>
@@ -7001,7 +6997,7 @@
           <a:p>
             <a:fld id="{38EEC551-8CDA-4EB6-89BB-2A86C9F091C8}" type="datetime8">
               <a:rPr lang="en-US" smtClean="0"/>
-              <a:t>9/23/2017 8:18 AM</a:t>
+              <a:t>7/3/18 11:17 AM</a:t>
             </a:fld>
             <a:endParaRPr lang="en-US" dirty="0"/>
           </a:p>
@@ -7279,7 +7275,7 @@
           <a:p>
             <a:fld id="{38EEC551-8CDA-4EB6-89BB-2A86C9F091C8}" type="datetime8">
               <a:rPr lang="en-US" smtClean="0"/>
-              <a:t>9/23/2017 8:18 AM</a:t>
+              <a:t>7/3/18 11:17 AM</a:t>
             </a:fld>
             <a:endParaRPr lang="en-US" dirty="0"/>
           </a:p>
@@ -7557,7 +7553,7 @@
           <a:p>
             <a:fld id="{38EEC551-8CDA-4EB6-89BB-2A86C9F091C8}" type="datetime8">
               <a:rPr lang="en-US" smtClean="0"/>
-              <a:t>9/23/2017 8:18 AM</a:t>
+              <a:t>7/3/18 11:17 AM</a:t>
             </a:fld>
             <a:endParaRPr lang="en-US" dirty="0"/>
           </a:p>
@@ -7860,7 +7856,7 @@
                 <a:tabLst/>
                 <a:defRPr/>
               </a:pPr>
-              <a:t>9/23/2017 8:18 AM</a:t>
+              <a:t>7/3/18 11:17 AM</a:t>
             </a:fld>
             <a:endParaRPr kumimoji="0" lang="en-US" sz="1200" b="0" i="0" u="none" strike="noStrike" kern="1200" cap="none" spc="0" normalizeH="0" baseline="0" noProof="0" dirty="0">
               <a:ln>
@@ -8196,7 +8192,7 @@
                 <a:tabLst/>
                 <a:defRPr/>
               </a:pPr>
-              <a:t>9/23/2017 8:18 AM</a:t>
+              <a:t>7/3/18 11:17 AM</a:t>
             </a:fld>
             <a:endParaRPr kumimoji="0" lang="en-US" sz="1200" b="0" i="0" u="none" strike="noStrike" kern="1200" cap="none" spc="0" normalizeH="0" baseline="0" noProof="0" dirty="0">
               <a:ln>
@@ -8532,7 +8528,7 @@
                 <a:tabLst/>
                 <a:defRPr/>
               </a:pPr>
-              <a:t>9/23/2017 8:18 AM</a:t>
+              <a:t>7/3/18 11:17 AM</a:t>
             </a:fld>
             <a:endParaRPr kumimoji="0" lang="en-US" sz="1200" b="0" i="0" u="none" strike="noStrike" kern="1200" cap="none" spc="0" normalizeH="0" baseline="0" noProof="0" dirty="0">
               <a:ln>
@@ -8789,7 +8785,7 @@
           <a:p>
             <a:fld id="{38EEC551-8CDA-4EB6-89BB-2A86C9F091C8}" type="datetime8">
               <a:rPr lang="en-US" smtClean="0"/>
-              <a:t>9/23/2017 8:18 AM</a:t>
+              <a:t>7/3/18 11:17 AM</a:t>
             </a:fld>
             <a:endParaRPr lang="en-US" dirty="0"/>
           </a:p>
@@ -8974,7 +8970,7 @@
           <a:p>
             <a:fld id="{38EEC551-8CDA-4EB6-89BB-2A86C9F091C8}" type="datetime8">
               <a:rPr lang="en-US" smtClean="0"/>
-              <a:t>9/23/2017 8:18 AM</a:t>
+              <a:t>7/3/18 11:17 AM</a:t>
             </a:fld>
             <a:endParaRPr lang="en-US" dirty="0"/>
           </a:p>
@@ -9159,7 +9155,7 @@
           <a:p>
             <a:fld id="{38EEC551-8CDA-4EB6-89BB-2A86C9F091C8}" type="datetime8">
               <a:rPr lang="en-US" smtClean="0"/>
-              <a:t>9/23/2017 8:18 AM</a:t>
+              <a:t>7/3/18 11:17 AM</a:t>
             </a:fld>
             <a:endParaRPr lang="en-US" dirty="0"/>
           </a:p>
@@ -9344,7 +9340,7 @@
           <a:p>
             <a:fld id="{38EEC551-8CDA-4EB6-89BB-2A86C9F091C8}" type="datetime8">
               <a:rPr lang="en-US" smtClean="0"/>
-              <a:t>9/23/2017 8:18 AM</a:t>
+              <a:t>7/3/18 11:17 AM</a:t>
             </a:fld>
             <a:endParaRPr lang="en-US" dirty="0"/>
           </a:p>
@@ -30098,7 +30094,7 @@
             </a:r>
             <a:r>
               <a:rPr lang="en-US" dirty="0"/>
-              <a:t> (10.12)</a:t>
+              <a:t> (10.12+)</a:t>
             </a:r>
           </a:p>
           <a:p>
@@ -30127,7 +30123,7 @@
         <p:spPr>
           <a:xfrm>
             <a:off x="6675439" y="1212849"/>
-            <a:ext cx="5486399" cy="4690515"/>
+            <a:ext cx="5486399" cy="5096780"/>
           </a:xfrm>
         </p:spPr>
         <p:txBody>
@@ -30147,7 +30143,7 @@
             </a:r>
             <a:r>
               <a:rPr lang="en-US" dirty="0"/>
-              <a:t>7</a:t>
+              <a:t>6,7</a:t>
             </a:r>
           </a:p>
           <a:p>
@@ -30158,7 +30154,7 @@
             </a:r>
             <a:r>
               <a:rPr lang="en-US" dirty="0"/>
-              <a:t>25, 26</a:t>
+              <a:t>27,28</a:t>
             </a:r>
           </a:p>
           <a:p>
@@ -30180,7 +30176,7 @@
             </a:r>
             <a:r>
               <a:rPr lang="en-US" dirty="0"/>
-              <a:t>8.7+</a:t>
+              <a:t>9,8.7+</a:t>
             </a:r>
           </a:p>
           <a:p>
@@ -30191,7 +30187,7 @@
             </a:r>
             <a:r>
               <a:rPr lang="en-US" dirty="0"/>
-              <a:t>14.04, 16.04, 17.04</a:t>
+              <a:t>18.04, 17.10, 16.04, 14.04</a:t>
             </a:r>
           </a:p>
           <a:p>
@@ -30213,7 +30209,7 @@
             </a:r>
             <a:r>
               <a:rPr lang="en-US" dirty="0"/>
-              <a:t> 42.2+</a:t>
+              <a:t> 42.3+</a:t>
             </a:r>
           </a:p>
           <a:p>
@@ -30236,6 +30232,17 @@
             <a:r>
               <a:rPr lang="en-US" dirty="0"/>
               <a:t>12 SP2+</a:t>
+            </a:r>
+          </a:p>
+          <a:p>
+            <a:pPr lvl="1"/>
+            <a:r>
+              <a:rPr lang="en-US" b="1" dirty="0"/>
+              <a:t>Alpine Linux</a:t>
+            </a:r>
+            <a:r>
+              <a:rPr lang="en-US" dirty="0"/>
+              <a:t> 3.7+</a:t>
             </a:r>
           </a:p>
           <a:p>
@@ -30273,7 +30280,15 @@
           <a:p>
             <a:r>
               <a:rPr lang="en-US" dirty="0"/>
-              <a:t>https://github.com/dotnet/core/blob/master/release-notes/2.0/2.0-supported-os.md</a:t>
+              <a:t>https://</a:t>
+            </a:r>
+            <a:r>
+              <a:rPr lang="en-US" dirty="0" err="1"/>
+              <a:t>github.com</a:t>
+            </a:r>
+            <a:r>
+              <a:rPr lang="en-US" dirty="0"/>
+              <a:t>/dotnet/core/blob/master/release-notes/2.1/2.1-supported-os.md</a:t>
             </a:r>
           </a:p>
         </p:txBody>
@@ -31482,7 +31497,7 @@
                   <a:srgbClr val="00B050"/>
                 </a:solidFill>
               </a:rPr>
-              <a:t>netcoreapp2.0</a:t>
+              <a:t>netcoreapp2.1</a:t>
             </a:r>
             <a:r>
               <a:rPr lang="en-US" dirty="0"/>
@@ -31603,7 +31618,7 @@
         <p:spPr>
           <a:xfrm>
             <a:off x="274638" y="1221157"/>
-            <a:ext cx="12527207" cy="5769272"/>
+            <a:ext cx="12527207" cy="5312223"/>
           </a:xfrm>
         </p:spPr>
         <p:txBody>
@@ -31668,7 +31683,7 @@
                   <a:srgbClr val="00B050"/>
                 </a:solidFill>
               </a:rPr>
-              <a:t>netcoreapp2.0</a:t>
+              <a:t>netcoreapp2.1</a:t>
             </a:r>
             <a:r>
               <a:rPr lang="en-US" sz="2800" dirty="0"/>
@@ -31772,11 +31787,11 @@
                   <a:srgbClr val="00B050"/>
                 </a:solidFill>
               </a:rPr>
-              <a:t>Microsoft.AspNetCore.All</a:t>
+              <a:t>Microsoft.AspNetCore.App</a:t>
             </a:r>
             <a:r>
               <a:rPr lang="en-US" sz="2800" dirty="0"/>
-              <a:t>" 	Version="2.0.0" /&gt;</a:t>
+              <a:t>" /&gt;</a:t>
             </a:r>
           </a:p>
           <a:p>
@@ -40786,7 +40801,7 @@
             </a:r>
             <a:r>
               <a:rPr lang="en-US" sz="2400" dirty="0"/>
-              <a:t> Framework Benchmarks – Round 14 </a:t>
+              <a:t> Framework Benchmarks – Round 16 </a:t>
             </a:r>
             <a:r>
               <a:rPr lang="mr-IN" sz="2400" dirty="0"/>
@@ -40821,10 +40836,10 @@
       </p:sp>
       <p:pic>
         <p:nvPicPr>
-          <p:cNvPr id="6" name="Picture 5" descr="A screenshot of a computer&#10;&#10;Description generated with high confidence">
+          <p:cNvPr id="4" name="Picture 3">
             <a:extLst>
               <a:ext uri="{FF2B5EF4-FFF2-40B4-BE49-F238E27FC236}">
-                <a16:creationId xmlns:a16="http://schemas.microsoft.com/office/drawing/2014/main" id="{E7B77187-D59D-4960-A700-014EC29E45DD}"/>
+                <a16:creationId xmlns:a16="http://schemas.microsoft.com/office/drawing/2014/main" id="{15FAF517-AF3F-664D-A015-E77DBB8CB774}"/>
               </a:ext>
             </a:extLst>
           </p:cNvPr>
@@ -40841,8 +40856,8 @@
         </p:blipFill>
         <p:spPr>
           <a:xfrm>
-            <a:off x="0" y="1394165"/>
-            <a:ext cx="12436475" cy="4866060"/>
+            <a:off x="11192" y="1668482"/>
+            <a:ext cx="12424897" cy="3959436"/>
           </a:xfrm>
           <a:prstGeom prst="rect">
             <a:avLst/>
@@ -42481,21 +42496,12 @@
 </file>
 
 <file path=customXml/item1.xml><?xml version="1.0" encoding="utf-8"?>
-<?mso-contentType ?>
-<FormTemplates xmlns="http://schemas.microsoft.com/sharepoint/v3/contenttype/forms">
-  <Display>DocumentLibraryForm</Display>
-  <Edit>DocumentLibraryForm</Edit>
-  <New>DocumentLibraryForm</New>
-</FormTemplates>
-</file>
-
-<file path=customXml/item2.xml><?xml version="1.0" encoding="utf-8"?>
 <p:properties xmlns:p="http://schemas.microsoft.com/office/2006/metadata/properties" xmlns:xsi="http://www.w3.org/2001/XMLSchema-instance" xmlns:pc="http://schemas.microsoft.com/office/infopath/2007/PartnerControls">
   <documentManagement/>
 </p:properties>
 </file>
 
-<file path=customXml/item3.xml><?xml version="1.0" encoding="utf-8"?>
+<file path=customXml/item2.xml><?xml version="1.0" encoding="utf-8"?>
 <ct:contentTypeSchema xmlns:ct="http://schemas.microsoft.com/office/2006/metadata/contentType" xmlns:ma="http://schemas.microsoft.com/office/2006/metadata/properties/metaAttributes" ct:_="" ma:_="" ma:contentTypeName="Document" ma:contentTypeID="0x0101004C8AF336095DB84A94AB1A4B939C0475" ma:contentTypeVersion="4" ma:contentTypeDescription="Create a new document." ma:contentTypeScope="" ma:versionID="6f8327450122d2e4aedd139501eaa58b">
   <xsd:schema xmlns:xsd="http://www.w3.org/2001/XMLSchema" xmlns:xs="http://www.w3.org/2001/XMLSchema" xmlns:p="http://schemas.microsoft.com/office/2006/metadata/properties" xmlns:ns2="29eeffc7-3a1a-4f16-995c-1b7b58342919" targetNamespace="http://schemas.microsoft.com/office/2006/metadata/properties" ma:root="true" ma:fieldsID="7d6c3be25c216b690a82d24b3f2244b5" ns2:_="">
     <xsd:import namespace="29eeffc7-3a1a-4f16-995c-1b7b58342919"/>
@@ -42657,15 +42663,16 @@
 </ct:contentTypeSchema>
 </file>
 
-<file path=customXml/itemProps1.xml><?xml version="1.0" encoding="utf-8"?>
-<ds:datastoreItem xmlns:ds="http://schemas.openxmlformats.org/officeDocument/2006/customXml" ds:itemID="{758FDAC0-319D-4A54-8D8E-1D42CB1F8004}">
-  <ds:schemaRefs>
-    <ds:schemaRef ds:uri="http://schemas.microsoft.com/sharepoint/v3/contenttype/forms"/>
-  </ds:schemaRefs>
-</ds:datastoreItem>
+<file path=customXml/item3.xml><?xml version="1.0" encoding="utf-8"?>
+<?mso-contentType ?>
+<FormTemplates xmlns="http://schemas.microsoft.com/sharepoint/v3/contenttype/forms">
+  <Display>DocumentLibraryForm</Display>
+  <Edit>DocumentLibraryForm</Edit>
+  <New>DocumentLibraryForm</New>
+</FormTemplates>
 </file>
 
-<file path=customXml/itemProps2.xml><?xml version="1.0" encoding="utf-8"?>
+<file path=customXml/itemProps1.xml><?xml version="1.0" encoding="utf-8"?>
 <ds:datastoreItem xmlns:ds="http://schemas.openxmlformats.org/officeDocument/2006/customXml" ds:itemID="{F990F116-B58F-4255-B05B-DA3808E0E5C6}">
   <ds:schemaRefs>
     <ds:schemaRef ds:uri="http://schemas.microsoft.com/office/2006/metadata/properties"/>
@@ -42681,7 +42688,7 @@
 </ds:datastoreItem>
 </file>
 
-<file path=customXml/itemProps3.xml><?xml version="1.0" encoding="utf-8"?>
+<file path=customXml/itemProps2.xml><?xml version="1.0" encoding="utf-8"?>
 <ds:datastoreItem xmlns:ds="http://schemas.openxmlformats.org/officeDocument/2006/customXml" ds:itemID="{4C47C6CA-B255-4F53-A8A9-1A4E6D0653D8}">
   <ds:schemaRefs>
     <ds:schemaRef ds:uri="http://schemas.microsoft.com/office/2006/metadata/contentType"/>
@@ -42697,4 +42704,12 @@
     <ds:schemaRef ds:uri="http://schemas.microsoft.com/internal/obd"/>
   </ds:schemaRefs>
 </ds:datastoreItem>
+</file>
+
+<file path=customXml/itemProps3.xml><?xml version="1.0" encoding="utf-8"?>
+<ds:datastoreItem xmlns:ds="http://schemas.openxmlformats.org/officeDocument/2006/customXml" ds:itemID="{758FDAC0-319D-4A54-8D8E-1D42CB1F8004}">
+  <ds:schemaRefs>
+    <ds:schemaRef ds:uri="http://schemas.microsoft.com/sharepoint/v3/contenttype/forms"/>
+  </ds:schemaRefs>
+</ds:datastoreItem>
 </file>